--- a/distributed ML implementation.pptx
+++ b/distributed ML implementation.pptx
@@ -7,12 +7,18 @@
   <p:sldIdLst>
     <p:sldId id="256" r:id="rId2"/>
     <p:sldId id="257" r:id="rId3"/>
-    <p:sldId id="258" r:id="rId4"/>
-    <p:sldId id="259" r:id="rId5"/>
-    <p:sldId id="260" r:id="rId6"/>
-    <p:sldId id="262" r:id="rId7"/>
-    <p:sldId id="261" r:id="rId8"/>
-    <p:sldId id="263" r:id="rId9"/>
+    <p:sldId id="267" r:id="rId4"/>
+    <p:sldId id="268" r:id="rId5"/>
+    <p:sldId id="269" r:id="rId6"/>
+    <p:sldId id="258" r:id="rId7"/>
+    <p:sldId id="259" r:id="rId8"/>
+    <p:sldId id="260" r:id="rId9"/>
+    <p:sldId id="262" r:id="rId10"/>
+    <p:sldId id="261" r:id="rId11"/>
+    <p:sldId id="263" r:id="rId12"/>
+    <p:sldId id="264" r:id="rId13"/>
+    <p:sldId id="265" r:id="rId14"/>
+    <p:sldId id="266" r:id="rId15"/>
   </p:sldIdLst>
   <p:sldSz cx="12192000" cy="6858000"/>
   <p:notesSz cx="6858000" cy="9144000"/>
@@ -3031,6 +3037,426 @@
 </p:sld>
 </file>
 
+<file path=ppt/slides/slide10.xml><?xml version="1.0" encoding="utf-8"?>
+<p:sld xmlns:a="http://schemas.openxmlformats.org/drawingml/2006/main" xmlns:r="http://schemas.openxmlformats.org/officeDocument/2006/relationships" xmlns:p="http://schemas.openxmlformats.org/presentationml/2006/main">
+  <p:cSld>
+    <p:spTree>
+      <p:nvGrpSpPr>
+        <p:cNvPr id="1" name=""/>
+        <p:cNvGrpSpPr/>
+        <p:nvPr/>
+      </p:nvGrpSpPr>
+      <p:grpSpPr>
+        <a:xfrm>
+          <a:off x="0" y="0"/>
+          <a:ext cx="0" cy="0"/>
+          <a:chOff x="0" y="0"/>
+          <a:chExt cx="0" cy="0"/>
+        </a:xfrm>
+      </p:grpSpPr>
+      <p:sp>
+        <p:nvSpPr>
+          <p:cNvPr id="2" name="Title 1"/>
+          <p:cNvSpPr>
+            <a:spLocks noGrp="1"/>
+          </p:cNvSpPr>
+          <p:nvPr>
+            <p:ph type="title"/>
+          </p:nvPr>
+        </p:nvSpPr>
+        <p:spPr/>
+        <p:txBody>
+          <a:bodyPr/>
+          <a:lstStyle/>
+          <a:p>
+            <a:r>
+              <a:rPr lang="en-US" altLang="zh-CN" dirty="0" smtClean="0"/>
+              <a:t>downpour</a:t>
+            </a:r>
+            <a:endParaRPr lang="en-US" dirty="0"/>
+          </a:p>
+        </p:txBody>
+      </p:sp>
+      <p:sp>
+        <p:nvSpPr>
+          <p:cNvPr id="3" name="Content Placeholder 2"/>
+          <p:cNvSpPr>
+            <a:spLocks noGrp="1"/>
+          </p:cNvSpPr>
+          <p:nvPr>
+            <p:ph idx="1"/>
+          </p:nvPr>
+        </p:nvSpPr>
+        <p:spPr/>
+        <p:txBody>
+          <a:bodyPr/>
+          <a:lstStyle/>
+          <a:p>
+            <a:endParaRPr lang="en-US" dirty="0"/>
+          </a:p>
+        </p:txBody>
+      </p:sp>
+    </p:spTree>
+    <p:extLst>
+      <p:ext uri="{BB962C8B-B14F-4D97-AF65-F5344CB8AC3E}">
+        <p14:creationId xmlns:p14="http://schemas.microsoft.com/office/powerpoint/2010/main" val="300832056"/>
+      </p:ext>
+    </p:extLst>
+  </p:cSld>
+  <p:clrMapOvr>
+    <a:masterClrMapping/>
+  </p:clrMapOvr>
+</p:sld>
+</file>
+
+<file path=ppt/slides/slide11.xml><?xml version="1.0" encoding="utf-8"?>
+<p:sld xmlns:a="http://schemas.openxmlformats.org/drawingml/2006/main" xmlns:r="http://schemas.openxmlformats.org/officeDocument/2006/relationships" xmlns:p="http://schemas.openxmlformats.org/presentationml/2006/main">
+  <p:cSld>
+    <p:spTree>
+      <p:nvGrpSpPr>
+        <p:cNvPr id="1" name=""/>
+        <p:cNvGrpSpPr/>
+        <p:nvPr/>
+      </p:nvGrpSpPr>
+      <p:grpSpPr>
+        <a:xfrm>
+          <a:off x="0" y="0"/>
+          <a:ext cx="0" cy="0"/>
+          <a:chOff x="0" y="0"/>
+          <a:chExt cx="0" cy="0"/>
+        </a:xfrm>
+      </p:grpSpPr>
+      <p:sp>
+        <p:nvSpPr>
+          <p:cNvPr id="2" name="Title 1"/>
+          <p:cNvSpPr>
+            <a:spLocks noGrp="1"/>
+          </p:cNvSpPr>
+          <p:nvPr>
+            <p:ph type="title"/>
+          </p:nvPr>
+        </p:nvSpPr>
+        <p:spPr/>
+        <p:txBody>
+          <a:bodyPr/>
+          <a:lstStyle/>
+          <a:p>
+            <a:r>
+              <a:rPr lang="en-US" altLang="zh-CN" dirty="0" err="1" smtClean="0"/>
+              <a:t>ssp</a:t>
+            </a:r>
+            <a:endParaRPr lang="en-US" dirty="0"/>
+          </a:p>
+        </p:txBody>
+      </p:sp>
+      <p:sp>
+        <p:nvSpPr>
+          <p:cNvPr id="3" name="Content Placeholder 2"/>
+          <p:cNvSpPr>
+            <a:spLocks noGrp="1"/>
+          </p:cNvSpPr>
+          <p:nvPr>
+            <p:ph idx="1"/>
+          </p:nvPr>
+        </p:nvSpPr>
+        <p:spPr/>
+        <p:txBody>
+          <a:bodyPr/>
+          <a:lstStyle/>
+          <a:p>
+            <a:endParaRPr lang="en-US"/>
+          </a:p>
+        </p:txBody>
+      </p:sp>
+    </p:spTree>
+    <p:extLst>
+      <p:ext uri="{BB962C8B-B14F-4D97-AF65-F5344CB8AC3E}">
+        <p14:creationId xmlns:p14="http://schemas.microsoft.com/office/powerpoint/2010/main" val="3658863621"/>
+      </p:ext>
+    </p:extLst>
+  </p:cSld>
+  <p:clrMapOvr>
+    <a:masterClrMapping/>
+  </p:clrMapOvr>
+</p:sld>
+</file>
+
+<file path=ppt/slides/slide12.xml><?xml version="1.0" encoding="utf-8"?>
+<p:sld xmlns:a="http://schemas.openxmlformats.org/drawingml/2006/main" xmlns:r="http://schemas.openxmlformats.org/officeDocument/2006/relationships" xmlns:p="http://schemas.openxmlformats.org/presentationml/2006/main">
+  <p:cSld>
+    <p:spTree>
+      <p:nvGrpSpPr>
+        <p:cNvPr id="1" name=""/>
+        <p:cNvGrpSpPr/>
+        <p:nvPr/>
+      </p:nvGrpSpPr>
+      <p:grpSpPr>
+        <a:xfrm>
+          <a:off x="0" y="0"/>
+          <a:ext cx="0" cy="0"/>
+          <a:chOff x="0" y="0"/>
+          <a:chExt cx="0" cy="0"/>
+        </a:xfrm>
+      </p:grpSpPr>
+      <p:sp>
+        <p:nvSpPr>
+          <p:cNvPr id="2" name="标题 1"/>
+          <p:cNvSpPr>
+            <a:spLocks noGrp="1"/>
+          </p:cNvSpPr>
+          <p:nvPr>
+            <p:ph type="title"/>
+          </p:nvPr>
+        </p:nvSpPr>
+        <p:spPr/>
+        <p:txBody>
+          <a:bodyPr/>
+          <a:lstStyle/>
+          <a:p>
+            <a:endParaRPr lang="zh-CN" altLang="en-US"/>
+          </a:p>
+        </p:txBody>
+      </p:sp>
+      <p:sp>
+        <p:nvSpPr>
+          <p:cNvPr id="3" name="内容占位符 2"/>
+          <p:cNvSpPr>
+            <a:spLocks noGrp="1"/>
+          </p:cNvSpPr>
+          <p:nvPr>
+            <p:ph idx="1"/>
+          </p:nvPr>
+        </p:nvSpPr>
+        <p:spPr/>
+        <p:txBody>
+          <a:bodyPr/>
+          <a:lstStyle/>
+          <a:p>
+            <a:endParaRPr lang="zh-CN" altLang="en-US"/>
+          </a:p>
+        </p:txBody>
+      </p:sp>
+      <p:pic>
+        <p:nvPicPr>
+          <p:cNvPr id="4" name="图片 3"/>
+          <p:cNvPicPr>
+            <a:picLocks noChangeAspect="1"/>
+          </p:cNvPicPr>
+          <p:nvPr/>
+        </p:nvPicPr>
+        <p:blipFill>
+          <a:blip r:embed="rId2"/>
+          <a:stretch>
+            <a:fillRect/>
+          </a:stretch>
+        </p:blipFill>
+        <p:spPr>
+          <a:xfrm>
+            <a:off x="838200" y="190092"/>
+            <a:ext cx="8847619" cy="2704762"/>
+          </a:xfrm>
+          <a:prstGeom prst="rect">
+            <a:avLst/>
+          </a:prstGeom>
+        </p:spPr>
+      </p:pic>
+      <p:pic>
+        <p:nvPicPr>
+          <p:cNvPr id="5" name="图片 4"/>
+          <p:cNvPicPr>
+            <a:picLocks noChangeAspect="1"/>
+          </p:cNvPicPr>
+          <p:nvPr/>
+        </p:nvPicPr>
+        <p:blipFill>
+          <a:blip r:embed="rId3"/>
+          <a:stretch>
+            <a:fillRect/>
+          </a:stretch>
+        </p:blipFill>
+        <p:spPr>
+          <a:xfrm>
+            <a:off x="706990" y="2894854"/>
+            <a:ext cx="10219048" cy="3457143"/>
+          </a:xfrm>
+          <a:prstGeom prst="rect">
+            <a:avLst/>
+          </a:prstGeom>
+        </p:spPr>
+      </p:pic>
+    </p:spTree>
+    <p:extLst>
+      <p:ext uri="{BB962C8B-B14F-4D97-AF65-F5344CB8AC3E}">
+        <p14:creationId xmlns:p14="http://schemas.microsoft.com/office/powerpoint/2010/main" val="3918488752"/>
+      </p:ext>
+    </p:extLst>
+  </p:cSld>
+  <p:clrMapOvr>
+    <a:masterClrMapping/>
+  </p:clrMapOvr>
+</p:sld>
+</file>
+
+<file path=ppt/slides/slide13.xml><?xml version="1.0" encoding="utf-8"?>
+<p:sld xmlns:a="http://schemas.openxmlformats.org/drawingml/2006/main" xmlns:r="http://schemas.openxmlformats.org/officeDocument/2006/relationships" xmlns:p="http://schemas.openxmlformats.org/presentationml/2006/main">
+  <p:cSld>
+    <p:spTree>
+      <p:nvGrpSpPr>
+        <p:cNvPr id="1" name=""/>
+        <p:cNvGrpSpPr/>
+        <p:nvPr/>
+      </p:nvGrpSpPr>
+      <p:grpSpPr>
+        <a:xfrm>
+          <a:off x="0" y="0"/>
+          <a:ext cx="0" cy="0"/>
+          <a:chOff x="0" y="0"/>
+          <a:chExt cx="0" cy="0"/>
+        </a:xfrm>
+      </p:grpSpPr>
+      <p:sp>
+        <p:nvSpPr>
+          <p:cNvPr id="2" name="标题 1"/>
+          <p:cNvSpPr>
+            <a:spLocks noGrp="1"/>
+          </p:cNvSpPr>
+          <p:nvPr>
+            <p:ph type="title"/>
+          </p:nvPr>
+        </p:nvSpPr>
+        <p:spPr/>
+        <p:txBody>
+          <a:bodyPr/>
+          <a:lstStyle/>
+          <a:p>
+            <a:endParaRPr lang="zh-CN" altLang="en-US"/>
+          </a:p>
+        </p:txBody>
+      </p:sp>
+      <p:sp>
+        <p:nvSpPr>
+          <p:cNvPr id="3" name="内容占位符 2"/>
+          <p:cNvSpPr>
+            <a:spLocks noGrp="1"/>
+          </p:cNvSpPr>
+          <p:nvPr>
+            <p:ph idx="1"/>
+          </p:nvPr>
+        </p:nvSpPr>
+        <p:spPr/>
+        <p:txBody>
+          <a:bodyPr/>
+          <a:lstStyle/>
+          <a:p>
+            <a:endParaRPr lang="zh-CN" altLang="en-US"/>
+          </a:p>
+        </p:txBody>
+      </p:sp>
+      <p:pic>
+        <p:nvPicPr>
+          <p:cNvPr id="4" name="图片 3"/>
+          <p:cNvPicPr>
+            <a:picLocks noChangeAspect="1"/>
+          </p:cNvPicPr>
+          <p:nvPr/>
+        </p:nvPicPr>
+        <p:blipFill>
+          <a:blip r:embed="rId2"/>
+          <a:stretch>
+            <a:fillRect/>
+          </a:stretch>
+        </p:blipFill>
+        <p:spPr>
+          <a:xfrm>
+            <a:off x="1522971" y="674971"/>
+            <a:ext cx="8942857" cy="4542857"/>
+          </a:xfrm>
+          <a:prstGeom prst="rect">
+            <a:avLst/>
+          </a:prstGeom>
+        </p:spPr>
+      </p:pic>
+    </p:spTree>
+    <p:extLst>
+      <p:ext uri="{BB962C8B-B14F-4D97-AF65-F5344CB8AC3E}">
+        <p14:creationId xmlns:p14="http://schemas.microsoft.com/office/powerpoint/2010/main" val="3716760722"/>
+      </p:ext>
+    </p:extLst>
+  </p:cSld>
+  <p:clrMapOvr>
+    <a:masterClrMapping/>
+  </p:clrMapOvr>
+</p:sld>
+</file>
+
+<file path=ppt/slides/slide14.xml><?xml version="1.0" encoding="utf-8"?>
+<p:sld xmlns:a="http://schemas.openxmlformats.org/drawingml/2006/main" xmlns:r="http://schemas.openxmlformats.org/officeDocument/2006/relationships" xmlns:p="http://schemas.openxmlformats.org/presentationml/2006/main">
+  <p:cSld>
+    <p:spTree>
+      <p:nvGrpSpPr>
+        <p:cNvPr id="1" name=""/>
+        <p:cNvGrpSpPr/>
+        <p:nvPr/>
+      </p:nvGrpSpPr>
+      <p:grpSpPr>
+        <a:xfrm>
+          <a:off x="0" y="0"/>
+          <a:ext cx="0" cy="0"/>
+          <a:chOff x="0" y="0"/>
+          <a:chExt cx="0" cy="0"/>
+        </a:xfrm>
+      </p:grpSpPr>
+      <p:sp>
+        <p:nvSpPr>
+          <p:cNvPr id="2" name="标题 1"/>
+          <p:cNvSpPr>
+            <a:spLocks noGrp="1"/>
+          </p:cNvSpPr>
+          <p:nvPr>
+            <p:ph type="title"/>
+          </p:nvPr>
+        </p:nvSpPr>
+        <p:spPr/>
+        <p:txBody>
+          <a:bodyPr/>
+          <a:lstStyle/>
+          <a:p>
+            <a:endParaRPr lang="zh-CN" altLang="en-US"/>
+          </a:p>
+        </p:txBody>
+      </p:sp>
+      <p:sp>
+        <p:nvSpPr>
+          <p:cNvPr id="3" name="内容占位符 2"/>
+          <p:cNvSpPr>
+            <a:spLocks noGrp="1"/>
+          </p:cNvSpPr>
+          <p:nvPr>
+            <p:ph idx="1"/>
+          </p:nvPr>
+        </p:nvSpPr>
+        <p:spPr/>
+        <p:txBody>
+          <a:bodyPr/>
+          <a:lstStyle/>
+          <a:p>
+            <a:endParaRPr lang="zh-CN" altLang="en-US"/>
+          </a:p>
+        </p:txBody>
+      </p:sp>
+    </p:spTree>
+    <p:extLst>
+      <p:ext uri="{BB962C8B-B14F-4D97-AF65-F5344CB8AC3E}">
+        <p14:creationId xmlns:p14="http://schemas.microsoft.com/office/powerpoint/2010/main" val="1931049320"/>
+      </p:ext>
+    </p:extLst>
+  </p:cSld>
+  <p:clrMapOvr>
+    <a:masterClrMapping/>
+  </p:clrMapOvr>
+</p:sld>
+</file>
+
 <file path=ppt/slides/slide2.xml><?xml version="1.0" encoding="utf-8"?>
 <p:sld xmlns:a="http://schemas.openxmlformats.org/drawingml/2006/main" xmlns:r="http://schemas.openxmlformats.org/officeDocument/2006/relationships" xmlns:p="http://schemas.openxmlformats.org/presentationml/2006/main">
   <p:cSld>
@@ -3082,7 +3508,42 @@
           <a:bodyPr/>
           <a:lstStyle/>
           <a:p>
-            <a:endParaRPr lang="en-US"/>
+            <a:r>
+              <a:rPr lang="en-US" dirty="0" smtClean="0"/>
+              <a:t>Lock and lock-free</a:t>
+            </a:r>
+          </a:p>
+          <a:p>
+            <a:r>
+              <a:rPr lang="en-US" dirty="0" smtClean="0"/>
+              <a:t>Partition data and sampling data	</a:t>
+            </a:r>
+          </a:p>
+          <a:p>
+            <a:r>
+              <a:rPr lang="en-US" dirty="0" smtClean="0"/>
+              <a:t>Share memory and parameter server</a:t>
+            </a:r>
+          </a:p>
+          <a:p>
+            <a:r>
+              <a:rPr lang="en-US" dirty="0" smtClean="0"/>
+              <a:t>Under parameter server</a:t>
+            </a:r>
+          </a:p>
+          <a:p>
+            <a:r>
+              <a:rPr lang="en-US" dirty="0" smtClean="0"/>
+              <a:t>Decentralize </a:t>
+            </a:r>
+            <a:r>
+              <a:rPr lang="en-US" altLang="zh-CN" dirty="0" smtClean="0"/>
+              <a:t>architecture</a:t>
+            </a:r>
+            <a:endParaRPr lang="en-US" dirty="0" smtClean="0"/>
+          </a:p>
+          <a:p>
+            <a:endParaRPr lang="en-US" dirty="0"/>
           </a:p>
         </p:txBody>
       </p:sp>
@@ -3118,6 +3579,892 @@
       </p:grpSpPr>
       <p:sp>
         <p:nvSpPr>
+          <p:cNvPr id="2" name="标题 1"/>
+          <p:cNvSpPr>
+            <a:spLocks noGrp="1"/>
+          </p:cNvSpPr>
+          <p:nvPr>
+            <p:ph type="title"/>
+          </p:nvPr>
+        </p:nvSpPr>
+        <p:spPr/>
+        <p:txBody>
+          <a:bodyPr/>
+          <a:lstStyle/>
+          <a:p>
+            <a:r>
+              <a:rPr lang="en-US" altLang="zh-CN" dirty="0"/>
+              <a:t>Lock and </a:t>
+            </a:r>
+            <a:r>
+              <a:rPr lang="en-US" altLang="zh-CN" dirty="0" smtClean="0"/>
+              <a:t>lock-free</a:t>
+            </a:r>
+            <a:endParaRPr lang="zh-CN" altLang="en-US" dirty="0"/>
+          </a:p>
+        </p:txBody>
+      </p:sp>
+      <p:pic>
+        <p:nvPicPr>
+          <p:cNvPr id="4" name="Picture 2" descr="Algorithm 1 HOGWILD! update for individual processors &#10;2: &#10;g: &#10;4: &#10;5: &#10;loop &#10;sample e uniformly at random from E &#10;Read current state and evaluate Ge (x) &#10;for t' e CIO — &#10;end loop "/>
+          <p:cNvPicPr>
+            <a:picLocks noChangeAspect="1" noChangeArrowheads="1"/>
+          </p:cNvPicPr>
+          <p:nvPr/>
+        </p:nvPicPr>
+        <p:blipFill>
+          <a:blip r:embed="rId2">
+            <a:extLst>
+              <a:ext uri="{28A0092B-C50C-407E-A947-70E740481C1C}">
+                <a14:useLocalDpi xmlns:a14="http://schemas.microsoft.com/office/drawing/2010/main" val="0"/>
+              </a:ext>
+            </a:extLst>
+          </a:blip>
+          <a:srcRect/>
+          <a:stretch>
+            <a:fillRect/>
+          </a:stretch>
+        </p:blipFill>
+        <p:spPr bwMode="auto">
+          <a:xfrm>
+            <a:off x="938213" y="1414917"/>
+            <a:ext cx="10415587" cy="2135943"/>
+          </a:xfrm>
+          <a:prstGeom prst="rect">
+            <a:avLst/>
+          </a:prstGeom>
+          <a:noFill/>
+          <a:extLst>
+            <a:ext uri="{909E8E84-426E-40DD-AFC4-6F175D3DCCD1}">
+              <a14:hiddenFill xmlns:a14="http://schemas.microsoft.com/office/drawing/2010/main">
+                <a:solidFill>
+                  <a:srgbClr val="FFFFFF"/>
+                </a:solidFill>
+              </a14:hiddenFill>
+            </a:ext>
+          </a:extLst>
+        </p:spPr>
+      </p:pic>
+      <p:sp>
+        <p:nvSpPr>
+          <p:cNvPr id="5" name="TextBox 2"/>
+          <p:cNvSpPr txBox="1"/>
+          <p:nvPr/>
+        </p:nvSpPr>
+        <p:spPr>
+          <a:xfrm>
+            <a:off x="223162" y="4070597"/>
+            <a:ext cx="11968838" cy="2031325"/>
+          </a:xfrm>
+          <a:prstGeom prst="rect">
+            <a:avLst/>
+          </a:prstGeom>
+          <a:noFill/>
+        </p:spPr>
+        <p:txBody>
+          <a:bodyPr wrap="square" rtlCol="0">
+            <a:spAutoFit/>
+          </a:bodyPr>
+          <a:lstStyle/>
+          <a:p>
+            <a:r>
+              <a:rPr lang="en-US" altLang="zh-CN" dirty="0" smtClean="0"/>
+              <a:t>Assume</a:t>
+            </a:r>
+          </a:p>
+          <a:p>
+            <a:pPr marL="342900" indent="-342900">
+              <a:buAutoNum type="arabicParenR"/>
+            </a:pPr>
+            <a:r>
+              <a:rPr lang="en-US" dirty="0" smtClean="0"/>
+              <a:t>only </a:t>
+            </a:r>
+            <a:r>
+              <a:rPr lang="en-US" dirty="0"/>
+              <a:t>a single coordinate per sampled </a:t>
+            </a:r>
+            <a:r>
+              <a:rPr lang="en-US" dirty="0" err="1"/>
+              <a:t>hyperedge</a:t>
+            </a:r>
+            <a:r>
+              <a:rPr lang="en-US" dirty="0"/>
+              <a:t> is updated (</a:t>
+            </a:r>
+            <a:r>
+              <a:rPr lang="en-US" i="1" dirty="0" err="1"/>
+              <a:t>i.e</a:t>
+            </a:r>
+            <a:r>
+              <a:rPr lang="en-US" i="1" dirty="0" err="1" smtClean="0"/>
+              <a:t>.</a:t>
+            </a:r>
+            <a:r>
+              <a:rPr lang="en-US" dirty="0" err="1" smtClean="0"/>
+              <a:t>,the</a:t>
+            </a:r>
+            <a:r>
+              <a:rPr lang="en-US" dirty="0" smtClean="0"/>
+              <a:t> </a:t>
+            </a:r>
+            <a:r>
+              <a:rPr lang="en-US" dirty="0"/>
+              <a:t>for loop in </a:t>
+            </a:r>
+            <a:r>
+              <a:rPr lang="en-US" dirty="0" err="1"/>
+              <a:t>Hogwild</a:t>
+            </a:r>
+            <a:r>
+              <a:rPr lang="en-US" dirty="0"/>
+              <a:t>! is replaced with a single coordinate update</a:t>
+            </a:r>
+            <a:r>
+              <a:rPr lang="en-US" dirty="0" smtClean="0"/>
+              <a:t>);</a:t>
+            </a:r>
+          </a:p>
+          <a:p>
+            <a:pPr marL="342900" indent="-342900">
+              <a:buAutoNum type="arabicParenR"/>
+            </a:pPr>
+            <a:r>
+              <a:rPr lang="en-US" i="1" dirty="0" smtClean="0"/>
+              <a:t> </a:t>
+            </a:r>
+            <a:r>
+              <a:rPr lang="en-US" dirty="0" smtClean="0"/>
+              <a:t>the authors assumed </a:t>
+            </a:r>
+            <a:r>
+              <a:rPr lang="en-US" i="1" dirty="0" smtClean="0"/>
+              <a:t>consistent reads</a:t>
+            </a:r>
+            <a:r>
+              <a:rPr lang="en-US" dirty="0" smtClean="0"/>
+              <a:t>, </a:t>
+            </a:r>
+            <a:r>
+              <a:rPr lang="en-US" i="1" dirty="0" smtClean="0"/>
+              <a:t>i.e.</a:t>
+            </a:r>
+            <a:r>
+              <a:rPr lang="en-US" dirty="0"/>
+              <a:t>, it was assumed that while a core is reading the shared variable, no writes from other cores occur; </a:t>
+            </a:r>
+            <a:endParaRPr lang="en-US" dirty="0" smtClean="0"/>
+          </a:p>
+          <a:p>
+            <a:pPr marL="342900" indent="-342900">
+              <a:buAutoNum type="arabicParenR"/>
+            </a:pPr>
+            <a:r>
+              <a:rPr lang="en-US" dirty="0" smtClean="0"/>
+              <a:t>the </a:t>
+            </a:r>
+            <a:r>
+              <a:rPr lang="en-US" dirty="0"/>
+              <a:t>authors make an implicit assumption on the uniformity of the </a:t>
+            </a:r>
+            <a:r>
+              <a:rPr lang="en-US" dirty="0" smtClean="0"/>
+              <a:t>processing times </a:t>
+            </a:r>
+            <a:r>
+              <a:rPr lang="en-US" dirty="0"/>
+              <a:t>of cores (explained in the following), that does not generically hold in practice</a:t>
+            </a:r>
+          </a:p>
+        </p:txBody>
+      </p:sp>
+      <mc:AlternateContent xmlns:mc="http://schemas.openxmlformats.org/markup-compatibility/2006">
+        <mc:Choice xmlns:a14="http://schemas.microsoft.com/office/drawing/2010/main" Requires="a14">
+          <p:sp>
+            <p:nvSpPr>
+              <p:cNvPr id="7" name="矩形 6"/>
+              <p:cNvSpPr/>
+              <p:nvPr/>
+            </p:nvSpPr>
+            <p:spPr>
+              <a:xfrm>
+                <a:off x="2838816" y="3640677"/>
+                <a:ext cx="2234650" cy="369332"/>
+              </a:xfrm>
+              <a:prstGeom prst="rect">
+                <a:avLst/>
+              </a:prstGeom>
+            </p:spPr>
+            <p:txBody>
+              <a:bodyPr wrap="none">
+                <a:spAutoFit/>
+              </a:bodyPr>
+              <a:lstStyle/>
+              <a:p>
+                <a14:m>
+                  <m:oMathPara xmlns:m="http://schemas.openxmlformats.org/officeDocument/2006/math">
+                    <m:oMathParaPr>
+                      <m:jc m:val="centerGroup"/>
+                    </m:oMathParaPr>
+                    <m:oMath xmlns:m="http://schemas.openxmlformats.org/officeDocument/2006/math">
+                      <m:d>
+                        <m:dPr>
+                          <m:begChr m:val=""/>
+                          <m:ctrlPr>
+                            <a:rPr lang="zh-CN" altLang="en-US">
+                              <a:latin typeface="Cambria Math" panose="02040503050406030204" pitchFamily="18" charset="0"/>
+                            </a:rPr>
+                          </m:ctrlPr>
+                        </m:dPr>
+                        <m:e>
+                          <m:sSub>
+                            <m:sSubPr>
+                              <m:ctrlPr>
+                                <a:rPr lang="zh-CN" altLang="en-US">
+                                  <a:latin typeface="Cambria Math" panose="02040503050406030204" pitchFamily="18" charset="0"/>
+                                </a:rPr>
+                              </m:ctrlPr>
+                            </m:sSubPr>
+                            <m:e>
+                              <m:r>
+                                <a:rPr lang="zh-CN" altLang="en-US" i="1">
+                                  <a:latin typeface="Cambria Math" panose="02040503050406030204" pitchFamily="18" charset="0"/>
+                                </a:rPr>
+                                <m:t>𝑥</m:t>
+                              </m:r>
+                            </m:e>
+                            <m:sub>
+                              <m:r>
+                                <a:rPr lang="zh-CN" altLang="en-US" i="1">
+                                  <a:latin typeface="Cambria Math" panose="02040503050406030204" pitchFamily="18" charset="0"/>
+                                </a:rPr>
+                                <m:t>𝑣</m:t>
+                              </m:r>
+                            </m:sub>
+                          </m:sSub>
+                          <m:r>
+                            <a:rPr lang="zh-CN" altLang="en-US" i="0">
+                              <a:latin typeface="Cambria Math" panose="02040503050406030204" pitchFamily="18" charset="0"/>
+                            </a:rPr>
+                            <m:t>←</m:t>
+                          </m:r>
+                          <m:sSub>
+                            <m:sSubPr>
+                              <m:ctrlPr>
+                                <a:rPr lang="zh-CN" altLang="en-US" i="1">
+                                  <a:latin typeface="Cambria Math" panose="02040503050406030204" pitchFamily="18" charset="0"/>
+                                </a:rPr>
+                              </m:ctrlPr>
+                            </m:sSubPr>
+                            <m:e>
+                              <m:r>
+                                <a:rPr lang="zh-CN" altLang="en-US" i="1">
+                                  <a:latin typeface="Cambria Math" panose="02040503050406030204" pitchFamily="18" charset="0"/>
+                                </a:rPr>
+                                <m:t>𝑥</m:t>
+                              </m:r>
+                            </m:e>
+                            <m:sub>
+                              <m:r>
+                                <a:rPr lang="zh-CN" altLang="en-US" i="1">
+                                  <a:latin typeface="Cambria Math" panose="02040503050406030204" pitchFamily="18" charset="0"/>
+                                </a:rPr>
+                                <m:t>𝑣</m:t>
+                              </m:r>
+                            </m:sub>
+                          </m:sSub>
+                          <m:r>
+                            <a:rPr lang="zh-CN" altLang="en-US" i="0">
+                              <a:latin typeface="Cambria Math" panose="02040503050406030204" pitchFamily="18" charset="0"/>
+                            </a:rPr>
+                            <m:t>−</m:t>
+                          </m:r>
+                          <m:r>
+                            <a:rPr lang="zh-CN" altLang="en-US" i="1">
+                              <a:latin typeface="Cambria Math" panose="02040503050406030204" pitchFamily="18" charset="0"/>
+                            </a:rPr>
+                            <m:t>𝛾</m:t>
+                          </m:r>
+                          <m:sSubSup>
+                            <m:sSubSupPr>
+                              <m:ctrlPr>
+                                <a:rPr lang="zh-CN" altLang="en-US" i="1">
+                                  <a:latin typeface="Cambria Math" panose="02040503050406030204" pitchFamily="18" charset="0"/>
+                                </a:rPr>
+                              </m:ctrlPr>
+                            </m:sSubSupPr>
+                            <m:e>
+                              <m:r>
+                                <a:rPr lang="zh-CN" altLang="en-US" i="1">
+                                  <a:latin typeface="Cambria Math" panose="02040503050406030204" pitchFamily="18" charset="0"/>
+                                </a:rPr>
+                                <m:t>𝑏</m:t>
+                              </m:r>
+                            </m:e>
+                            <m:sub>
+                              <m:r>
+                                <a:rPr lang="zh-CN" altLang="en-US" i="1">
+                                  <a:latin typeface="Cambria Math" panose="02040503050406030204" pitchFamily="18" charset="0"/>
+                                </a:rPr>
+                                <m:t>𝑣</m:t>
+                              </m:r>
+                            </m:sub>
+                            <m:sup>
+                              <m:r>
+                                <a:rPr lang="zh-CN" altLang="en-US" i="1">
+                                  <a:latin typeface="Cambria Math" panose="02040503050406030204" pitchFamily="18" charset="0"/>
+                                </a:rPr>
+                                <m:t>𝑇</m:t>
+                              </m:r>
+                            </m:sup>
+                          </m:sSubSup>
+                          <m:sSub>
+                            <m:sSubPr>
+                              <m:ctrlPr>
+                                <a:rPr lang="zh-CN" altLang="en-US" i="1">
+                                  <a:latin typeface="Cambria Math" panose="02040503050406030204" pitchFamily="18" charset="0"/>
+                                </a:rPr>
+                              </m:ctrlPr>
+                            </m:sSubPr>
+                            <m:e>
+                              <m:r>
+                                <a:rPr lang="zh-CN" altLang="en-US" i="1">
+                                  <a:latin typeface="Cambria Math" panose="02040503050406030204" pitchFamily="18" charset="0"/>
+                                </a:rPr>
+                                <m:t>𝐺</m:t>
+                              </m:r>
+                            </m:e>
+                            <m:sub>
+                              <m:r>
+                                <a:rPr lang="zh-CN" altLang="en-US" i="1">
+                                  <a:latin typeface="Cambria Math" panose="02040503050406030204" pitchFamily="18" charset="0"/>
+                                </a:rPr>
+                                <m:t>𝑒</m:t>
+                              </m:r>
+                            </m:sub>
+                          </m:sSub>
+                          <m:r>
+                            <a:rPr lang="zh-CN" altLang="en-US" i="0">
+                              <a:latin typeface="Cambria Math" panose="02040503050406030204" pitchFamily="18" charset="0"/>
+                            </a:rPr>
+                            <m:t>(</m:t>
+                          </m:r>
+                          <m:r>
+                            <a:rPr lang="zh-CN" altLang="en-US" i="1">
+                              <a:latin typeface="Cambria Math" panose="02040503050406030204" pitchFamily="18" charset="0"/>
+                            </a:rPr>
+                            <m:t>𝑥</m:t>
+                          </m:r>
+                        </m:e>
+                      </m:d>
+                    </m:oMath>
+                  </m:oMathPara>
+                </a14:m>
+                <a:endParaRPr lang="zh-CN" altLang="en-US" dirty="0"/>
+              </a:p>
+            </p:txBody>
+          </p:sp>
+        </mc:Choice>
+        <mc:Fallback>
+          <p:sp>
+            <p:nvSpPr>
+              <p:cNvPr id="7" name="矩形 6"/>
+              <p:cNvSpPr>
+                <a:spLocks noRot="1" noChangeAspect="1" noMove="1" noResize="1" noEditPoints="1" noAdjustHandles="1" noChangeArrowheads="1" noChangeShapeType="1" noTextEdit="1"/>
+              </p:cNvSpPr>
+              <p:nvPr/>
+            </p:nvSpPr>
+            <p:spPr>
+              <a:xfrm>
+                <a:off x="2838816" y="3640677"/>
+                <a:ext cx="2234650" cy="369332"/>
+              </a:xfrm>
+              <a:prstGeom prst="rect">
+                <a:avLst/>
+              </a:prstGeom>
+              <a:blipFill>
+                <a:blip r:embed="rId3"/>
+                <a:stretch>
+                  <a:fillRect t="-119672" r="-22678" b="-183607"/>
+                </a:stretch>
+              </a:blipFill>
+            </p:spPr>
+            <p:txBody>
+              <a:bodyPr/>
+              <a:lstStyle/>
+              <a:p>
+                <a:r>
+                  <a:rPr lang="zh-CN" altLang="en-US">
+                    <a:noFill/>
+                  </a:rPr>
+                  <a:t> </a:t>
+                </a:r>
+              </a:p>
+            </p:txBody>
+          </p:sp>
+        </mc:Fallback>
+      </mc:AlternateContent>
+      <mc:AlternateContent xmlns:mc="http://schemas.openxmlformats.org/markup-compatibility/2006">
+        <mc:Choice xmlns:a14="http://schemas.microsoft.com/office/drawing/2010/main" Requires="a14">
+          <p:sp>
+            <p:nvSpPr>
+              <p:cNvPr id="8" name="矩形 7"/>
+              <p:cNvSpPr/>
+              <p:nvPr/>
+            </p:nvSpPr>
+            <p:spPr>
+              <a:xfrm>
+                <a:off x="577484" y="3646780"/>
+                <a:ext cx="2045432" cy="369332"/>
+              </a:xfrm>
+              <a:prstGeom prst="rect">
+                <a:avLst/>
+              </a:prstGeom>
+            </p:spPr>
+            <p:txBody>
+              <a:bodyPr wrap="none">
+                <a:spAutoFit/>
+              </a:bodyPr>
+              <a:lstStyle/>
+              <a:p>
+                <a14:m>
+                  <m:oMathPara xmlns:m="http://schemas.openxmlformats.org/officeDocument/2006/math">
+                    <m:oMathParaPr>
+                      <m:jc m:val="centerGroup"/>
+                    </m:oMathParaPr>
+                    <m:oMath xmlns:m="http://schemas.openxmlformats.org/officeDocument/2006/math">
+                      <m:d>
+                        <m:dPr>
+                          <m:begChr m:val=""/>
+                          <m:ctrlPr>
+                            <a:rPr lang="zh-CN" altLang="en-US">
+                              <a:latin typeface="Cambria Math" panose="02040503050406030204" pitchFamily="18" charset="0"/>
+                            </a:rPr>
+                          </m:ctrlPr>
+                        </m:dPr>
+                        <m:e>
+                          <m:sSub>
+                            <m:sSubPr>
+                              <m:ctrlPr>
+                                <a:rPr lang="zh-CN" altLang="en-US">
+                                  <a:latin typeface="Cambria Math" panose="02040503050406030204" pitchFamily="18" charset="0"/>
+                                </a:rPr>
+                              </m:ctrlPr>
+                            </m:sSubPr>
+                            <m:e>
+                              <m:r>
+                                <a:rPr lang="zh-CN" altLang="en-US" i="1">
+                                  <a:latin typeface="Cambria Math" panose="02040503050406030204" pitchFamily="18" charset="0"/>
+                                </a:rPr>
+                                <m:t>𝐺</m:t>
+                              </m:r>
+                            </m:e>
+                            <m:sub>
+                              <m:r>
+                                <a:rPr lang="zh-CN" altLang="en-US" i="1">
+                                  <a:latin typeface="Cambria Math" panose="02040503050406030204" pitchFamily="18" charset="0"/>
+                                </a:rPr>
+                                <m:t>𝑒</m:t>
+                              </m:r>
+                            </m:sub>
+                          </m:sSub>
+                          <m:r>
+                            <a:rPr lang="zh-CN" altLang="en-US" i="0">
+                              <a:latin typeface="Cambria Math" panose="02040503050406030204" pitchFamily="18" charset="0"/>
+                            </a:rPr>
+                            <m:t>(</m:t>
+                          </m:r>
+                          <m:r>
+                            <a:rPr lang="zh-CN" altLang="en-US" i="1">
+                              <a:latin typeface="Cambria Math" panose="02040503050406030204" pitchFamily="18" charset="0"/>
+                            </a:rPr>
+                            <m:t>𝑥</m:t>
+                          </m:r>
+                          <m:r>
+                            <a:rPr lang="zh-CN" altLang="en-US" i="0">
+                              <a:latin typeface="Cambria Math" panose="02040503050406030204" pitchFamily="18" charset="0"/>
+                            </a:rPr>
+                            <m:t>)∈|</m:t>
+                          </m:r>
+                          <m:r>
+                            <a:rPr lang="zh-CN" altLang="en-US" i="1">
+                              <a:latin typeface="Cambria Math" panose="02040503050406030204" pitchFamily="18" charset="0"/>
+                            </a:rPr>
+                            <m:t>𝐸</m:t>
+                          </m:r>
+                          <m:r>
+                            <a:rPr lang="zh-CN" altLang="en-US" i="0">
+                              <a:latin typeface="Cambria Math" panose="02040503050406030204" pitchFamily="18" charset="0"/>
+                            </a:rPr>
+                            <m:t>|∂</m:t>
+                          </m:r>
+                          <m:sSub>
+                            <m:sSubPr>
+                              <m:ctrlPr>
+                                <a:rPr lang="zh-CN" altLang="en-US" i="1">
+                                  <a:latin typeface="Cambria Math" panose="02040503050406030204" pitchFamily="18" charset="0"/>
+                                </a:rPr>
+                              </m:ctrlPr>
+                            </m:sSubPr>
+                            <m:e>
+                              <m:r>
+                                <a:rPr lang="zh-CN" altLang="en-US" i="1">
+                                  <a:latin typeface="Cambria Math" panose="02040503050406030204" pitchFamily="18" charset="0"/>
+                                </a:rPr>
+                                <m:t>𝑓</m:t>
+                              </m:r>
+                            </m:e>
+                            <m:sub>
+                              <m:r>
+                                <a:rPr lang="zh-CN" altLang="en-US" i="1">
+                                  <a:latin typeface="Cambria Math" panose="02040503050406030204" pitchFamily="18" charset="0"/>
+                                </a:rPr>
+                                <m:t>𝑒</m:t>
+                              </m:r>
+                            </m:sub>
+                          </m:sSub>
+                          <m:r>
+                            <a:rPr lang="zh-CN" altLang="en-US" i="0">
+                              <a:latin typeface="Cambria Math" panose="02040503050406030204" pitchFamily="18" charset="0"/>
+                            </a:rPr>
+                            <m:t>(</m:t>
+                          </m:r>
+                          <m:r>
+                            <a:rPr lang="zh-CN" altLang="en-US" i="1">
+                              <a:latin typeface="Cambria Math" panose="02040503050406030204" pitchFamily="18" charset="0"/>
+                            </a:rPr>
+                            <m:t>𝑥</m:t>
+                          </m:r>
+                        </m:e>
+                      </m:d>
+                    </m:oMath>
+                  </m:oMathPara>
+                </a14:m>
+                <a:endParaRPr lang="zh-CN" altLang="en-US" dirty="0"/>
+              </a:p>
+            </p:txBody>
+          </p:sp>
+        </mc:Choice>
+        <mc:Fallback>
+          <p:sp>
+            <p:nvSpPr>
+              <p:cNvPr id="8" name="矩形 7"/>
+              <p:cNvSpPr>
+                <a:spLocks noRot="1" noChangeAspect="1" noMove="1" noResize="1" noEditPoints="1" noAdjustHandles="1" noChangeArrowheads="1" noChangeShapeType="1" noTextEdit="1"/>
+              </p:cNvSpPr>
+              <p:nvPr/>
+            </p:nvSpPr>
+            <p:spPr>
+              <a:xfrm>
+                <a:off x="577484" y="3646780"/>
+                <a:ext cx="2045432" cy="369332"/>
+              </a:xfrm>
+              <a:prstGeom prst="rect">
+                <a:avLst/>
+              </a:prstGeom>
+              <a:blipFill>
+                <a:blip r:embed="rId4"/>
+                <a:stretch>
+                  <a:fillRect t="-119672" r="-24776" b="-183607"/>
+                </a:stretch>
+              </a:blipFill>
+            </p:spPr>
+            <p:txBody>
+              <a:bodyPr/>
+              <a:lstStyle/>
+              <a:p>
+                <a:r>
+                  <a:rPr lang="zh-CN" altLang="en-US">
+                    <a:noFill/>
+                  </a:rPr>
+                  <a:t> </a:t>
+                </a:r>
+              </a:p>
+            </p:txBody>
+          </p:sp>
+        </mc:Fallback>
+      </mc:AlternateContent>
+    </p:spTree>
+    <p:extLst>
+      <p:ext uri="{BB962C8B-B14F-4D97-AF65-F5344CB8AC3E}">
+        <p14:creationId xmlns:p14="http://schemas.microsoft.com/office/powerpoint/2010/main" val="3221932847"/>
+      </p:ext>
+    </p:extLst>
+  </p:cSld>
+  <p:clrMapOvr>
+    <a:masterClrMapping/>
+  </p:clrMapOvr>
+</p:sld>
+</file>
+
+<file path=ppt/slides/slide4.xml><?xml version="1.0" encoding="utf-8"?>
+<p:sld xmlns:a="http://schemas.openxmlformats.org/drawingml/2006/main" xmlns:r="http://schemas.openxmlformats.org/officeDocument/2006/relationships" xmlns:p="http://schemas.openxmlformats.org/presentationml/2006/main">
+  <p:cSld>
+    <p:spTree>
+      <p:nvGrpSpPr>
+        <p:cNvPr id="1" name=""/>
+        <p:cNvGrpSpPr/>
+        <p:nvPr/>
+      </p:nvGrpSpPr>
+      <p:grpSpPr>
+        <a:xfrm>
+          <a:off x="0" y="0"/>
+          <a:ext cx="0" cy="0"/>
+          <a:chOff x="0" y="0"/>
+          <a:chExt cx="0" cy="0"/>
+        </a:xfrm>
+      </p:grpSpPr>
+      <p:sp>
+        <p:nvSpPr>
+          <p:cNvPr id="5" name="标题 1"/>
+          <p:cNvSpPr>
+            <a:spLocks noGrp="1"/>
+          </p:cNvSpPr>
+          <p:nvPr>
+            <p:ph type="title"/>
+          </p:nvPr>
+        </p:nvSpPr>
+        <p:spPr>
+          <a:xfrm>
+            <a:off x="838200" y="365125"/>
+            <a:ext cx="10515600" cy="1325563"/>
+          </a:xfrm>
+        </p:spPr>
+        <p:txBody>
+          <a:bodyPr/>
+          <a:lstStyle/>
+          <a:p>
+            <a:r>
+              <a:rPr lang="en-US" altLang="zh-CN" dirty="0"/>
+              <a:t>Lock and </a:t>
+            </a:r>
+            <a:r>
+              <a:rPr lang="en-US" altLang="zh-CN" dirty="0" smtClean="0"/>
+              <a:t>lock-free</a:t>
+            </a:r>
+            <a:endParaRPr lang="zh-CN" altLang="en-US" dirty="0"/>
+          </a:p>
+        </p:txBody>
+      </p:sp>
+      <p:sp>
+        <p:nvSpPr>
+          <p:cNvPr id="6" name="文本框 5"/>
+          <p:cNvSpPr txBox="1"/>
+          <p:nvPr/>
+        </p:nvSpPr>
+        <p:spPr>
+          <a:xfrm>
+            <a:off x="838200" y="1843313"/>
+            <a:ext cx="6854371" cy="923330"/>
+          </a:xfrm>
+          <a:prstGeom prst="rect">
+            <a:avLst/>
+          </a:prstGeom>
+          <a:noFill/>
+        </p:spPr>
+        <p:txBody>
+          <a:bodyPr wrap="square" rtlCol="0">
+            <a:spAutoFit/>
+          </a:bodyPr>
+          <a:lstStyle/>
+          <a:p>
+            <a:r>
+              <a:rPr lang="en-US" altLang="zh-CN" dirty="0" smtClean="0"/>
+              <a:t>Consistent read</a:t>
+            </a:r>
+          </a:p>
+          <a:p>
+            <a:endParaRPr lang="en-US" altLang="zh-CN" dirty="0"/>
+          </a:p>
+          <a:p>
+            <a:r>
+              <a:rPr lang="en-US" altLang="zh-CN" dirty="0" smtClean="0"/>
+              <a:t>Inconsistent read</a:t>
+            </a:r>
+            <a:endParaRPr lang="zh-CN" altLang="en-US" dirty="0"/>
+          </a:p>
+        </p:txBody>
+      </p:sp>
+      <p:pic>
+        <p:nvPicPr>
+          <p:cNvPr id="7" name="图片 6"/>
+          <p:cNvPicPr>
+            <a:picLocks noChangeAspect="1"/>
+          </p:cNvPicPr>
+          <p:nvPr/>
+        </p:nvPicPr>
+        <p:blipFill>
+          <a:blip r:embed="rId2"/>
+          <a:stretch>
+            <a:fillRect/>
+          </a:stretch>
+        </p:blipFill>
+        <p:spPr>
+          <a:xfrm>
+            <a:off x="6253371" y="1843313"/>
+            <a:ext cx="3342857" cy="847619"/>
+          </a:xfrm>
+          <a:prstGeom prst="rect">
+            <a:avLst/>
+          </a:prstGeom>
+        </p:spPr>
+      </p:pic>
+      <p:sp>
+        <p:nvSpPr>
+          <p:cNvPr id="8" name="文本框 7"/>
+          <p:cNvSpPr txBox="1"/>
+          <p:nvPr/>
+        </p:nvSpPr>
+        <p:spPr>
+          <a:xfrm>
+            <a:off x="1320800" y="3695700"/>
+            <a:ext cx="2348785" cy="923330"/>
+          </a:xfrm>
+          <a:prstGeom prst="rect">
+            <a:avLst/>
+          </a:prstGeom>
+          <a:noFill/>
+        </p:spPr>
+        <p:txBody>
+          <a:bodyPr wrap="none" rtlCol="0">
+            <a:spAutoFit/>
+          </a:bodyPr>
+          <a:lstStyle/>
+          <a:p>
+            <a:r>
+              <a:rPr lang="zh-CN" altLang="en-US" dirty="0" smtClean="0"/>
+              <a:t>两篇文章</a:t>
+            </a:r>
+            <a:endParaRPr lang="en-US" altLang="zh-CN" dirty="0" smtClean="0"/>
+          </a:p>
+          <a:p>
+            <a:endParaRPr lang="en-US" altLang="zh-CN" dirty="0"/>
+          </a:p>
+          <a:p>
+            <a:r>
+              <a:rPr lang="en-US" altLang="zh-CN" dirty="0" smtClean="0"/>
+              <a:t>Argue </a:t>
+            </a:r>
+            <a:r>
+              <a:rPr lang="zh-CN" altLang="en-US" dirty="0" smtClean="0"/>
+              <a:t>他们的 至少</a:t>
+            </a:r>
+            <a:r>
+              <a:rPr lang="en-US" altLang="zh-CN" dirty="0" smtClean="0"/>
+              <a:t>3</a:t>
+            </a:r>
+            <a:r>
+              <a:rPr lang="zh-CN" altLang="en-US" dirty="0" smtClean="0"/>
+              <a:t>篇</a:t>
+            </a:r>
+            <a:endParaRPr lang="zh-CN" altLang="en-US" dirty="0"/>
+          </a:p>
+        </p:txBody>
+      </p:sp>
+    </p:spTree>
+    <p:extLst>
+      <p:ext uri="{BB962C8B-B14F-4D97-AF65-F5344CB8AC3E}">
+        <p14:creationId xmlns:p14="http://schemas.microsoft.com/office/powerpoint/2010/main" val="1287625240"/>
+      </p:ext>
+    </p:extLst>
+  </p:cSld>
+  <p:clrMapOvr>
+    <a:masterClrMapping/>
+  </p:clrMapOvr>
+</p:sld>
+</file>
+
+<file path=ppt/slides/slide5.xml><?xml version="1.0" encoding="utf-8"?>
+<p:sld xmlns:a="http://schemas.openxmlformats.org/drawingml/2006/main" xmlns:r="http://schemas.openxmlformats.org/officeDocument/2006/relationships" xmlns:p="http://schemas.openxmlformats.org/presentationml/2006/main">
+  <p:cSld>
+    <p:spTree>
+      <p:nvGrpSpPr>
+        <p:cNvPr id="1" name=""/>
+        <p:cNvGrpSpPr/>
+        <p:nvPr/>
+      </p:nvGrpSpPr>
+      <p:grpSpPr>
+        <a:xfrm>
+          <a:off x="0" y="0"/>
+          <a:ext cx="0" cy="0"/>
+          <a:chOff x="0" y="0"/>
+          <a:chExt cx="0" cy="0"/>
+        </a:xfrm>
+      </p:grpSpPr>
+      <p:sp>
+        <p:nvSpPr>
+          <p:cNvPr id="2" name="标题 1"/>
+          <p:cNvSpPr>
+            <a:spLocks noGrp="1"/>
+          </p:cNvSpPr>
+          <p:nvPr>
+            <p:ph type="title"/>
+          </p:nvPr>
+        </p:nvSpPr>
+        <p:spPr/>
+        <p:txBody>
+          <a:bodyPr/>
+          <a:lstStyle/>
+          <a:p>
+            <a:r>
+              <a:rPr lang="en-US" altLang="zh-CN" dirty="0"/>
+              <a:t>Partition data and sampling data	</a:t>
+            </a:r>
+            <a:endParaRPr lang="zh-CN" altLang="en-US" dirty="0"/>
+          </a:p>
+        </p:txBody>
+      </p:sp>
+      <p:sp>
+        <p:nvSpPr>
+          <p:cNvPr id="3" name="内容占位符 2"/>
+          <p:cNvSpPr>
+            <a:spLocks noGrp="1"/>
+          </p:cNvSpPr>
+          <p:nvPr>
+            <p:ph idx="1"/>
+          </p:nvPr>
+        </p:nvSpPr>
+        <p:spPr/>
+        <p:txBody>
+          <a:bodyPr/>
+          <a:lstStyle/>
+          <a:p>
+            <a:endParaRPr lang="zh-CN" altLang="en-US" dirty="0"/>
+          </a:p>
+        </p:txBody>
+      </p:sp>
+    </p:spTree>
+    <p:extLst>
+      <p:ext uri="{BB962C8B-B14F-4D97-AF65-F5344CB8AC3E}">
+        <p14:creationId xmlns:p14="http://schemas.microsoft.com/office/powerpoint/2010/main" val="192516525"/>
+      </p:ext>
+    </p:extLst>
+  </p:cSld>
+  <p:clrMapOvr>
+    <a:masterClrMapping/>
+  </p:clrMapOvr>
+</p:sld>
+</file>
+
+<file path=ppt/slides/slide6.xml><?xml version="1.0" encoding="utf-8"?>
+<p:sld xmlns:a="http://schemas.openxmlformats.org/drawingml/2006/main" xmlns:r="http://schemas.openxmlformats.org/officeDocument/2006/relationships" xmlns:p="http://schemas.openxmlformats.org/presentationml/2006/main">
+  <p:cSld>
+    <p:spTree>
+      <p:nvGrpSpPr>
+        <p:cNvPr id="1" name=""/>
+        <p:cNvGrpSpPr/>
+        <p:nvPr/>
+      </p:nvGrpSpPr>
+      <p:grpSpPr>
+        <a:xfrm>
+          <a:off x="0" y="0"/>
+          <a:ext cx="0" cy="0"/>
+          <a:chOff x="0" y="0"/>
+          <a:chExt cx="0" cy="0"/>
+        </a:xfrm>
+      </p:grpSpPr>
+      <p:sp>
+        <p:nvSpPr>
           <p:cNvPr id="2" name="Title 1"/>
           <p:cNvSpPr>
             <a:spLocks noGrp="1"/>
@@ -3194,6 +4541,30 @@
           </a:p>
         </p:txBody>
       </p:sp>
+      <p:pic>
+        <p:nvPicPr>
+          <p:cNvPr id="3" name="图片 2"/>
+          <p:cNvPicPr>
+            <a:picLocks noChangeAspect="1"/>
+          </p:cNvPicPr>
+          <p:nvPr/>
+        </p:nvPicPr>
+        <p:blipFill>
+          <a:blip r:embed="rId3"/>
+          <a:stretch>
+            <a:fillRect/>
+          </a:stretch>
+        </p:blipFill>
+        <p:spPr>
+          <a:xfrm>
+            <a:off x="1080655" y="4442568"/>
+            <a:ext cx="9538045" cy="1912618"/>
+          </a:xfrm>
+          <a:prstGeom prst="rect">
+            <a:avLst/>
+          </a:prstGeom>
+        </p:spPr>
+      </p:pic>
     </p:spTree>
     <p:extLst>
       <p:ext uri="{BB962C8B-B14F-4D97-AF65-F5344CB8AC3E}">
@@ -3207,7 +4578,7 @@
 </p:sld>
 </file>
 
-<file path=ppt/slides/slide4.xml><?xml version="1.0" encoding="utf-8"?>
+<file path=ppt/slides/slide7.xml><?xml version="1.0" encoding="utf-8"?>
 <p:sld xmlns:a="http://schemas.openxmlformats.org/drawingml/2006/main" xmlns:r="http://schemas.openxmlformats.org/officeDocument/2006/relationships" xmlns:p="http://schemas.openxmlformats.org/presentationml/2006/main">
   <p:cSld>
     <p:spTree>
@@ -3247,7 +4618,7 @@
         </p:blipFill>
         <p:spPr bwMode="auto">
           <a:xfrm>
-            <a:off x="1715118" y="1690688"/>
+            <a:off x="1801091" y="750209"/>
             <a:ext cx="8229600" cy="2143125"/>
           </a:xfrm>
           <a:prstGeom prst="rect">
@@ -3267,32 +4638,13 @@
       </p:pic>
       <p:sp>
         <p:nvSpPr>
-          <p:cNvPr id="4" name="Title 3"/>
-          <p:cNvSpPr>
-            <a:spLocks noGrp="1"/>
-          </p:cNvSpPr>
-          <p:nvPr>
-            <p:ph type="title"/>
-          </p:nvPr>
-        </p:nvSpPr>
-        <p:spPr/>
-        <p:txBody>
-          <a:bodyPr/>
-          <a:lstStyle/>
-          <a:p>
-            <a:endParaRPr lang="en-US"/>
-          </a:p>
-        </p:txBody>
-      </p:sp>
-      <p:sp>
-        <p:nvSpPr>
           <p:cNvPr id="5" name="Rectangle 4"/>
           <p:cNvSpPr/>
           <p:nvPr/>
         </p:nvSpPr>
         <p:spPr>
           <a:xfrm>
-            <a:off x="1801091" y="4095982"/>
+            <a:off x="1801091" y="3232382"/>
             <a:ext cx="9147958" cy="954107"/>
           </a:xfrm>
           <a:prstGeom prst="rect">
@@ -3364,6 +4716,30 @@
           </a:p>
         </p:txBody>
       </p:sp>
+      <p:pic>
+        <p:nvPicPr>
+          <p:cNvPr id="3" name="图片 2"/>
+          <p:cNvPicPr>
+            <a:picLocks noChangeAspect="1"/>
+          </p:cNvPicPr>
+          <p:nvPr/>
+        </p:nvPicPr>
+        <p:blipFill>
+          <a:blip r:embed="rId3"/>
+          <a:stretch>
+            <a:fillRect/>
+          </a:stretch>
+        </p:blipFill>
+        <p:spPr>
+          <a:xfrm>
+            <a:off x="1288877" y="4258178"/>
+            <a:ext cx="9538045" cy="1921747"/>
+          </a:xfrm>
+          <a:prstGeom prst="rect">
+            <a:avLst/>
+          </a:prstGeom>
+        </p:spPr>
+      </p:pic>
     </p:spTree>
     <p:extLst>
       <p:ext uri="{BB962C8B-B14F-4D97-AF65-F5344CB8AC3E}">
@@ -3377,7 +4753,7 @@
 </p:sld>
 </file>
 
-<file path=ppt/slides/slide5.xml><?xml version="1.0" encoding="utf-8"?>
+<file path=ppt/slides/slide8.xml><?xml version="1.0" encoding="utf-8"?>
 <p:sld xmlns:a="http://schemas.openxmlformats.org/drawingml/2006/main" xmlns:r="http://schemas.openxmlformats.org/officeDocument/2006/relationships" xmlns:p="http://schemas.openxmlformats.org/presentationml/2006/main">
   <p:cSld>
     <p:spTree>
@@ -3824,7 +5200,7 @@
 </p:sld>
 </file>
 
-<file path=ppt/slides/slide6.xml><?xml version="1.0" encoding="utf-8"?>
+<file path=ppt/slides/slide9.xml><?xml version="1.0" encoding="utf-8"?>
 <p:sld xmlns:a="http://schemas.openxmlformats.org/drawingml/2006/main" xmlns:r="http://schemas.openxmlformats.org/officeDocument/2006/relationships" xmlns:p="http://schemas.openxmlformats.org/presentationml/2006/main">
   <p:cSld>
     <p:spTree>
@@ -3909,146 +5285,6 @@
     <p:extLst>
       <p:ext uri="{BB962C8B-B14F-4D97-AF65-F5344CB8AC3E}">
         <p14:creationId xmlns:p14="http://schemas.microsoft.com/office/powerpoint/2010/main" val="1673421226"/>
-      </p:ext>
-    </p:extLst>
-  </p:cSld>
-  <p:clrMapOvr>
-    <a:masterClrMapping/>
-  </p:clrMapOvr>
-</p:sld>
-</file>
-
-<file path=ppt/slides/slide7.xml><?xml version="1.0" encoding="utf-8"?>
-<p:sld xmlns:a="http://schemas.openxmlformats.org/drawingml/2006/main" xmlns:r="http://schemas.openxmlformats.org/officeDocument/2006/relationships" xmlns:p="http://schemas.openxmlformats.org/presentationml/2006/main">
-  <p:cSld>
-    <p:spTree>
-      <p:nvGrpSpPr>
-        <p:cNvPr id="1" name=""/>
-        <p:cNvGrpSpPr/>
-        <p:nvPr/>
-      </p:nvGrpSpPr>
-      <p:grpSpPr>
-        <a:xfrm>
-          <a:off x="0" y="0"/>
-          <a:ext cx="0" cy="0"/>
-          <a:chOff x="0" y="0"/>
-          <a:chExt cx="0" cy="0"/>
-        </a:xfrm>
-      </p:grpSpPr>
-      <p:sp>
-        <p:nvSpPr>
-          <p:cNvPr id="2" name="Title 1"/>
-          <p:cNvSpPr>
-            <a:spLocks noGrp="1"/>
-          </p:cNvSpPr>
-          <p:nvPr>
-            <p:ph type="title"/>
-          </p:nvPr>
-        </p:nvSpPr>
-        <p:spPr/>
-        <p:txBody>
-          <a:bodyPr/>
-          <a:lstStyle/>
-          <a:p>
-            <a:r>
-              <a:rPr lang="en-US" altLang="zh-CN" dirty="0" smtClean="0"/>
-              <a:t>downpour</a:t>
-            </a:r>
-            <a:endParaRPr lang="en-US" dirty="0"/>
-          </a:p>
-        </p:txBody>
-      </p:sp>
-      <p:sp>
-        <p:nvSpPr>
-          <p:cNvPr id="3" name="Content Placeholder 2"/>
-          <p:cNvSpPr>
-            <a:spLocks noGrp="1"/>
-          </p:cNvSpPr>
-          <p:nvPr>
-            <p:ph idx="1"/>
-          </p:nvPr>
-        </p:nvSpPr>
-        <p:spPr/>
-        <p:txBody>
-          <a:bodyPr/>
-          <a:lstStyle/>
-          <a:p>
-            <a:endParaRPr lang="en-US" dirty="0"/>
-          </a:p>
-        </p:txBody>
-      </p:sp>
-    </p:spTree>
-    <p:extLst>
-      <p:ext uri="{BB962C8B-B14F-4D97-AF65-F5344CB8AC3E}">
-        <p14:creationId xmlns:p14="http://schemas.microsoft.com/office/powerpoint/2010/main" val="300832056"/>
-      </p:ext>
-    </p:extLst>
-  </p:cSld>
-  <p:clrMapOvr>
-    <a:masterClrMapping/>
-  </p:clrMapOvr>
-</p:sld>
-</file>
-
-<file path=ppt/slides/slide8.xml><?xml version="1.0" encoding="utf-8"?>
-<p:sld xmlns:a="http://schemas.openxmlformats.org/drawingml/2006/main" xmlns:r="http://schemas.openxmlformats.org/officeDocument/2006/relationships" xmlns:p="http://schemas.openxmlformats.org/presentationml/2006/main">
-  <p:cSld>
-    <p:spTree>
-      <p:nvGrpSpPr>
-        <p:cNvPr id="1" name=""/>
-        <p:cNvGrpSpPr/>
-        <p:nvPr/>
-      </p:nvGrpSpPr>
-      <p:grpSpPr>
-        <a:xfrm>
-          <a:off x="0" y="0"/>
-          <a:ext cx="0" cy="0"/>
-          <a:chOff x="0" y="0"/>
-          <a:chExt cx="0" cy="0"/>
-        </a:xfrm>
-      </p:grpSpPr>
-      <p:sp>
-        <p:nvSpPr>
-          <p:cNvPr id="2" name="Title 1"/>
-          <p:cNvSpPr>
-            <a:spLocks noGrp="1"/>
-          </p:cNvSpPr>
-          <p:nvPr>
-            <p:ph type="title"/>
-          </p:nvPr>
-        </p:nvSpPr>
-        <p:spPr/>
-        <p:txBody>
-          <a:bodyPr/>
-          <a:lstStyle/>
-          <a:p>
-            <a:endParaRPr lang="en-US"/>
-          </a:p>
-        </p:txBody>
-      </p:sp>
-      <p:sp>
-        <p:nvSpPr>
-          <p:cNvPr id="3" name="Content Placeholder 2"/>
-          <p:cNvSpPr>
-            <a:spLocks noGrp="1"/>
-          </p:cNvSpPr>
-          <p:nvPr>
-            <p:ph idx="1"/>
-          </p:nvPr>
-        </p:nvSpPr>
-        <p:spPr/>
-        <p:txBody>
-          <a:bodyPr/>
-          <a:lstStyle/>
-          <a:p>
-            <a:endParaRPr lang="en-US"/>
-          </a:p>
-        </p:txBody>
-      </p:sp>
-    </p:spTree>
-    <p:extLst>
-      <p:ext uri="{BB962C8B-B14F-4D97-AF65-F5344CB8AC3E}">
-        <p14:creationId xmlns:p14="http://schemas.microsoft.com/office/powerpoint/2010/main" val="3658863621"/>
       </p:ext>
     </p:extLst>
   </p:cSld>

--- a/distributed ML implementation.pptx
+++ b/distributed ML implementation.pptx
@@ -7,18 +7,20 @@
   <p:sldIdLst>
     <p:sldId id="256" r:id="rId2"/>
     <p:sldId id="257" r:id="rId3"/>
-    <p:sldId id="267" r:id="rId4"/>
+    <p:sldId id="274" r:id="rId4"/>
     <p:sldId id="268" r:id="rId5"/>
-    <p:sldId id="269" r:id="rId6"/>
-    <p:sldId id="258" r:id="rId7"/>
-    <p:sldId id="259" r:id="rId8"/>
-    <p:sldId id="260" r:id="rId9"/>
-    <p:sldId id="262" r:id="rId10"/>
-    <p:sldId id="261" r:id="rId11"/>
-    <p:sldId id="263" r:id="rId12"/>
-    <p:sldId id="264" r:id="rId13"/>
-    <p:sldId id="265" r:id="rId14"/>
-    <p:sldId id="266" r:id="rId15"/>
+    <p:sldId id="267" r:id="rId6"/>
+    <p:sldId id="269" r:id="rId7"/>
+    <p:sldId id="271" r:id="rId8"/>
+    <p:sldId id="273" r:id="rId9"/>
+    <p:sldId id="258" r:id="rId10"/>
+    <p:sldId id="259" r:id="rId11"/>
+    <p:sldId id="260" r:id="rId12"/>
+    <p:sldId id="262" r:id="rId13"/>
+    <p:sldId id="261" r:id="rId14"/>
+    <p:sldId id="263" r:id="rId15"/>
+    <p:sldId id="264" r:id="rId16"/>
+    <p:sldId id="265" r:id="rId17"/>
   </p:sldIdLst>
   <p:sldSz cx="12192000" cy="6858000"/>
   <p:notesSz cx="6858000" cy="9144000"/>
@@ -125,6 +127,3743 @@
 </p:presentation>
 </file>
 
+<file path=ppt/diagrams/colors1.xml><?xml version="1.0" encoding="utf-8"?>
+<dgm:colorsDef xmlns:dgm="http://schemas.openxmlformats.org/drawingml/2006/diagram" xmlns:a="http://schemas.openxmlformats.org/drawingml/2006/main" uniqueId="urn:microsoft.com/office/officeart/2005/8/colors/accent1_2">
+  <dgm:title val=""/>
+  <dgm:desc val=""/>
+  <dgm:catLst>
+    <dgm:cat type="accent1" pri="11200"/>
+  </dgm:catLst>
+  <dgm:styleLbl name="node0">
+    <dgm:fillClrLst meth="repeat">
+      <a:schemeClr val="accent1"/>
+    </dgm:fillClrLst>
+    <dgm:linClrLst meth="repeat">
+      <a:schemeClr val="lt1"/>
+    </dgm:linClrLst>
+    <dgm:effectClrLst/>
+    <dgm:txLinClrLst/>
+    <dgm:txFillClrLst/>
+    <dgm:txEffectClrLst/>
+  </dgm:styleLbl>
+  <dgm:styleLbl name="alignNode1">
+    <dgm:fillClrLst meth="repeat">
+      <a:schemeClr val="accent1"/>
+    </dgm:fillClrLst>
+    <dgm:linClrLst meth="repeat">
+      <a:schemeClr val="accent1"/>
+    </dgm:linClrLst>
+    <dgm:effectClrLst/>
+    <dgm:txLinClrLst/>
+    <dgm:txFillClrLst/>
+    <dgm:txEffectClrLst/>
+  </dgm:styleLbl>
+  <dgm:styleLbl name="node1">
+    <dgm:fillClrLst meth="repeat">
+      <a:schemeClr val="accent1"/>
+    </dgm:fillClrLst>
+    <dgm:linClrLst meth="repeat">
+      <a:schemeClr val="lt1"/>
+    </dgm:linClrLst>
+    <dgm:effectClrLst/>
+    <dgm:txLinClrLst/>
+    <dgm:txFillClrLst/>
+    <dgm:txEffectClrLst/>
+  </dgm:styleLbl>
+  <dgm:styleLbl name="lnNode1">
+    <dgm:fillClrLst meth="repeat">
+      <a:schemeClr val="accent1"/>
+    </dgm:fillClrLst>
+    <dgm:linClrLst meth="repeat">
+      <a:schemeClr val="lt1"/>
+    </dgm:linClrLst>
+    <dgm:effectClrLst/>
+    <dgm:txLinClrLst/>
+    <dgm:txFillClrLst/>
+    <dgm:txEffectClrLst/>
+  </dgm:styleLbl>
+  <dgm:styleLbl name="vennNode1">
+    <dgm:fillClrLst meth="repeat">
+      <a:schemeClr val="accent1">
+        <a:alpha val="50000"/>
+      </a:schemeClr>
+    </dgm:fillClrLst>
+    <dgm:linClrLst meth="repeat">
+      <a:schemeClr val="lt1"/>
+    </dgm:linClrLst>
+    <dgm:effectClrLst/>
+    <dgm:txLinClrLst/>
+    <dgm:txFillClrLst/>
+    <dgm:txEffectClrLst/>
+  </dgm:styleLbl>
+  <dgm:styleLbl name="node2">
+    <dgm:fillClrLst meth="repeat">
+      <a:schemeClr val="accent1"/>
+    </dgm:fillClrLst>
+    <dgm:linClrLst meth="repeat">
+      <a:schemeClr val="lt1"/>
+    </dgm:linClrLst>
+    <dgm:effectClrLst/>
+    <dgm:txLinClrLst/>
+    <dgm:txFillClrLst/>
+    <dgm:txEffectClrLst/>
+  </dgm:styleLbl>
+  <dgm:styleLbl name="node3">
+    <dgm:fillClrLst meth="repeat">
+      <a:schemeClr val="accent1"/>
+    </dgm:fillClrLst>
+    <dgm:linClrLst meth="repeat">
+      <a:schemeClr val="lt1"/>
+    </dgm:linClrLst>
+    <dgm:effectClrLst/>
+    <dgm:txLinClrLst/>
+    <dgm:txFillClrLst/>
+    <dgm:txEffectClrLst/>
+  </dgm:styleLbl>
+  <dgm:styleLbl name="node4">
+    <dgm:fillClrLst meth="repeat">
+      <a:schemeClr val="accent1"/>
+    </dgm:fillClrLst>
+    <dgm:linClrLst meth="repeat">
+      <a:schemeClr val="lt1"/>
+    </dgm:linClrLst>
+    <dgm:effectClrLst/>
+    <dgm:txLinClrLst/>
+    <dgm:txFillClrLst/>
+    <dgm:txEffectClrLst/>
+  </dgm:styleLbl>
+  <dgm:styleLbl name="fgImgPlace1">
+    <dgm:fillClrLst meth="repeat">
+      <a:schemeClr val="accent1">
+        <a:tint val="50000"/>
+      </a:schemeClr>
+    </dgm:fillClrLst>
+    <dgm:linClrLst meth="repeat">
+      <a:schemeClr val="lt1"/>
+    </dgm:linClrLst>
+    <dgm:effectClrLst/>
+    <dgm:txLinClrLst/>
+    <dgm:txFillClrLst meth="repeat">
+      <a:schemeClr val="lt1"/>
+    </dgm:txFillClrLst>
+    <dgm:txEffectClrLst/>
+  </dgm:styleLbl>
+  <dgm:styleLbl name="alignImgPlace1">
+    <dgm:fillClrLst meth="repeat">
+      <a:schemeClr val="accent1">
+        <a:tint val="50000"/>
+      </a:schemeClr>
+    </dgm:fillClrLst>
+    <dgm:linClrLst meth="repeat">
+      <a:schemeClr val="lt1"/>
+    </dgm:linClrLst>
+    <dgm:effectClrLst/>
+    <dgm:txLinClrLst/>
+    <dgm:txFillClrLst meth="repeat">
+      <a:schemeClr val="lt1"/>
+    </dgm:txFillClrLst>
+    <dgm:txEffectClrLst/>
+  </dgm:styleLbl>
+  <dgm:styleLbl name="bgImgPlace1">
+    <dgm:fillClrLst meth="repeat">
+      <a:schemeClr val="accent1">
+        <a:tint val="50000"/>
+      </a:schemeClr>
+    </dgm:fillClrLst>
+    <dgm:linClrLst meth="repeat">
+      <a:schemeClr val="lt1"/>
+    </dgm:linClrLst>
+    <dgm:effectClrLst/>
+    <dgm:txLinClrLst/>
+    <dgm:txFillClrLst meth="repeat">
+      <a:schemeClr val="lt1"/>
+    </dgm:txFillClrLst>
+    <dgm:txEffectClrLst/>
+  </dgm:styleLbl>
+  <dgm:styleLbl name="sibTrans2D1">
+    <dgm:fillClrLst meth="repeat">
+      <a:schemeClr val="accent1">
+        <a:tint val="60000"/>
+      </a:schemeClr>
+    </dgm:fillClrLst>
+    <dgm:linClrLst meth="repeat">
+      <a:schemeClr val="accent1">
+        <a:tint val="60000"/>
+      </a:schemeClr>
+    </dgm:linClrLst>
+    <dgm:effectClrLst/>
+    <dgm:txLinClrLst/>
+    <dgm:txFillClrLst/>
+    <dgm:txEffectClrLst/>
+  </dgm:styleLbl>
+  <dgm:styleLbl name="fgSibTrans2D1">
+    <dgm:fillClrLst meth="repeat">
+      <a:schemeClr val="accent1">
+        <a:tint val="60000"/>
+      </a:schemeClr>
+    </dgm:fillClrLst>
+    <dgm:linClrLst meth="repeat">
+      <a:schemeClr val="accent1">
+        <a:tint val="60000"/>
+      </a:schemeClr>
+    </dgm:linClrLst>
+    <dgm:effectClrLst/>
+    <dgm:txLinClrLst/>
+    <dgm:txFillClrLst/>
+    <dgm:txEffectClrLst/>
+  </dgm:styleLbl>
+  <dgm:styleLbl name="bgSibTrans2D1">
+    <dgm:fillClrLst meth="repeat">
+      <a:schemeClr val="accent1">
+        <a:tint val="60000"/>
+      </a:schemeClr>
+    </dgm:fillClrLst>
+    <dgm:linClrLst meth="repeat">
+      <a:schemeClr val="accent1">
+        <a:tint val="60000"/>
+      </a:schemeClr>
+    </dgm:linClrLst>
+    <dgm:effectClrLst/>
+    <dgm:txLinClrLst/>
+    <dgm:txFillClrLst/>
+    <dgm:txEffectClrLst/>
+  </dgm:styleLbl>
+  <dgm:styleLbl name="sibTrans1D1">
+    <dgm:fillClrLst meth="repeat">
+      <a:schemeClr val="accent1"/>
+    </dgm:fillClrLst>
+    <dgm:linClrLst meth="repeat">
+      <a:schemeClr val="accent1"/>
+    </dgm:linClrLst>
+    <dgm:effectClrLst/>
+    <dgm:txLinClrLst/>
+    <dgm:txFillClrLst meth="repeat">
+      <a:schemeClr val="tx1"/>
+    </dgm:txFillClrLst>
+    <dgm:txEffectClrLst/>
+  </dgm:styleLbl>
+  <dgm:styleLbl name="callout">
+    <dgm:fillClrLst meth="repeat">
+      <a:schemeClr val="accent1"/>
+    </dgm:fillClrLst>
+    <dgm:linClrLst meth="repeat">
+      <a:schemeClr val="accent1">
+        <a:tint val="50000"/>
+      </a:schemeClr>
+    </dgm:linClrLst>
+    <dgm:effectClrLst/>
+    <dgm:txLinClrLst/>
+    <dgm:txFillClrLst meth="repeat">
+      <a:schemeClr val="tx1"/>
+    </dgm:txFillClrLst>
+    <dgm:txEffectClrLst/>
+  </dgm:styleLbl>
+  <dgm:styleLbl name="asst0">
+    <dgm:fillClrLst meth="repeat">
+      <a:schemeClr val="accent1"/>
+    </dgm:fillClrLst>
+    <dgm:linClrLst meth="repeat">
+      <a:schemeClr val="lt1"/>
+    </dgm:linClrLst>
+    <dgm:effectClrLst/>
+    <dgm:txLinClrLst/>
+    <dgm:txFillClrLst/>
+    <dgm:txEffectClrLst/>
+  </dgm:styleLbl>
+  <dgm:styleLbl name="asst1">
+    <dgm:fillClrLst meth="repeat">
+      <a:schemeClr val="accent1"/>
+    </dgm:fillClrLst>
+    <dgm:linClrLst meth="repeat">
+      <a:schemeClr val="lt1"/>
+    </dgm:linClrLst>
+    <dgm:effectClrLst/>
+    <dgm:txLinClrLst/>
+    <dgm:txFillClrLst/>
+    <dgm:txEffectClrLst/>
+  </dgm:styleLbl>
+  <dgm:styleLbl name="asst2">
+    <dgm:fillClrLst meth="repeat">
+      <a:schemeClr val="accent1"/>
+    </dgm:fillClrLst>
+    <dgm:linClrLst meth="repeat">
+      <a:schemeClr val="lt1"/>
+    </dgm:linClrLst>
+    <dgm:effectClrLst/>
+    <dgm:txLinClrLst/>
+    <dgm:txFillClrLst/>
+    <dgm:txEffectClrLst/>
+  </dgm:styleLbl>
+  <dgm:styleLbl name="asst3">
+    <dgm:fillClrLst meth="repeat">
+      <a:schemeClr val="accent1"/>
+    </dgm:fillClrLst>
+    <dgm:linClrLst meth="repeat">
+      <a:schemeClr val="lt1"/>
+    </dgm:linClrLst>
+    <dgm:effectClrLst/>
+    <dgm:txLinClrLst/>
+    <dgm:txFillClrLst/>
+    <dgm:txEffectClrLst/>
+  </dgm:styleLbl>
+  <dgm:styleLbl name="asst4">
+    <dgm:fillClrLst meth="repeat">
+      <a:schemeClr val="accent1"/>
+    </dgm:fillClrLst>
+    <dgm:linClrLst meth="repeat">
+      <a:schemeClr val="lt1"/>
+    </dgm:linClrLst>
+    <dgm:effectClrLst/>
+    <dgm:txLinClrLst/>
+    <dgm:txFillClrLst/>
+    <dgm:txEffectClrLst/>
+  </dgm:styleLbl>
+  <dgm:styleLbl name="parChTrans2D1">
+    <dgm:fillClrLst meth="repeat">
+      <a:schemeClr val="accent1">
+        <a:tint val="60000"/>
+      </a:schemeClr>
+    </dgm:fillClrLst>
+    <dgm:linClrLst meth="repeat">
+      <a:schemeClr val="accent1">
+        <a:tint val="60000"/>
+      </a:schemeClr>
+    </dgm:linClrLst>
+    <dgm:effectClrLst/>
+    <dgm:txLinClrLst/>
+    <dgm:txFillClrLst meth="repeat">
+      <a:schemeClr val="lt1"/>
+    </dgm:txFillClrLst>
+    <dgm:txEffectClrLst/>
+  </dgm:styleLbl>
+  <dgm:styleLbl name="parChTrans2D2">
+    <dgm:fillClrLst meth="repeat">
+      <a:schemeClr val="accent1"/>
+    </dgm:fillClrLst>
+    <dgm:linClrLst meth="repeat">
+      <a:schemeClr val="accent1"/>
+    </dgm:linClrLst>
+    <dgm:effectClrLst/>
+    <dgm:txLinClrLst/>
+    <dgm:txFillClrLst meth="repeat">
+      <a:schemeClr val="lt1"/>
+    </dgm:txFillClrLst>
+    <dgm:txEffectClrLst/>
+  </dgm:styleLbl>
+  <dgm:styleLbl name="parChTrans2D3">
+    <dgm:fillClrLst meth="repeat">
+      <a:schemeClr val="accent1"/>
+    </dgm:fillClrLst>
+    <dgm:linClrLst meth="repeat">
+      <a:schemeClr val="accent1"/>
+    </dgm:linClrLst>
+    <dgm:effectClrLst/>
+    <dgm:txLinClrLst/>
+    <dgm:txFillClrLst meth="repeat">
+      <a:schemeClr val="lt1"/>
+    </dgm:txFillClrLst>
+    <dgm:txEffectClrLst/>
+  </dgm:styleLbl>
+  <dgm:styleLbl name="parChTrans2D4">
+    <dgm:fillClrLst meth="repeat">
+      <a:schemeClr val="accent1"/>
+    </dgm:fillClrLst>
+    <dgm:linClrLst meth="repeat">
+      <a:schemeClr val="accent1"/>
+    </dgm:linClrLst>
+    <dgm:effectClrLst/>
+    <dgm:txLinClrLst/>
+    <dgm:txFillClrLst meth="repeat">
+      <a:schemeClr val="lt1"/>
+    </dgm:txFillClrLst>
+    <dgm:txEffectClrLst/>
+  </dgm:styleLbl>
+  <dgm:styleLbl name="parChTrans1D1">
+    <dgm:fillClrLst meth="repeat">
+      <a:schemeClr val="accent1"/>
+    </dgm:fillClrLst>
+    <dgm:linClrLst meth="repeat">
+      <a:schemeClr val="accent1">
+        <a:shade val="60000"/>
+      </a:schemeClr>
+    </dgm:linClrLst>
+    <dgm:effectClrLst/>
+    <dgm:txLinClrLst/>
+    <dgm:txFillClrLst meth="repeat">
+      <a:schemeClr val="tx1"/>
+    </dgm:txFillClrLst>
+    <dgm:txEffectClrLst/>
+  </dgm:styleLbl>
+  <dgm:styleLbl name="parChTrans1D2">
+    <dgm:fillClrLst meth="repeat">
+      <a:schemeClr val="accent1"/>
+    </dgm:fillClrLst>
+    <dgm:linClrLst meth="repeat">
+      <a:schemeClr val="accent1">
+        <a:shade val="60000"/>
+      </a:schemeClr>
+    </dgm:linClrLst>
+    <dgm:effectClrLst/>
+    <dgm:txLinClrLst/>
+    <dgm:txFillClrLst meth="repeat">
+      <a:schemeClr val="tx1"/>
+    </dgm:txFillClrLst>
+    <dgm:txEffectClrLst/>
+  </dgm:styleLbl>
+  <dgm:styleLbl name="parChTrans1D3">
+    <dgm:fillClrLst meth="repeat">
+      <a:schemeClr val="accent1"/>
+    </dgm:fillClrLst>
+    <dgm:linClrLst meth="repeat">
+      <a:schemeClr val="accent1">
+        <a:shade val="80000"/>
+      </a:schemeClr>
+    </dgm:linClrLst>
+    <dgm:effectClrLst/>
+    <dgm:txLinClrLst/>
+    <dgm:txFillClrLst meth="repeat">
+      <a:schemeClr val="tx1"/>
+    </dgm:txFillClrLst>
+    <dgm:txEffectClrLst/>
+  </dgm:styleLbl>
+  <dgm:styleLbl name="parChTrans1D4">
+    <dgm:fillClrLst meth="repeat">
+      <a:schemeClr val="accent1"/>
+    </dgm:fillClrLst>
+    <dgm:linClrLst meth="repeat">
+      <a:schemeClr val="accent1">
+        <a:shade val="80000"/>
+      </a:schemeClr>
+    </dgm:linClrLst>
+    <dgm:effectClrLst/>
+    <dgm:txLinClrLst/>
+    <dgm:txFillClrLst meth="repeat">
+      <a:schemeClr val="tx1"/>
+    </dgm:txFillClrLst>
+    <dgm:txEffectClrLst/>
+  </dgm:styleLbl>
+  <dgm:styleLbl name="fgAcc1">
+    <dgm:fillClrLst meth="repeat">
+      <a:schemeClr val="lt1">
+        <a:alpha val="90000"/>
+      </a:schemeClr>
+    </dgm:fillClrLst>
+    <dgm:linClrLst meth="repeat">
+      <a:schemeClr val="accent1"/>
+    </dgm:linClrLst>
+    <dgm:effectClrLst/>
+    <dgm:txLinClrLst/>
+    <dgm:txFillClrLst meth="repeat">
+      <a:schemeClr val="dk1"/>
+    </dgm:txFillClrLst>
+    <dgm:txEffectClrLst/>
+  </dgm:styleLbl>
+  <dgm:styleLbl name="conFgAcc1">
+    <dgm:fillClrLst meth="repeat">
+      <a:schemeClr val="lt1">
+        <a:alpha val="90000"/>
+      </a:schemeClr>
+    </dgm:fillClrLst>
+    <dgm:linClrLst meth="repeat">
+      <a:schemeClr val="accent1"/>
+    </dgm:linClrLst>
+    <dgm:effectClrLst/>
+    <dgm:txLinClrLst/>
+    <dgm:txFillClrLst meth="repeat">
+      <a:schemeClr val="dk1"/>
+    </dgm:txFillClrLst>
+    <dgm:txEffectClrLst/>
+  </dgm:styleLbl>
+  <dgm:styleLbl name="alignAcc1">
+    <dgm:fillClrLst meth="repeat">
+      <a:schemeClr val="lt1">
+        <a:alpha val="90000"/>
+      </a:schemeClr>
+    </dgm:fillClrLst>
+    <dgm:linClrLst meth="repeat">
+      <a:schemeClr val="accent1"/>
+    </dgm:linClrLst>
+    <dgm:effectClrLst/>
+    <dgm:txLinClrLst/>
+    <dgm:txFillClrLst meth="repeat">
+      <a:schemeClr val="dk1"/>
+    </dgm:txFillClrLst>
+    <dgm:txEffectClrLst/>
+  </dgm:styleLbl>
+  <dgm:styleLbl name="trAlignAcc1">
+    <dgm:fillClrLst meth="repeat">
+      <a:schemeClr val="lt1">
+        <a:alpha val="40000"/>
+      </a:schemeClr>
+    </dgm:fillClrLst>
+    <dgm:linClrLst meth="repeat">
+      <a:schemeClr val="accent1"/>
+    </dgm:linClrLst>
+    <dgm:effectClrLst/>
+    <dgm:txLinClrLst/>
+    <dgm:txFillClrLst meth="repeat">
+      <a:schemeClr val="dk1"/>
+    </dgm:txFillClrLst>
+    <dgm:txEffectClrLst/>
+  </dgm:styleLbl>
+  <dgm:styleLbl name="bgAcc1">
+    <dgm:fillClrLst meth="repeat">
+      <a:schemeClr val="lt1">
+        <a:alpha val="90000"/>
+      </a:schemeClr>
+    </dgm:fillClrLst>
+    <dgm:linClrLst meth="repeat">
+      <a:schemeClr val="accent1"/>
+    </dgm:linClrLst>
+    <dgm:effectClrLst/>
+    <dgm:txLinClrLst/>
+    <dgm:txFillClrLst meth="repeat">
+      <a:schemeClr val="dk1"/>
+    </dgm:txFillClrLst>
+    <dgm:txEffectClrLst/>
+  </dgm:styleLbl>
+  <dgm:styleLbl name="solidFgAcc1">
+    <dgm:fillClrLst meth="repeat">
+      <a:schemeClr val="lt1"/>
+    </dgm:fillClrLst>
+    <dgm:linClrLst meth="repeat">
+      <a:schemeClr val="accent1"/>
+    </dgm:linClrLst>
+    <dgm:effectClrLst/>
+    <dgm:txLinClrLst/>
+    <dgm:txFillClrLst meth="repeat">
+      <a:schemeClr val="dk1"/>
+    </dgm:txFillClrLst>
+    <dgm:txEffectClrLst/>
+  </dgm:styleLbl>
+  <dgm:styleLbl name="solidAlignAcc1">
+    <dgm:fillClrLst meth="repeat">
+      <a:schemeClr val="lt1"/>
+    </dgm:fillClrLst>
+    <dgm:linClrLst meth="repeat">
+      <a:schemeClr val="accent1"/>
+    </dgm:linClrLst>
+    <dgm:effectClrLst/>
+    <dgm:txLinClrLst/>
+    <dgm:txFillClrLst meth="repeat">
+      <a:schemeClr val="dk1"/>
+    </dgm:txFillClrLst>
+    <dgm:txEffectClrLst/>
+  </dgm:styleLbl>
+  <dgm:styleLbl name="solidBgAcc1">
+    <dgm:fillClrLst meth="repeat">
+      <a:schemeClr val="lt1"/>
+    </dgm:fillClrLst>
+    <dgm:linClrLst meth="repeat">
+      <a:schemeClr val="accent1"/>
+    </dgm:linClrLst>
+    <dgm:effectClrLst/>
+    <dgm:txLinClrLst/>
+    <dgm:txFillClrLst meth="repeat">
+      <a:schemeClr val="dk1"/>
+    </dgm:txFillClrLst>
+    <dgm:txEffectClrLst/>
+  </dgm:styleLbl>
+  <dgm:styleLbl name="fgAccFollowNode1">
+    <dgm:fillClrLst meth="repeat">
+      <a:schemeClr val="accent1">
+        <a:alpha val="90000"/>
+        <a:tint val="40000"/>
+      </a:schemeClr>
+    </dgm:fillClrLst>
+    <dgm:linClrLst meth="repeat">
+      <a:schemeClr val="accent1">
+        <a:alpha val="90000"/>
+        <a:tint val="40000"/>
+      </a:schemeClr>
+    </dgm:linClrLst>
+    <dgm:effectClrLst/>
+    <dgm:txLinClrLst/>
+    <dgm:txFillClrLst meth="repeat">
+      <a:schemeClr val="dk1"/>
+    </dgm:txFillClrLst>
+    <dgm:txEffectClrLst/>
+  </dgm:styleLbl>
+  <dgm:styleLbl name="alignAccFollowNode1">
+    <dgm:fillClrLst meth="repeat">
+      <a:schemeClr val="accent1">
+        <a:alpha val="90000"/>
+        <a:tint val="40000"/>
+      </a:schemeClr>
+    </dgm:fillClrLst>
+    <dgm:linClrLst meth="repeat">
+      <a:schemeClr val="accent1">
+        <a:alpha val="90000"/>
+        <a:tint val="40000"/>
+      </a:schemeClr>
+    </dgm:linClrLst>
+    <dgm:effectClrLst/>
+    <dgm:txLinClrLst/>
+    <dgm:txFillClrLst meth="repeat">
+      <a:schemeClr val="dk1"/>
+    </dgm:txFillClrLst>
+    <dgm:txEffectClrLst/>
+  </dgm:styleLbl>
+  <dgm:styleLbl name="bgAccFollowNode1">
+    <dgm:fillClrLst meth="repeat">
+      <a:schemeClr val="accent1">
+        <a:alpha val="90000"/>
+        <a:tint val="40000"/>
+      </a:schemeClr>
+    </dgm:fillClrLst>
+    <dgm:linClrLst meth="repeat">
+      <a:schemeClr val="accent1">
+        <a:alpha val="90000"/>
+        <a:tint val="40000"/>
+      </a:schemeClr>
+    </dgm:linClrLst>
+    <dgm:effectClrLst/>
+    <dgm:txLinClrLst/>
+    <dgm:txFillClrLst meth="repeat">
+      <a:schemeClr val="dk1"/>
+    </dgm:txFillClrLst>
+    <dgm:txEffectClrLst/>
+  </dgm:styleLbl>
+  <dgm:styleLbl name="fgAcc0">
+    <dgm:fillClrLst meth="repeat">
+      <a:schemeClr val="lt1">
+        <a:alpha val="90000"/>
+      </a:schemeClr>
+    </dgm:fillClrLst>
+    <dgm:linClrLst meth="repeat">
+      <a:schemeClr val="accent1"/>
+    </dgm:linClrLst>
+    <dgm:effectClrLst/>
+    <dgm:txLinClrLst/>
+    <dgm:txFillClrLst meth="repeat">
+      <a:schemeClr val="dk1"/>
+    </dgm:txFillClrLst>
+    <dgm:txEffectClrLst/>
+  </dgm:styleLbl>
+  <dgm:styleLbl name="fgAcc2">
+    <dgm:fillClrLst meth="repeat">
+      <a:schemeClr val="lt1">
+        <a:alpha val="90000"/>
+      </a:schemeClr>
+    </dgm:fillClrLst>
+    <dgm:linClrLst meth="repeat">
+      <a:schemeClr val="accent1"/>
+    </dgm:linClrLst>
+    <dgm:effectClrLst/>
+    <dgm:txLinClrLst/>
+    <dgm:txFillClrLst meth="repeat">
+      <a:schemeClr val="dk1"/>
+    </dgm:txFillClrLst>
+    <dgm:txEffectClrLst/>
+  </dgm:styleLbl>
+  <dgm:styleLbl name="fgAcc3">
+    <dgm:fillClrLst meth="repeat">
+      <a:schemeClr val="lt1">
+        <a:alpha val="90000"/>
+      </a:schemeClr>
+    </dgm:fillClrLst>
+    <dgm:linClrLst meth="repeat">
+      <a:schemeClr val="accent1"/>
+    </dgm:linClrLst>
+    <dgm:effectClrLst/>
+    <dgm:txLinClrLst/>
+    <dgm:txFillClrLst meth="repeat">
+      <a:schemeClr val="dk1"/>
+    </dgm:txFillClrLst>
+    <dgm:txEffectClrLst/>
+  </dgm:styleLbl>
+  <dgm:styleLbl name="fgAcc4">
+    <dgm:fillClrLst meth="repeat">
+      <a:schemeClr val="lt1">
+        <a:alpha val="90000"/>
+      </a:schemeClr>
+    </dgm:fillClrLst>
+    <dgm:linClrLst meth="repeat">
+      <a:schemeClr val="accent1"/>
+    </dgm:linClrLst>
+    <dgm:effectClrLst/>
+    <dgm:txLinClrLst/>
+    <dgm:txFillClrLst meth="repeat">
+      <a:schemeClr val="dk1"/>
+    </dgm:txFillClrLst>
+    <dgm:txEffectClrLst/>
+  </dgm:styleLbl>
+  <dgm:styleLbl name="bgShp">
+    <dgm:fillClrLst meth="repeat">
+      <a:schemeClr val="accent1">
+        <a:tint val="40000"/>
+      </a:schemeClr>
+    </dgm:fillClrLst>
+    <dgm:linClrLst meth="repeat">
+      <a:schemeClr val="accent1"/>
+    </dgm:linClrLst>
+    <dgm:effectClrLst/>
+    <dgm:txLinClrLst/>
+    <dgm:txFillClrLst meth="repeat">
+      <a:schemeClr val="dk1"/>
+    </dgm:txFillClrLst>
+    <dgm:txEffectClrLst/>
+  </dgm:styleLbl>
+  <dgm:styleLbl name="dkBgShp">
+    <dgm:fillClrLst meth="repeat">
+      <a:schemeClr val="accent1">
+        <a:shade val="80000"/>
+      </a:schemeClr>
+    </dgm:fillClrLst>
+    <dgm:linClrLst meth="repeat">
+      <a:schemeClr val="accent1"/>
+    </dgm:linClrLst>
+    <dgm:effectClrLst/>
+    <dgm:txLinClrLst/>
+    <dgm:txFillClrLst meth="repeat">
+      <a:schemeClr val="lt1"/>
+    </dgm:txFillClrLst>
+    <dgm:txEffectClrLst/>
+  </dgm:styleLbl>
+  <dgm:styleLbl name="trBgShp">
+    <dgm:fillClrLst meth="repeat">
+      <a:schemeClr val="accent1">
+        <a:tint val="50000"/>
+        <a:alpha val="40000"/>
+      </a:schemeClr>
+    </dgm:fillClrLst>
+    <dgm:linClrLst meth="repeat">
+      <a:schemeClr val="accent1"/>
+    </dgm:linClrLst>
+    <dgm:effectClrLst/>
+    <dgm:txLinClrLst/>
+    <dgm:txFillClrLst meth="repeat">
+      <a:schemeClr val="lt1"/>
+    </dgm:txFillClrLst>
+    <dgm:txEffectClrLst/>
+  </dgm:styleLbl>
+  <dgm:styleLbl name="fgShp">
+    <dgm:fillClrLst meth="repeat">
+      <a:schemeClr val="accent1">
+        <a:tint val="60000"/>
+      </a:schemeClr>
+    </dgm:fillClrLst>
+    <dgm:linClrLst meth="repeat">
+      <a:schemeClr val="lt1"/>
+    </dgm:linClrLst>
+    <dgm:effectClrLst/>
+    <dgm:txLinClrLst/>
+    <dgm:txFillClrLst meth="repeat">
+      <a:schemeClr val="dk1"/>
+    </dgm:txFillClrLst>
+    <dgm:txEffectClrLst/>
+  </dgm:styleLbl>
+  <dgm:styleLbl name="revTx">
+    <dgm:fillClrLst meth="repeat">
+      <a:schemeClr val="lt1">
+        <a:alpha val="0"/>
+      </a:schemeClr>
+    </dgm:fillClrLst>
+    <dgm:linClrLst meth="repeat">
+      <a:schemeClr val="dk1">
+        <a:alpha val="0"/>
+      </a:schemeClr>
+    </dgm:linClrLst>
+    <dgm:effectClrLst/>
+    <dgm:txLinClrLst/>
+    <dgm:txFillClrLst meth="repeat">
+      <a:schemeClr val="tx1"/>
+    </dgm:txFillClrLst>
+    <dgm:txEffectClrLst/>
+  </dgm:styleLbl>
+</dgm:colorsDef>
+</file>
+
+<file path=ppt/diagrams/data1.xml><?xml version="1.0" encoding="utf-8"?>
+<dgm:dataModel xmlns:dgm="http://schemas.openxmlformats.org/drawingml/2006/diagram" xmlns:a="http://schemas.openxmlformats.org/drawingml/2006/main">
+  <dgm:ptLst>
+    <dgm:pt modelId="{0CF73B44-77BF-45B7-AA16-DC3B6034908C}" type="doc">
+      <dgm:prSet loTypeId="urn:microsoft.com/office/officeart/2005/8/layout/hierarchy2" loCatId="hierarchy" qsTypeId="urn:microsoft.com/office/officeart/2005/8/quickstyle/simple1" qsCatId="simple" csTypeId="urn:microsoft.com/office/officeart/2005/8/colors/accent1_2" csCatId="accent1" phldr="1"/>
+      <dgm:spPr/>
+      <dgm:t>
+        <a:bodyPr/>
+        <a:lstStyle/>
+        <a:p>
+          <a:endParaRPr lang="en-US"/>
+        </a:p>
+      </dgm:t>
+    </dgm:pt>
+    <dgm:pt modelId="{DCC84CE6-3670-4622-990A-2DCE875D2009}">
+      <dgm:prSet phldrT="[Text]"/>
+      <dgm:spPr/>
+      <dgm:t>
+        <a:bodyPr/>
+        <a:lstStyle/>
+        <a:p>
+          <a:r>
+            <a:rPr lang="en-US" altLang="zh-CN" dirty="0" smtClean="0"/>
+            <a:t>asynchronous</a:t>
+          </a:r>
+          <a:endParaRPr lang="en-US" dirty="0"/>
+        </a:p>
+      </dgm:t>
+    </dgm:pt>
+    <dgm:pt modelId="{8173D371-1DF3-428B-A7B1-10A7A9521CEA}" type="parTrans" cxnId="{6D133932-4DB4-4891-8946-5852FD6EEA2F}">
+      <dgm:prSet/>
+      <dgm:spPr/>
+      <dgm:t>
+        <a:bodyPr/>
+        <a:lstStyle/>
+        <a:p>
+          <a:endParaRPr lang="en-US"/>
+        </a:p>
+      </dgm:t>
+    </dgm:pt>
+    <dgm:pt modelId="{F38A8837-D4B6-4726-B710-981439CFDB11}" type="sibTrans" cxnId="{6D133932-4DB4-4891-8946-5852FD6EEA2F}">
+      <dgm:prSet/>
+      <dgm:spPr/>
+      <dgm:t>
+        <a:bodyPr/>
+        <a:lstStyle/>
+        <a:p>
+          <a:endParaRPr lang="en-US"/>
+        </a:p>
+      </dgm:t>
+    </dgm:pt>
+    <dgm:pt modelId="{FBFB7BA6-8C34-4BA9-B087-F55736F6E652}">
+      <dgm:prSet phldrT="[Text]"/>
+      <dgm:spPr/>
+      <dgm:t>
+        <a:bodyPr/>
+        <a:lstStyle/>
+        <a:p>
+          <a:r>
+            <a:rPr lang="en-US" dirty="0" smtClean="0"/>
+            <a:t>Share memory</a:t>
+          </a:r>
+          <a:endParaRPr lang="en-US" dirty="0"/>
+        </a:p>
+      </dgm:t>
+    </dgm:pt>
+    <dgm:pt modelId="{B6AD514D-B1A7-4A28-B435-F2933A63119D}" type="parTrans" cxnId="{76D0C4B8-F69A-40C0-9698-9C8A7B5C533A}">
+      <dgm:prSet/>
+      <dgm:spPr/>
+      <dgm:t>
+        <a:bodyPr/>
+        <a:lstStyle/>
+        <a:p>
+          <a:endParaRPr lang="en-US"/>
+        </a:p>
+      </dgm:t>
+    </dgm:pt>
+    <dgm:pt modelId="{01918BFD-2537-48D0-A277-7E857ED7293F}" type="sibTrans" cxnId="{76D0C4B8-F69A-40C0-9698-9C8A7B5C533A}">
+      <dgm:prSet/>
+      <dgm:spPr/>
+      <dgm:t>
+        <a:bodyPr/>
+        <a:lstStyle/>
+        <a:p>
+          <a:endParaRPr lang="en-US"/>
+        </a:p>
+      </dgm:t>
+    </dgm:pt>
+    <dgm:pt modelId="{3E0B3E73-1D0F-4188-8C6F-0B71DED6C94B}">
+      <dgm:prSet phldrT="[Text]"/>
+      <dgm:spPr/>
+      <dgm:t>
+        <a:bodyPr/>
+        <a:lstStyle/>
+        <a:p>
+          <a:r>
+            <a:rPr lang="en-US" dirty="0" smtClean="0"/>
+            <a:t>Lock or lock-free</a:t>
+          </a:r>
+          <a:endParaRPr lang="en-US" dirty="0"/>
+        </a:p>
+      </dgm:t>
+    </dgm:pt>
+    <dgm:pt modelId="{AB0675C4-41C1-48C0-9D05-D19519CEC6B9}" type="parTrans" cxnId="{4819AC2F-4C50-46ED-A9D7-4FF918233A5C}">
+      <dgm:prSet/>
+      <dgm:spPr/>
+      <dgm:t>
+        <a:bodyPr/>
+        <a:lstStyle/>
+        <a:p>
+          <a:endParaRPr lang="en-US"/>
+        </a:p>
+      </dgm:t>
+    </dgm:pt>
+    <dgm:pt modelId="{D7EFABC8-50B6-48EA-92ED-1C38D56B885C}" type="sibTrans" cxnId="{4819AC2F-4C50-46ED-A9D7-4FF918233A5C}">
+      <dgm:prSet/>
+      <dgm:spPr/>
+      <dgm:t>
+        <a:bodyPr/>
+        <a:lstStyle/>
+        <a:p>
+          <a:endParaRPr lang="en-US"/>
+        </a:p>
+      </dgm:t>
+    </dgm:pt>
+    <dgm:pt modelId="{14174B36-1283-4237-BF05-964DA7F6F345}">
+      <dgm:prSet phldrT="[Text]"/>
+      <dgm:spPr/>
+      <dgm:t>
+        <a:bodyPr/>
+        <a:lstStyle/>
+        <a:p>
+          <a:r>
+            <a:rPr lang="en-US" dirty="0" smtClean="0"/>
+            <a:t>Parameter server</a:t>
+          </a:r>
+          <a:endParaRPr lang="en-US" dirty="0"/>
+        </a:p>
+      </dgm:t>
+    </dgm:pt>
+    <dgm:pt modelId="{EB7AF101-2092-4333-85A7-1747FA2D9FF6}" type="parTrans" cxnId="{ABEF48AA-1D75-432D-AA33-8846EC11298A}">
+      <dgm:prSet/>
+      <dgm:spPr/>
+      <dgm:t>
+        <a:bodyPr/>
+        <a:lstStyle/>
+        <a:p>
+          <a:endParaRPr lang="en-US"/>
+        </a:p>
+      </dgm:t>
+    </dgm:pt>
+    <dgm:pt modelId="{97541F8B-84F7-45BD-9AE8-4AE7C49FE08C}" type="sibTrans" cxnId="{ABEF48AA-1D75-432D-AA33-8846EC11298A}">
+      <dgm:prSet/>
+      <dgm:spPr/>
+      <dgm:t>
+        <a:bodyPr/>
+        <a:lstStyle/>
+        <a:p>
+          <a:endParaRPr lang="en-US"/>
+        </a:p>
+      </dgm:t>
+    </dgm:pt>
+    <dgm:pt modelId="{52BF06A9-5614-48BB-8BEC-908A78942CFE}">
+      <dgm:prSet phldrT="[Text]"/>
+      <dgm:spPr/>
+      <dgm:t>
+        <a:bodyPr/>
+        <a:lstStyle/>
+        <a:p>
+          <a:r>
+            <a:rPr lang="en-US" dirty="0" smtClean="0"/>
+            <a:t>Partition or samp</a:t>
+          </a:r>
+          <a:r>
+            <a:rPr lang="en-US" altLang="zh-CN" dirty="0" smtClean="0"/>
+            <a:t>ling</a:t>
+          </a:r>
+          <a:r>
+            <a:rPr lang="en-US" dirty="0" smtClean="0"/>
+            <a:t> data </a:t>
+          </a:r>
+          <a:endParaRPr lang="en-US" dirty="0"/>
+        </a:p>
+      </dgm:t>
+    </dgm:pt>
+    <dgm:pt modelId="{1C530046-783B-450D-A25E-184E88F968F9}" type="parTrans" cxnId="{AEDE11F7-F5D4-4BE7-8A41-EC055EDC40D7}">
+      <dgm:prSet/>
+      <dgm:spPr/>
+      <dgm:t>
+        <a:bodyPr/>
+        <a:lstStyle/>
+        <a:p>
+          <a:endParaRPr lang="en-US"/>
+        </a:p>
+      </dgm:t>
+    </dgm:pt>
+    <dgm:pt modelId="{FFFCD822-E1CE-4137-A8F9-2B436EE050A9}" type="sibTrans" cxnId="{AEDE11F7-F5D4-4BE7-8A41-EC055EDC40D7}">
+      <dgm:prSet/>
+      <dgm:spPr/>
+      <dgm:t>
+        <a:bodyPr/>
+        <a:lstStyle/>
+        <a:p>
+          <a:endParaRPr lang="en-US"/>
+        </a:p>
+      </dgm:t>
+    </dgm:pt>
+    <dgm:pt modelId="{20090AF5-B490-4FC8-B4FD-915829A2380B}">
+      <dgm:prSet phldrT="[Text]"/>
+      <dgm:spPr/>
+      <dgm:t>
+        <a:bodyPr/>
+        <a:lstStyle/>
+        <a:p>
+          <a:r>
+            <a:rPr lang="en-US" dirty="0" smtClean="0"/>
+            <a:t> </a:t>
+          </a:r>
+          <a:r>
+            <a:rPr lang="en-US" altLang="zh-CN" dirty="0" smtClean="0"/>
+            <a:t>When to sync</a:t>
+          </a:r>
+          <a:endParaRPr lang="en-US" dirty="0"/>
+        </a:p>
+      </dgm:t>
+    </dgm:pt>
+    <dgm:pt modelId="{1C4CA50E-5DBB-4D1F-9EBE-4BE37B0E6F96}" type="parTrans" cxnId="{FE9E5DD4-CCE3-42F5-8B2E-917BBF2B5E16}">
+      <dgm:prSet/>
+      <dgm:spPr/>
+      <dgm:t>
+        <a:bodyPr/>
+        <a:lstStyle/>
+        <a:p>
+          <a:endParaRPr lang="en-US"/>
+        </a:p>
+      </dgm:t>
+    </dgm:pt>
+    <dgm:pt modelId="{9B8262B1-D290-4E7D-BC5D-AE25D3036551}" type="sibTrans" cxnId="{FE9E5DD4-CCE3-42F5-8B2E-917BBF2B5E16}">
+      <dgm:prSet/>
+      <dgm:spPr/>
+      <dgm:t>
+        <a:bodyPr/>
+        <a:lstStyle/>
+        <a:p>
+          <a:endParaRPr lang="en-US"/>
+        </a:p>
+      </dgm:t>
+    </dgm:pt>
+    <dgm:pt modelId="{AE2EE350-3C9F-4D03-B39A-172733A82297}">
+      <dgm:prSet phldrT="[Text]"/>
+      <dgm:spPr/>
+      <dgm:t>
+        <a:bodyPr/>
+        <a:lstStyle/>
+        <a:p>
+          <a:r>
+            <a:rPr lang="en-US" dirty="0" smtClean="0"/>
+            <a:t>Decentralize</a:t>
+          </a:r>
+          <a:endParaRPr lang="en-US" dirty="0"/>
+        </a:p>
+      </dgm:t>
+    </dgm:pt>
+    <dgm:pt modelId="{DE267A96-D89A-4ECC-97F8-0B8178FD311A}" type="sibTrans" cxnId="{38601B76-82F9-4DB0-A84F-8BB0906D96EF}">
+      <dgm:prSet/>
+      <dgm:spPr/>
+      <dgm:t>
+        <a:bodyPr/>
+        <a:lstStyle/>
+        <a:p>
+          <a:endParaRPr lang="en-US"/>
+        </a:p>
+      </dgm:t>
+    </dgm:pt>
+    <dgm:pt modelId="{CB923EAA-9A72-4EFA-A98B-B22FE3512700}" type="parTrans" cxnId="{38601B76-82F9-4DB0-A84F-8BB0906D96EF}">
+      <dgm:prSet/>
+      <dgm:spPr/>
+      <dgm:t>
+        <a:bodyPr/>
+        <a:lstStyle/>
+        <a:p>
+          <a:endParaRPr lang="en-US"/>
+        </a:p>
+      </dgm:t>
+    </dgm:pt>
+    <dgm:pt modelId="{515FA575-8E46-4852-9414-D801DFD0425A}" type="pres">
+      <dgm:prSet presAssocID="{0CF73B44-77BF-45B7-AA16-DC3B6034908C}" presName="diagram" presStyleCnt="0">
+        <dgm:presLayoutVars>
+          <dgm:chPref val="1"/>
+          <dgm:dir/>
+          <dgm:animOne val="branch"/>
+          <dgm:animLvl val="lvl"/>
+          <dgm:resizeHandles val="exact"/>
+        </dgm:presLayoutVars>
+      </dgm:prSet>
+      <dgm:spPr/>
+    </dgm:pt>
+    <dgm:pt modelId="{940C56FA-DC4D-49B8-873B-23C0A22BC23E}" type="pres">
+      <dgm:prSet presAssocID="{DCC84CE6-3670-4622-990A-2DCE875D2009}" presName="root1" presStyleCnt="0"/>
+      <dgm:spPr/>
+    </dgm:pt>
+    <dgm:pt modelId="{0E011C3C-5E30-49BD-A5EE-888ED5846A80}" type="pres">
+      <dgm:prSet presAssocID="{DCC84CE6-3670-4622-990A-2DCE875D2009}" presName="LevelOneTextNode" presStyleLbl="node0" presStyleIdx="0" presStyleCnt="1">
+        <dgm:presLayoutVars>
+          <dgm:chPref val="3"/>
+        </dgm:presLayoutVars>
+      </dgm:prSet>
+      <dgm:spPr/>
+      <dgm:t>
+        <a:bodyPr/>
+        <a:lstStyle/>
+        <a:p>
+          <a:endParaRPr lang="en-US"/>
+        </a:p>
+      </dgm:t>
+    </dgm:pt>
+    <dgm:pt modelId="{5E71AAD2-7F5F-4EF7-8BE9-01C366D5BFE7}" type="pres">
+      <dgm:prSet presAssocID="{DCC84CE6-3670-4622-990A-2DCE875D2009}" presName="level2hierChild" presStyleCnt="0"/>
+      <dgm:spPr/>
+    </dgm:pt>
+    <dgm:pt modelId="{C2608FB5-C0EB-40FF-B25B-4B664BFDFF09}" type="pres">
+      <dgm:prSet presAssocID="{B6AD514D-B1A7-4A28-B435-F2933A63119D}" presName="conn2-1" presStyleLbl="parChTrans1D2" presStyleIdx="0" presStyleCnt="3"/>
+      <dgm:spPr/>
+    </dgm:pt>
+    <dgm:pt modelId="{5074FFB7-2B4F-40EB-A10F-4F44D389C493}" type="pres">
+      <dgm:prSet presAssocID="{B6AD514D-B1A7-4A28-B435-F2933A63119D}" presName="connTx" presStyleLbl="parChTrans1D2" presStyleIdx="0" presStyleCnt="3"/>
+      <dgm:spPr/>
+    </dgm:pt>
+    <dgm:pt modelId="{D0B1643B-6703-46D1-AB2F-FF088262CDAF}" type="pres">
+      <dgm:prSet presAssocID="{FBFB7BA6-8C34-4BA9-B087-F55736F6E652}" presName="root2" presStyleCnt="0"/>
+      <dgm:spPr/>
+    </dgm:pt>
+    <dgm:pt modelId="{3D7B670C-17A0-4EBD-88DF-5E9C75EA0C35}" type="pres">
+      <dgm:prSet presAssocID="{FBFB7BA6-8C34-4BA9-B087-F55736F6E652}" presName="LevelTwoTextNode" presStyleLbl="node2" presStyleIdx="0" presStyleCnt="3">
+        <dgm:presLayoutVars>
+          <dgm:chPref val="3"/>
+        </dgm:presLayoutVars>
+      </dgm:prSet>
+      <dgm:spPr/>
+      <dgm:t>
+        <a:bodyPr/>
+        <a:lstStyle/>
+        <a:p>
+          <a:endParaRPr lang="en-US"/>
+        </a:p>
+      </dgm:t>
+    </dgm:pt>
+    <dgm:pt modelId="{5A146A9B-D21D-4B62-A309-6E8596F829BC}" type="pres">
+      <dgm:prSet presAssocID="{FBFB7BA6-8C34-4BA9-B087-F55736F6E652}" presName="level3hierChild" presStyleCnt="0"/>
+      <dgm:spPr/>
+    </dgm:pt>
+    <dgm:pt modelId="{7ABA2DC0-F7AF-4091-96C8-639958731126}" type="pres">
+      <dgm:prSet presAssocID="{AB0675C4-41C1-48C0-9D05-D19519CEC6B9}" presName="conn2-1" presStyleLbl="parChTrans1D3" presStyleIdx="0" presStyleCnt="3"/>
+      <dgm:spPr/>
+    </dgm:pt>
+    <dgm:pt modelId="{1B37AF91-5936-4814-A08E-CFA74CD80FD1}" type="pres">
+      <dgm:prSet presAssocID="{AB0675C4-41C1-48C0-9D05-D19519CEC6B9}" presName="connTx" presStyleLbl="parChTrans1D3" presStyleIdx="0" presStyleCnt="3"/>
+      <dgm:spPr/>
+    </dgm:pt>
+    <dgm:pt modelId="{59013342-78ED-4F34-A060-1C721649E883}" type="pres">
+      <dgm:prSet presAssocID="{3E0B3E73-1D0F-4188-8C6F-0B71DED6C94B}" presName="root2" presStyleCnt="0"/>
+      <dgm:spPr/>
+    </dgm:pt>
+    <dgm:pt modelId="{0904A991-9ECC-4DE4-9E42-D0CD34715196}" type="pres">
+      <dgm:prSet presAssocID="{3E0B3E73-1D0F-4188-8C6F-0B71DED6C94B}" presName="LevelTwoTextNode" presStyleLbl="node3" presStyleIdx="0" presStyleCnt="3">
+        <dgm:presLayoutVars>
+          <dgm:chPref val="3"/>
+        </dgm:presLayoutVars>
+      </dgm:prSet>
+      <dgm:spPr/>
+      <dgm:t>
+        <a:bodyPr/>
+        <a:lstStyle/>
+        <a:p>
+          <a:endParaRPr lang="en-US"/>
+        </a:p>
+      </dgm:t>
+    </dgm:pt>
+    <dgm:pt modelId="{B64D5145-760A-4580-8E62-F0473E866C9E}" type="pres">
+      <dgm:prSet presAssocID="{3E0B3E73-1D0F-4188-8C6F-0B71DED6C94B}" presName="level3hierChild" presStyleCnt="0"/>
+      <dgm:spPr/>
+    </dgm:pt>
+    <dgm:pt modelId="{6725C2BF-0B99-43B3-856C-333214BDA2A1}" type="pres">
+      <dgm:prSet presAssocID="{EB7AF101-2092-4333-85A7-1747FA2D9FF6}" presName="conn2-1" presStyleLbl="parChTrans1D2" presStyleIdx="1" presStyleCnt="3"/>
+      <dgm:spPr/>
+    </dgm:pt>
+    <dgm:pt modelId="{904F82E5-E25A-4B1C-AF8D-618C399B1C93}" type="pres">
+      <dgm:prSet presAssocID="{EB7AF101-2092-4333-85A7-1747FA2D9FF6}" presName="connTx" presStyleLbl="parChTrans1D2" presStyleIdx="1" presStyleCnt="3"/>
+      <dgm:spPr/>
+    </dgm:pt>
+    <dgm:pt modelId="{3D9C6253-02FB-4B73-A3DD-E854DB84BD3F}" type="pres">
+      <dgm:prSet presAssocID="{14174B36-1283-4237-BF05-964DA7F6F345}" presName="root2" presStyleCnt="0"/>
+      <dgm:spPr/>
+    </dgm:pt>
+    <dgm:pt modelId="{85F8ABDE-79A8-4304-89F5-2565E4BB2AA2}" type="pres">
+      <dgm:prSet presAssocID="{14174B36-1283-4237-BF05-964DA7F6F345}" presName="LevelTwoTextNode" presStyleLbl="node2" presStyleIdx="1" presStyleCnt="3" custLinFactNeighborY="-28411">
+        <dgm:presLayoutVars>
+          <dgm:chPref val="3"/>
+        </dgm:presLayoutVars>
+      </dgm:prSet>
+      <dgm:spPr/>
+    </dgm:pt>
+    <dgm:pt modelId="{C1818C5E-1B84-4C07-AA99-FDE364B99BAC}" type="pres">
+      <dgm:prSet presAssocID="{14174B36-1283-4237-BF05-964DA7F6F345}" presName="level3hierChild" presStyleCnt="0"/>
+      <dgm:spPr/>
+    </dgm:pt>
+    <dgm:pt modelId="{C7869CDA-7DB8-48F4-A2D5-97CE06735D7A}" type="pres">
+      <dgm:prSet presAssocID="{1C530046-783B-450D-A25E-184E88F968F9}" presName="conn2-1" presStyleLbl="parChTrans1D3" presStyleIdx="1" presStyleCnt="3"/>
+      <dgm:spPr/>
+    </dgm:pt>
+    <dgm:pt modelId="{59F2B924-EFD5-490A-9C0F-6EBE85E855F3}" type="pres">
+      <dgm:prSet presAssocID="{1C530046-783B-450D-A25E-184E88F968F9}" presName="connTx" presStyleLbl="parChTrans1D3" presStyleIdx="1" presStyleCnt="3"/>
+      <dgm:spPr/>
+    </dgm:pt>
+    <dgm:pt modelId="{824776D7-94D5-4D47-A7FB-00E28D833E47}" type="pres">
+      <dgm:prSet presAssocID="{52BF06A9-5614-48BB-8BEC-908A78942CFE}" presName="root2" presStyleCnt="0"/>
+      <dgm:spPr/>
+    </dgm:pt>
+    <dgm:pt modelId="{F41BFDD1-7DC8-4B34-90D4-7B7DAB572A68}" type="pres">
+      <dgm:prSet presAssocID="{52BF06A9-5614-48BB-8BEC-908A78942CFE}" presName="LevelTwoTextNode" presStyleLbl="node3" presStyleIdx="1" presStyleCnt="3">
+        <dgm:presLayoutVars>
+          <dgm:chPref val="3"/>
+        </dgm:presLayoutVars>
+      </dgm:prSet>
+      <dgm:spPr/>
+      <dgm:t>
+        <a:bodyPr/>
+        <a:lstStyle/>
+        <a:p>
+          <a:endParaRPr lang="en-US"/>
+        </a:p>
+      </dgm:t>
+    </dgm:pt>
+    <dgm:pt modelId="{CC2555EC-3441-4C56-A1FB-998BF7523D83}" type="pres">
+      <dgm:prSet presAssocID="{52BF06A9-5614-48BB-8BEC-908A78942CFE}" presName="level3hierChild" presStyleCnt="0"/>
+      <dgm:spPr/>
+    </dgm:pt>
+    <dgm:pt modelId="{D7B7B0CE-858B-4495-BAEE-990D8199C366}" type="pres">
+      <dgm:prSet presAssocID="{1C4CA50E-5DBB-4D1F-9EBE-4BE37B0E6F96}" presName="conn2-1" presStyleLbl="parChTrans1D3" presStyleIdx="2" presStyleCnt="3"/>
+      <dgm:spPr/>
+    </dgm:pt>
+    <dgm:pt modelId="{57C6595A-08C2-4637-8E25-44DB185A9B23}" type="pres">
+      <dgm:prSet presAssocID="{1C4CA50E-5DBB-4D1F-9EBE-4BE37B0E6F96}" presName="connTx" presStyleLbl="parChTrans1D3" presStyleIdx="2" presStyleCnt="3"/>
+      <dgm:spPr/>
+    </dgm:pt>
+    <dgm:pt modelId="{8A8F78F8-A6CD-417A-A580-225EBAA73D1B}" type="pres">
+      <dgm:prSet presAssocID="{20090AF5-B490-4FC8-B4FD-915829A2380B}" presName="root2" presStyleCnt="0"/>
+      <dgm:spPr/>
+    </dgm:pt>
+    <dgm:pt modelId="{CF0D6EA4-ED52-4EE1-A317-ABF4161C83C8}" type="pres">
+      <dgm:prSet presAssocID="{20090AF5-B490-4FC8-B4FD-915829A2380B}" presName="LevelTwoTextNode" presStyleLbl="node3" presStyleIdx="2" presStyleCnt="3">
+        <dgm:presLayoutVars>
+          <dgm:chPref val="3"/>
+        </dgm:presLayoutVars>
+      </dgm:prSet>
+      <dgm:spPr/>
+      <dgm:t>
+        <a:bodyPr/>
+        <a:lstStyle/>
+        <a:p>
+          <a:endParaRPr lang="en-US"/>
+        </a:p>
+      </dgm:t>
+    </dgm:pt>
+    <dgm:pt modelId="{56C69733-A392-47CA-9B75-96F89A6044AA}" type="pres">
+      <dgm:prSet presAssocID="{20090AF5-B490-4FC8-B4FD-915829A2380B}" presName="level3hierChild" presStyleCnt="0"/>
+      <dgm:spPr/>
+    </dgm:pt>
+    <dgm:pt modelId="{49921C65-B9FD-4174-A688-D1DACC224122}" type="pres">
+      <dgm:prSet presAssocID="{CB923EAA-9A72-4EFA-A98B-B22FE3512700}" presName="conn2-1" presStyleLbl="parChTrans1D2" presStyleIdx="2" presStyleCnt="3"/>
+      <dgm:spPr/>
+    </dgm:pt>
+    <dgm:pt modelId="{1A903049-8FA4-4156-973D-D003A4A7BC3A}" type="pres">
+      <dgm:prSet presAssocID="{CB923EAA-9A72-4EFA-A98B-B22FE3512700}" presName="connTx" presStyleLbl="parChTrans1D2" presStyleIdx="2" presStyleCnt="3"/>
+      <dgm:spPr/>
+    </dgm:pt>
+    <dgm:pt modelId="{4FC3E194-F740-49FC-9F30-523F6BFC7DCA}" type="pres">
+      <dgm:prSet presAssocID="{AE2EE350-3C9F-4D03-B39A-172733A82297}" presName="root2" presStyleCnt="0"/>
+      <dgm:spPr/>
+    </dgm:pt>
+    <dgm:pt modelId="{4EBE53B0-B54B-41B6-B79B-91EF55C77EBB}" type="pres">
+      <dgm:prSet presAssocID="{AE2EE350-3C9F-4D03-B39A-172733A82297}" presName="LevelTwoTextNode" presStyleLbl="node2" presStyleIdx="2" presStyleCnt="3" custLinFactNeighborX="0" custLinFactNeighborY="71421">
+        <dgm:presLayoutVars>
+          <dgm:chPref val="3"/>
+        </dgm:presLayoutVars>
+      </dgm:prSet>
+      <dgm:spPr/>
+      <dgm:t>
+        <a:bodyPr/>
+        <a:lstStyle/>
+        <a:p>
+          <a:endParaRPr lang="en-US"/>
+        </a:p>
+      </dgm:t>
+    </dgm:pt>
+    <dgm:pt modelId="{923E666D-DE8B-48F4-A5B9-20296B060103}" type="pres">
+      <dgm:prSet presAssocID="{AE2EE350-3C9F-4D03-B39A-172733A82297}" presName="level3hierChild" presStyleCnt="0"/>
+      <dgm:spPr/>
+    </dgm:pt>
+  </dgm:ptLst>
+  <dgm:cxnLst>
+    <dgm:cxn modelId="{A9921C3C-F1C1-4072-8675-8C718DAA2628}" type="presOf" srcId="{0CF73B44-77BF-45B7-AA16-DC3B6034908C}" destId="{515FA575-8E46-4852-9414-D801DFD0425A}" srcOrd="0" destOrd="0" presId="urn:microsoft.com/office/officeart/2005/8/layout/hierarchy2"/>
+    <dgm:cxn modelId="{571D0872-F35D-42A6-BFFC-BD88B1F8251D}" type="presOf" srcId="{B6AD514D-B1A7-4A28-B435-F2933A63119D}" destId="{C2608FB5-C0EB-40FF-B25B-4B664BFDFF09}" srcOrd="0" destOrd="0" presId="urn:microsoft.com/office/officeart/2005/8/layout/hierarchy2"/>
+    <dgm:cxn modelId="{47875CE9-2729-4206-A5B4-828EFB8A3ED5}" type="presOf" srcId="{FBFB7BA6-8C34-4BA9-B087-F55736F6E652}" destId="{3D7B670C-17A0-4EBD-88DF-5E9C75EA0C35}" srcOrd="0" destOrd="0" presId="urn:microsoft.com/office/officeart/2005/8/layout/hierarchy2"/>
+    <dgm:cxn modelId="{B7C05156-519D-4100-B07C-6FC8B23F234E}" type="presOf" srcId="{EB7AF101-2092-4333-85A7-1747FA2D9FF6}" destId="{6725C2BF-0B99-43B3-856C-333214BDA2A1}" srcOrd="0" destOrd="0" presId="urn:microsoft.com/office/officeart/2005/8/layout/hierarchy2"/>
+    <dgm:cxn modelId="{18E3EE3E-E0A7-421E-B8C9-000F7307988E}" type="presOf" srcId="{EB7AF101-2092-4333-85A7-1747FA2D9FF6}" destId="{904F82E5-E25A-4B1C-AF8D-618C399B1C93}" srcOrd="1" destOrd="0" presId="urn:microsoft.com/office/officeart/2005/8/layout/hierarchy2"/>
+    <dgm:cxn modelId="{38970CDD-6820-43A8-AD2D-07712E0CA5DC}" type="presOf" srcId="{1C530046-783B-450D-A25E-184E88F968F9}" destId="{59F2B924-EFD5-490A-9C0F-6EBE85E855F3}" srcOrd="1" destOrd="0" presId="urn:microsoft.com/office/officeart/2005/8/layout/hierarchy2"/>
+    <dgm:cxn modelId="{7CF95B9F-38BC-4B22-B453-E03E29E7734D}" type="presOf" srcId="{B6AD514D-B1A7-4A28-B435-F2933A63119D}" destId="{5074FFB7-2B4F-40EB-A10F-4F44D389C493}" srcOrd="1" destOrd="0" presId="urn:microsoft.com/office/officeart/2005/8/layout/hierarchy2"/>
+    <dgm:cxn modelId="{6DD44233-3A0A-4109-866E-E5AD93BC4505}" type="presOf" srcId="{20090AF5-B490-4FC8-B4FD-915829A2380B}" destId="{CF0D6EA4-ED52-4EE1-A317-ABF4161C83C8}" srcOrd="0" destOrd="0" presId="urn:microsoft.com/office/officeart/2005/8/layout/hierarchy2"/>
+    <dgm:cxn modelId="{A0436586-6B1A-4F9F-AF16-874961961C56}" type="presOf" srcId="{3E0B3E73-1D0F-4188-8C6F-0B71DED6C94B}" destId="{0904A991-9ECC-4DE4-9E42-D0CD34715196}" srcOrd="0" destOrd="0" presId="urn:microsoft.com/office/officeart/2005/8/layout/hierarchy2"/>
+    <dgm:cxn modelId="{76D0C4B8-F69A-40C0-9698-9C8A7B5C533A}" srcId="{DCC84CE6-3670-4622-990A-2DCE875D2009}" destId="{FBFB7BA6-8C34-4BA9-B087-F55736F6E652}" srcOrd="0" destOrd="0" parTransId="{B6AD514D-B1A7-4A28-B435-F2933A63119D}" sibTransId="{01918BFD-2537-48D0-A277-7E857ED7293F}"/>
+    <dgm:cxn modelId="{C140BF5A-2529-4421-95FA-5D46C0EFFB32}" type="presOf" srcId="{DCC84CE6-3670-4622-990A-2DCE875D2009}" destId="{0E011C3C-5E30-49BD-A5EE-888ED5846A80}" srcOrd="0" destOrd="0" presId="urn:microsoft.com/office/officeart/2005/8/layout/hierarchy2"/>
+    <dgm:cxn modelId="{F3DA270B-BADF-4771-8471-8F5A36257E41}" type="presOf" srcId="{1C4CA50E-5DBB-4D1F-9EBE-4BE37B0E6F96}" destId="{57C6595A-08C2-4637-8E25-44DB185A9B23}" srcOrd="1" destOrd="0" presId="urn:microsoft.com/office/officeart/2005/8/layout/hierarchy2"/>
+    <dgm:cxn modelId="{ABEF48AA-1D75-432D-AA33-8846EC11298A}" srcId="{DCC84CE6-3670-4622-990A-2DCE875D2009}" destId="{14174B36-1283-4237-BF05-964DA7F6F345}" srcOrd="1" destOrd="0" parTransId="{EB7AF101-2092-4333-85A7-1747FA2D9FF6}" sibTransId="{97541F8B-84F7-45BD-9AE8-4AE7C49FE08C}"/>
+    <dgm:cxn modelId="{38601B76-82F9-4DB0-A84F-8BB0906D96EF}" srcId="{DCC84CE6-3670-4622-990A-2DCE875D2009}" destId="{AE2EE350-3C9F-4D03-B39A-172733A82297}" srcOrd="2" destOrd="0" parTransId="{CB923EAA-9A72-4EFA-A98B-B22FE3512700}" sibTransId="{DE267A96-D89A-4ECC-97F8-0B8178FD311A}"/>
+    <dgm:cxn modelId="{AEDE11F7-F5D4-4BE7-8A41-EC055EDC40D7}" srcId="{14174B36-1283-4237-BF05-964DA7F6F345}" destId="{52BF06A9-5614-48BB-8BEC-908A78942CFE}" srcOrd="0" destOrd="0" parTransId="{1C530046-783B-450D-A25E-184E88F968F9}" sibTransId="{FFFCD822-E1CE-4137-A8F9-2B436EE050A9}"/>
+    <dgm:cxn modelId="{8F100D50-168E-4963-9C8A-D78B92686C84}" type="presOf" srcId="{AE2EE350-3C9F-4D03-B39A-172733A82297}" destId="{4EBE53B0-B54B-41B6-B79B-91EF55C77EBB}" srcOrd="0" destOrd="0" presId="urn:microsoft.com/office/officeart/2005/8/layout/hierarchy2"/>
+    <dgm:cxn modelId="{946AE0E8-5A79-449D-96EA-73227E3681C6}" type="presOf" srcId="{AB0675C4-41C1-48C0-9D05-D19519CEC6B9}" destId="{1B37AF91-5936-4814-A08E-CFA74CD80FD1}" srcOrd="1" destOrd="0" presId="urn:microsoft.com/office/officeart/2005/8/layout/hierarchy2"/>
+    <dgm:cxn modelId="{DA0E6386-88D1-4EB6-9AAB-512295CA6D53}" type="presOf" srcId="{CB923EAA-9A72-4EFA-A98B-B22FE3512700}" destId="{49921C65-B9FD-4174-A688-D1DACC224122}" srcOrd="0" destOrd="0" presId="urn:microsoft.com/office/officeart/2005/8/layout/hierarchy2"/>
+    <dgm:cxn modelId="{0CF11CAD-6226-43C7-BF1E-76586CC38057}" type="presOf" srcId="{14174B36-1283-4237-BF05-964DA7F6F345}" destId="{85F8ABDE-79A8-4304-89F5-2565E4BB2AA2}" srcOrd="0" destOrd="0" presId="urn:microsoft.com/office/officeart/2005/8/layout/hierarchy2"/>
+    <dgm:cxn modelId="{5DA969DF-8D12-4067-B675-337C33ABC5E3}" type="presOf" srcId="{52BF06A9-5614-48BB-8BEC-908A78942CFE}" destId="{F41BFDD1-7DC8-4B34-90D4-7B7DAB572A68}" srcOrd="0" destOrd="0" presId="urn:microsoft.com/office/officeart/2005/8/layout/hierarchy2"/>
+    <dgm:cxn modelId="{BE216CE5-9C32-4864-A531-91F3C058C0A8}" type="presOf" srcId="{1C530046-783B-450D-A25E-184E88F968F9}" destId="{C7869CDA-7DB8-48F4-A2D5-97CE06735D7A}" srcOrd="0" destOrd="0" presId="urn:microsoft.com/office/officeart/2005/8/layout/hierarchy2"/>
+    <dgm:cxn modelId="{4819AC2F-4C50-46ED-A9D7-4FF918233A5C}" srcId="{FBFB7BA6-8C34-4BA9-B087-F55736F6E652}" destId="{3E0B3E73-1D0F-4188-8C6F-0B71DED6C94B}" srcOrd="0" destOrd="0" parTransId="{AB0675C4-41C1-48C0-9D05-D19519CEC6B9}" sibTransId="{D7EFABC8-50B6-48EA-92ED-1C38D56B885C}"/>
+    <dgm:cxn modelId="{D33416DB-D87C-45B4-8EF9-1E067C1AA023}" type="presOf" srcId="{1C4CA50E-5DBB-4D1F-9EBE-4BE37B0E6F96}" destId="{D7B7B0CE-858B-4495-BAEE-990D8199C366}" srcOrd="0" destOrd="0" presId="urn:microsoft.com/office/officeart/2005/8/layout/hierarchy2"/>
+    <dgm:cxn modelId="{FE9E5DD4-CCE3-42F5-8B2E-917BBF2B5E16}" srcId="{14174B36-1283-4237-BF05-964DA7F6F345}" destId="{20090AF5-B490-4FC8-B4FD-915829A2380B}" srcOrd="1" destOrd="0" parTransId="{1C4CA50E-5DBB-4D1F-9EBE-4BE37B0E6F96}" sibTransId="{9B8262B1-D290-4E7D-BC5D-AE25D3036551}"/>
+    <dgm:cxn modelId="{6D133932-4DB4-4891-8946-5852FD6EEA2F}" srcId="{0CF73B44-77BF-45B7-AA16-DC3B6034908C}" destId="{DCC84CE6-3670-4622-990A-2DCE875D2009}" srcOrd="0" destOrd="0" parTransId="{8173D371-1DF3-428B-A7B1-10A7A9521CEA}" sibTransId="{F38A8837-D4B6-4726-B710-981439CFDB11}"/>
+    <dgm:cxn modelId="{1A63E22A-1A14-4D30-AB76-91606D7368B5}" type="presOf" srcId="{AB0675C4-41C1-48C0-9D05-D19519CEC6B9}" destId="{7ABA2DC0-F7AF-4091-96C8-639958731126}" srcOrd="0" destOrd="0" presId="urn:microsoft.com/office/officeart/2005/8/layout/hierarchy2"/>
+    <dgm:cxn modelId="{3C3193BE-8072-4F4A-A240-0361F4300DE0}" type="presOf" srcId="{CB923EAA-9A72-4EFA-A98B-B22FE3512700}" destId="{1A903049-8FA4-4156-973D-D003A4A7BC3A}" srcOrd="1" destOrd="0" presId="urn:microsoft.com/office/officeart/2005/8/layout/hierarchy2"/>
+    <dgm:cxn modelId="{AAF2C9F7-C5D5-4C25-BDF0-B93E46FFF55C}" type="presParOf" srcId="{515FA575-8E46-4852-9414-D801DFD0425A}" destId="{940C56FA-DC4D-49B8-873B-23C0A22BC23E}" srcOrd="0" destOrd="0" presId="urn:microsoft.com/office/officeart/2005/8/layout/hierarchy2"/>
+    <dgm:cxn modelId="{1AD6ED92-0994-46A3-9BB7-589897C90A96}" type="presParOf" srcId="{940C56FA-DC4D-49B8-873B-23C0A22BC23E}" destId="{0E011C3C-5E30-49BD-A5EE-888ED5846A80}" srcOrd="0" destOrd="0" presId="urn:microsoft.com/office/officeart/2005/8/layout/hierarchy2"/>
+    <dgm:cxn modelId="{8691B7CC-326E-48C7-91D8-64CD5EE10ED1}" type="presParOf" srcId="{940C56FA-DC4D-49B8-873B-23C0A22BC23E}" destId="{5E71AAD2-7F5F-4EF7-8BE9-01C366D5BFE7}" srcOrd="1" destOrd="0" presId="urn:microsoft.com/office/officeart/2005/8/layout/hierarchy2"/>
+    <dgm:cxn modelId="{D467E4E2-FED9-40FC-AB74-4BA07D8E4500}" type="presParOf" srcId="{5E71AAD2-7F5F-4EF7-8BE9-01C366D5BFE7}" destId="{C2608FB5-C0EB-40FF-B25B-4B664BFDFF09}" srcOrd="0" destOrd="0" presId="urn:microsoft.com/office/officeart/2005/8/layout/hierarchy2"/>
+    <dgm:cxn modelId="{EA5E8642-212F-43A7-9A2E-8D96D9BBFF0A}" type="presParOf" srcId="{C2608FB5-C0EB-40FF-B25B-4B664BFDFF09}" destId="{5074FFB7-2B4F-40EB-A10F-4F44D389C493}" srcOrd="0" destOrd="0" presId="urn:microsoft.com/office/officeart/2005/8/layout/hierarchy2"/>
+    <dgm:cxn modelId="{9D389822-8651-49CD-94C5-492C48871F5B}" type="presParOf" srcId="{5E71AAD2-7F5F-4EF7-8BE9-01C366D5BFE7}" destId="{D0B1643B-6703-46D1-AB2F-FF088262CDAF}" srcOrd="1" destOrd="0" presId="urn:microsoft.com/office/officeart/2005/8/layout/hierarchy2"/>
+    <dgm:cxn modelId="{1227B124-A918-477B-9A81-EFB293776E16}" type="presParOf" srcId="{D0B1643B-6703-46D1-AB2F-FF088262CDAF}" destId="{3D7B670C-17A0-4EBD-88DF-5E9C75EA0C35}" srcOrd="0" destOrd="0" presId="urn:microsoft.com/office/officeart/2005/8/layout/hierarchy2"/>
+    <dgm:cxn modelId="{000D331C-E55E-4A37-9A19-B4F6ECD32BA8}" type="presParOf" srcId="{D0B1643B-6703-46D1-AB2F-FF088262CDAF}" destId="{5A146A9B-D21D-4B62-A309-6E8596F829BC}" srcOrd="1" destOrd="0" presId="urn:microsoft.com/office/officeart/2005/8/layout/hierarchy2"/>
+    <dgm:cxn modelId="{B83935DB-BA81-4769-A871-7638CADDFF36}" type="presParOf" srcId="{5A146A9B-D21D-4B62-A309-6E8596F829BC}" destId="{7ABA2DC0-F7AF-4091-96C8-639958731126}" srcOrd="0" destOrd="0" presId="urn:microsoft.com/office/officeart/2005/8/layout/hierarchy2"/>
+    <dgm:cxn modelId="{59A0A6C4-4052-4E92-A9BC-A7EC2DA62A26}" type="presParOf" srcId="{7ABA2DC0-F7AF-4091-96C8-639958731126}" destId="{1B37AF91-5936-4814-A08E-CFA74CD80FD1}" srcOrd="0" destOrd="0" presId="urn:microsoft.com/office/officeart/2005/8/layout/hierarchy2"/>
+    <dgm:cxn modelId="{FF6B2110-F47F-4D2A-A857-1AF228DFF24B}" type="presParOf" srcId="{5A146A9B-D21D-4B62-A309-6E8596F829BC}" destId="{59013342-78ED-4F34-A060-1C721649E883}" srcOrd="1" destOrd="0" presId="urn:microsoft.com/office/officeart/2005/8/layout/hierarchy2"/>
+    <dgm:cxn modelId="{5A45C7CC-B2BB-4D25-9842-760D9DF62B5D}" type="presParOf" srcId="{59013342-78ED-4F34-A060-1C721649E883}" destId="{0904A991-9ECC-4DE4-9E42-D0CD34715196}" srcOrd="0" destOrd="0" presId="urn:microsoft.com/office/officeart/2005/8/layout/hierarchy2"/>
+    <dgm:cxn modelId="{3485CFB5-2A8F-4DF0-95DE-1CA0CE6B2172}" type="presParOf" srcId="{59013342-78ED-4F34-A060-1C721649E883}" destId="{B64D5145-760A-4580-8E62-F0473E866C9E}" srcOrd="1" destOrd="0" presId="urn:microsoft.com/office/officeart/2005/8/layout/hierarchy2"/>
+    <dgm:cxn modelId="{27FF0F07-9380-4A78-B89D-93BF56171BAB}" type="presParOf" srcId="{5E71AAD2-7F5F-4EF7-8BE9-01C366D5BFE7}" destId="{6725C2BF-0B99-43B3-856C-333214BDA2A1}" srcOrd="2" destOrd="0" presId="urn:microsoft.com/office/officeart/2005/8/layout/hierarchy2"/>
+    <dgm:cxn modelId="{91ECF54A-AAE5-44FA-B909-F4C057A82DDC}" type="presParOf" srcId="{6725C2BF-0B99-43B3-856C-333214BDA2A1}" destId="{904F82E5-E25A-4B1C-AF8D-618C399B1C93}" srcOrd="0" destOrd="0" presId="urn:microsoft.com/office/officeart/2005/8/layout/hierarchy2"/>
+    <dgm:cxn modelId="{23FD3DEC-E117-4FB1-8F70-2F78B29A3097}" type="presParOf" srcId="{5E71AAD2-7F5F-4EF7-8BE9-01C366D5BFE7}" destId="{3D9C6253-02FB-4B73-A3DD-E854DB84BD3F}" srcOrd="3" destOrd="0" presId="urn:microsoft.com/office/officeart/2005/8/layout/hierarchy2"/>
+    <dgm:cxn modelId="{C3E591FB-1639-4F67-B349-211AB326229B}" type="presParOf" srcId="{3D9C6253-02FB-4B73-A3DD-E854DB84BD3F}" destId="{85F8ABDE-79A8-4304-89F5-2565E4BB2AA2}" srcOrd="0" destOrd="0" presId="urn:microsoft.com/office/officeart/2005/8/layout/hierarchy2"/>
+    <dgm:cxn modelId="{FCB8132E-707F-4CD3-9E81-228492068844}" type="presParOf" srcId="{3D9C6253-02FB-4B73-A3DD-E854DB84BD3F}" destId="{C1818C5E-1B84-4C07-AA99-FDE364B99BAC}" srcOrd="1" destOrd="0" presId="urn:microsoft.com/office/officeart/2005/8/layout/hierarchy2"/>
+    <dgm:cxn modelId="{1E697003-97D0-4BFA-9D99-2A64148777D2}" type="presParOf" srcId="{C1818C5E-1B84-4C07-AA99-FDE364B99BAC}" destId="{C7869CDA-7DB8-48F4-A2D5-97CE06735D7A}" srcOrd="0" destOrd="0" presId="urn:microsoft.com/office/officeart/2005/8/layout/hierarchy2"/>
+    <dgm:cxn modelId="{8F44CED6-4D2C-4828-98FE-D697D08AF2CD}" type="presParOf" srcId="{C7869CDA-7DB8-48F4-A2D5-97CE06735D7A}" destId="{59F2B924-EFD5-490A-9C0F-6EBE85E855F3}" srcOrd="0" destOrd="0" presId="urn:microsoft.com/office/officeart/2005/8/layout/hierarchy2"/>
+    <dgm:cxn modelId="{14B9127A-88E2-45B7-81A9-96B23250541E}" type="presParOf" srcId="{C1818C5E-1B84-4C07-AA99-FDE364B99BAC}" destId="{824776D7-94D5-4D47-A7FB-00E28D833E47}" srcOrd="1" destOrd="0" presId="urn:microsoft.com/office/officeart/2005/8/layout/hierarchy2"/>
+    <dgm:cxn modelId="{E776D62D-5A41-4C17-951E-79FA39F1DAA7}" type="presParOf" srcId="{824776D7-94D5-4D47-A7FB-00E28D833E47}" destId="{F41BFDD1-7DC8-4B34-90D4-7B7DAB572A68}" srcOrd="0" destOrd="0" presId="urn:microsoft.com/office/officeart/2005/8/layout/hierarchy2"/>
+    <dgm:cxn modelId="{36532110-4F29-4AD8-8FF4-9CCB096EFD8B}" type="presParOf" srcId="{824776D7-94D5-4D47-A7FB-00E28D833E47}" destId="{CC2555EC-3441-4C56-A1FB-998BF7523D83}" srcOrd="1" destOrd="0" presId="urn:microsoft.com/office/officeart/2005/8/layout/hierarchy2"/>
+    <dgm:cxn modelId="{61080FAB-77F7-4B3D-B289-FAE6862BCDB1}" type="presParOf" srcId="{C1818C5E-1B84-4C07-AA99-FDE364B99BAC}" destId="{D7B7B0CE-858B-4495-BAEE-990D8199C366}" srcOrd="2" destOrd="0" presId="urn:microsoft.com/office/officeart/2005/8/layout/hierarchy2"/>
+    <dgm:cxn modelId="{0B40D12D-8B63-4329-9B39-42BF1EB7D223}" type="presParOf" srcId="{D7B7B0CE-858B-4495-BAEE-990D8199C366}" destId="{57C6595A-08C2-4637-8E25-44DB185A9B23}" srcOrd="0" destOrd="0" presId="urn:microsoft.com/office/officeart/2005/8/layout/hierarchy2"/>
+    <dgm:cxn modelId="{9DB0D15B-E879-41AD-B976-92DE1B7EEBB4}" type="presParOf" srcId="{C1818C5E-1B84-4C07-AA99-FDE364B99BAC}" destId="{8A8F78F8-A6CD-417A-A580-225EBAA73D1B}" srcOrd="3" destOrd="0" presId="urn:microsoft.com/office/officeart/2005/8/layout/hierarchy2"/>
+    <dgm:cxn modelId="{DBC93264-899C-4225-8B06-6178A8383CDA}" type="presParOf" srcId="{8A8F78F8-A6CD-417A-A580-225EBAA73D1B}" destId="{CF0D6EA4-ED52-4EE1-A317-ABF4161C83C8}" srcOrd="0" destOrd="0" presId="urn:microsoft.com/office/officeart/2005/8/layout/hierarchy2"/>
+    <dgm:cxn modelId="{814D34B5-40B6-4A77-8DBF-77D43F137A74}" type="presParOf" srcId="{8A8F78F8-A6CD-417A-A580-225EBAA73D1B}" destId="{56C69733-A392-47CA-9B75-96F89A6044AA}" srcOrd="1" destOrd="0" presId="urn:microsoft.com/office/officeart/2005/8/layout/hierarchy2"/>
+    <dgm:cxn modelId="{FC04C6FF-04BB-4B9E-9DBF-B5AAB03F21EC}" type="presParOf" srcId="{5E71AAD2-7F5F-4EF7-8BE9-01C366D5BFE7}" destId="{49921C65-B9FD-4174-A688-D1DACC224122}" srcOrd="4" destOrd="0" presId="urn:microsoft.com/office/officeart/2005/8/layout/hierarchy2"/>
+    <dgm:cxn modelId="{E2AD6EDE-7C7E-4BE5-B555-D256D92301B1}" type="presParOf" srcId="{49921C65-B9FD-4174-A688-D1DACC224122}" destId="{1A903049-8FA4-4156-973D-D003A4A7BC3A}" srcOrd="0" destOrd="0" presId="urn:microsoft.com/office/officeart/2005/8/layout/hierarchy2"/>
+    <dgm:cxn modelId="{FAC766AE-1A53-41DD-BCE9-B9EB55FC9365}" type="presParOf" srcId="{5E71AAD2-7F5F-4EF7-8BE9-01C366D5BFE7}" destId="{4FC3E194-F740-49FC-9F30-523F6BFC7DCA}" srcOrd="5" destOrd="0" presId="urn:microsoft.com/office/officeart/2005/8/layout/hierarchy2"/>
+    <dgm:cxn modelId="{83D1B686-82ED-41E9-8E00-104784A4AD11}" type="presParOf" srcId="{4FC3E194-F740-49FC-9F30-523F6BFC7DCA}" destId="{4EBE53B0-B54B-41B6-B79B-91EF55C77EBB}" srcOrd="0" destOrd="0" presId="urn:microsoft.com/office/officeart/2005/8/layout/hierarchy2"/>
+    <dgm:cxn modelId="{CC920166-F3FC-4BCB-8B56-310E839F0D12}" type="presParOf" srcId="{4FC3E194-F740-49FC-9F30-523F6BFC7DCA}" destId="{923E666D-DE8B-48F4-A5B9-20296B060103}" srcOrd="1" destOrd="0" presId="urn:microsoft.com/office/officeart/2005/8/layout/hierarchy2"/>
+  </dgm:cxnLst>
+  <dgm:bg/>
+  <dgm:whole/>
+  <dgm:extLst>
+    <a:ext uri="http://schemas.microsoft.com/office/drawing/2008/diagram">
+      <dsp:dataModelExt xmlns:dsp="http://schemas.microsoft.com/office/drawing/2008/diagram" relId="rId6" minVer="http://schemas.openxmlformats.org/drawingml/2006/diagram"/>
+    </a:ext>
+  </dgm:extLst>
+</dgm:dataModel>
+</file>
+
+<file path=ppt/diagrams/drawing1.xml><?xml version="1.0" encoding="utf-8"?>
+<dsp:drawing xmlns:dgm="http://schemas.openxmlformats.org/drawingml/2006/diagram" xmlns:dsp="http://schemas.microsoft.com/office/drawing/2008/diagram" xmlns:a="http://schemas.openxmlformats.org/drawingml/2006/main">
+  <dsp:spTree>
+    <dsp:nvGrpSpPr>
+      <dsp:cNvPr id="0" name=""/>
+      <dsp:cNvGrpSpPr/>
+    </dsp:nvGrpSpPr>
+    <dsp:grpSpPr/>
+    <dsp:sp modelId="{0E011C3C-5E30-49BD-A5EE-888ED5846A80}">
+      <dsp:nvSpPr>
+        <dsp:cNvPr id="0" name=""/>
+        <dsp:cNvSpPr/>
+      </dsp:nvSpPr>
+      <dsp:spPr>
+        <a:xfrm>
+          <a:off x="132499" y="1941401"/>
+          <a:ext cx="2697526" cy="1348763"/>
+        </a:xfrm>
+        <a:prstGeom prst="roundRect">
+          <a:avLst>
+            <a:gd name="adj" fmla="val 10000"/>
+          </a:avLst>
+        </a:prstGeom>
+        <a:solidFill>
+          <a:schemeClr val="accent1">
+            <a:hueOff val="0"/>
+            <a:satOff val="0"/>
+            <a:lumOff val="0"/>
+            <a:alphaOff val="0"/>
+          </a:schemeClr>
+        </a:solidFill>
+        <a:ln w="12700" cap="flat" cmpd="sng" algn="ctr">
+          <a:solidFill>
+            <a:schemeClr val="lt1">
+              <a:hueOff val="0"/>
+              <a:satOff val="0"/>
+              <a:lumOff val="0"/>
+              <a:alphaOff val="0"/>
+            </a:schemeClr>
+          </a:solidFill>
+          <a:prstDash val="solid"/>
+          <a:miter lim="800000"/>
+        </a:ln>
+        <a:effectLst/>
+      </dsp:spPr>
+      <dsp:style>
+        <a:lnRef idx="2">
+          <a:scrgbClr r="0" g="0" b="0"/>
+        </a:lnRef>
+        <a:fillRef idx="1">
+          <a:scrgbClr r="0" g="0" b="0"/>
+        </a:fillRef>
+        <a:effectRef idx="0">
+          <a:scrgbClr r="0" g="0" b="0"/>
+        </a:effectRef>
+        <a:fontRef idx="minor">
+          <a:schemeClr val="lt1"/>
+        </a:fontRef>
+      </dsp:style>
+      <dsp:txBody>
+        <a:bodyPr spcFirstLastPara="0" vert="horz" wrap="square" lIns="22225" tIns="22225" rIns="22225" bIns="22225" numCol="1" spcCol="1270" anchor="ctr" anchorCtr="0">
+          <a:noAutofit/>
+        </a:bodyPr>
+        <a:lstStyle/>
+        <a:p>
+          <a:pPr lvl="0" algn="ctr" defTabSz="1555750">
+            <a:lnSpc>
+              <a:spcPct val="90000"/>
+            </a:lnSpc>
+            <a:spcBef>
+              <a:spcPct val="0"/>
+            </a:spcBef>
+            <a:spcAft>
+              <a:spcPct val="35000"/>
+            </a:spcAft>
+          </a:pPr>
+          <a:r>
+            <a:rPr lang="en-US" altLang="zh-CN" sz="3500" kern="1200" dirty="0" smtClean="0"/>
+            <a:t>asynchronous</a:t>
+          </a:r>
+          <a:endParaRPr lang="en-US" sz="3500" kern="1200" dirty="0"/>
+        </a:p>
+      </dsp:txBody>
+      <dsp:txXfrm>
+        <a:off x="172003" y="1980905"/>
+        <a:ext cx="2618518" cy="1269755"/>
+      </dsp:txXfrm>
+    </dsp:sp>
+    <dsp:sp modelId="{C2608FB5-C0EB-40FF-B25B-4B664BFDFF09}">
+      <dsp:nvSpPr>
+        <dsp:cNvPr id="0" name=""/>
+        <dsp:cNvSpPr/>
+      </dsp:nvSpPr>
+      <dsp:spPr>
+        <a:xfrm rot="17945813">
+          <a:off x="2260095" y="1623156"/>
+          <a:ext cx="2218872" cy="46406"/>
+        </a:xfrm>
+        <a:custGeom>
+          <a:avLst/>
+          <a:gdLst/>
+          <a:ahLst/>
+          <a:cxnLst/>
+          <a:rect l="0" t="0" r="0" b="0"/>
+          <a:pathLst>
+            <a:path>
+              <a:moveTo>
+                <a:pt x="0" y="23203"/>
+              </a:moveTo>
+              <a:lnTo>
+                <a:pt x="2218872" y="23203"/>
+              </a:lnTo>
+            </a:path>
+          </a:pathLst>
+        </a:custGeom>
+        <a:noFill/>
+        <a:ln w="12700" cap="flat" cmpd="sng" algn="ctr">
+          <a:solidFill>
+            <a:schemeClr val="accent1">
+              <a:shade val="60000"/>
+              <a:hueOff val="0"/>
+              <a:satOff val="0"/>
+              <a:lumOff val="0"/>
+              <a:alphaOff val="0"/>
+            </a:schemeClr>
+          </a:solidFill>
+          <a:prstDash val="solid"/>
+          <a:miter lim="800000"/>
+        </a:ln>
+        <a:effectLst/>
+      </dsp:spPr>
+      <dsp:style>
+        <a:lnRef idx="2">
+          <a:scrgbClr r="0" g="0" b="0"/>
+        </a:lnRef>
+        <a:fillRef idx="0">
+          <a:scrgbClr r="0" g="0" b="0"/>
+        </a:fillRef>
+        <a:effectRef idx="0">
+          <a:scrgbClr r="0" g="0" b="0"/>
+        </a:effectRef>
+        <a:fontRef idx="minor"/>
+      </dsp:style>
+      <dsp:txBody>
+        <a:bodyPr spcFirstLastPara="0" vert="horz" wrap="square" lIns="12700" tIns="0" rIns="12700" bIns="0" numCol="1" spcCol="1270" anchor="ctr" anchorCtr="0">
+          <a:noAutofit/>
+        </a:bodyPr>
+        <a:lstStyle/>
+        <a:p>
+          <a:pPr lvl="0" algn="ctr" defTabSz="311150">
+            <a:lnSpc>
+              <a:spcPct val="90000"/>
+            </a:lnSpc>
+            <a:spcBef>
+              <a:spcPct val="0"/>
+            </a:spcBef>
+            <a:spcAft>
+              <a:spcPct val="35000"/>
+            </a:spcAft>
+          </a:pPr>
+          <a:endParaRPr lang="en-US" sz="700" kern="1200"/>
+        </a:p>
+      </dsp:txBody>
+      <dsp:txXfrm>
+        <a:off x="3314059" y="1590888"/>
+        <a:ext cx="110943" cy="110943"/>
+      </dsp:txXfrm>
+    </dsp:sp>
+    <dsp:sp modelId="{3D7B670C-17A0-4EBD-88DF-5E9C75EA0C35}">
+      <dsp:nvSpPr>
+        <dsp:cNvPr id="0" name=""/>
+        <dsp:cNvSpPr/>
+      </dsp:nvSpPr>
+      <dsp:spPr>
+        <a:xfrm>
+          <a:off x="3909036" y="2554"/>
+          <a:ext cx="2697526" cy="1348763"/>
+        </a:xfrm>
+        <a:prstGeom prst="roundRect">
+          <a:avLst>
+            <a:gd name="adj" fmla="val 10000"/>
+          </a:avLst>
+        </a:prstGeom>
+        <a:solidFill>
+          <a:schemeClr val="accent1">
+            <a:hueOff val="0"/>
+            <a:satOff val="0"/>
+            <a:lumOff val="0"/>
+            <a:alphaOff val="0"/>
+          </a:schemeClr>
+        </a:solidFill>
+        <a:ln w="12700" cap="flat" cmpd="sng" algn="ctr">
+          <a:solidFill>
+            <a:schemeClr val="lt1">
+              <a:hueOff val="0"/>
+              <a:satOff val="0"/>
+              <a:lumOff val="0"/>
+              <a:alphaOff val="0"/>
+            </a:schemeClr>
+          </a:solidFill>
+          <a:prstDash val="solid"/>
+          <a:miter lim="800000"/>
+        </a:ln>
+        <a:effectLst/>
+      </dsp:spPr>
+      <dsp:style>
+        <a:lnRef idx="2">
+          <a:scrgbClr r="0" g="0" b="0"/>
+        </a:lnRef>
+        <a:fillRef idx="1">
+          <a:scrgbClr r="0" g="0" b="0"/>
+        </a:fillRef>
+        <a:effectRef idx="0">
+          <a:scrgbClr r="0" g="0" b="0"/>
+        </a:effectRef>
+        <a:fontRef idx="minor">
+          <a:schemeClr val="lt1"/>
+        </a:fontRef>
+      </dsp:style>
+      <dsp:txBody>
+        <a:bodyPr spcFirstLastPara="0" vert="horz" wrap="square" lIns="22225" tIns="22225" rIns="22225" bIns="22225" numCol="1" spcCol="1270" anchor="ctr" anchorCtr="0">
+          <a:noAutofit/>
+        </a:bodyPr>
+        <a:lstStyle/>
+        <a:p>
+          <a:pPr lvl="0" algn="ctr" defTabSz="1555750">
+            <a:lnSpc>
+              <a:spcPct val="90000"/>
+            </a:lnSpc>
+            <a:spcBef>
+              <a:spcPct val="0"/>
+            </a:spcBef>
+            <a:spcAft>
+              <a:spcPct val="35000"/>
+            </a:spcAft>
+          </a:pPr>
+          <a:r>
+            <a:rPr lang="en-US" sz="3500" kern="1200" dirty="0" smtClean="0"/>
+            <a:t>Share memory</a:t>
+          </a:r>
+          <a:endParaRPr lang="en-US" sz="3500" kern="1200" dirty="0"/>
+        </a:p>
+      </dsp:txBody>
+      <dsp:txXfrm>
+        <a:off x="3948540" y="42058"/>
+        <a:ext cx="2618518" cy="1269755"/>
+      </dsp:txXfrm>
+    </dsp:sp>
+    <dsp:sp modelId="{7ABA2DC0-F7AF-4091-96C8-639958731126}">
+      <dsp:nvSpPr>
+        <dsp:cNvPr id="0" name=""/>
+        <dsp:cNvSpPr/>
+      </dsp:nvSpPr>
+      <dsp:spPr>
+        <a:xfrm>
+          <a:off x="6606563" y="653733"/>
+          <a:ext cx="1079010" cy="46406"/>
+        </a:xfrm>
+        <a:custGeom>
+          <a:avLst/>
+          <a:gdLst/>
+          <a:ahLst/>
+          <a:cxnLst/>
+          <a:rect l="0" t="0" r="0" b="0"/>
+          <a:pathLst>
+            <a:path>
+              <a:moveTo>
+                <a:pt x="0" y="23203"/>
+              </a:moveTo>
+              <a:lnTo>
+                <a:pt x="1079010" y="23203"/>
+              </a:lnTo>
+            </a:path>
+          </a:pathLst>
+        </a:custGeom>
+        <a:noFill/>
+        <a:ln w="12700" cap="flat" cmpd="sng" algn="ctr">
+          <a:solidFill>
+            <a:schemeClr val="accent1">
+              <a:shade val="80000"/>
+              <a:hueOff val="0"/>
+              <a:satOff val="0"/>
+              <a:lumOff val="0"/>
+              <a:alphaOff val="0"/>
+            </a:schemeClr>
+          </a:solidFill>
+          <a:prstDash val="solid"/>
+          <a:miter lim="800000"/>
+        </a:ln>
+        <a:effectLst/>
+      </dsp:spPr>
+      <dsp:style>
+        <a:lnRef idx="2">
+          <a:scrgbClr r="0" g="0" b="0"/>
+        </a:lnRef>
+        <a:fillRef idx="0">
+          <a:scrgbClr r="0" g="0" b="0"/>
+        </a:fillRef>
+        <a:effectRef idx="0">
+          <a:scrgbClr r="0" g="0" b="0"/>
+        </a:effectRef>
+        <a:fontRef idx="minor"/>
+      </dsp:style>
+      <dsp:txBody>
+        <a:bodyPr spcFirstLastPara="0" vert="horz" wrap="square" lIns="12700" tIns="0" rIns="12700" bIns="0" numCol="1" spcCol="1270" anchor="ctr" anchorCtr="0">
+          <a:noAutofit/>
+        </a:bodyPr>
+        <a:lstStyle/>
+        <a:p>
+          <a:pPr lvl="0" algn="ctr" defTabSz="222250">
+            <a:lnSpc>
+              <a:spcPct val="90000"/>
+            </a:lnSpc>
+            <a:spcBef>
+              <a:spcPct val="0"/>
+            </a:spcBef>
+            <a:spcAft>
+              <a:spcPct val="35000"/>
+            </a:spcAft>
+          </a:pPr>
+          <a:endParaRPr lang="en-US" sz="500" kern="1200"/>
+        </a:p>
+      </dsp:txBody>
+      <dsp:txXfrm>
+        <a:off x="7119093" y="649960"/>
+        <a:ext cx="53950" cy="53950"/>
+      </dsp:txXfrm>
+    </dsp:sp>
+    <dsp:sp modelId="{0904A991-9ECC-4DE4-9E42-D0CD34715196}">
+      <dsp:nvSpPr>
+        <dsp:cNvPr id="0" name=""/>
+        <dsp:cNvSpPr/>
+      </dsp:nvSpPr>
+      <dsp:spPr>
+        <a:xfrm>
+          <a:off x="7685574" y="2554"/>
+          <a:ext cx="2697526" cy="1348763"/>
+        </a:xfrm>
+        <a:prstGeom prst="roundRect">
+          <a:avLst>
+            <a:gd name="adj" fmla="val 10000"/>
+          </a:avLst>
+        </a:prstGeom>
+        <a:solidFill>
+          <a:schemeClr val="accent1">
+            <a:hueOff val="0"/>
+            <a:satOff val="0"/>
+            <a:lumOff val="0"/>
+            <a:alphaOff val="0"/>
+          </a:schemeClr>
+        </a:solidFill>
+        <a:ln w="12700" cap="flat" cmpd="sng" algn="ctr">
+          <a:solidFill>
+            <a:schemeClr val="lt1">
+              <a:hueOff val="0"/>
+              <a:satOff val="0"/>
+              <a:lumOff val="0"/>
+              <a:alphaOff val="0"/>
+            </a:schemeClr>
+          </a:solidFill>
+          <a:prstDash val="solid"/>
+          <a:miter lim="800000"/>
+        </a:ln>
+        <a:effectLst/>
+      </dsp:spPr>
+      <dsp:style>
+        <a:lnRef idx="2">
+          <a:scrgbClr r="0" g="0" b="0"/>
+        </a:lnRef>
+        <a:fillRef idx="1">
+          <a:scrgbClr r="0" g="0" b="0"/>
+        </a:fillRef>
+        <a:effectRef idx="0">
+          <a:scrgbClr r="0" g="0" b="0"/>
+        </a:effectRef>
+        <a:fontRef idx="minor">
+          <a:schemeClr val="lt1"/>
+        </a:fontRef>
+      </dsp:style>
+      <dsp:txBody>
+        <a:bodyPr spcFirstLastPara="0" vert="horz" wrap="square" lIns="22225" tIns="22225" rIns="22225" bIns="22225" numCol="1" spcCol="1270" anchor="ctr" anchorCtr="0">
+          <a:noAutofit/>
+        </a:bodyPr>
+        <a:lstStyle/>
+        <a:p>
+          <a:pPr lvl="0" algn="ctr" defTabSz="1555750">
+            <a:lnSpc>
+              <a:spcPct val="90000"/>
+            </a:lnSpc>
+            <a:spcBef>
+              <a:spcPct val="0"/>
+            </a:spcBef>
+            <a:spcAft>
+              <a:spcPct val="35000"/>
+            </a:spcAft>
+          </a:pPr>
+          <a:r>
+            <a:rPr lang="en-US" sz="3500" kern="1200" dirty="0" smtClean="0"/>
+            <a:t>Lock or lock-free</a:t>
+          </a:r>
+          <a:endParaRPr lang="en-US" sz="3500" kern="1200" dirty="0"/>
+        </a:p>
+      </dsp:txBody>
+      <dsp:txXfrm>
+        <a:off x="7725078" y="42058"/>
+        <a:ext cx="2618518" cy="1269755"/>
+      </dsp:txXfrm>
+    </dsp:sp>
+    <dsp:sp modelId="{6725C2BF-0B99-43B3-856C-333214BDA2A1}">
+      <dsp:nvSpPr>
+        <dsp:cNvPr id="0" name=""/>
+        <dsp:cNvSpPr/>
+      </dsp:nvSpPr>
+      <dsp:spPr>
+        <a:xfrm rot="14567">
+          <a:off x="2830021" y="2594866"/>
+          <a:ext cx="1079020" cy="46406"/>
+        </a:xfrm>
+        <a:custGeom>
+          <a:avLst/>
+          <a:gdLst/>
+          <a:ahLst/>
+          <a:cxnLst/>
+          <a:rect l="0" t="0" r="0" b="0"/>
+          <a:pathLst>
+            <a:path>
+              <a:moveTo>
+                <a:pt x="0" y="23203"/>
+              </a:moveTo>
+              <a:lnTo>
+                <a:pt x="1079020" y="23203"/>
+              </a:lnTo>
+            </a:path>
+          </a:pathLst>
+        </a:custGeom>
+        <a:noFill/>
+        <a:ln w="12700" cap="flat" cmpd="sng" algn="ctr">
+          <a:solidFill>
+            <a:schemeClr val="accent1">
+              <a:shade val="60000"/>
+              <a:hueOff val="0"/>
+              <a:satOff val="0"/>
+              <a:lumOff val="0"/>
+              <a:alphaOff val="0"/>
+            </a:schemeClr>
+          </a:solidFill>
+          <a:prstDash val="solid"/>
+          <a:miter lim="800000"/>
+        </a:ln>
+        <a:effectLst/>
+      </dsp:spPr>
+      <dsp:style>
+        <a:lnRef idx="2">
+          <a:scrgbClr r="0" g="0" b="0"/>
+        </a:lnRef>
+        <a:fillRef idx="0">
+          <a:scrgbClr r="0" g="0" b="0"/>
+        </a:fillRef>
+        <a:effectRef idx="0">
+          <a:scrgbClr r="0" g="0" b="0"/>
+        </a:effectRef>
+        <a:fontRef idx="minor"/>
+      </dsp:style>
+      <dsp:txBody>
+        <a:bodyPr spcFirstLastPara="0" vert="horz" wrap="square" lIns="12700" tIns="0" rIns="12700" bIns="0" numCol="1" spcCol="1270" anchor="ctr" anchorCtr="0">
+          <a:noAutofit/>
+        </a:bodyPr>
+        <a:lstStyle/>
+        <a:p>
+          <a:pPr lvl="0" algn="ctr" defTabSz="222250">
+            <a:lnSpc>
+              <a:spcPct val="90000"/>
+            </a:lnSpc>
+            <a:spcBef>
+              <a:spcPct val="0"/>
+            </a:spcBef>
+            <a:spcAft>
+              <a:spcPct val="35000"/>
+            </a:spcAft>
+          </a:pPr>
+          <a:endParaRPr lang="en-US" sz="500" kern="1200"/>
+        </a:p>
+      </dsp:txBody>
+      <dsp:txXfrm>
+        <a:off x="3342555" y="2591094"/>
+        <a:ext cx="53951" cy="53951"/>
+      </dsp:txXfrm>
+    </dsp:sp>
+    <dsp:sp modelId="{85F8ABDE-79A8-4304-89F5-2565E4BB2AA2}">
+      <dsp:nvSpPr>
+        <dsp:cNvPr id="0" name=""/>
+        <dsp:cNvSpPr/>
+      </dsp:nvSpPr>
+      <dsp:spPr>
+        <a:xfrm>
+          <a:off x="3909036" y="1945974"/>
+          <a:ext cx="2697526" cy="1348763"/>
+        </a:xfrm>
+        <a:prstGeom prst="roundRect">
+          <a:avLst>
+            <a:gd name="adj" fmla="val 10000"/>
+          </a:avLst>
+        </a:prstGeom>
+        <a:solidFill>
+          <a:schemeClr val="accent1">
+            <a:hueOff val="0"/>
+            <a:satOff val="0"/>
+            <a:lumOff val="0"/>
+            <a:alphaOff val="0"/>
+          </a:schemeClr>
+        </a:solidFill>
+        <a:ln w="12700" cap="flat" cmpd="sng" algn="ctr">
+          <a:solidFill>
+            <a:schemeClr val="lt1">
+              <a:hueOff val="0"/>
+              <a:satOff val="0"/>
+              <a:lumOff val="0"/>
+              <a:alphaOff val="0"/>
+            </a:schemeClr>
+          </a:solidFill>
+          <a:prstDash val="solid"/>
+          <a:miter lim="800000"/>
+        </a:ln>
+        <a:effectLst/>
+      </dsp:spPr>
+      <dsp:style>
+        <a:lnRef idx="2">
+          <a:scrgbClr r="0" g="0" b="0"/>
+        </a:lnRef>
+        <a:fillRef idx="1">
+          <a:scrgbClr r="0" g="0" b="0"/>
+        </a:fillRef>
+        <a:effectRef idx="0">
+          <a:scrgbClr r="0" g="0" b="0"/>
+        </a:effectRef>
+        <a:fontRef idx="minor">
+          <a:schemeClr val="lt1"/>
+        </a:fontRef>
+      </dsp:style>
+      <dsp:txBody>
+        <a:bodyPr spcFirstLastPara="0" vert="horz" wrap="square" lIns="22225" tIns="22225" rIns="22225" bIns="22225" numCol="1" spcCol="1270" anchor="ctr" anchorCtr="0">
+          <a:noAutofit/>
+        </a:bodyPr>
+        <a:lstStyle/>
+        <a:p>
+          <a:pPr lvl="0" algn="ctr" defTabSz="1555750">
+            <a:lnSpc>
+              <a:spcPct val="90000"/>
+            </a:lnSpc>
+            <a:spcBef>
+              <a:spcPct val="0"/>
+            </a:spcBef>
+            <a:spcAft>
+              <a:spcPct val="35000"/>
+            </a:spcAft>
+          </a:pPr>
+          <a:r>
+            <a:rPr lang="en-US" sz="3500" kern="1200" dirty="0" smtClean="0"/>
+            <a:t>Parameter server</a:t>
+          </a:r>
+          <a:endParaRPr lang="en-US" sz="3500" kern="1200" dirty="0"/>
+        </a:p>
+      </dsp:txBody>
+      <dsp:txXfrm>
+        <a:off x="3948540" y="1985478"/>
+        <a:ext cx="2618518" cy="1269755"/>
+      </dsp:txXfrm>
+    </dsp:sp>
+    <dsp:sp modelId="{C7869CDA-7DB8-48F4-A2D5-97CE06735D7A}">
+      <dsp:nvSpPr>
+        <dsp:cNvPr id="0" name=""/>
+        <dsp:cNvSpPr/>
+      </dsp:nvSpPr>
+      <dsp:spPr>
+        <a:xfrm rot="20401086">
+          <a:off x="6572005" y="2400981"/>
+          <a:ext cx="1148127" cy="46406"/>
+        </a:xfrm>
+        <a:custGeom>
+          <a:avLst/>
+          <a:gdLst/>
+          <a:ahLst/>
+          <a:cxnLst/>
+          <a:rect l="0" t="0" r="0" b="0"/>
+          <a:pathLst>
+            <a:path>
+              <a:moveTo>
+                <a:pt x="0" y="23203"/>
+              </a:moveTo>
+              <a:lnTo>
+                <a:pt x="1148127" y="23203"/>
+              </a:lnTo>
+            </a:path>
+          </a:pathLst>
+        </a:custGeom>
+        <a:noFill/>
+        <a:ln w="12700" cap="flat" cmpd="sng" algn="ctr">
+          <a:solidFill>
+            <a:schemeClr val="accent1">
+              <a:shade val="80000"/>
+              <a:hueOff val="0"/>
+              <a:satOff val="0"/>
+              <a:lumOff val="0"/>
+              <a:alphaOff val="0"/>
+            </a:schemeClr>
+          </a:solidFill>
+          <a:prstDash val="solid"/>
+          <a:miter lim="800000"/>
+        </a:ln>
+        <a:effectLst/>
+      </dsp:spPr>
+      <dsp:style>
+        <a:lnRef idx="2">
+          <a:scrgbClr r="0" g="0" b="0"/>
+        </a:lnRef>
+        <a:fillRef idx="0">
+          <a:scrgbClr r="0" g="0" b="0"/>
+        </a:fillRef>
+        <a:effectRef idx="0">
+          <a:scrgbClr r="0" g="0" b="0"/>
+        </a:effectRef>
+        <a:fontRef idx="minor"/>
+      </dsp:style>
+      <dsp:txBody>
+        <a:bodyPr spcFirstLastPara="0" vert="horz" wrap="square" lIns="12700" tIns="0" rIns="12700" bIns="0" numCol="1" spcCol="1270" anchor="ctr" anchorCtr="0">
+          <a:noAutofit/>
+        </a:bodyPr>
+        <a:lstStyle/>
+        <a:p>
+          <a:pPr lvl="0" algn="ctr" defTabSz="222250">
+            <a:lnSpc>
+              <a:spcPct val="90000"/>
+            </a:lnSpc>
+            <a:spcBef>
+              <a:spcPct val="0"/>
+            </a:spcBef>
+            <a:spcAft>
+              <a:spcPct val="35000"/>
+            </a:spcAft>
+          </a:pPr>
+          <a:endParaRPr lang="en-US" sz="500" kern="1200"/>
+        </a:p>
+      </dsp:txBody>
+      <dsp:txXfrm>
+        <a:off x="7117365" y="2395481"/>
+        <a:ext cx="57406" cy="57406"/>
+      </dsp:txXfrm>
+    </dsp:sp>
+    <dsp:sp modelId="{F41BFDD1-7DC8-4B34-90D4-7B7DAB572A68}">
+      <dsp:nvSpPr>
+        <dsp:cNvPr id="0" name=""/>
+        <dsp:cNvSpPr/>
+      </dsp:nvSpPr>
+      <dsp:spPr>
+        <a:xfrm>
+          <a:off x="7685574" y="1553632"/>
+          <a:ext cx="2697526" cy="1348763"/>
+        </a:xfrm>
+        <a:prstGeom prst="roundRect">
+          <a:avLst>
+            <a:gd name="adj" fmla="val 10000"/>
+          </a:avLst>
+        </a:prstGeom>
+        <a:solidFill>
+          <a:schemeClr val="accent1">
+            <a:hueOff val="0"/>
+            <a:satOff val="0"/>
+            <a:lumOff val="0"/>
+            <a:alphaOff val="0"/>
+          </a:schemeClr>
+        </a:solidFill>
+        <a:ln w="12700" cap="flat" cmpd="sng" algn="ctr">
+          <a:solidFill>
+            <a:schemeClr val="lt1">
+              <a:hueOff val="0"/>
+              <a:satOff val="0"/>
+              <a:lumOff val="0"/>
+              <a:alphaOff val="0"/>
+            </a:schemeClr>
+          </a:solidFill>
+          <a:prstDash val="solid"/>
+          <a:miter lim="800000"/>
+        </a:ln>
+        <a:effectLst/>
+      </dsp:spPr>
+      <dsp:style>
+        <a:lnRef idx="2">
+          <a:scrgbClr r="0" g="0" b="0"/>
+        </a:lnRef>
+        <a:fillRef idx="1">
+          <a:scrgbClr r="0" g="0" b="0"/>
+        </a:fillRef>
+        <a:effectRef idx="0">
+          <a:scrgbClr r="0" g="0" b="0"/>
+        </a:effectRef>
+        <a:fontRef idx="minor">
+          <a:schemeClr val="lt1"/>
+        </a:fontRef>
+      </dsp:style>
+      <dsp:txBody>
+        <a:bodyPr spcFirstLastPara="0" vert="horz" wrap="square" lIns="22225" tIns="22225" rIns="22225" bIns="22225" numCol="1" spcCol="1270" anchor="ctr" anchorCtr="0">
+          <a:noAutofit/>
+        </a:bodyPr>
+        <a:lstStyle/>
+        <a:p>
+          <a:pPr lvl="0" algn="ctr" defTabSz="1555750">
+            <a:lnSpc>
+              <a:spcPct val="90000"/>
+            </a:lnSpc>
+            <a:spcBef>
+              <a:spcPct val="0"/>
+            </a:spcBef>
+            <a:spcAft>
+              <a:spcPct val="35000"/>
+            </a:spcAft>
+          </a:pPr>
+          <a:r>
+            <a:rPr lang="en-US" sz="3500" kern="1200" dirty="0" smtClean="0"/>
+            <a:t>Partition or samp</a:t>
+          </a:r>
+          <a:r>
+            <a:rPr lang="en-US" altLang="zh-CN" sz="3500" kern="1200" dirty="0" smtClean="0"/>
+            <a:t>ling</a:t>
+          </a:r>
+          <a:r>
+            <a:rPr lang="en-US" sz="3500" kern="1200" dirty="0" smtClean="0"/>
+            <a:t> data </a:t>
+          </a:r>
+          <a:endParaRPr lang="en-US" sz="3500" kern="1200" dirty="0"/>
+        </a:p>
+      </dsp:txBody>
+      <dsp:txXfrm>
+        <a:off x="7725078" y="1593136"/>
+        <a:ext cx="2618518" cy="1269755"/>
+      </dsp:txXfrm>
+    </dsp:sp>
+    <dsp:sp modelId="{D7B7B0CE-858B-4495-BAEE-990D8199C366}">
+      <dsp:nvSpPr>
+        <dsp:cNvPr id="0" name=""/>
+        <dsp:cNvSpPr/>
+      </dsp:nvSpPr>
+      <dsp:spPr>
+        <a:xfrm rot="2822427">
+          <a:off x="6354403" y="3176520"/>
+          <a:ext cx="1583329" cy="46406"/>
+        </a:xfrm>
+        <a:custGeom>
+          <a:avLst/>
+          <a:gdLst/>
+          <a:ahLst/>
+          <a:cxnLst/>
+          <a:rect l="0" t="0" r="0" b="0"/>
+          <a:pathLst>
+            <a:path>
+              <a:moveTo>
+                <a:pt x="0" y="23203"/>
+              </a:moveTo>
+              <a:lnTo>
+                <a:pt x="1583329" y="23203"/>
+              </a:lnTo>
+            </a:path>
+          </a:pathLst>
+        </a:custGeom>
+        <a:noFill/>
+        <a:ln w="12700" cap="flat" cmpd="sng" algn="ctr">
+          <a:solidFill>
+            <a:schemeClr val="accent1">
+              <a:shade val="80000"/>
+              <a:hueOff val="0"/>
+              <a:satOff val="0"/>
+              <a:lumOff val="0"/>
+              <a:alphaOff val="0"/>
+            </a:schemeClr>
+          </a:solidFill>
+          <a:prstDash val="solid"/>
+          <a:miter lim="800000"/>
+        </a:ln>
+        <a:effectLst/>
+      </dsp:spPr>
+      <dsp:style>
+        <a:lnRef idx="2">
+          <a:scrgbClr r="0" g="0" b="0"/>
+        </a:lnRef>
+        <a:fillRef idx="0">
+          <a:scrgbClr r="0" g="0" b="0"/>
+        </a:fillRef>
+        <a:effectRef idx="0">
+          <a:scrgbClr r="0" g="0" b="0"/>
+        </a:effectRef>
+        <a:fontRef idx="minor"/>
+      </dsp:style>
+      <dsp:txBody>
+        <a:bodyPr spcFirstLastPara="0" vert="horz" wrap="square" lIns="12700" tIns="0" rIns="12700" bIns="0" numCol="1" spcCol="1270" anchor="ctr" anchorCtr="0">
+          <a:noAutofit/>
+        </a:bodyPr>
+        <a:lstStyle/>
+        <a:p>
+          <a:pPr lvl="0" algn="ctr" defTabSz="222250">
+            <a:lnSpc>
+              <a:spcPct val="90000"/>
+            </a:lnSpc>
+            <a:spcBef>
+              <a:spcPct val="0"/>
+            </a:spcBef>
+            <a:spcAft>
+              <a:spcPct val="35000"/>
+            </a:spcAft>
+          </a:pPr>
+          <a:endParaRPr lang="en-US" sz="500" kern="1200"/>
+        </a:p>
+      </dsp:txBody>
+      <dsp:txXfrm>
+        <a:off x="7106485" y="3160140"/>
+        <a:ext cx="79166" cy="79166"/>
+      </dsp:txXfrm>
+    </dsp:sp>
+    <dsp:sp modelId="{CF0D6EA4-ED52-4EE1-A317-ABF4161C83C8}">
+      <dsp:nvSpPr>
+        <dsp:cNvPr id="0" name=""/>
+        <dsp:cNvSpPr/>
+      </dsp:nvSpPr>
+      <dsp:spPr>
+        <a:xfrm>
+          <a:off x="7685574" y="3104710"/>
+          <a:ext cx="2697526" cy="1348763"/>
+        </a:xfrm>
+        <a:prstGeom prst="roundRect">
+          <a:avLst>
+            <a:gd name="adj" fmla="val 10000"/>
+          </a:avLst>
+        </a:prstGeom>
+        <a:solidFill>
+          <a:schemeClr val="accent1">
+            <a:hueOff val="0"/>
+            <a:satOff val="0"/>
+            <a:lumOff val="0"/>
+            <a:alphaOff val="0"/>
+          </a:schemeClr>
+        </a:solidFill>
+        <a:ln w="12700" cap="flat" cmpd="sng" algn="ctr">
+          <a:solidFill>
+            <a:schemeClr val="lt1">
+              <a:hueOff val="0"/>
+              <a:satOff val="0"/>
+              <a:lumOff val="0"/>
+              <a:alphaOff val="0"/>
+            </a:schemeClr>
+          </a:solidFill>
+          <a:prstDash val="solid"/>
+          <a:miter lim="800000"/>
+        </a:ln>
+        <a:effectLst/>
+      </dsp:spPr>
+      <dsp:style>
+        <a:lnRef idx="2">
+          <a:scrgbClr r="0" g="0" b="0"/>
+        </a:lnRef>
+        <a:fillRef idx="1">
+          <a:scrgbClr r="0" g="0" b="0"/>
+        </a:fillRef>
+        <a:effectRef idx="0">
+          <a:scrgbClr r="0" g="0" b="0"/>
+        </a:effectRef>
+        <a:fontRef idx="minor">
+          <a:schemeClr val="lt1"/>
+        </a:fontRef>
+      </dsp:style>
+      <dsp:txBody>
+        <a:bodyPr spcFirstLastPara="0" vert="horz" wrap="square" lIns="22225" tIns="22225" rIns="22225" bIns="22225" numCol="1" spcCol="1270" anchor="ctr" anchorCtr="0">
+          <a:noAutofit/>
+        </a:bodyPr>
+        <a:lstStyle/>
+        <a:p>
+          <a:pPr lvl="0" algn="ctr" defTabSz="1555750">
+            <a:lnSpc>
+              <a:spcPct val="90000"/>
+            </a:lnSpc>
+            <a:spcBef>
+              <a:spcPct val="0"/>
+            </a:spcBef>
+            <a:spcAft>
+              <a:spcPct val="35000"/>
+            </a:spcAft>
+          </a:pPr>
+          <a:r>
+            <a:rPr lang="en-US" sz="3500" kern="1200" dirty="0" smtClean="0"/>
+            <a:t> </a:t>
+          </a:r>
+          <a:r>
+            <a:rPr lang="en-US" altLang="zh-CN" sz="3500" kern="1200" dirty="0" smtClean="0"/>
+            <a:t>When to sync</a:t>
+          </a:r>
+          <a:endParaRPr lang="en-US" sz="3500" kern="1200" dirty="0"/>
+        </a:p>
+      </dsp:txBody>
+      <dsp:txXfrm>
+        <a:off x="7725078" y="3144214"/>
+        <a:ext cx="2618518" cy="1269755"/>
+      </dsp:txXfrm>
+    </dsp:sp>
+    <dsp:sp modelId="{49921C65-B9FD-4174-A688-D1DACC224122}">
+      <dsp:nvSpPr>
+        <dsp:cNvPr id="0" name=""/>
+        <dsp:cNvSpPr/>
+      </dsp:nvSpPr>
+      <dsp:spPr>
+        <a:xfrm rot="3656109">
+          <a:off x="2258979" y="3563281"/>
+          <a:ext cx="2221104" cy="46406"/>
+        </a:xfrm>
+        <a:custGeom>
+          <a:avLst/>
+          <a:gdLst/>
+          <a:ahLst/>
+          <a:cxnLst/>
+          <a:rect l="0" t="0" r="0" b="0"/>
+          <a:pathLst>
+            <a:path>
+              <a:moveTo>
+                <a:pt x="0" y="23203"/>
+              </a:moveTo>
+              <a:lnTo>
+                <a:pt x="2221104" y="23203"/>
+              </a:lnTo>
+            </a:path>
+          </a:pathLst>
+        </a:custGeom>
+        <a:noFill/>
+        <a:ln w="12700" cap="flat" cmpd="sng" algn="ctr">
+          <a:solidFill>
+            <a:schemeClr val="accent1">
+              <a:shade val="60000"/>
+              <a:hueOff val="0"/>
+              <a:satOff val="0"/>
+              <a:lumOff val="0"/>
+              <a:alphaOff val="0"/>
+            </a:schemeClr>
+          </a:solidFill>
+          <a:prstDash val="solid"/>
+          <a:miter lim="800000"/>
+        </a:ln>
+        <a:effectLst/>
+      </dsp:spPr>
+      <dsp:style>
+        <a:lnRef idx="2">
+          <a:scrgbClr r="0" g="0" b="0"/>
+        </a:lnRef>
+        <a:fillRef idx="0">
+          <a:scrgbClr r="0" g="0" b="0"/>
+        </a:fillRef>
+        <a:effectRef idx="0">
+          <a:scrgbClr r="0" g="0" b="0"/>
+        </a:effectRef>
+        <a:fontRef idx="minor"/>
+      </dsp:style>
+      <dsp:txBody>
+        <a:bodyPr spcFirstLastPara="0" vert="horz" wrap="square" lIns="12700" tIns="0" rIns="12700" bIns="0" numCol="1" spcCol="1270" anchor="ctr" anchorCtr="0">
+          <a:noAutofit/>
+        </a:bodyPr>
+        <a:lstStyle/>
+        <a:p>
+          <a:pPr lvl="0" algn="ctr" defTabSz="311150">
+            <a:lnSpc>
+              <a:spcPct val="90000"/>
+            </a:lnSpc>
+            <a:spcBef>
+              <a:spcPct val="0"/>
+            </a:spcBef>
+            <a:spcAft>
+              <a:spcPct val="35000"/>
+            </a:spcAft>
+          </a:pPr>
+          <a:endParaRPr lang="en-US" sz="700" kern="1200"/>
+        </a:p>
+      </dsp:txBody>
+      <dsp:txXfrm>
+        <a:off x="3314003" y="3530956"/>
+        <a:ext cx="111055" cy="111055"/>
+      </dsp:txXfrm>
+    </dsp:sp>
+    <dsp:sp modelId="{4EBE53B0-B54B-41B6-B79B-91EF55C77EBB}">
+      <dsp:nvSpPr>
+        <dsp:cNvPr id="0" name=""/>
+        <dsp:cNvSpPr/>
+      </dsp:nvSpPr>
+      <dsp:spPr>
+        <a:xfrm>
+          <a:off x="3909036" y="3882803"/>
+          <a:ext cx="2697526" cy="1348763"/>
+        </a:xfrm>
+        <a:prstGeom prst="roundRect">
+          <a:avLst>
+            <a:gd name="adj" fmla="val 10000"/>
+          </a:avLst>
+        </a:prstGeom>
+        <a:solidFill>
+          <a:schemeClr val="accent1">
+            <a:hueOff val="0"/>
+            <a:satOff val="0"/>
+            <a:lumOff val="0"/>
+            <a:alphaOff val="0"/>
+          </a:schemeClr>
+        </a:solidFill>
+        <a:ln w="12700" cap="flat" cmpd="sng" algn="ctr">
+          <a:solidFill>
+            <a:schemeClr val="lt1">
+              <a:hueOff val="0"/>
+              <a:satOff val="0"/>
+              <a:lumOff val="0"/>
+              <a:alphaOff val="0"/>
+            </a:schemeClr>
+          </a:solidFill>
+          <a:prstDash val="solid"/>
+          <a:miter lim="800000"/>
+        </a:ln>
+        <a:effectLst/>
+      </dsp:spPr>
+      <dsp:style>
+        <a:lnRef idx="2">
+          <a:scrgbClr r="0" g="0" b="0"/>
+        </a:lnRef>
+        <a:fillRef idx="1">
+          <a:scrgbClr r="0" g="0" b="0"/>
+        </a:fillRef>
+        <a:effectRef idx="0">
+          <a:scrgbClr r="0" g="0" b="0"/>
+        </a:effectRef>
+        <a:fontRef idx="minor">
+          <a:schemeClr val="lt1"/>
+        </a:fontRef>
+      </dsp:style>
+      <dsp:txBody>
+        <a:bodyPr spcFirstLastPara="0" vert="horz" wrap="square" lIns="22225" tIns="22225" rIns="22225" bIns="22225" numCol="1" spcCol="1270" anchor="ctr" anchorCtr="0">
+          <a:noAutofit/>
+        </a:bodyPr>
+        <a:lstStyle/>
+        <a:p>
+          <a:pPr lvl="0" algn="ctr" defTabSz="1555750">
+            <a:lnSpc>
+              <a:spcPct val="90000"/>
+            </a:lnSpc>
+            <a:spcBef>
+              <a:spcPct val="0"/>
+            </a:spcBef>
+            <a:spcAft>
+              <a:spcPct val="35000"/>
+            </a:spcAft>
+          </a:pPr>
+          <a:r>
+            <a:rPr lang="en-US" sz="3500" kern="1200" dirty="0" smtClean="0"/>
+            <a:t>Decentralize</a:t>
+          </a:r>
+          <a:endParaRPr lang="en-US" sz="3500" kern="1200" dirty="0"/>
+        </a:p>
+      </dsp:txBody>
+      <dsp:txXfrm>
+        <a:off x="3948540" y="3922307"/>
+        <a:ext cx="2618518" cy="1269755"/>
+      </dsp:txXfrm>
+    </dsp:sp>
+  </dsp:spTree>
+</dsp:drawing>
+</file>
+
+<file path=ppt/diagrams/layout1.xml><?xml version="1.0" encoding="utf-8"?>
+<dgm:layoutDef xmlns:dgm="http://schemas.openxmlformats.org/drawingml/2006/diagram" xmlns:a="http://schemas.openxmlformats.org/drawingml/2006/main" uniqueId="urn:microsoft.com/office/officeart/2005/8/layout/hierarchy2">
+  <dgm:title val=""/>
+  <dgm:desc val=""/>
+  <dgm:catLst>
+    <dgm:cat type="hierarchy" pri="5000"/>
+  </dgm:catLst>
+  <dgm:sampData>
+    <dgm:dataModel>
+      <dgm:ptLst>
+        <dgm:pt modelId="0" type="doc"/>
+        <dgm:pt modelId="1">
+          <dgm:prSet phldr="1"/>
+        </dgm:pt>
+        <dgm:pt modelId="2">
+          <dgm:prSet phldr="1"/>
+        </dgm:pt>
+        <dgm:pt modelId="21">
+          <dgm:prSet phldr="1"/>
+        </dgm:pt>
+        <dgm:pt modelId="22">
+          <dgm:prSet phldr="1"/>
+        </dgm:pt>
+        <dgm:pt modelId="3">
+          <dgm:prSet phldr="1"/>
+        </dgm:pt>
+        <dgm:pt modelId="31">
+          <dgm:prSet phldr="1"/>
+        </dgm:pt>
+      </dgm:ptLst>
+      <dgm:cxnLst>
+        <dgm:cxn modelId="4" srcId="0" destId="1" srcOrd="0" destOrd="0"/>
+        <dgm:cxn modelId="5" srcId="1" destId="2" srcOrd="0" destOrd="0"/>
+        <dgm:cxn modelId="6" srcId="1" destId="3" srcOrd="1" destOrd="0"/>
+        <dgm:cxn modelId="23" srcId="2" destId="21" srcOrd="0" destOrd="0"/>
+        <dgm:cxn modelId="24" srcId="2" destId="22" srcOrd="1" destOrd="0"/>
+        <dgm:cxn modelId="33" srcId="3" destId="31" srcOrd="0" destOrd="0"/>
+      </dgm:cxnLst>
+      <dgm:bg/>
+      <dgm:whole/>
+    </dgm:dataModel>
+  </dgm:sampData>
+  <dgm:styleData>
+    <dgm:dataModel>
+      <dgm:ptLst>
+        <dgm:pt modelId="0" type="doc"/>
+        <dgm:pt modelId="1"/>
+        <dgm:pt modelId="11"/>
+        <dgm:pt modelId="12"/>
+      </dgm:ptLst>
+      <dgm:cxnLst>
+        <dgm:cxn modelId="2" srcId="0" destId="1" srcOrd="0" destOrd="0"/>
+        <dgm:cxn modelId="13" srcId="1" destId="11" srcOrd="0" destOrd="0"/>
+        <dgm:cxn modelId="14" srcId="1" destId="12" srcOrd="1" destOrd="0"/>
+      </dgm:cxnLst>
+      <dgm:bg/>
+      <dgm:whole/>
+    </dgm:dataModel>
+  </dgm:styleData>
+  <dgm:clrData>
+    <dgm:dataModel>
+      <dgm:ptLst>
+        <dgm:pt modelId="0" type="doc"/>
+        <dgm:pt modelId="1"/>
+        <dgm:pt modelId="2"/>
+        <dgm:pt modelId="21"/>
+        <dgm:pt modelId="211"/>
+        <dgm:pt modelId="3"/>
+        <dgm:pt modelId="31"/>
+        <dgm:pt modelId="311"/>
+      </dgm:ptLst>
+      <dgm:cxnLst>
+        <dgm:cxn modelId="4" srcId="0" destId="1" srcOrd="0" destOrd="0"/>
+        <dgm:cxn modelId="5" srcId="1" destId="2" srcOrd="0" destOrd="0"/>
+        <dgm:cxn modelId="6" srcId="1" destId="3" srcOrd="1" destOrd="0"/>
+        <dgm:cxn modelId="23" srcId="2" destId="21" srcOrd="0" destOrd="0"/>
+        <dgm:cxn modelId="24" srcId="21" destId="211" srcOrd="0" destOrd="0"/>
+        <dgm:cxn modelId="33" srcId="3" destId="31" srcOrd="0" destOrd="0"/>
+        <dgm:cxn modelId="34" srcId="31" destId="311" srcOrd="0" destOrd="0"/>
+      </dgm:cxnLst>
+      <dgm:bg/>
+      <dgm:whole/>
+    </dgm:dataModel>
+  </dgm:clrData>
+  <dgm:layoutNode name="diagram">
+    <dgm:varLst>
+      <dgm:chPref val="1"/>
+      <dgm:dir/>
+      <dgm:animOne val="branch"/>
+      <dgm:animLvl val="lvl"/>
+      <dgm:resizeHandles val="exact"/>
+    </dgm:varLst>
+    <dgm:choose name="Name0">
+      <dgm:if name="Name1" func="var" arg="dir" op="equ" val="norm">
+        <dgm:alg type="hierChild">
+          <dgm:param type="linDir" val="fromT"/>
+          <dgm:param type="chAlign" val="l"/>
+        </dgm:alg>
+      </dgm:if>
+      <dgm:else name="Name2">
+        <dgm:alg type="hierChild">
+          <dgm:param type="linDir" val="fromT"/>
+          <dgm:param type="chAlign" val="r"/>
+        </dgm:alg>
+      </dgm:else>
+    </dgm:choose>
+    <dgm:shape xmlns:r="http://schemas.openxmlformats.org/officeDocument/2006/relationships" r:blip="">
+      <dgm:adjLst/>
+    </dgm:shape>
+    <dgm:presOf/>
+    <dgm:constrLst>
+      <dgm:constr type="h" for="des" ptType="node" refType="h"/>
+      <dgm:constr type="w" for="des" ptType="node" refType="h" refFor="des" refPtType="node" fact="2"/>
+      <dgm:constr type="sibSp" refType="h" refFor="des" refPtType="node" op="equ" fact="0.15"/>
+      <dgm:constr type="sibSp" for="des" forName="level2hierChild" refType="h" refFor="des" refPtType="node" op="equ" fact="0.15"/>
+      <dgm:constr type="sibSp" for="des" forName="level3hierChild" refType="h" refFor="des" refPtType="node" op="equ" fact="0.15"/>
+      <dgm:constr type="sp" for="des" forName="root1" refType="w" refFor="des" refPtType="node" fact="0.4"/>
+      <dgm:constr type="sp" for="des" forName="root2" refType="sp" refFor="des" refForName="root1" op="equ"/>
+      <dgm:constr type="primFontSz" for="des" ptType="node" op="equ" val="65"/>
+      <dgm:constr type="primFontSz" for="des" forName="connTx" op="equ" val="55"/>
+      <dgm:constr type="primFontSz" for="des" forName="connTx" refType="primFontSz" refFor="des" refPtType="node" op="lte" fact="0.8"/>
+    </dgm:constrLst>
+    <dgm:ruleLst/>
+    <dgm:forEach name="Name3" axis="ch">
+      <dgm:forEach name="Name4" axis="self" ptType="node">
+        <dgm:layoutNode name="root1">
+          <dgm:choose name="Name5">
+            <dgm:if name="Name6" func="var" arg="dir" op="equ" val="norm">
+              <dgm:alg type="hierRoot">
+                <dgm:param type="hierAlign" val="lCtrCh"/>
+              </dgm:alg>
+            </dgm:if>
+            <dgm:else name="Name7">
+              <dgm:alg type="hierRoot">
+                <dgm:param type="hierAlign" val="rCtrCh"/>
+              </dgm:alg>
+            </dgm:else>
+          </dgm:choose>
+          <dgm:shape xmlns:r="http://schemas.openxmlformats.org/officeDocument/2006/relationships" r:blip="">
+            <dgm:adjLst/>
+          </dgm:shape>
+          <dgm:presOf/>
+          <dgm:constrLst/>
+          <dgm:ruleLst/>
+          <dgm:layoutNode name="LevelOneTextNode" styleLbl="node0">
+            <dgm:varLst>
+              <dgm:chPref val="3"/>
+            </dgm:varLst>
+            <dgm:alg type="tx"/>
+            <dgm:shape xmlns:r="http://schemas.openxmlformats.org/officeDocument/2006/relationships" type="roundRect" r:blip="">
+              <dgm:adjLst>
+                <dgm:adj idx="1" val="0.1"/>
+              </dgm:adjLst>
+            </dgm:shape>
+            <dgm:presOf axis="self"/>
+            <dgm:constrLst>
+              <dgm:constr type="tMarg" refType="primFontSz" fact="0.05"/>
+              <dgm:constr type="bMarg" refType="primFontSz" fact="0.05"/>
+              <dgm:constr type="lMarg" refType="primFontSz" fact="0.05"/>
+              <dgm:constr type="rMarg" refType="primFontSz" fact="0.05"/>
+            </dgm:constrLst>
+            <dgm:ruleLst>
+              <dgm:rule type="primFontSz" val="5" fact="NaN" max="NaN"/>
+            </dgm:ruleLst>
+          </dgm:layoutNode>
+          <dgm:layoutNode name="level2hierChild">
+            <dgm:choose name="Name8">
+              <dgm:if name="Name9" func="var" arg="dir" op="equ" val="norm">
+                <dgm:alg type="hierChild">
+                  <dgm:param type="linDir" val="fromT"/>
+                  <dgm:param type="chAlign" val="l"/>
+                </dgm:alg>
+              </dgm:if>
+              <dgm:else name="Name10">
+                <dgm:alg type="hierChild">
+                  <dgm:param type="linDir" val="fromT"/>
+                  <dgm:param type="chAlign" val="r"/>
+                </dgm:alg>
+              </dgm:else>
+            </dgm:choose>
+            <dgm:shape xmlns:r="http://schemas.openxmlformats.org/officeDocument/2006/relationships" r:blip="">
+              <dgm:adjLst/>
+            </dgm:shape>
+            <dgm:presOf/>
+            <dgm:constrLst/>
+            <dgm:ruleLst/>
+            <dgm:forEach name="repeat" axis="ch">
+              <dgm:forEach name="Name11" axis="self" ptType="parTrans" cnt="1">
+                <dgm:layoutNode name="conn2-1">
+                  <dgm:choose name="Name12">
+                    <dgm:if name="Name13" func="var" arg="dir" op="equ" val="norm">
+                      <dgm:alg type="conn">
+                        <dgm:param type="dim" val="1D"/>
+                        <dgm:param type="begPts" val="midR"/>
+                        <dgm:param type="endPts" val="midL"/>
+                        <dgm:param type="endSty" val="noArr"/>
+                      </dgm:alg>
+                    </dgm:if>
+                    <dgm:else name="Name14">
+                      <dgm:alg type="conn">
+                        <dgm:param type="dim" val="1D"/>
+                        <dgm:param type="begPts" val="midL"/>
+                        <dgm:param type="endPts" val="midR"/>
+                        <dgm:param type="endSty" val="noArr"/>
+                      </dgm:alg>
+                    </dgm:else>
+                  </dgm:choose>
+                  <dgm:shape xmlns:r="http://schemas.openxmlformats.org/officeDocument/2006/relationships" type="conn" r:blip="">
+                    <dgm:adjLst/>
+                  </dgm:shape>
+                  <dgm:presOf axis="self"/>
+                  <dgm:constrLst>
+                    <dgm:constr type="w" val="1"/>
+                    <dgm:constr type="h" val="5"/>
+                    <dgm:constr type="connDist"/>
+                    <dgm:constr type="begPad"/>
+                    <dgm:constr type="endPad"/>
+                    <dgm:constr type="userA" for="ch" refType="connDist"/>
+                  </dgm:constrLst>
+                  <dgm:ruleLst/>
+                  <dgm:layoutNode name="connTx">
+                    <dgm:alg type="tx">
+                      <dgm:param type="autoTxRot" val="grav"/>
+                    </dgm:alg>
+                    <dgm:shape xmlns:r="http://schemas.openxmlformats.org/officeDocument/2006/relationships" type="rect" r:blip="" hideGeom="1">
+                      <dgm:adjLst/>
+                    </dgm:shape>
+                    <dgm:presOf axis="self"/>
+                    <dgm:constrLst>
+                      <dgm:constr type="userA"/>
+                      <dgm:constr type="w" refType="userA" fact="0.05"/>
+                      <dgm:constr type="h" refType="userA" fact="0.05"/>
+                      <dgm:constr type="lMarg" val="1"/>
+                      <dgm:constr type="rMarg" val="1"/>
+                      <dgm:constr type="tMarg"/>
+                      <dgm:constr type="bMarg"/>
+                    </dgm:constrLst>
+                    <dgm:ruleLst>
+                      <dgm:rule type="h" val="NaN" fact="0.25" max="NaN"/>
+                      <dgm:rule type="w" val="NaN" fact="0.8" max="NaN"/>
+                      <dgm:rule type="primFontSz" val="5" fact="NaN" max="NaN"/>
+                    </dgm:ruleLst>
+                  </dgm:layoutNode>
+                </dgm:layoutNode>
+              </dgm:forEach>
+              <dgm:forEach name="Name15" axis="self" ptType="node">
+                <dgm:layoutNode name="root2">
+                  <dgm:choose name="Name16">
+                    <dgm:if name="Name17" func="var" arg="dir" op="equ" val="norm">
+                      <dgm:alg type="hierRoot">
+                        <dgm:param type="hierAlign" val="lCtrCh"/>
+                      </dgm:alg>
+                    </dgm:if>
+                    <dgm:else name="Name18">
+                      <dgm:alg type="hierRoot">
+                        <dgm:param type="hierAlign" val="rCtrCh"/>
+                      </dgm:alg>
+                    </dgm:else>
+                  </dgm:choose>
+                  <dgm:shape xmlns:r="http://schemas.openxmlformats.org/officeDocument/2006/relationships" r:blip="">
+                    <dgm:adjLst/>
+                  </dgm:shape>
+                  <dgm:presOf/>
+                  <dgm:constrLst/>
+                  <dgm:ruleLst/>
+                  <dgm:layoutNode name="LevelTwoTextNode">
+                    <dgm:varLst>
+                      <dgm:chPref val="3"/>
+                    </dgm:varLst>
+                    <dgm:alg type="tx"/>
+                    <dgm:shape xmlns:r="http://schemas.openxmlformats.org/officeDocument/2006/relationships" type="roundRect" r:blip="">
+                      <dgm:adjLst>
+                        <dgm:adj idx="1" val="0.1"/>
+                      </dgm:adjLst>
+                    </dgm:shape>
+                    <dgm:presOf axis="self"/>
+                    <dgm:constrLst>
+                      <dgm:constr type="tMarg" refType="primFontSz" fact="0.05"/>
+                      <dgm:constr type="bMarg" refType="primFontSz" fact="0.05"/>
+                      <dgm:constr type="lMarg" refType="primFontSz" fact="0.05"/>
+                      <dgm:constr type="rMarg" refType="primFontSz" fact="0.05"/>
+                    </dgm:constrLst>
+                    <dgm:ruleLst>
+                      <dgm:rule type="primFontSz" val="5" fact="NaN" max="NaN"/>
+                    </dgm:ruleLst>
+                  </dgm:layoutNode>
+                  <dgm:layoutNode name="level3hierChild">
+                    <dgm:choose name="Name19">
+                      <dgm:if name="Name20" func="var" arg="dir" op="equ" val="norm">
+                        <dgm:alg type="hierChild">
+                          <dgm:param type="linDir" val="fromT"/>
+                          <dgm:param type="chAlign" val="l"/>
+                        </dgm:alg>
+                      </dgm:if>
+                      <dgm:else name="Name21">
+                        <dgm:alg type="hierChild">
+                          <dgm:param type="linDir" val="fromT"/>
+                          <dgm:param type="chAlign" val="r"/>
+                        </dgm:alg>
+                      </dgm:else>
+                    </dgm:choose>
+                    <dgm:shape xmlns:r="http://schemas.openxmlformats.org/officeDocument/2006/relationships" r:blip="">
+                      <dgm:adjLst/>
+                    </dgm:shape>
+                    <dgm:presOf/>
+                    <dgm:constrLst/>
+                    <dgm:ruleLst/>
+                    <dgm:forEach name="Name22" ref="repeat"/>
+                  </dgm:layoutNode>
+                </dgm:layoutNode>
+              </dgm:forEach>
+            </dgm:forEach>
+          </dgm:layoutNode>
+        </dgm:layoutNode>
+      </dgm:forEach>
+    </dgm:forEach>
+  </dgm:layoutNode>
+</dgm:layoutDef>
+</file>
+
+<file path=ppt/diagrams/quickStyle1.xml><?xml version="1.0" encoding="utf-8"?>
+<dgm:styleDef xmlns:dgm="http://schemas.openxmlformats.org/drawingml/2006/diagram" xmlns:a="http://schemas.openxmlformats.org/drawingml/2006/main" uniqueId="urn:microsoft.com/office/officeart/2005/8/quickstyle/simple1">
+  <dgm:title val=""/>
+  <dgm:desc val=""/>
+  <dgm:catLst>
+    <dgm:cat type="simple" pri="10100"/>
+  </dgm:catLst>
+  <dgm:scene3d>
+    <a:camera prst="orthographicFront"/>
+    <a:lightRig rig="threePt" dir="t"/>
+  </dgm:scene3d>
+  <dgm:styleLbl name="node0">
+    <dgm:scene3d>
+      <a:camera prst="orthographicFront"/>
+      <a:lightRig rig="threePt" dir="t"/>
+    </dgm:scene3d>
+    <dgm:sp3d/>
+    <dgm:txPr/>
+    <dgm:style>
+      <a:lnRef idx="2">
+        <a:scrgbClr r="0" g="0" b="0"/>
+      </a:lnRef>
+      <a:fillRef idx="1">
+        <a:scrgbClr r="0" g="0" b="0"/>
+      </a:fillRef>
+      <a:effectRef idx="0">
+        <a:scrgbClr r="0" g="0" b="0"/>
+      </a:effectRef>
+      <a:fontRef idx="minor">
+        <a:schemeClr val="lt1"/>
+      </a:fontRef>
+    </dgm:style>
+  </dgm:styleLbl>
+  <dgm:styleLbl name="lnNode1">
+    <dgm:scene3d>
+      <a:camera prst="orthographicFront"/>
+      <a:lightRig rig="threePt" dir="t"/>
+    </dgm:scene3d>
+    <dgm:sp3d/>
+    <dgm:txPr/>
+    <dgm:style>
+      <a:lnRef idx="2">
+        <a:scrgbClr r="0" g="0" b="0"/>
+      </a:lnRef>
+      <a:fillRef idx="1">
+        <a:scrgbClr r="0" g="0" b="0"/>
+      </a:fillRef>
+      <a:effectRef idx="0">
+        <a:scrgbClr r="0" g="0" b="0"/>
+      </a:effectRef>
+      <a:fontRef idx="minor">
+        <a:schemeClr val="lt1"/>
+      </a:fontRef>
+    </dgm:style>
+  </dgm:styleLbl>
+  <dgm:styleLbl name="vennNode1">
+    <dgm:scene3d>
+      <a:camera prst="orthographicFront"/>
+      <a:lightRig rig="threePt" dir="t"/>
+    </dgm:scene3d>
+    <dgm:sp3d/>
+    <dgm:txPr/>
+    <dgm:style>
+      <a:lnRef idx="2">
+        <a:scrgbClr r="0" g="0" b="0"/>
+      </a:lnRef>
+      <a:fillRef idx="1">
+        <a:scrgbClr r="0" g="0" b="0"/>
+      </a:fillRef>
+      <a:effectRef idx="0">
+        <a:scrgbClr r="0" g="0" b="0"/>
+      </a:effectRef>
+      <a:fontRef idx="minor">
+        <a:schemeClr val="tx1"/>
+      </a:fontRef>
+    </dgm:style>
+  </dgm:styleLbl>
+  <dgm:styleLbl name="alignNode1">
+    <dgm:scene3d>
+      <a:camera prst="orthographicFront"/>
+      <a:lightRig rig="threePt" dir="t"/>
+    </dgm:scene3d>
+    <dgm:sp3d/>
+    <dgm:txPr/>
+    <dgm:style>
+      <a:lnRef idx="2">
+        <a:scrgbClr r="0" g="0" b="0"/>
+      </a:lnRef>
+      <a:fillRef idx="1">
+        <a:scrgbClr r="0" g="0" b="0"/>
+      </a:fillRef>
+      <a:effectRef idx="0">
+        <a:scrgbClr r="0" g="0" b="0"/>
+      </a:effectRef>
+      <a:fontRef idx="minor">
+        <a:schemeClr val="lt1"/>
+      </a:fontRef>
+    </dgm:style>
+  </dgm:styleLbl>
+  <dgm:styleLbl name="node1">
+    <dgm:scene3d>
+      <a:camera prst="orthographicFront"/>
+      <a:lightRig rig="threePt" dir="t"/>
+    </dgm:scene3d>
+    <dgm:sp3d/>
+    <dgm:txPr/>
+    <dgm:style>
+      <a:lnRef idx="2">
+        <a:scrgbClr r="0" g="0" b="0"/>
+      </a:lnRef>
+      <a:fillRef idx="1">
+        <a:scrgbClr r="0" g="0" b="0"/>
+      </a:fillRef>
+      <a:effectRef idx="0">
+        <a:scrgbClr r="0" g="0" b="0"/>
+      </a:effectRef>
+      <a:fontRef idx="minor">
+        <a:schemeClr val="lt1"/>
+      </a:fontRef>
+    </dgm:style>
+  </dgm:styleLbl>
+  <dgm:styleLbl name="node2">
+    <dgm:scene3d>
+      <a:camera prst="orthographicFront"/>
+      <a:lightRig rig="threePt" dir="t"/>
+    </dgm:scene3d>
+    <dgm:sp3d/>
+    <dgm:txPr/>
+    <dgm:style>
+      <a:lnRef idx="2">
+        <a:scrgbClr r="0" g="0" b="0"/>
+      </a:lnRef>
+      <a:fillRef idx="1">
+        <a:scrgbClr r="0" g="0" b="0"/>
+      </a:fillRef>
+      <a:effectRef idx="0">
+        <a:scrgbClr r="0" g="0" b="0"/>
+      </a:effectRef>
+      <a:fontRef idx="minor">
+        <a:schemeClr val="lt1"/>
+      </a:fontRef>
+    </dgm:style>
+  </dgm:styleLbl>
+  <dgm:styleLbl name="node3">
+    <dgm:scene3d>
+      <a:camera prst="orthographicFront"/>
+      <a:lightRig rig="threePt" dir="t"/>
+    </dgm:scene3d>
+    <dgm:sp3d/>
+    <dgm:txPr/>
+    <dgm:style>
+      <a:lnRef idx="2">
+        <a:scrgbClr r="0" g="0" b="0"/>
+      </a:lnRef>
+      <a:fillRef idx="1">
+        <a:scrgbClr r="0" g="0" b="0"/>
+      </a:fillRef>
+      <a:effectRef idx="0">
+        <a:scrgbClr r="0" g="0" b="0"/>
+      </a:effectRef>
+      <a:fontRef idx="minor">
+        <a:schemeClr val="lt1"/>
+      </a:fontRef>
+    </dgm:style>
+  </dgm:styleLbl>
+  <dgm:styleLbl name="node4">
+    <dgm:scene3d>
+      <a:camera prst="orthographicFront"/>
+      <a:lightRig rig="threePt" dir="t"/>
+    </dgm:scene3d>
+    <dgm:sp3d/>
+    <dgm:txPr/>
+    <dgm:style>
+      <a:lnRef idx="2">
+        <a:scrgbClr r="0" g="0" b="0"/>
+      </a:lnRef>
+      <a:fillRef idx="1">
+        <a:scrgbClr r="0" g="0" b="0"/>
+      </a:fillRef>
+      <a:effectRef idx="0">
+        <a:scrgbClr r="0" g="0" b="0"/>
+      </a:effectRef>
+      <a:fontRef idx="minor">
+        <a:schemeClr val="lt1"/>
+      </a:fontRef>
+    </dgm:style>
+  </dgm:styleLbl>
+  <dgm:styleLbl name="fgImgPlace1">
+    <dgm:scene3d>
+      <a:camera prst="orthographicFront"/>
+      <a:lightRig rig="threePt" dir="t"/>
+    </dgm:scene3d>
+    <dgm:sp3d/>
+    <dgm:txPr/>
+    <dgm:style>
+      <a:lnRef idx="2">
+        <a:scrgbClr r="0" g="0" b="0"/>
+      </a:lnRef>
+      <a:fillRef idx="1">
+        <a:scrgbClr r="0" g="0" b="0"/>
+      </a:fillRef>
+      <a:effectRef idx="0">
+        <a:scrgbClr r="0" g="0" b="0"/>
+      </a:effectRef>
+      <a:fontRef idx="minor"/>
+    </dgm:style>
+  </dgm:styleLbl>
+  <dgm:styleLbl name="alignImgPlace1">
+    <dgm:scene3d>
+      <a:camera prst="orthographicFront"/>
+      <a:lightRig rig="threePt" dir="t"/>
+    </dgm:scene3d>
+    <dgm:sp3d/>
+    <dgm:txPr/>
+    <dgm:style>
+      <a:lnRef idx="2">
+        <a:scrgbClr r="0" g="0" b="0"/>
+      </a:lnRef>
+      <a:fillRef idx="1">
+        <a:scrgbClr r="0" g="0" b="0"/>
+      </a:fillRef>
+      <a:effectRef idx="0">
+        <a:scrgbClr r="0" g="0" b="0"/>
+      </a:effectRef>
+      <a:fontRef idx="minor"/>
+    </dgm:style>
+  </dgm:styleLbl>
+  <dgm:styleLbl name="bgImgPlace1">
+    <dgm:scene3d>
+      <a:camera prst="orthographicFront"/>
+      <a:lightRig rig="threePt" dir="t"/>
+    </dgm:scene3d>
+    <dgm:sp3d/>
+    <dgm:txPr/>
+    <dgm:style>
+      <a:lnRef idx="2">
+        <a:scrgbClr r="0" g="0" b="0"/>
+      </a:lnRef>
+      <a:fillRef idx="1">
+        <a:scrgbClr r="0" g="0" b="0"/>
+      </a:fillRef>
+      <a:effectRef idx="0">
+        <a:scrgbClr r="0" g="0" b="0"/>
+      </a:effectRef>
+      <a:fontRef idx="minor"/>
+    </dgm:style>
+  </dgm:styleLbl>
+  <dgm:styleLbl name="sibTrans2D1">
+    <dgm:scene3d>
+      <a:camera prst="orthographicFront"/>
+      <a:lightRig rig="threePt" dir="t"/>
+    </dgm:scene3d>
+    <dgm:sp3d/>
+    <dgm:txPr/>
+    <dgm:style>
+      <a:lnRef idx="0">
+        <a:scrgbClr r="0" g="0" b="0"/>
+      </a:lnRef>
+      <a:fillRef idx="1">
+        <a:scrgbClr r="0" g="0" b="0"/>
+      </a:fillRef>
+      <a:effectRef idx="0">
+        <a:scrgbClr r="0" g="0" b="0"/>
+      </a:effectRef>
+      <a:fontRef idx="minor">
+        <a:schemeClr val="lt1"/>
+      </a:fontRef>
+    </dgm:style>
+  </dgm:styleLbl>
+  <dgm:styleLbl name="fgSibTrans2D1">
+    <dgm:scene3d>
+      <a:camera prst="orthographicFront"/>
+      <a:lightRig rig="threePt" dir="t"/>
+    </dgm:scene3d>
+    <dgm:sp3d/>
+    <dgm:txPr/>
+    <dgm:style>
+      <a:lnRef idx="0">
+        <a:scrgbClr r="0" g="0" b="0"/>
+      </a:lnRef>
+      <a:fillRef idx="1">
+        <a:scrgbClr r="0" g="0" b="0"/>
+      </a:fillRef>
+      <a:effectRef idx="0">
+        <a:scrgbClr r="0" g="0" b="0"/>
+      </a:effectRef>
+      <a:fontRef idx="minor">
+        <a:schemeClr val="lt1"/>
+      </a:fontRef>
+    </dgm:style>
+  </dgm:styleLbl>
+  <dgm:styleLbl name="bgSibTrans2D1">
+    <dgm:scene3d>
+      <a:camera prst="orthographicFront"/>
+      <a:lightRig rig="threePt" dir="t"/>
+    </dgm:scene3d>
+    <dgm:sp3d/>
+    <dgm:txPr/>
+    <dgm:style>
+      <a:lnRef idx="0">
+        <a:scrgbClr r="0" g="0" b="0"/>
+      </a:lnRef>
+      <a:fillRef idx="1">
+        <a:scrgbClr r="0" g="0" b="0"/>
+      </a:fillRef>
+      <a:effectRef idx="0">
+        <a:scrgbClr r="0" g="0" b="0"/>
+      </a:effectRef>
+      <a:fontRef idx="minor">
+        <a:schemeClr val="lt1"/>
+      </a:fontRef>
+    </dgm:style>
+  </dgm:styleLbl>
+  <dgm:styleLbl name="sibTrans1D1">
+    <dgm:scene3d>
+      <a:camera prst="orthographicFront"/>
+      <a:lightRig rig="threePt" dir="t"/>
+    </dgm:scene3d>
+    <dgm:sp3d/>
+    <dgm:txPr/>
+    <dgm:style>
+      <a:lnRef idx="1">
+        <a:scrgbClr r="0" g="0" b="0"/>
+      </a:lnRef>
+      <a:fillRef idx="0">
+        <a:scrgbClr r="0" g="0" b="0"/>
+      </a:fillRef>
+      <a:effectRef idx="0">
+        <a:scrgbClr r="0" g="0" b="0"/>
+      </a:effectRef>
+      <a:fontRef idx="minor"/>
+    </dgm:style>
+  </dgm:styleLbl>
+  <dgm:styleLbl name="callout">
+    <dgm:scene3d>
+      <a:camera prst="orthographicFront"/>
+      <a:lightRig rig="threePt" dir="t"/>
+    </dgm:scene3d>
+    <dgm:sp3d/>
+    <dgm:txPr/>
+    <dgm:style>
+      <a:lnRef idx="2">
+        <a:scrgbClr r="0" g="0" b="0"/>
+      </a:lnRef>
+      <a:fillRef idx="1">
+        <a:scrgbClr r="0" g="0" b="0"/>
+      </a:fillRef>
+      <a:effectRef idx="0">
+        <a:scrgbClr r="0" g="0" b="0"/>
+      </a:effectRef>
+      <a:fontRef idx="minor"/>
+    </dgm:style>
+  </dgm:styleLbl>
+  <dgm:styleLbl name="asst0">
+    <dgm:scene3d>
+      <a:camera prst="orthographicFront"/>
+      <a:lightRig rig="threePt" dir="t"/>
+    </dgm:scene3d>
+    <dgm:sp3d/>
+    <dgm:txPr/>
+    <dgm:style>
+      <a:lnRef idx="2">
+        <a:scrgbClr r="0" g="0" b="0"/>
+      </a:lnRef>
+      <a:fillRef idx="1">
+        <a:scrgbClr r="0" g="0" b="0"/>
+      </a:fillRef>
+      <a:effectRef idx="0">
+        <a:scrgbClr r="0" g="0" b="0"/>
+      </a:effectRef>
+      <a:fontRef idx="minor">
+        <a:schemeClr val="lt1"/>
+      </a:fontRef>
+    </dgm:style>
+  </dgm:styleLbl>
+  <dgm:styleLbl name="asst1">
+    <dgm:scene3d>
+      <a:camera prst="orthographicFront"/>
+      <a:lightRig rig="threePt" dir="t"/>
+    </dgm:scene3d>
+    <dgm:sp3d/>
+    <dgm:txPr/>
+    <dgm:style>
+      <a:lnRef idx="2">
+        <a:scrgbClr r="0" g="0" b="0"/>
+      </a:lnRef>
+      <a:fillRef idx="1">
+        <a:scrgbClr r="0" g="0" b="0"/>
+      </a:fillRef>
+      <a:effectRef idx="0">
+        <a:scrgbClr r="0" g="0" b="0"/>
+      </a:effectRef>
+      <a:fontRef idx="minor">
+        <a:schemeClr val="lt1"/>
+      </a:fontRef>
+    </dgm:style>
+  </dgm:styleLbl>
+  <dgm:styleLbl name="asst2">
+    <dgm:scene3d>
+      <a:camera prst="orthographicFront"/>
+      <a:lightRig rig="threePt" dir="t"/>
+    </dgm:scene3d>
+    <dgm:sp3d/>
+    <dgm:txPr/>
+    <dgm:style>
+      <a:lnRef idx="2">
+        <a:scrgbClr r="0" g="0" b="0"/>
+      </a:lnRef>
+      <a:fillRef idx="1">
+        <a:scrgbClr r="0" g="0" b="0"/>
+      </a:fillRef>
+      <a:effectRef idx="0">
+        <a:scrgbClr r="0" g="0" b="0"/>
+      </a:effectRef>
+      <a:fontRef idx="minor">
+        <a:schemeClr val="lt1"/>
+      </a:fontRef>
+    </dgm:style>
+  </dgm:styleLbl>
+  <dgm:styleLbl name="asst3">
+    <dgm:scene3d>
+      <a:camera prst="orthographicFront"/>
+      <a:lightRig rig="threePt" dir="t"/>
+    </dgm:scene3d>
+    <dgm:sp3d/>
+    <dgm:txPr/>
+    <dgm:style>
+      <a:lnRef idx="2">
+        <a:scrgbClr r="0" g="0" b="0"/>
+      </a:lnRef>
+      <a:fillRef idx="1">
+        <a:scrgbClr r="0" g="0" b="0"/>
+      </a:fillRef>
+      <a:effectRef idx="0">
+        <a:scrgbClr r="0" g="0" b="0"/>
+      </a:effectRef>
+      <a:fontRef idx="minor">
+        <a:schemeClr val="lt1"/>
+      </a:fontRef>
+    </dgm:style>
+  </dgm:styleLbl>
+  <dgm:styleLbl name="asst4">
+    <dgm:scene3d>
+      <a:camera prst="orthographicFront"/>
+      <a:lightRig rig="threePt" dir="t"/>
+    </dgm:scene3d>
+    <dgm:sp3d/>
+    <dgm:txPr/>
+    <dgm:style>
+      <a:lnRef idx="2">
+        <a:scrgbClr r="0" g="0" b="0"/>
+      </a:lnRef>
+      <a:fillRef idx="1">
+        <a:scrgbClr r="0" g="0" b="0"/>
+      </a:fillRef>
+      <a:effectRef idx="0">
+        <a:scrgbClr r="0" g="0" b="0"/>
+      </a:effectRef>
+      <a:fontRef idx="minor">
+        <a:schemeClr val="lt1"/>
+      </a:fontRef>
+    </dgm:style>
+  </dgm:styleLbl>
+  <dgm:styleLbl name="parChTrans2D1">
+    <dgm:scene3d>
+      <a:camera prst="orthographicFront"/>
+      <a:lightRig rig="threePt" dir="t"/>
+    </dgm:scene3d>
+    <dgm:sp3d/>
+    <dgm:txPr/>
+    <dgm:style>
+      <a:lnRef idx="2">
+        <a:scrgbClr r="0" g="0" b="0"/>
+      </a:lnRef>
+      <a:fillRef idx="1">
+        <a:scrgbClr r="0" g="0" b="0"/>
+      </a:fillRef>
+      <a:effectRef idx="0">
+        <a:scrgbClr r="0" g="0" b="0"/>
+      </a:effectRef>
+      <a:fontRef idx="minor">
+        <a:schemeClr val="lt1"/>
+      </a:fontRef>
+    </dgm:style>
+  </dgm:styleLbl>
+  <dgm:styleLbl name="parChTrans2D2">
+    <dgm:scene3d>
+      <a:camera prst="orthographicFront"/>
+      <a:lightRig rig="threePt" dir="t"/>
+    </dgm:scene3d>
+    <dgm:sp3d/>
+    <dgm:txPr/>
+    <dgm:style>
+      <a:lnRef idx="2">
+        <a:scrgbClr r="0" g="0" b="0"/>
+      </a:lnRef>
+      <a:fillRef idx="1">
+        <a:scrgbClr r="0" g="0" b="0"/>
+      </a:fillRef>
+      <a:effectRef idx="0">
+        <a:scrgbClr r="0" g="0" b="0"/>
+      </a:effectRef>
+      <a:fontRef idx="minor">
+        <a:schemeClr val="lt1"/>
+      </a:fontRef>
+    </dgm:style>
+  </dgm:styleLbl>
+  <dgm:styleLbl name="parChTrans2D3">
+    <dgm:scene3d>
+      <a:camera prst="orthographicFront"/>
+      <a:lightRig rig="threePt" dir="t"/>
+    </dgm:scene3d>
+    <dgm:sp3d/>
+    <dgm:txPr/>
+    <dgm:style>
+      <a:lnRef idx="2">
+        <a:scrgbClr r="0" g="0" b="0"/>
+      </a:lnRef>
+      <a:fillRef idx="1">
+        <a:scrgbClr r="0" g="0" b="0"/>
+      </a:fillRef>
+      <a:effectRef idx="0">
+        <a:scrgbClr r="0" g="0" b="0"/>
+      </a:effectRef>
+      <a:fontRef idx="minor">
+        <a:schemeClr val="lt1"/>
+      </a:fontRef>
+    </dgm:style>
+  </dgm:styleLbl>
+  <dgm:styleLbl name="parChTrans2D4">
+    <dgm:scene3d>
+      <a:camera prst="orthographicFront"/>
+      <a:lightRig rig="threePt" dir="t"/>
+    </dgm:scene3d>
+    <dgm:sp3d/>
+    <dgm:txPr/>
+    <dgm:style>
+      <a:lnRef idx="2">
+        <a:scrgbClr r="0" g="0" b="0"/>
+      </a:lnRef>
+      <a:fillRef idx="1">
+        <a:scrgbClr r="0" g="0" b="0"/>
+      </a:fillRef>
+      <a:effectRef idx="0">
+        <a:scrgbClr r="0" g="0" b="0"/>
+      </a:effectRef>
+      <a:fontRef idx="minor">
+        <a:schemeClr val="lt1"/>
+      </a:fontRef>
+    </dgm:style>
+  </dgm:styleLbl>
+  <dgm:styleLbl name="parChTrans1D1">
+    <dgm:scene3d>
+      <a:camera prst="orthographicFront"/>
+      <a:lightRig rig="threePt" dir="t"/>
+    </dgm:scene3d>
+    <dgm:sp3d/>
+    <dgm:txPr/>
+    <dgm:style>
+      <a:lnRef idx="2">
+        <a:scrgbClr r="0" g="0" b="0"/>
+      </a:lnRef>
+      <a:fillRef idx="0">
+        <a:scrgbClr r="0" g="0" b="0"/>
+      </a:fillRef>
+      <a:effectRef idx="0">
+        <a:scrgbClr r="0" g="0" b="0"/>
+      </a:effectRef>
+      <a:fontRef idx="minor"/>
+    </dgm:style>
+  </dgm:styleLbl>
+  <dgm:styleLbl name="parChTrans1D2">
+    <dgm:scene3d>
+      <a:camera prst="orthographicFront"/>
+      <a:lightRig rig="threePt" dir="t"/>
+    </dgm:scene3d>
+    <dgm:sp3d/>
+    <dgm:txPr/>
+    <dgm:style>
+      <a:lnRef idx="2">
+        <a:scrgbClr r="0" g="0" b="0"/>
+      </a:lnRef>
+      <a:fillRef idx="0">
+        <a:scrgbClr r="0" g="0" b="0"/>
+      </a:fillRef>
+      <a:effectRef idx="0">
+        <a:scrgbClr r="0" g="0" b="0"/>
+      </a:effectRef>
+      <a:fontRef idx="minor"/>
+    </dgm:style>
+  </dgm:styleLbl>
+  <dgm:styleLbl name="parChTrans1D3">
+    <dgm:scene3d>
+      <a:camera prst="orthographicFront"/>
+      <a:lightRig rig="threePt" dir="t"/>
+    </dgm:scene3d>
+    <dgm:sp3d/>
+    <dgm:txPr/>
+    <dgm:style>
+      <a:lnRef idx="2">
+        <a:scrgbClr r="0" g="0" b="0"/>
+      </a:lnRef>
+      <a:fillRef idx="0">
+        <a:scrgbClr r="0" g="0" b="0"/>
+      </a:fillRef>
+      <a:effectRef idx="0">
+        <a:scrgbClr r="0" g="0" b="0"/>
+      </a:effectRef>
+      <a:fontRef idx="minor"/>
+    </dgm:style>
+  </dgm:styleLbl>
+  <dgm:styleLbl name="parChTrans1D4">
+    <dgm:scene3d>
+      <a:camera prst="orthographicFront"/>
+      <a:lightRig rig="threePt" dir="t"/>
+    </dgm:scene3d>
+    <dgm:sp3d/>
+    <dgm:txPr/>
+    <dgm:style>
+      <a:lnRef idx="2">
+        <a:scrgbClr r="0" g="0" b="0"/>
+      </a:lnRef>
+      <a:fillRef idx="0">
+        <a:scrgbClr r="0" g="0" b="0"/>
+      </a:fillRef>
+      <a:effectRef idx="0">
+        <a:scrgbClr r="0" g="0" b="0"/>
+      </a:effectRef>
+      <a:fontRef idx="minor"/>
+    </dgm:style>
+  </dgm:styleLbl>
+  <dgm:styleLbl name="fgAcc1">
+    <dgm:scene3d>
+      <a:camera prst="orthographicFront"/>
+      <a:lightRig rig="threePt" dir="t"/>
+    </dgm:scene3d>
+    <dgm:sp3d/>
+    <dgm:txPr/>
+    <dgm:style>
+      <a:lnRef idx="2">
+        <a:scrgbClr r="0" g="0" b="0"/>
+      </a:lnRef>
+      <a:fillRef idx="1">
+        <a:scrgbClr r="0" g="0" b="0"/>
+      </a:fillRef>
+      <a:effectRef idx="0">
+        <a:scrgbClr r="0" g="0" b="0"/>
+      </a:effectRef>
+      <a:fontRef idx="minor"/>
+    </dgm:style>
+  </dgm:styleLbl>
+  <dgm:styleLbl name="conFgAcc1">
+    <dgm:scene3d>
+      <a:camera prst="orthographicFront"/>
+      <a:lightRig rig="threePt" dir="t"/>
+    </dgm:scene3d>
+    <dgm:sp3d/>
+    <dgm:txPr/>
+    <dgm:style>
+      <a:lnRef idx="2">
+        <a:scrgbClr r="0" g="0" b="0"/>
+      </a:lnRef>
+      <a:fillRef idx="1">
+        <a:scrgbClr r="0" g="0" b="0"/>
+      </a:fillRef>
+      <a:effectRef idx="0">
+        <a:scrgbClr r="0" g="0" b="0"/>
+      </a:effectRef>
+      <a:fontRef idx="minor"/>
+    </dgm:style>
+  </dgm:styleLbl>
+  <dgm:styleLbl name="alignAcc1">
+    <dgm:scene3d>
+      <a:camera prst="orthographicFront"/>
+      <a:lightRig rig="threePt" dir="t"/>
+    </dgm:scene3d>
+    <dgm:sp3d/>
+    <dgm:txPr/>
+    <dgm:style>
+      <a:lnRef idx="2">
+        <a:scrgbClr r="0" g="0" b="0"/>
+      </a:lnRef>
+      <a:fillRef idx="1">
+        <a:scrgbClr r="0" g="0" b="0"/>
+      </a:fillRef>
+      <a:effectRef idx="0">
+        <a:scrgbClr r="0" g="0" b="0"/>
+      </a:effectRef>
+      <a:fontRef idx="minor"/>
+    </dgm:style>
+  </dgm:styleLbl>
+  <dgm:styleLbl name="trAlignAcc1">
+    <dgm:scene3d>
+      <a:camera prst="orthographicFront"/>
+      <a:lightRig rig="threePt" dir="t"/>
+    </dgm:scene3d>
+    <dgm:sp3d/>
+    <dgm:txPr/>
+    <dgm:style>
+      <a:lnRef idx="1">
+        <a:scrgbClr r="0" g="0" b="0"/>
+      </a:lnRef>
+      <a:fillRef idx="1">
+        <a:scrgbClr r="0" g="0" b="0"/>
+      </a:fillRef>
+      <a:effectRef idx="0">
+        <a:scrgbClr r="0" g="0" b="0"/>
+      </a:effectRef>
+      <a:fontRef idx="minor"/>
+    </dgm:style>
+  </dgm:styleLbl>
+  <dgm:styleLbl name="bgAcc1">
+    <dgm:scene3d>
+      <a:camera prst="orthographicFront"/>
+      <a:lightRig rig="threePt" dir="t"/>
+    </dgm:scene3d>
+    <dgm:sp3d/>
+    <dgm:txPr/>
+    <dgm:style>
+      <a:lnRef idx="2">
+        <a:scrgbClr r="0" g="0" b="0"/>
+      </a:lnRef>
+      <a:fillRef idx="1">
+        <a:scrgbClr r="0" g="0" b="0"/>
+      </a:fillRef>
+      <a:effectRef idx="0">
+        <a:scrgbClr r="0" g="0" b="0"/>
+      </a:effectRef>
+      <a:fontRef idx="minor"/>
+    </dgm:style>
+  </dgm:styleLbl>
+  <dgm:styleLbl name="solidFgAcc1">
+    <dgm:scene3d>
+      <a:camera prst="orthographicFront"/>
+      <a:lightRig rig="threePt" dir="t"/>
+    </dgm:scene3d>
+    <dgm:sp3d/>
+    <dgm:txPr/>
+    <dgm:style>
+      <a:lnRef idx="2">
+        <a:scrgbClr r="0" g="0" b="0"/>
+      </a:lnRef>
+      <a:fillRef idx="1">
+        <a:scrgbClr r="0" g="0" b="0"/>
+      </a:fillRef>
+      <a:effectRef idx="0">
+        <a:scrgbClr r="0" g="0" b="0"/>
+      </a:effectRef>
+      <a:fontRef idx="minor"/>
+    </dgm:style>
+  </dgm:styleLbl>
+  <dgm:styleLbl name="solidAlignAcc1">
+    <dgm:scene3d>
+      <a:camera prst="orthographicFront"/>
+      <a:lightRig rig="threePt" dir="t"/>
+    </dgm:scene3d>
+    <dgm:sp3d/>
+    <dgm:txPr/>
+    <dgm:style>
+      <a:lnRef idx="2">
+        <a:scrgbClr r="0" g="0" b="0"/>
+      </a:lnRef>
+      <a:fillRef idx="1">
+        <a:scrgbClr r="0" g="0" b="0"/>
+      </a:fillRef>
+      <a:effectRef idx="0">
+        <a:scrgbClr r="0" g="0" b="0"/>
+      </a:effectRef>
+      <a:fontRef idx="minor"/>
+    </dgm:style>
+  </dgm:styleLbl>
+  <dgm:styleLbl name="solidBgAcc1">
+    <dgm:scene3d>
+      <a:camera prst="orthographicFront"/>
+      <a:lightRig rig="threePt" dir="t"/>
+    </dgm:scene3d>
+    <dgm:sp3d/>
+    <dgm:txPr/>
+    <dgm:style>
+      <a:lnRef idx="2">
+        <a:scrgbClr r="0" g="0" b="0"/>
+      </a:lnRef>
+      <a:fillRef idx="1">
+        <a:scrgbClr r="0" g="0" b="0"/>
+      </a:fillRef>
+      <a:effectRef idx="0">
+        <a:scrgbClr r="0" g="0" b="0"/>
+      </a:effectRef>
+      <a:fontRef idx="minor"/>
+    </dgm:style>
+  </dgm:styleLbl>
+  <dgm:styleLbl name="fgAccFollowNode1">
+    <dgm:scene3d>
+      <a:camera prst="orthographicFront"/>
+      <a:lightRig rig="threePt" dir="t"/>
+    </dgm:scene3d>
+    <dgm:sp3d/>
+    <dgm:txPr/>
+    <dgm:style>
+      <a:lnRef idx="2">
+        <a:scrgbClr r="0" g="0" b="0"/>
+      </a:lnRef>
+      <a:fillRef idx="1">
+        <a:scrgbClr r="0" g="0" b="0"/>
+      </a:fillRef>
+      <a:effectRef idx="0">
+        <a:scrgbClr r="0" g="0" b="0"/>
+      </a:effectRef>
+      <a:fontRef idx="minor"/>
+    </dgm:style>
+  </dgm:styleLbl>
+  <dgm:styleLbl name="alignAccFollowNode1">
+    <dgm:scene3d>
+      <a:camera prst="orthographicFront"/>
+      <a:lightRig rig="threePt" dir="t"/>
+    </dgm:scene3d>
+    <dgm:sp3d/>
+    <dgm:txPr/>
+    <dgm:style>
+      <a:lnRef idx="2">
+        <a:scrgbClr r="0" g="0" b="0"/>
+      </a:lnRef>
+      <a:fillRef idx="1">
+        <a:scrgbClr r="0" g="0" b="0"/>
+      </a:fillRef>
+      <a:effectRef idx="0">
+        <a:scrgbClr r="0" g="0" b="0"/>
+      </a:effectRef>
+      <a:fontRef idx="minor"/>
+    </dgm:style>
+  </dgm:styleLbl>
+  <dgm:styleLbl name="bgAccFollowNode1">
+    <dgm:scene3d>
+      <a:camera prst="orthographicFront"/>
+      <a:lightRig rig="threePt" dir="t"/>
+    </dgm:scene3d>
+    <dgm:sp3d/>
+    <dgm:txPr/>
+    <dgm:style>
+      <a:lnRef idx="2">
+        <a:scrgbClr r="0" g="0" b="0"/>
+      </a:lnRef>
+      <a:fillRef idx="1">
+        <a:scrgbClr r="0" g="0" b="0"/>
+      </a:fillRef>
+      <a:effectRef idx="0">
+        <a:scrgbClr r="0" g="0" b="0"/>
+      </a:effectRef>
+      <a:fontRef idx="minor"/>
+    </dgm:style>
+  </dgm:styleLbl>
+  <dgm:styleLbl name="fgAcc0">
+    <dgm:scene3d>
+      <a:camera prst="orthographicFront"/>
+      <a:lightRig rig="threePt" dir="t"/>
+    </dgm:scene3d>
+    <dgm:sp3d/>
+    <dgm:txPr/>
+    <dgm:style>
+      <a:lnRef idx="2">
+        <a:scrgbClr r="0" g="0" b="0"/>
+      </a:lnRef>
+      <a:fillRef idx="1">
+        <a:scrgbClr r="0" g="0" b="0"/>
+      </a:fillRef>
+      <a:effectRef idx="0">
+        <a:scrgbClr r="0" g="0" b="0"/>
+      </a:effectRef>
+      <a:fontRef idx="minor"/>
+    </dgm:style>
+  </dgm:styleLbl>
+  <dgm:styleLbl name="fgAcc2">
+    <dgm:scene3d>
+      <a:camera prst="orthographicFront"/>
+      <a:lightRig rig="threePt" dir="t"/>
+    </dgm:scene3d>
+    <dgm:sp3d/>
+    <dgm:txPr/>
+    <dgm:style>
+      <a:lnRef idx="2">
+        <a:scrgbClr r="0" g="0" b="0"/>
+      </a:lnRef>
+      <a:fillRef idx="1">
+        <a:scrgbClr r="0" g="0" b="0"/>
+      </a:fillRef>
+      <a:effectRef idx="0">
+        <a:scrgbClr r="0" g="0" b="0"/>
+      </a:effectRef>
+      <a:fontRef idx="minor"/>
+    </dgm:style>
+  </dgm:styleLbl>
+  <dgm:styleLbl name="fgAcc3">
+    <dgm:scene3d>
+      <a:camera prst="orthographicFront"/>
+      <a:lightRig rig="threePt" dir="t"/>
+    </dgm:scene3d>
+    <dgm:sp3d/>
+    <dgm:txPr/>
+    <dgm:style>
+      <a:lnRef idx="2">
+        <a:scrgbClr r="0" g="0" b="0"/>
+      </a:lnRef>
+      <a:fillRef idx="1">
+        <a:scrgbClr r="0" g="0" b="0"/>
+      </a:fillRef>
+      <a:effectRef idx="0">
+        <a:scrgbClr r="0" g="0" b="0"/>
+      </a:effectRef>
+      <a:fontRef idx="minor"/>
+    </dgm:style>
+  </dgm:styleLbl>
+  <dgm:styleLbl name="fgAcc4">
+    <dgm:scene3d>
+      <a:camera prst="orthographicFront"/>
+      <a:lightRig rig="threePt" dir="t"/>
+    </dgm:scene3d>
+    <dgm:sp3d/>
+    <dgm:txPr/>
+    <dgm:style>
+      <a:lnRef idx="2">
+        <a:scrgbClr r="0" g="0" b="0"/>
+      </a:lnRef>
+      <a:fillRef idx="1">
+        <a:scrgbClr r="0" g="0" b="0"/>
+      </a:fillRef>
+      <a:effectRef idx="0">
+        <a:scrgbClr r="0" g="0" b="0"/>
+      </a:effectRef>
+      <a:fontRef idx="minor"/>
+    </dgm:style>
+  </dgm:styleLbl>
+  <dgm:styleLbl name="bgShp">
+    <dgm:scene3d>
+      <a:camera prst="orthographicFront"/>
+      <a:lightRig rig="threePt" dir="t"/>
+    </dgm:scene3d>
+    <dgm:sp3d/>
+    <dgm:txPr/>
+    <dgm:style>
+      <a:lnRef idx="0">
+        <a:scrgbClr r="0" g="0" b="0"/>
+      </a:lnRef>
+      <a:fillRef idx="1">
+        <a:scrgbClr r="0" g="0" b="0"/>
+      </a:fillRef>
+      <a:effectRef idx="0">
+        <a:scrgbClr r="0" g="0" b="0"/>
+      </a:effectRef>
+      <a:fontRef idx="minor"/>
+    </dgm:style>
+  </dgm:styleLbl>
+  <dgm:styleLbl name="dkBgShp">
+    <dgm:scene3d>
+      <a:camera prst="orthographicFront"/>
+      <a:lightRig rig="threePt" dir="t"/>
+    </dgm:scene3d>
+    <dgm:sp3d/>
+    <dgm:txPr/>
+    <dgm:style>
+      <a:lnRef idx="0">
+        <a:scrgbClr r="0" g="0" b="0"/>
+      </a:lnRef>
+      <a:fillRef idx="1">
+        <a:scrgbClr r="0" g="0" b="0"/>
+      </a:fillRef>
+      <a:effectRef idx="0">
+        <a:scrgbClr r="0" g="0" b="0"/>
+      </a:effectRef>
+      <a:fontRef idx="minor"/>
+    </dgm:style>
+  </dgm:styleLbl>
+  <dgm:styleLbl name="trBgShp">
+    <dgm:scene3d>
+      <a:camera prst="orthographicFront"/>
+      <a:lightRig rig="threePt" dir="t"/>
+    </dgm:scene3d>
+    <dgm:sp3d/>
+    <dgm:txPr/>
+    <dgm:style>
+      <a:lnRef idx="0">
+        <a:scrgbClr r="0" g="0" b="0"/>
+      </a:lnRef>
+      <a:fillRef idx="1">
+        <a:scrgbClr r="0" g="0" b="0"/>
+      </a:fillRef>
+      <a:effectRef idx="0">
+        <a:scrgbClr r="0" g="0" b="0"/>
+      </a:effectRef>
+      <a:fontRef idx="minor"/>
+    </dgm:style>
+  </dgm:styleLbl>
+  <dgm:styleLbl name="fgShp">
+    <dgm:scene3d>
+      <a:camera prst="orthographicFront"/>
+      <a:lightRig rig="threePt" dir="t"/>
+    </dgm:scene3d>
+    <dgm:sp3d/>
+    <dgm:txPr/>
+    <dgm:style>
+      <a:lnRef idx="2">
+        <a:scrgbClr r="0" g="0" b="0"/>
+      </a:lnRef>
+      <a:fillRef idx="1">
+        <a:scrgbClr r="0" g="0" b="0"/>
+      </a:fillRef>
+      <a:effectRef idx="0">
+        <a:scrgbClr r="0" g="0" b="0"/>
+      </a:effectRef>
+      <a:fontRef idx="minor"/>
+    </dgm:style>
+  </dgm:styleLbl>
+  <dgm:styleLbl name="revTx">
+    <dgm:scene3d>
+      <a:camera prst="orthographicFront"/>
+      <a:lightRig rig="threePt" dir="t"/>
+    </dgm:scene3d>
+    <dgm:sp3d/>
+    <dgm:txPr/>
+    <dgm:style>
+      <a:lnRef idx="0">
+        <a:scrgbClr r="0" g="0" b="0"/>
+      </a:lnRef>
+      <a:fillRef idx="0">
+        <a:scrgbClr r="0" g="0" b="0"/>
+      </a:fillRef>
+      <a:effectRef idx="0">
+        <a:scrgbClr r="0" g="0" b="0"/>
+      </a:effectRef>
+      <a:fontRef idx="minor"/>
+    </dgm:style>
+  </dgm:styleLbl>
+</dgm:styleDef>
+</file>
+
 <file path=ppt/slideLayouts/slideLayout1.xml><?xml version="1.0" encoding="utf-8"?>
 <p:sldLayout xmlns:a="http://schemas.openxmlformats.org/drawingml/2006/main" xmlns:r="http://schemas.openxmlformats.org/officeDocument/2006/relationships" xmlns:p="http://schemas.openxmlformats.org/presentationml/2006/main" type="title" preserve="1">
   <p:cSld name="Title Slide">
@@ -256,7 +3995,7 @@
           <a:p>
             <a:fld id="{0E7D6C7E-9A09-4DC6-856C-44F33AADB207}" type="datetimeFigureOut">
               <a:rPr lang="en-US" smtClean="0"/>
-              <a:t>9/27/2016</a:t>
+              <a:t>9/28/2016</a:t>
             </a:fld>
             <a:endParaRPr lang="en-US"/>
           </a:p>
@@ -426,7 +4165,7 @@
           <a:p>
             <a:fld id="{0E7D6C7E-9A09-4DC6-856C-44F33AADB207}" type="datetimeFigureOut">
               <a:rPr lang="en-US" smtClean="0"/>
-              <a:t>9/27/2016</a:t>
+              <a:t>9/28/2016</a:t>
             </a:fld>
             <a:endParaRPr lang="en-US"/>
           </a:p>
@@ -606,7 +4345,7 @@
           <a:p>
             <a:fld id="{0E7D6C7E-9A09-4DC6-856C-44F33AADB207}" type="datetimeFigureOut">
               <a:rPr lang="en-US" smtClean="0"/>
-              <a:t>9/27/2016</a:t>
+              <a:t>9/28/2016</a:t>
             </a:fld>
             <a:endParaRPr lang="en-US"/>
           </a:p>
@@ -776,7 +4515,7 @@
           <a:p>
             <a:fld id="{0E7D6C7E-9A09-4DC6-856C-44F33AADB207}" type="datetimeFigureOut">
               <a:rPr lang="en-US" smtClean="0"/>
-              <a:t>9/27/2016</a:t>
+              <a:t>9/28/2016</a:t>
             </a:fld>
             <a:endParaRPr lang="en-US"/>
           </a:p>
@@ -1022,7 +4761,7 @@
           <a:p>
             <a:fld id="{0E7D6C7E-9A09-4DC6-856C-44F33AADB207}" type="datetimeFigureOut">
               <a:rPr lang="en-US" smtClean="0"/>
-              <a:t>9/27/2016</a:t>
+              <a:t>9/28/2016</a:t>
             </a:fld>
             <a:endParaRPr lang="en-US"/>
           </a:p>
@@ -1254,7 +4993,7 @@
           <a:p>
             <a:fld id="{0E7D6C7E-9A09-4DC6-856C-44F33AADB207}" type="datetimeFigureOut">
               <a:rPr lang="en-US" smtClean="0"/>
-              <a:t>9/27/2016</a:t>
+              <a:t>9/28/2016</a:t>
             </a:fld>
             <a:endParaRPr lang="en-US"/>
           </a:p>
@@ -1621,7 +5360,7 @@
           <a:p>
             <a:fld id="{0E7D6C7E-9A09-4DC6-856C-44F33AADB207}" type="datetimeFigureOut">
               <a:rPr lang="en-US" smtClean="0"/>
-              <a:t>9/27/2016</a:t>
+              <a:t>9/28/2016</a:t>
             </a:fld>
             <a:endParaRPr lang="en-US"/>
           </a:p>
@@ -1739,7 +5478,7 @@
           <a:p>
             <a:fld id="{0E7D6C7E-9A09-4DC6-856C-44F33AADB207}" type="datetimeFigureOut">
               <a:rPr lang="en-US" smtClean="0"/>
-              <a:t>9/27/2016</a:t>
+              <a:t>9/28/2016</a:t>
             </a:fld>
             <a:endParaRPr lang="en-US"/>
           </a:p>
@@ -1834,7 +5573,7 @@
           <a:p>
             <a:fld id="{0E7D6C7E-9A09-4DC6-856C-44F33AADB207}" type="datetimeFigureOut">
               <a:rPr lang="en-US" smtClean="0"/>
-              <a:t>9/27/2016</a:t>
+              <a:t>9/28/2016</a:t>
             </a:fld>
             <a:endParaRPr lang="en-US"/>
           </a:p>
@@ -2111,7 +5850,7 @@
           <a:p>
             <a:fld id="{0E7D6C7E-9A09-4DC6-856C-44F33AADB207}" type="datetimeFigureOut">
               <a:rPr lang="en-US" smtClean="0"/>
-              <a:t>9/27/2016</a:t>
+              <a:t>9/28/2016</a:t>
             </a:fld>
             <a:endParaRPr lang="en-US"/>
           </a:p>
@@ -2364,7 +6103,7 @@
           <a:p>
             <a:fld id="{0E7D6C7E-9A09-4DC6-856C-44F33AADB207}" type="datetimeFigureOut">
               <a:rPr lang="en-US" smtClean="0"/>
-              <a:t>9/27/2016</a:t>
+              <a:t>9/28/2016</a:t>
             </a:fld>
             <a:endParaRPr lang="en-US"/>
           </a:p>
@@ -2577,7 +6316,7 @@
           <a:p>
             <a:fld id="{0E7D6C7E-9A09-4DC6-856C-44F33AADB207}" type="datetimeFigureOut">
               <a:rPr lang="en-US" smtClean="0"/>
-              <a:t>9/27/2016</a:t>
+              <a:t>9/28/2016</a:t>
             </a:fld>
             <a:endParaRPr lang="en-US"/>
           </a:p>
@@ -3015,12 +6754,25 @@
             <p:ph type="subTitle" idx="1"/>
           </p:nvPr>
         </p:nvSpPr>
-        <p:spPr/>
+        <p:spPr>
+          <a:xfrm>
+            <a:off x="1405246" y="4148303"/>
+            <a:ext cx="9144000" cy="1655762"/>
+          </a:xfrm>
+        </p:spPr>
         <p:txBody>
           <a:bodyPr/>
           <a:lstStyle/>
           <a:p>
-            <a:endParaRPr lang="en-US"/>
+            <a:r>
+              <a:rPr lang="en-US" dirty="0" smtClean="0"/>
+              <a:t>Y</a:t>
+            </a:r>
+            <a:r>
+              <a:rPr lang="en-US" altLang="zh-CN" dirty="0" smtClean="0"/>
+              <a:t>ue Wang</a:t>
+            </a:r>
+            <a:endParaRPr lang="en-US" dirty="0"/>
           </a:p>
         </p:txBody>
       </p:sp>
@@ -3038,1548 +6790,7 @@
 </file>
 
 <file path=ppt/slides/slide10.xml><?xml version="1.0" encoding="utf-8"?>
-<p:sld xmlns:a="http://schemas.openxmlformats.org/drawingml/2006/main" xmlns:r="http://schemas.openxmlformats.org/officeDocument/2006/relationships" xmlns:p="http://schemas.openxmlformats.org/presentationml/2006/main">
-  <p:cSld>
-    <p:spTree>
-      <p:nvGrpSpPr>
-        <p:cNvPr id="1" name=""/>
-        <p:cNvGrpSpPr/>
-        <p:nvPr/>
-      </p:nvGrpSpPr>
-      <p:grpSpPr>
-        <a:xfrm>
-          <a:off x="0" y="0"/>
-          <a:ext cx="0" cy="0"/>
-          <a:chOff x="0" y="0"/>
-          <a:chExt cx="0" cy="0"/>
-        </a:xfrm>
-      </p:grpSpPr>
-      <p:sp>
-        <p:nvSpPr>
-          <p:cNvPr id="2" name="Title 1"/>
-          <p:cNvSpPr>
-            <a:spLocks noGrp="1"/>
-          </p:cNvSpPr>
-          <p:nvPr>
-            <p:ph type="title"/>
-          </p:nvPr>
-        </p:nvSpPr>
-        <p:spPr/>
-        <p:txBody>
-          <a:bodyPr/>
-          <a:lstStyle/>
-          <a:p>
-            <a:r>
-              <a:rPr lang="en-US" altLang="zh-CN" dirty="0" smtClean="0"/>
-              <a:t>downpour</a:t>
-            </a:r>
-            <a:endParaRPr lang="en-US" dirty="0"/>
-          </a:p>
-        </p:txBody>
-      </p:sp>
-      <p:sp>
-        <p:nvSpPr>
-          <p:cNvPr id="3" name="Content Placeholder 2"/>
-          <p:cNvSpPr>
-            <a:spLocks noGrp="1"/>
-          </p:cNvSpPr>
-          <p:nvPr>
-            <p:ph idx="1"/>
-          </p:nvPr>
-        </p:nvSpPr>
-        <p:spPr/>
-        <p:txBody>
-          <a:bodyPr/>
-          <a:lstStyle/>
-          <a:p>
-            <a:endParaRPr lang="en-US" dirty="0"/>
-          </a:p>
-        </p:txBody>
-      </p:sp>
-    </p:spTree>
-    <p:extLst>
-      <p:ext uri="{BB962C8B-B14F-4D97-AF65-F5344CB8AC3E}">
-        <p14:creationId xmlns:p14="http://schemas.microsoft.com/office/powerpoint/2010/main" val="300832056"/>
-      </p:ext>
-    </p:extLst>
-  </p:cSld>
-  <p:clrMapOvr>
-    <a:masterClrMapping/>
-  </p:clrMapOvr>
-</p:sld>
-</file>
-
-<file path=ppt/slides/slide11.xml><?xml version="1.0" encoding="utf-8"?>
-<p:sld xmlns:a="http://schemas.openxmlformats.org/drawingml/2006/main" xmlns:r="http://schemas.openxmlformats.org/officeDocument/2006/relationships" xmlns:p="http://schemas.openxmlformats.org/presentationml/2006/main">
-  <p:cSld>
-    <p:spTree>
-      <p:nvGrpSpPr>
-        <p:cNvPr id="1" name=""/>
-        <p:cNvGrpSpPr/>
-        <p:nvPr/>
-      </p:nvGrpSpPr>
-      <p:grpSpPr>
-        <a:xfrm>
-          <a:off x="0" y="0"/>
-          <a:ext cx="0" cy="0"/>
-          <a:chOff x="0" y="0"/>
-          <a:chExt cx="0" cy="0"/>
-        </a:xfrm>
-      </p:grpSpPr>
-      <p:sp>
-        <p:nvSpPr>
-          <p:cNvPr id="2" name="Title 1"/>
-          <p:cNvSpPr>
-            <a:spLocks noGrp="1"/>
-          </p:cNvSpPr>
-          <p:nvPr>
-            <p:ph type="title"/>
-          </p:nvPr>
-        </p:nvSpPr>
-        <p:spPr/>
-        <p:txBody>
-          <a:bodyPr/>
-          <a:lstStyle/>
-          <a:p>
-            <a:r>
-              <a:rPr lang="en-US" altLang="zh-CN" dirty="0" err="1" smtClean="0"/>
-              <a:t>ssp</a:t>
-            </a:r>
-            <a:endParaRPr lang="en-US" dirty="0"/>
-          </a:p>
-        </p:txBody>
-      </p:sp>
-      <p:sp>
-        <p:nvSpPr>
-          <p:cNvPr id="3" name="Content Placeholder 2"/>
-          <p:cNvSpPr>
-            <a:spLocks noGrp="1"/>
-          </p:cNvSpPr>
-          <p:nvPr>
-            <p:ph idx="1"/>
-          </p:nvPr>
-        </p:nvSpPr>
-        <p:spPr/>
-        <p:txBody>
-          <a:bodyPr/>
-          <a:lstStyle/>
-          <a:p>
-            <a:endParaRPr lang="en-US"/>
-          </a:p>
-        </p:txBody>
-      </p:sp>
-    </p:spTree>
-    <p:extLst>
-      <p:ext uri="{BB962C8B-B14F-4D97-AF65-F5344CB8AC3E}">
-        <p14:creationId xmlns:p14="http://schemas.microsoft.com/office/powerpoint/2010/main" val="3658863621"/>
-      </p:ext>
-    </p:extLst>
-  </p:cSld>
-  <p:clrMapOvr>
-    <a:masterClrMapping/>
-  </p:clrMapOvr>
-</p:sld>
-</file>
-
-<file path=ppt/slides/slide12.xml><?xml version="1.0" encoding="utf-8"?>
-<p:sld xmlns:a="http://schemas.openxmlformats.org/drawingml/2006/main" xmlns:r="http://schemas.openxmlformats.org/officeDocument/2006/relationships" xmlns:p="http://schemas.openxmlformats.org/presentationml/2006/main">
-  <p:cSld>
-    <p:spTree>
-      <p:nvGrpSpPr>
-        <p:cNvPr id="1" name=""/>
-        <p:cNvGrpSpPr/>
-        <p:nvPr/>
-      </p:nvGrpSpPr>
-      <p:grpSpPr>
-        <a:xfrm>
-          <a:off x="0" y="0"/>
-          <a:ext cx="0" cy="0"/>
-          <a:chOff x="0" y="0"/>
-          <a:chExt cx="0" cy="0"/>
-        </a:xfrm>
-      </p:grpSpPr>
-      <p:sp>
-        <p:nvSpPr>
-          <p:cNvPr id="2" name="标题 1"/>
-          <p:cNvSpPr>
-            <a:spLocks noGrp="1"/>
-          </p:cNvSpPr>
-          <p:nvPr>
-            <p:ph type="title"/>
-          </p:nvPr>
-        </p:nvSpPr>
-        <p:spPr/>
-        <p:txBody>
-          <a:bodyPr/>
-          <a:lstStyle/>
-          <a:p>
-            <a:endParaRPr lang="zh-CN" altLang="en-US"/>
-          </a:p>
-        </p:txBody>
-      </p:sp>
-      <p:sp>
-        <p:nvSpPr>
-          <p:cNvPr id="3" name="内容占位符 2"/>
-          <p:cNvSpPr>
-            <a:spLocks noGrp="1"/>
-          </p:cNvSpPr>
-          <p:nvPr>
-            <p:ph idx="1"/>
-          </p:nvPr>
-        </p:nvSpPr>
-        <p:spPr/>
-        <p:txBody>
-          <a:bodyPr/>
-          <a:lstStyle/>
-          <a:p>
-            <a:endParaRPr lang="zh-CN" altLang="en-US"/>
-          </a:p>
-        </p:txBody>
-      </p:sp>
-      <p:pic>
-        <p:nvPicPr>
-          <p:cNvPr id="4" name="图片 3"/>
-          <p:cNvPicPr>
-            <a:picLocks noChangeAspect="1"/>
-          </p:cNvPicPr>
-          <p:nvPr/>
-        </p:nvPicPr>
-        <p:blipFill>
-          <a:blip r:embed="rId2"/>
-          <a:stretch>
-            <a:fillRect/>
-          </a:stretch>
-        </p:blipFill>
-        <p:spPr>
-          <a:xfrm>
-            <a:off x="838200" y="190092"/>
-            <a:ext cx="8847619" cy="2704762"/>
-          </a:xfrm>
-          <a:prstGeom prst="rect">
-            <a:avLst/>
-          </a:prstGeom>
-        </p:spPr>
-      </p:pic>
-      <p:pic>
-        <p:nvPicPr>
-          <p:cNvPr id="5" name="图片 4"/>
-          <p:cNvPicPr>
-            <a:picLocks noChangeAspect="1"/>
-          </p:cNvPicPr>
-          <p:nvPr/>
-        </p:nvPicPr>
-        <p:blipFill>
-          <a:blip r:embed="rId3"/>
-          <a:stretch>
-            <a:fillRect/>
-          </a:stretch>
-        </p:blipFill>
-        <p:spPr>
-          <a:xfrm>
-            <a:off x="706990" y="2894854"/>
-            <a:ext cx="10219048" cy="3457143"/>
-          </a:xfrm>
-          <a:prstGeom prst="rect">
-            <a:avLst/>
-          </a:prstGeom>
-        </p:spPr>
-      </p:pic>
-    </p:spTree>
-    <p:extLst>
-      <p:ext uri="{BB962C8B-B14F-4D97-AF65-F5344CB8AC3E}">
-        <p14:creationId xmlns:p14="http://schemas.microsoft.com/office/powerpoint/2010/main" val="3918488752"/>
-      </p:ext>
-    </p:extLst>
-  </p:cSld>
-  <p:clrMapOvr>
-    <a:masterClrMapping/>
-  </p:clrMapOvr>
-</p:sld>
-</file>
-
-<file path=ppt/slides/slide13.xml><?xml version="1.0" encoding="utf-8"?>
-<p:sld xmlns:a="http://schemas.openxmlformats.org/drawingml/2006/main" xmlns:r="http://schemas.openxmlformats.org/officeDocument/2006/relationships" xmlns:p="http://schemas.openxmlformats.org/presentationml/2006/main">
-  <p:cSld>
-    <p:spTree>
-      <p:nvGrpSpPr>
-        <p:cNvPr id="1" name=""/>
-        <p:cNvGrpSpPr/>
-        <p:nvPr/>
-      </p:nvGrpSpPr>
-      <p:grpSpPr>
-        <a:xfrm>
-          <a:off x="0" y="0"/>
-          <a:ext cx="0" cy="0"/>
-          <a:chOff x="0" y="0"/>
-          <a:chExt cx="0" cy="0"/>
-        </a:xfrm>
-      </p:grpSpPr>
-      <p:sp>
-        <p:nvSpPr>
-          <p:cNvPr id="2" name="标题 1"/>
-          <p:cNvSpPr>
-            <a:spLocks noGrp="1"/>
-          </p:cNvSpPr>
-          <p:nvPr>
-            <p:ph type="title"/>
-          </p:nvPr>
-        </p:nvSpPr>
-        <p:spPr/>
-        <p:txBody>
-          <a:bodyPr/>
-          <a:lstStyle/>
-          <a:p>
-            <a:endParaRPr lang="zh-CN" altLang="en-US"/>
-          </a:p>
-        </p:txBody>
-      </p:sp>
-      <p:sp>
-        <p:nvSpPr>
-          <p:cNvPr id="3" name="内容占位符 2"/>
-          <p:cNvSpPr>
-            <a:spLocks noGrp="1"/>
-          </p:cNvSpPr>
-          <p:nvPr>
-            <p:ph idx="1"/>
-          </p:nvPr>
-        </p:nvSpPr>
-        <p:spPr/>
-        <p:txBody>
-          <a:bodyPr/>
-          <a:lstStyle/>
-          <a:p>
-            <a:endParaRPr lang="zh-CN" altLang="en-US"/>
-          </a:p>
-        </p:txBody>
-      </p:sp>
-      <p:pic>
-        <p:nvPicPr>
-          <p:cNvPr id="4" name="图片 3"/>
-          <p:cNvPicPr>
-            <a:picLocks noChangeAspect="1"/>
-          </p:cNvPicPr>
-          <p:nvPr/>
-        </p:nvPicPr>
-        <p:blipFill>
-          <a:blip r:embed="rId2"/>
-          <a:stretch>
-            <a:fillRect/>
-          </a:stretch>
-        </p:blipFill>
-        <p:spPr>
-          <a:xfrm>
-            <a:off x="1522971" y="674971"/>
-            <a:ext cx="8942857" cy="4542857"/>
-          </a:xfrm>
-          <a:prstGeom prst="rect">
-            <a:avLst/>
-          </a:prstGeom>
-        </p:spPr>
-      </p:pic>
-    </p:spTree>
-    <p:extLst>
-      <p:ext uri="{BB962C8B-B14F-4D97-AF65-F5344CB8AC3E}">
-        <p14:creationId xmlns:p14="http://schemas.microsoft.com/office/powerpoint/2010/main" val="3716760722"/>
-      </p:ext>
-    </p:extLst>
-  </p:cSld>
-  <p:clrMapOvr>
-    <a:masterClrMapping/>
-  </p:clrMapOvr>
-</p:sld>
-</file>
-
-<file path=ppt/slides/slide14.xml><?xml version="1.0" encoding="utf-8"?>
-<p:sld xmlns:a="http://schemas.openxmlformats.org/drawingml/2006/main" xmlns:r="http://schemas.openxmlformats.org/officeDocument/2006/relationships" xmlns:p="http://schemas.openxmlformats.org/presentationml/2006/main">
-  <p:cSld>
-    <p:spTree>
-      <p:nvGrpSpPr>
-        <p:cNvPr id="1" name=""/>
-        <p:cNvGrpSpPr/>
-        <p:nvPr/>
-      </p:nvGrpSpPr>
-      <p:grpSpPr>
-        <a:xfrm>
-          <a:off x="0" y="0"/>
-          <a:ext cx="0" cy="0"/>
-          <a:chOff x="0" y="0"/>
-          <a:chExt cx="0" cy="0"/>
-        </a:xfrm>
-      </p:grpSpPr>
-      <p:sp>
-        <p:nvSpPr>
-          <p:cNvPr id="2" name="标题 1"/>
-          <p:cNvSpPr>
-            <a:spLocks noGrp="1"/>
-          </p:cNvSpPr>
-          <p:nvPr>
-            <p:ph type="title"/>
-          </p:nvPr>
-        </p:nvSpPr>
-        <p:spPr/>
-        <p:txBody>
-          <a:bodyPr/>
-          <a:lstStyle/>
-          <a:p>
-            <a:endParaRPr lang="zh-CN" altLang="en-US"/>
-          </a:p>
-        </p:txBody>
-      </p:sp>
-      <p:sp>
-        <p:nvSpPr>
-          <p:cNvPr id="3" name="内容占位符 2"/>
-          <p:cNvSpPr>
-            <a:spLocks noGrp="1"/>
-          </p:cNvSpPr>
-          <p:nvPr>
-            <p:ph idx="1"/>
-          </p:nvPr>
-        </p:nvSpPr>
-        <p:spPr/>
-        <p:txBody>
-          <a:bodyPr/>
-          <a:lstStyle/>
-          <a:p>
-            <a:endParaRPr lang="zh-CN" altLang="en-US"/>
-          </a:p>
-        </p:txBody>
-      </p:sp>
-    </p:spTree>
-    <p:extLst>
-      <p:ext uri="{BB962C8B-B14F-4D97-AF65-F5344CB8AC3E}">
-        <p14:creationId xmlns:p14="http://schemas.microsoft.com/office/powerpoint/2010/main" val="1931049320"/>
-      </p:ext>
-    </p:extLst>
-  </p:cSld>
-  <p:clrMapOvr>
-    <a:masterClrMapping/>
-  </p:clrMapOvr>
-</p:sld>
-</file>
-
-<file path=ppt/slides/slide2.xml><?xml version="1.0" encoding="utf-8"?>
-<p:sld xmlns:a="http://schemas.openxmlformats.org/drawingml/2006/main" xmlns:r="http://schemas.openxmlformats.org/officeDocument/2006/relationships" xmlns:p="http://schemas.openxmlformats.org/presentationml/2006/main">
-  <p:cSld>
-    <p:spTree>
-      <p:nvGrpSpPr>
-        <p:cNvPr id="1" name=""/>
-        <p:cNvGrpSpPr/>
-        <p:nvPr/>
-      </p:nvGrpSpPr>
-      <p:grpSpPr>
-        <a:xfrm>
-          <a:off x="0" y="0"/>
-          <a:ext cx="0" cy="0"/>
-          <a:chOff x="0" y="0"/>
-          <a:chExt cx="0" cy="0"/>
-        </a:xfrm>
-      </p:grpSpPr>
-      <p:sp>
-        <p:nvSpPr>
-          <p:cNvPr id="2" name="Title 1"/>
-          <p:cNvSpPr>
-            <a:spLocks noGrp="1"/>
-          </p:cNvSpPr>
-          <p:nvPr>
-            <p:ph type="title"/>
-          </p:nvPr>
-        </p:nvSpPr>
-        <p:spPr/>
-        <p:txBody>
-          <a:bodyPr/>
-          <a:lstStyle/>
-          <a:p>
-            <a:endParaRPr lang="en-US"/>
-          </a:p>
-        </p:txBody>
-      </p:sp>
-      <p:sp>
-        <p:nvSpPr>
-          <p:cNvPr id="3" name="Content Placeholder 2"/>
-          <p:cNvSpPr>
-            <a:spLocks noGrp="1"/>
-          </p:cNvSpPr>
-          <p:nvPr>
-            <p:ph idx="1"/>
-          </p:nvPr>
-        </p:nvSpPr>
-        <p:spPr/>
-        <p:txBody>
-          <a:bodyPr/>
-          <a:lstStyle/>
-          <a:p>
-            <a:r>
-              <a:rPr lang="en-US" dirty="0" smtClean="0"/>
-              <a:t>Lock and lock-free</a:t>
-            </a:r>
-          </a:p>
-          <a:p>
-            <a:r>
-              <a:rPr lang="en-US" dirty="0" smtClean="0"/>
-              <a:t>Partition data and sampling data	</a:t>
-            </a:r>
-          </a:p>
-          <a:p>
-            <a:r>
-              <a:rPr lang="en-US" dirty="0" smtClean="0"/>
-              <a:t>Share memory and parameter server</a:t>
-            </a:r>
-          </a:p>
-          <a:p>
-            <a:r>
-              <a:rPr lang="en-US" dirty="0" smtClean="0"/>
-              <a:t>Under parameter server</a:t>
-            </a:r>
-          </a:p>
-          <a:p>
-            <a:r>
-              <a:rPr lang="en-US" dirty="0" smtClean="0"/>
-              <a:t>Decentralize </a:t>
-            </a:r>
-            <a:r>
-              <a:rPr lang="en-US" altLang="zh-CN" dirty="0" smtClean="0"/>
-              <a:t>architecture</a:t>
-            </a:r>
-            <a:endParaRPr lang="en-US" dirty="0" smtClean="0"/>
-          </a:p>
-          <a:p>
-            <a:endParaRPr lang="en-US" dirty="0"/>
-          </a:p>
-        </p:txBody>
-      </p:sp>
-    </p:spTree>
-    <p:extLst>
-      <p:ext uri="{BB962C8B-B14F-4D97-AF65-F5344CB8AC3E}">
-        <p14:creationId xmlns:p14="http://schemas.microsoft.com/office/powerpoint/2010/main" val="566980779"/>
-      </p:ext>
-    </p:extLst>
-  </p:cSld>
-  <p:clrMapOvr>
-    <a:masterClrMapping/>
-  </p:clrMapOvr>
-</p:sld>
-</file>
-
-<file path=ppt/slides/slide3.xml><?xml version="1.0" encoding="utf-8"?>
-<p:sld xmlns:a="http://schemas.openxmlformats.org/drawingml/2006/main" xmlns:r="http://schemas.openxmlformats.org/officeDocument/2006/relationships" xmlns:p="http://schemas.openxmlformats.org/presentationml/2006/main">
-  <p:cSld>
-    <p:spTree>
-      <p:nvGrpSpPr>
-        <p:cNvPr id="1" name=""/>
-        <p:cNvGrpSpPr/>
-        <p:nvPr/>
-      </p:nvGrpSpPr>
-      <p:grpSpPr>
-        <a:xfrm>
-          <a:off x="0" y="0"/>
-          <a:ext cx="0" cy="0"/>
-          <a:chOff x="0" y="0"/>
-          <a:chExt cx="0" cy="0"/>
-        </a:xfrm>
-      </p:grpSpPr>
-      <p:sp>
-        <p:nvSpPr>
-          <p:cNvPr id="2" name="标题 1"/>
-          <p:cNvSpPr>
-            <a:spLocks noGrp="1"/>
-          </p:cNvSpPr>
-          <p:nvPr>
-            <p:ph type="title"/>
-          </p:nvPr>
-        </p:nvSpPr>
-        <p:spPr/>
-        <p:txBody>
-          <a:bodyPr/>
-          <a:lstStyle/>
-          <a:p>
-            <a:r>
-              <a:rPr lang="en-US" altLang="zh-CN" dirty="0"/>
-              <a:t>Lock and </a:t>
-            </a:r>
-            <a:r>
-              <a:rPr lang="en-US" altLang="zh-CN" dirty="0" smtClean="0"/>
-              <a:t>lock-free</a:t>
-            </a:r>
-            <a:endParaRPr lang="zh-CN" altLang="en-US" dirty="0"/>
-          </a:p>
-        </p:txBody>
-      </p:sp>
-      <p:pic>
-        <p:nvPicPr>
-          <p:cNvPr id="4" name="Picture 2" descr="Algorithm 1 HOGWILD! update for individual processors &#10;2: &#10;g: &#10;4: &#10;5: &#10;loop &#10;sample e uniformly at random from E &#10;Read current state and evaluate Ge (x) &#10;for t' e CIO — &#10;end loop "/>
-          <p:cNvPicPr>
-            <a:picLocks noChangeAspect="1" noChangeArrowheads="1"/>
-          </p:cNvPicPr>
-          <p:nvPr/>
-        </p:nvPicPr>
-        <p:blipFill>
-          <a:blip r:embed="rId2">
-            <a:extLst>
-              <a:ext uri="{28A0092B-C50C-407E-A947-70E740481C1C}">
-                <a14:useLocalDpi xmlns:a14="http://schemas.microsoft.com/office/drawing/2010/main" val="0"/>
-              </a:ext>
-            </a:extLst>
-          </a:blip>
-          <a:srcRect/>
-          <a:stretch>
-            <a:fillRect/>
-          </a:stretch>
-        </p:blipFill>
-        <p:spPr bwMode="auto">
-          <a:xfrm>
-            <a:off x="938213" y="1414917"/>
-            <a:ext cx="10415587" cy="2135943"/>
-          </a:xfrm>
-          <a:prstGeom prst="rect">
-            <a:avLst/>
-          </a:prstGeom>
-          <a:noFill/>
-          <a:extLst>
-            <a:ext uri="{909E8E84-426E-40DD-AFC4-6F175D3DCCD1}">
-              <a14:hiddenFill xmlns:a14="http://schemas.microsoft.com/office/drawing/2010/main">
-                <a:solidFill>
-                  <a:srgbClr val="FFFFFF"/>
-                </a:solidFill>
-              </a14:hiddenFill>
-            </a:ext>
-          </a:extLst>
-        </p:spPr>
-      </p:pic>
-      <p:sp>
-        <p:nvSpPr>
-          <p:cNvPr id="5" name="TextBox 2"/>
-          <p:cNvSpPr txBox="1"/>
-          <p:nvPr/>
-        </p:nvSpPr>
-        <p:spPr>
-          <a:xfrm>
-            <a:off x="223162" y="4070597"/>
-            <a:ext cx="11968838" cy="2031325"/>
-          </a:xfrm>
-          <a:prstGeom prst="rect">
-            <a:avLst/>
-          </a:prstGeom>
-          <a:noFill/>
-        </p:spPr>
-        <p:txBody>
-          <a:bodyPr wrap="square" rtlCol="0">
-            <a:spAutoFit/>
-          </a:bodyPr>
-          <a:lstStyle/>
-          <a:p>
-            <a:r>
-              <a:rPr lang="en-US" altLang="zh-CN" dirty="0" smtClean="0"/>
-              <a:t>Assume</a:t>
-            </a:r>
-          </a:p>
-          <a:p>
-            <a:pPr marL="342900" indent="-342900">
-              <a:buAutoNum type="arabicParenR"/>
-            </a:pPr>
-            <a:r>
-              <a:rPr lang="en-US" dirty="0" smtClean="0"/>
-              <a:t>only </a:t>
-            </a:r>
-            <a:r>
-              <a:rPr lang="en-US" dirty="0"/>
-              <a:t>a single coordinate per sampled </a:t>
-            </a:r>
-            <a:r>
-              <a:rPr lang="en-US" dirty="0" err="1"/>
-              <a:t>hyperedge</a:t>
-            </a:r>
-            <a:r>
-              <a:rPr lang="en-US" dirty="0"/>
-              <a:t> is updated (</a:t>
-            </a:r>
-            <a:r>
-              <a:rPr lang="en-US" i="1" dirty="0" err="1"/>
-              <a:t>i.e</a:t>
-            </a:r>
-            <a:r>
-              <a:rPr lang="en-US" i="1" dirty="0" err="1" smtClean="0"/>
-              <a:t>.</a:t>
-            </a:r>
-            <a:r>
-              <a:rPr lang="en-US" dirty="0" err="1" smtClean="0"/>
-              <a:t>,the</a:t>
-            </a:r>
-            <a:r>
-              <a:rPr lang="en-US" dirty="0" smtClean="0"/>
-              <a:t> </a:t>
-            </a:r>
-            <a:r>
-              <a:rPr lang="en-US" dirty="0"/>
-              <a:t>for loop in </a:t>
-            </a:r>
-            <a:r>
-              <a:rPr lang="en-US" dirty="0" err="1"/>
-              <a:t>Hogwild</a:t>
-            </a:r>
-            <a:r>
-              <a:rPr lang="en-US" dirty="0"/>
-              <a:t>! is replaced with a single coordinate update</a:t>
-            </a:r>
-            <a:r>
-              <a:rPr lang="en-US" dirty="0" smtClean="0"/>
-              <a:t>);</a:t>
-            </a:r>
-          </a:p>
-          <a:p>
-            <a:pPr marL="342900" indent="-342900">
-              <a:buAutoNum type="arabicParenR"/>
-            </a:pPr>
-            <a:r>
-              <a:rPr lang="en-US" i="1" dirty="0" smtClean="0"/>
-              <a:t> </a:t>
-            </a:r>
-            <a:r>
-              <a:rPr lang="en-US" dirty="0" smtClean="0"/>
-              <a:t>the authors assumed </a:t>
-            </a:r>
-            <a:r>
-              <a:rPr lang="en-US" i="1" dirty="0" smtClean="0"/>
-              <a:t>consistent reads</a:t>
-            </a:r>
-            <a:r>
-              <a:rPr lang="en-US" dirty="0" smtClean="0"/>
-              <a:t>, </a:t>
-            </a:r>
-            <a:r>
-              <a:rPr lang="en-US" i="1" dirty="0" smtClean="0"/>
-              <a:t>i.e.</a:t>
-            </a:r>
-            <a:r>
-              <a:rPr lang="en-US" dirty="0"/>
-              <a:t>, it was assumed that while a core is reading the shared variable, no writes from other cores occur; </a:t>
-            </a:r>
-            <a:endParaRPr lang="en-US" dirty="0" smtClean="0"/>
-          </a:p>
-          <a:p>
-            <a:pPr marL="342900" indent="-342900">
-              <a:buAutoNum type="arabicParenR"/>
-            </a:pPr>
-            <a:r>
-              <a:rPr lang="en-US" dirty="0" smtClean="0"/>
-              <a:t>the </a:t>
-            </a:r>
-            <a:r>
-              <a:rPr lang="en-US" dirty="0"/>
-              <a:t>authors make an implicit assumption on the uniformity of the </a:t>
-            </a:r>
-            <a:r>
-              <a:rPr lang="en-US" dirty="0" smtClean="0"/>
-              <a:t>processing times </a:t>
-            </a:r>
-            <a:r>
-              <a:rPr lang="en-US" dirty="0"/>
-              <a:t>of cores (explained in the following), that does not generically hold in practice</a:t>
-            </a:r>
-          </a:p>
-        </p:txBody>
-      </p:sp>
-      <mc:AlternateContent xmlns:mc="http://schemas.openxmlformats.org/markup-compatibility/2006">
-        <mc:Choice xmlns:a14="http://schemas.microsoft.com/office/drawing/2010/main" Requires="a14">
-          <p:sp>
-            <p:nvSpPr>
-              <p:cNvPr id="7" name="矩形 6"/>
-              <p:cNvSpPr/>
-              <p:nvPr/>
-            </p:nvSpPr>
-            <p:spPr>
-              <a:xfrm>
-                <a:off x="2838816" y="3640677"/>
-                <a:ext cx="2234650" cy="369332"/>
-              </a:xfrm>
-              <a:prstGeom prst="rect">
-                <a:avLst/>
-              </a:prstGeom>
-            </p:spPr>
-            <p:txBody>
-              <a:bodyPr wrap="none">
-                <a:spAutoFit/>
-              </a:bodyPr>
-              <a:lstStyle/>
-              <a:p>
-                <a14:m>
-                  <m:oMathPara xmlns:m="http://schemas.openxmlformats.org/officeDocument/2006/math">
-                    <m:oMathParaPr>
-                      <m:jc m:val="centerGroup"/>
-                    </m:oMathParaPr>
-                    <m:oMath xmlns:m="http://schemas.openxmlformats.org/officeDocument/2006/math">
-                      <m:d>
-                        <m:dPr>
-                          <m:begChr m:val=""/>
-                          <m:ctrlPr>
-                            <a:rPr lang="zh-CN" altLang="en-US">
-                              <a:latin typeface="Cambria Math" panose="02040503050406030204" pitchFamily="18" charset="0"/>
-                            </a:rPr>
-                          </m:ctrlPr>
-                        </m:dPr>
-                        <m:e>
-                          <m:sSub>
-                            <m:sSubPr>
-                              <m:ctrlPr>
-                                <a:rPr lang="zh-CN" altLang="en-US">
-                                  <a:latin typeface="Cambria Math" panose="02040503050406030204" pitchFamily="18" charset="0"/>
-                                </a:rPr>
-                              </m:ctrlPr>
-                            </m:sSubPr>
-                            <m:e>
-                              <m:r>
-                                <a:rPr lang="zh-CN" altLang="en-US" i="1">
-                                  <a:latin typeface="Cambria Math" panose="02040503050406030204" pitchFamily="18" charset="0"/>
-                                </a:rPr>
-                                <m:t>𝑥</m:t>
-                              </m:r>
-                            </m:e>
-                            <m:sub>
-                              <m:r>
-                                <a:rPr lang="zh-CN" altLang="en-US" i="1">
-                                  <a:latin typeface="Cambria Math" panose="02040503050406030204" pitchFamily="18" charset="0"/>
-                                </a:rPr>
-                                <m:t>𝑣</m:t>
-                              </m:r>
-                            </m:sub>
-                          </m:sSub>
-                          <m:r>
-                            <a:rPr lang="zh-CN" altLang="en-US" i="0">
-                              <a:latin typeface="Cambria Math" panose="02040503050406030204" pitchFamily="18" charset="0"/>
-                            </a:rPr>
-                            <m:t>←</m:t>
-                          </m:r>
-                          <m:sSub>
-                            <m:sSubPr>
-                              <m:ctrlPr>
-                                <a:rPr lang="zh-CN" altLang="en-US" i="1">
-                                  <a:latin typeface="Cambria Math" panose="02040503050406030204" pitchFamily="18" charset="0"/>
-                                </a:rPr>
-                              </m:ctrlPr>
-                            </m:sSubPr>
-                            <m:e>
-                              <m:r>
-                                <a:rPr lang="zh-CN" altLang="en-US" i="1">
-                                  <a:latin typeface="Cambria Math" panose="02040503050406030204" pitchFamily="18" charset="0"/>
-                                </a:rPr>
-                                <m:t>𝑥</m:t>
-                              </m:r>
-                            </m:e>
-                            <m:sub>
-                              <m:r>
-                                <a:rPr lang="zh-CN" altLang="en-US" i="1">
-                                  <a:latin typeface="Cambria Math" panose="02040503050406030204" pitchFamily="18" charset="0"/>
-                                </a:rPr>
-                                <m:t>𝑣</m:t>
-                              </m:r>
-                            </m:sub>
-                          </m:sSub>
-                          <m:r>
-                            <a:rPr lang="zh-CN" altLang="en-US" i="0">
-                              <a:latin typeface="Cambria Math" panose="02040503050406030204" pitchFamily="18" charset="0"/>
-                            </a:rPr>
-                            <m:t>−</m:t>
-                          </m:r>
-                          <m:r>
-                            <a:rPr lang="zh-CN" altLang="en-US" i="1">
-                              <a:latin typeface="Cambria Math" panose="02040503050406030204" pitchFamily="18" charset="0"/>
-                            </a:rPr>
-                            <m:t>𝛾</m:t>
-                          </m:r>
-                          <m:sSubSup>
-                            <m:sSubSupPr>
-                              <m:ctrlPr>
-                                <a:rPr lang="zh-CN" altLang="en-US" i="1">
-                                  <a:latin typeface="Cambria Math" panose="02040503050406030204" pitchFamily="18" charset="0"/>
-                                </a:rPr>
-                              </m:ctrlPr>
-                            </m:sSubSupPr>
-                            <m:e>
-                              <m:r>
-                                <a:rPr lang="zh-CN" altLang="en-US" i="1">
-                                  <a:latin typeface="Cambria Math" panose="02040503050406030204" pitchFamily="18" charset="0"/>
-                                </a:rPr>
-                                <m:t>𝑏</m:t>
-                              </m:r>
-                            </m:e>
-                            <m:sub>
-                              <m:r>
-                                <a:rPr lang="zh-CN" altLang="en-US" i="1">
-                                  <a:latin typeface="Cambria Math" panose="02040503050406030204" pitchFamily="18" charset="0"/>
-                                </a:rPr>
-                                <m:t>𝑣</m:t>
-                              </m:r>
-                            </m:sub>
-                            <m:sup>
-                              <m:r>
-                                <a:rPr lang="zh-CN" altLang="en-US" i="1">
-                                  <a:latin typeface="Cambria Math" panose="02040503050406030204" pitchFamily="18" charset="0"/>
-                                </a:rPr>
-                                <m:t>𝑇</m:t>
-                              </m:r>
-                            </m:sup>
-                          </m:sSubSup>
-                          <m:sSub>
-                            <m:sSubPr>
-                              <m:ctrlPr>
-                                <a:rPr lang="zh-CN" altLang="en-US" i="1">
-                                  <a:latin typeface="Cambria Math" panose="02040503050406030204" pitchFamily="18" charset="0"/>
-                                </a:rPr>
-                              </m:ctrlPr>
-                            </m:sSubPr>
-                            <m:e>
-                              <m:r>
-                                <a:rPr lang="zh-CN" altLang="en-US" i="1">
-                                  <a:latin typeface="Cambria Math" panose="02040503050406030204" pitchFamily="18" charset="0"/>
-                                </a:rPr>
-                                <m:t>𝐺</m:t>
-                              </m:r>
-                            </m:e>
-                            <m:sub>
-                              <m:r>
-                                <a:rPr lang="zh-CN" altLang="en-US" i="1">
-                                  <a:latin typeface="Cambria Math" panose="02040503050406030204" pitchFamily="18" charset="0"/>
-                                </a:rPr>
-                                <m:t>𝑒</m:t>
-                              </m:r>
-                            </m:sub>
-                          </m:sSub>
-                          <m:r>
-                            <a:rPr lang="zh-CN" altLang="en-US" i="0">
-                              <a:latin typeface="Cambria Math" panose="02040503050406030204" pitchFamily="18" charset="0"/>
-                            </a:rPr>
-                            <m:t>(</m:t>
-                          </m:r>
-                          <m:r>
-                            <a:rPr lang="zh-CN" altLang="en-US" i="1">
-                              <a:latin typeface="Cambria Math" panose="02040503050406030204" pitchFamily="18" charset="0"/>
-                            </a:rPr>
-                            <m:t>𝑥</m:t>
-                          </m:r>
-                        </m:e>
-                      </m:d>
-                    </m:oMath>
-                  </m:oMathPara>
-                </a14:m>
-                <a:endParaRPr lang="zh-CN" altLang="en-US" dirty="0"/>
-              </a:p>
-            </p:txBody>
-          </p:sp>
-        </mc:Choice>
-        <mc:Fallback>
-          <p:sp>
-            <p:nvSpPr>
-              <p:cNvPr id="7" name="矩形 6"/>
-              <p:cNvSpPr>
-                <a:spLocks noRot="1" noChangeAspect="1" noMove="1" noResize="1" noEditPoints="1" noAdjustHandles="1" noChangeArrowheads="1" noChangeShapeType="1" noTextEdit="1"/>
-              </p:cNvSpPr>
-              <p:nvPr/>
-            </p:nvSpPr>
-            <p:spPr>
-              <a:xfrm>
-                <a:off x="2838816" y="3640677"/>
-                <a:ext cx="2234650" cy="369332"/>
-              </a:xfrm>
-              <a:prstGeom prst="rect">
-                <a:avLst/>
-              </a:prstGeom>
-              <a:blipFill>
-                <a:blip r:embed="rId3"/>
-                <a:stretch>
-                  <a:fillRect t="-119672" r="-22678" b="-183607"/>
-                </a:stretch>
-              </a:blipFill>
-            </p:spPr>
-            <p:txBody>
-              <a:bodyPr/>
-              <a:lstStyle/>
-              <a:p>
-                <a:r>
-                  <a:rPr lang="zh-CN" altLang="en-US">
-                    <a:noFill/>
-                  </a:rPr>
-                  <a:t> </a:t>
-                </a:r>
-              </a:p>
-            </p:txBody>
-          </p:sp>
-        </mc:Fallback>
-      </mc:AlternateContent>
-      <mc:AlternateContent xmlns:mc="http://schemas.openxmlformats.org/markup-compatibility/2006">
-        <mc:Choice xmlns:a14="http://schemas.microsoft.com/office/drawing/2010/main" Requires="a14">
-          <p:sp>
-            <p:nvSpPr>
-              <p:cNvPr id="8" name="矩形 7"/>
-              <p:cNvSpPr/>
-              <p:nvPr/>
-            </p:nvSpPr>
-            <p:spPr>
-              <a:xfrm>
-                <a:off x="577484" y="3646780"/>
-                <a:ext cx="2045432" cy="369332"/>
-              </a:xfrm>
-              <a:prstGeom prst="rect">
-                <a:avLst/>
-              </a:prstGeom>
-            </p:spPr>
-            <p:txBody>
-              <a:bodyPr wrap="none">
-                <a:spAutoFit/>
-              </a:bodyPr>
-              <a:lstStyle/>
-              <a:p>
-                <a14:m>
-                  <m:oMathPara xmlns:m="http://schemas.openxmlformats.org/officeDocument/2006/math">
-                    <m:oMathParaPr>
-                      <m:jc m:val="centerGroup"/>
-                    </m:oMathParaPr>
-                    <m:oMath xmlns:m="http://schemas.openxmlformats.org/officeDocument/2006/math">
-                      <m:d>
-                        <m:dPr>
-                          <m:begChr m:val=""/>
-                          <m:ctrlPr>
-                            <a:rPr lang="zh-CN" altLang="en-US">
-                              <a:latin typeface="Cambria Math" panose="02040503050406030204" pitchFamily="18" charset="0"/>
-                            </a:rPr>
-                          </m:ctrlPr>
-                        </m:dPr>
-                        <m:e>
-                          <m:sSub>
-                            <m:sSubPr>
-                              <m:ctrlPr>
-                                <a:rPr lang="zh-CN" altLang="en-US">
-                                  <a:latin typeface="Cambria Math" panose="02040503050406030204" pitchFamily="18" charset="0"/>
-                                </a:rPr>
-                              </m:ctrlPr>
-                            </m:sSubPr>
-                            <m:e>
-                              <m:r>
-                                <a:rPr lang="zh-CN" altLang="en-US" i="1">
-                                  <a:latin typeface="Cambria Math" panose="02040503050406030204" pitchFamily="18" charset="0"/>
-                                </a:rPr>
-                                <m:t>𝐺</m:t>
-                              </m:r>
-                            </m:e>
-                            <m:sub>
-                              <m:r>
-                                <a:rPr lang="zh-CN" altLang="en-US" i="1">
-                                  <a:latin typeface="Cambria Math" panose="02040503050406030204" pitchFamily="18" charset="0"/>
-                                </a:rPr>
-                                <m:t>𝑒</m:t>
-                              </m:r>
-                            </m:sub>
-                          </m:sSub>
-                          <m:r>
-                            <a:rPr lang="zh-CN" altLang="en-US" i="0">
-                              <a:latin typeface="Cambria Math" panose="02040503050406030204" pitchFamily="18" charset="0"/>
-                            </a:rPr>
-                            <m:t>(</m:t>
-                          </m:r>
-                          <m:r>
-                            <a:rPr lang="zh-CN" altLang="en-US" i="1">
-                              <a:latin typeface="Cambria Math" panose="02040503050406030204" pitchFamily="18" charset="0"/>
-                            </a:rPr>
-                            <m:t>𝑥</m:t>
-                          </m:r>
-                          <m:r>
-                            <a:rPr lang="zh-CN" altLang="en-US" i="0">
-                              <a:latin typeface="Cambria Math" panose="02040503050406030204" pitchFamily="18" charset="0"/>
-                            </a:rPr>
-                            <m:t>)∈|</m:t>
-                          </m:r>
-                          <m:r>
-                            <a:rPr lang="zh-CN" altLang="en-US" i="1">
-                              <a:latin typeface="Cambria Math" panose="02040503050406030204" pitchFamily="18" charset="0"/>
-                            </a:rPr>
-                            <m:t>𝐸</m:t>
-                          </m:r>
-                          <m:r>
-                            <a:rPr lang="zh-CN" altLang="en-US" i="0">
-                              <a:latin typeface="Cambria Math" panose="02040503050406030204" pitchFamily="18" charset="0"/>
-                            </a:rPr>
-                            <m:t>|∂</m:t>
-                          </m:r>
-                          <m:sSub>
-                            <m:sSubPr>
-                              <m:ctrlPr>
-                                <a:rPr lang="zh-CN" altLang="en-US" i="1">
-                                  <a:latin typeface="Cambria Math" panose="02040503050406030204" pitchFamily="18" charset="0"/>
-                                </a:rPr>
-                              </m:ctrlPr>
-                            </m:sSubPr>
-                            <m:e>
-                              <m:r>
-                                <a:rPr lang="zh-CN" altLang="en-US" i="1">
-                                  <a:latin typeface="Cambria Math" panose="02040503050406030204" pitchFamily="18" charset="0"/>
-                                </a:rPr>
-                                <m:t>𝑓</m:t>
-                              </m:r>
-                            </m:e>
-                            <m:sub>
-                              <m:r>
-                                <a:rPr lang="zh-CN" altLang="en-US" i="1">
-                                  <a:latin typeface="Cambria Math" panose="02040503050406030204" pitchFamily="18" charset="0"/>
-                                </a:rPr>
-                                <m:t>𝑒</m:t>
-                              </m:r>
-                            </m:sub>
-                          </m:sSub>
-                          <m:r>
-                            <a:rPr lang="zh-CN" altLang="en-US" i="0">
-                              <a:latin typeface="Cambria Math" panose="02040503050406030204" pitchFamily="18" charset="0"/>
-                            </a:rPr>
-                            <m:t>(</m:t>
-                          </m:r>
-                          <m:r>
-                            <a:rPr lang="zh-CN" altLang="en-US" i="1">
-                              <a:latin typeface="Cambria Math" panose="02040503050406030204" pitchFamily="18" charset="0"/>
-                            </a:rPr>
-                            <m:t>𝑥</m:t>
-                          </m:r>
-                        </m:e>
-                      </m:d>
-                    </m:oMath>
-                  </m:oMathPara>
-                </a14:m>
-                <a:endParaRPr lang="zh-CN" altLang="en-US" dirty="0"/>
-              </a:p>
-            </p:txBody>
-          </p:sp>
-        </mc:Choice>
-        <mc:Fallback>
-          <p:sp>
-            <p:nvSpPr>
-              <p:cNvPr id="8" name="矩形 7"/>
-              <p:cNvSpPr>
-                <a:spLocks noRot="1" noChangeAspect="1" noMove="1" noResize="1" noEditPoints="1" noAdjustHandles="1" noChangeArrowheads="1" noChangeShapeType="1" noTextEdit="1"/>
-              </p:cNvSpPr>
-              <p:nvPr/>
-            </p:nvSpPr>
-            <p:spPr>
-              <a:xfrm>
-                <a:off x="577484" y="3646780"/>
-                <a:ext cx="2045432" cy="369332"/>
-              </a:xfrm>
-              <a:prstGeom prst="rect">
-                <a:avLst/>
-              </a:prstGeom>
-              <a:blipFill>
-                <a:blip r:embed="rId4"/>
-                <a:stretch>
-                  <a:fillRect t="-119672" r="-24776" b="-183607"/>
-                </a:stretch>
-              </a:blipFill>
-            </p:spPr>
-            <p:txBody>
-              <a:bodyPr/>
-              <a:lstStyle/>
-              <a:p>
-                <a:r>
-                  <a:rPr lang="zh-CN" altLang="en-US">
-                    <a:noFill/>
-                  </a:rPr>
-                  <a:t> </a:t>
-                </a:r>
-              </a:p>
-            </p:txBody>
-          </p:sp>
-        </mc:Fallback>
-      </mc:AlternateContent>
-    </p:spTree>
-    <p:extLst>
-      <p:ext uri="{BB962C8B-B14F-4D97-AF65-F5344CB8AC3E}">
-        <p14:creationId xmlns:p14="http://schemas.microsoft.com/office/powerpoint/2010/main" val="3221932847"/>
-      </p:ext>
-    </p:extLst>
-  </p:cSld>
-  <p:clrMapOvr>
-    <a:masterClrMapping/>
-  </p:clrMapOvr>
-</p:sld>
-</file>
-
-<file path=ppt/slides/slide4.xml><?xml version="1.0" encoding="utf-8"?>
-<p:sld xmlns:a="http://schemas.openxmlformats.org/drawingml/2006/main" xmlns:r="http://schemas.openxmlformats.org/officeDocument/2006/relationships" xmlns:p="http://schemas.openxmlformats.org/presentationml/2006/main">
-  <p:cSld>
-    <p:spTree>
-      <p:nvGrpSpPr>
-        <p:cNvPr id="1" name=""/>
-        <p:cNvGrpSpPr/>
-        <p:nvPr/>
-      </p:nvGrpSpPr>
-      <p:grpSpPr>
-        <a:xfrm>
-          <a:off x="0" y="0"/>
-          <a:ext cx="0" cy="0"/>
-          <a:chOff x="0" y="0"/>
-          <a:chExt cx="0" cy="0"/>
-        </a:xfrm>
-      </p:grpSpPr>
-      <p:sp>
-        <p:nvSpPr>
-          <p:cNvPr id="5" name="标题 1"/>
-          <p:cNvSpPr>
-            <a:spLocks noGrp="1"/>
-          </p:cNvSpPr>
-          <p:nvPr>
-            <p:ph type="title"/>
-          </p:nvPr>
-        </p:nvSpPr>
-        <p:spPr>
-          <a:xfrm>
-            <a:off x="838200" y="365125"/>
-            <a:ext cx="10515600" cy="1325563"/>
-          </a:xfrm>
-        </p:spPr>
-        <p:txBody>
-          <a:bodyPr/>
-          <a:lstStyle/>
-          <a:p>
-            <a:r>
-              <a:rPr lang="en-US" altLang="zh-CN" dirty="0"/>
-              <a:t>Lock and </a:t>
-            </a:r>
-            <a:r>
-              <a:rPr lang="en-US" altLang="zh-CN" dirty="0" smtClean="0"/>
-              <a:t>lock-free</a:t>
-            </a:r>
-            <a:endParaRPr lang="zh-CN" altLang="en-US" dirty="0"/>
-          </a:p>
-        </p:txBody>
-      </p:sp>
-      <p:sp>
-        <p:nvSpPr>
-          <p:cNvPr id="6" name="文本框 5"/>
-          <p:cNvSpPr txBox="1"/>
-          <p:nvPr/>
-        </p:nvSpPr>
-        <p:spPr>
-          <a:xfrm>
-            <a:off x="838200" y="1843313"/>
-            <a:ext cx="6854371" cy="923330"/>
-          </a:xfrm>
-          <a:prstGeom prst="rect">
-            <a:avLst/>
-          </a:prstGeom>
-          <a:noFill/>
-        </p:spPr>
-        <p:txBody>
-          <a:bodyPr wrap="square" rtlCol="0">
-            <a:spAutoFit/>
-          </a:bodyPr>
-          <a:lstStyle/>
-          <a:p>
-            <a:r>
-              <a:rPr lang="en-US" altLang="zh-CN" dirty="0" smtClean="0"/>
-              <a:t>Consistent read</a:t>
-            </a:r>
-          </a:p>
-          <a:p>
-            <a:endParaRPr lang="en-US" altLang="zh-CN" dirty="0"/>
-          </a:p>
-          <a:p>
-            <a:r>
-              <a:rPr lang="en-US" altLang="zh-CN" dirty="0" smtClean="0"/>
-              <a:t>Inconsistent read</a:t>
-            </a:r>
-            <a:endParaRPr lang="zh-CN" altLang="en-US" dirty="0"/>
-          </a:p>
-        </p:txBody>
-      </p:sp>
-      <p:pic>
-        <p:nvPicPr>
-          <p:cNvPr id="7" name="图片 6"/>
-          <p:cNvPicPr>
-            <a:picLocks noChangeAspect="1"/>
-          </p:cNvPicPr>
-          <p:nvPr/>
-        </p:nvPicPr>
-        <p:blipFill>
-          <a:blip r:embed="rId2"/>
-          <a:stretch>
-            <a:fillRect/>
-          </a:stretch>
-        </p:blipFill>
-        <p:spPr>
-          <a:xfrm>
-            <a:off x="6253371" y="1843313"/>
-            <a:ext cx="3342857" cy="847619"/>
-          </a:xfrm>
-          <a:prstGeom prst="rect">
-            <a:avLst/>
-          </a:prstGeom>
-        </p:spPr>
-      </p:pic>
-      <p:sp>
-        <p:nvSpPr>
-          <p:cNvPr id="8" name="文本框 7"/>
-          <p:cNvSpPr txBox="1"/>
-          <p:nvPr/>
-        </p:nvSpPr>
-        <p:spPr>
-          <a:xfrm>
-            <a:off x="1320800" y="3695700"/>
-            <a:ext cx="2348785" cy="923330"/>
-          </a:xfrm>
-          <a:prstGeom prst="rect">
-            <a:avLst/>
-          </a:prstGeom>
-          <a:noFill/>
-        </p:spPr>
-        <p:txBody>
-          <a:bodyPr wrap="none" rtlCol="0">
-            <a:spAutoFit/>
-          </a:bodyPr>
-          <a:lstStyle/>
-          <a:p>
-            <a:r>
-              <a:rPr lang="zh-CN" altLang="en-US" dirty="0" smtClean="0"/>
-              <a:t>两篇文章</a:t>
-            </a:r>
-            <a:endParaRPr lang="en-US" altLang="zh-CN" dirty="0" smtClean="0"/>
-          </a:p>
-          <a:p>
-            <a:endParaRPr lang="en-US" altLang="zh-CN" dirty="0"/>
-          </a:p>
-          <a:p>
-            <a:r>
-              <a:rPr lang="en-US" altLang="zh-CN" dirty="0" smtClean="0"/>
-              <a:t>Argue </a:t>
-            </a:r>
-            <a:r>
-              <a:rPr lang="zh-CN" altLang="en-US" dirty="0" smtClean="0"/>
-              <a:t>他们的 至少</a:t>
-            </a:r>
-            <a:r>
-              <a:rPr lang="en-US" altLang="zh-CN" dirty="0" smtClean="0"/>
-              <a:t>3</a:t>
-            </a:r>
-            <a:r>
-              <a:rPr lang="zh-CN" altLang="en-US" dirty="0" smtClean="0"/>
-              <a:t>篇</a:t>
-            </a:r>
-            <a:endParaRPr lang="zh-CN" altLang="en-US" dirty="0"/>
-          </a:p>
-        </p:txBody>
-      </p:sp>
-    </p:spTree>
-    <p:extLst>
-      <p:ext uri="{BB962C8B-B14F-4D97-AF65-F5344CB8AC3E}">
-        <p14:creationId xmlns:p14="http://schemas.microsoft.com/office/powerpoint/2010/main" val="1287625240"/>
-      </p:ext>
-    </p:extLst>
-  </p:cSld>
-  <p:clrMapOvr>
-    <a:masterClrMapping/>
-  </p:clrMapOvr>
-</p:sld>
-</file>
-
-<file path=ppt/slides/slide5.xml><?xml version="1.0" encoding="utf-8"?>
-<p:sld xmlns:a="http://schemas.openxmlformats.org/drawingml/2006/main" xmlns:r="http://schemas.openxmlformats.org/officeDocument/2006/relationships" xmlns:p="http://schemas.openxmlformats.org/presentationml/2006/main">
-  <p:cSld>
-    <p:spTree>
-      <p:nvGrpSpPr>
-        <p:cNvPr id="1" name=""/>
-        <p:cNvGrpSpPr/>
-        <p:nvPr/>
-      </p:nvGrpSpPr>
-      <p:grpSpPr>
-        <a:xfrm>
-          <a:off x="0" y="0"/>
-          <a:ext cx="0" cy="0"/>
-          <a:chOff x="0" y="0"/>
-          <a:chExt cx="0" cy="0"/>
-        </a:xfrm>
-      </p:grpSpPr>
-      <p:sp>
-        <p:nvSpPr>
-          <p:cNvPr id="2" name="标题 1"/>
-          <p:cNvSpPr>
-            <a:spLocks noGrp="1"/>
-          </p:cNvSpPr>
-          <p:nvPr>
-            <p:ph type="title"/>
-          </p:nvPr>
-        </p:nvSpPr>
-        <p:spPr/>
-        <p:txBody>
-          <a:bodyPr/>
-          <a:lstStyle/>
-          <a:p>
-            <a:r>
-              <a:rPr lang="en-US" altLang="zh-CN" dirty="0"/>
-              <a:t>Partition data and sampling data	</a:t>
-            </a:r>
-            <a:endParaRPr lang="zh-CN" altLang="en-US" dirty="0"/>
-          </a:p>
-        </p:txBody>
-      </p:sp>
-      <p:sp>
-        <p:nvSpPr>
-          <p:cNvPr id="3" name="内容占位符 2"/>
-          <p:cNvSpPr>
-            <a:spLocks noGrp="1"/>
-          </p:cNvSpPr>
-          <p:nvPr>
-            <p:ph idx="1"/>
-          </p:nvPr>
-        </p:nvSpPr>
-        <p:spPr/>
-        <p:txBody>
-          <a:bodyPr/>
-          <a:lstStyle/>
-          <a:p>
-            <a:endParaRPr lang="zh-CN" altLang="en-US" dirty="0"/>
-          </a:p>
-        </p:txBody>
-      </p:sp>
-    </p:spTree>
-    <p:extLst>
-      <p:ext uri="{BB962C8B-B14F-4D97-AF65-F5344CB8AC3E}">
-        <p14:creationId xmlns:p14="http://schemas.microsoft.com/office/powerpoint/2010/main" val="192516525"/>
-      </p:ext>
-    </p:extLst>
-  </p:cSld>
-  <p:clrMapOvr>
-    <a:masterClrMapping/>
-  </p:clrMapOvr>
-</p:sld>
-</file>
-
-<file path=ppt/slides/slide6.xml><?xml version="1.0" encoding="utf-8"?>
-<p:sld xmlns:a="http://schemas.openxmlformats.org/drawingml/2006/main" xmlns:r="http://schemas.openxmlformats.org/officeDocument/2006/relationships" xmlns:p="http://schemas.openxmlformats.org/presentationml/2006/main">
-  <p:cSld>
-    <p:spTree>
-      <p:nvGrpSpPr>
-        <p:cNvPr id="1" name=""/>
-        <p:cNvGrpSpPr/>
-        <p:nvPr/>
-      </p:nvGrpSpPr>
-      <p:grpSpPr>
-        <a:xfrm>
-          <a:off x="0" y="0"/>
-          <a:ext cx="0" cy="0"/>
-          <a:chOff x="0" y="0"/>
-          <a:chExt cx="0" cy="0"/>
-        </a:xfrm>
-      </p:grpSpPr>
-      <p:sp>
-        <p:nvSpPr>
-          <p:cNvPr id="2" name="Title 1"/>
-          <p:cNvSpPr>
-            <a:spLocks noGrp="1"/>
-          </p:cNvSpPr>
-          <p:nvPr>
-            <p:ph type="title"/>
-          </p:nvPr>
-        </p:nvSpPr>
-        <p:spPr/>
-        <p:txBody>
-          <a:bodyPr/>
-          <a:lstStyle/>
-          <a:p>
-            <a:endParaRPr lang="en-US" dirty="0"/>
-          </a:p>
-        </p:txBody>
-      </p:sp>
-      <p:pic>
-        <p:nvPicPr>
-          <p:cNvPr id="4" name="Content Placeholder 3"/>
-          <p:cNvPicPr>
-            <a:picLocks noGrp="1" noChangeAspect="1"/>
-          </p:cNvPicPr>
-          <p:nvPr>
-            <p:ph idx="1"/>
-          </p:nvPr>
-        </p:nvPicPr>
-        <p:blipFill>
-          <a:blip r:embed="rId2"/>
-          <a:stretch>
-            <a:fillRect/>
-          </a:stretch>
-        </p:blipFill>
-        <p:spPr>
-          <a:xfrm>
-            <a:off x="838200" y="1690688"/>
-            <a:ext cx="7534275" cy="2105025"/>
-          </a:xfrm>
-          <a:prstGeom prst="rect">
-            <a:avLst/>
-          </a:prstGeom>
-        </p:spPr>
-      </p:pic>
-      <p:sp>
-        <p:nvSpPr>
-          <p:cNvPr id="5" name="TextBox 4"/>
-          <p:cNvSpPr txBox="1"/>
-          <p:nvPr/>
-        </p:nvSpPr>
-        <p:spPr>
-          <a:xfrm>
-            <a:off x="1080655" y="4073236"/>
-            <a:ext cx="3633849" cy="369332"/>
-          </a:xfrm>
-          <a:prstGeom prst="rect">
-            <a:avLst/>
-          </a:prstGeom>
-          <a:noFill/>
-        </p:spPr>
-        <p:txBody>
-          <a:bodyPr wrap="square" rtlCol="0">
-            <a:spAutoFit/>
-          </a:bodyPr>
-          <a:lstStyle/>
-          <a:p>
-            <a:r>
-              <a:rPr lang="en-US" dirty="0" err="1"/>
-              <a:t>MapReduce</a:t>
-            </a:r>
-            <a:r>
-              <a:rPr lang="en-US" dirty="0"/>
-              <a:t> framework</a:t>
-            </a:r>
-          </a:p>
-        </p:txBody>
-      </p:sp>
-      <p:pic>
-        <p:nvPicPr>
-          <p:cNvPr id="3" name="图片 2"/>
-          <p:cNvPicPr>
-            <a:picLocks noChangeAspect="1"/>
-          </p:cNvPicPr>
-          <p:nvPr/>
-        </p:nvPicPr>
-        <p:blipFill>
-          <a:blip r:embed="rId3"/>
-          <a:stretch>
-            <a:fillRect/>
-          </a:stretch>
-        </p:blipFill>
-        <p:spPr>
-          <a:xfrm>
-            <a:off x="1080655" y="4442568"/>
-            <a:ext cx="9538045" cy="1912618"/>
-          </a:xfrm>
-          <a:prstGeom prst="rect">
-            <a:avLst/>
-          </a:prstGeom>
-        </p:spPr>
-      </p:pic>
-    </p:spTree>
-    <p:extLst>
-      <p:ext uri="{BB962C8B-B14F-4D97-AF65-F5344CB8AC3E}">
-        <p14:creationId xmlns:p14="http://schemas.microsoft.com/office/powerpoint/2010/main" val="952623810"/>
-      </p:ext>
-    </p:extLst>
-  </p:cSld>
-  <p:clrMapOvr>
-    <a:masterClrMapping/>
-  </p:clrMapOvr>
-</p:sld>
-</file>
-
-<file path=ppt/slides/slide7.xml><?xml version="1.0" encoding="utf-8"?>
-<p:sld xmlns:a="http://schemas.openxmlformats.org/drawingml/2006/main" xmlns:r="http://schemas.openxmlformats.org/officeDocument/2006/relationships" xmlns:p="http://schemas.openxmlformats.org/presentationml/2006/main">
+<p:sld xmlns:a="http://schemas.openxmlformats.org/drawingml/2006/main" xmlns:r="http://schemas.openxmlformats.org/officeDocument/2006/relationships" xmlns:p="http://schemas.openxmlformats.org/presentationml/2006/main" show="0">
   <p:cSld>
     <p:spTree>
       <p:nvGrpSpPr>
@@ -4750,11 +6961,19 @@
   <p:clrMapOvr>
     <a:masterClrMapping/>
   </p:clrMapOvr>
+  <mc:AlternateContent xmlns:mc="http://schemas.openxmlformats.org/markup-compatibility/2006">
+    <mc:Choice xmlns:p14="http://schemas.microsoft.com/office/powerpoint/2010/main" Requires="p14">
+      <p:transition spd="slow" p14:dur="2000"/>
+    </mc:Choice>
+    <mc:Fallback>
+      <p:transition spd="slow"/>
+    </mc:Fallback>
+  </mc:AlternateContent>
 </p:sld>
 </file>
 
-<file path=ppt/slides/slide8.xml><?xml version="1.0" encoding="utf-8"?>
-<p:sld xmlns:a="http://schemas.openxmlformats.org/drawingml/2006/main" xmlns:r="http://schemas.openxmlformats.org/officeDocument/2006/relationships" xmlns:p="http://schemas.openxmlformats.org/presentationml/2006/main">
+<file path=ppt/slides/slide11.xml><?xml version="1.0" encoding="utf-8"?>
+<p:sld xmlns:a="http://schemas.openxmlformats.org/drawingml/2006/main" xmlns:r="http://schemas.openxmlformats.org/officeDocument/2006/relationships" xmlns:p="http://schemas.openxmlformats.org/presentationml/2006/main" show="0">
   <p:cSld>
     <p:spTree>
       <p:nvGrpSpPr>
@@ -5197,11 +7416,19 @@
   <p:clrMapOvr>
     <a:masterClrMapping/>
   </p:clrMapOvr>
+  <mc:AlternateContent xmlns:mc="http://schemas.openxmlformats.org/markup-compatibility/2006">
+    <mc:Choice xmlns:p14="http://schemas.microsoft.com/office/powerpoint/2010/main" Requires="p14">
+      <p:transition spd="slow" p14:dur="2000"/>
+    </mc:Choice>
+    <mc:Fallback>
+      <p:transition spd="slow"/>
+    </mc:Fallback>
+  </mc:AlternateContent>
 </p:sld>
 </file>
 
-<file path=ppt/slides/slide9.xml><?xml version="1.0" encoding="utf-8"?>
-<p:sld xmlns:a="http://schemas.openxmlformats.org/drawingml/2006/main" xmlns:r="http://schemas.openxmlformats.org/officeDocument/2006/relationships" xmlns:p="http://schemas.openxmlformats.org/presentationml/2006/main">
+<file path=ppt/slides/slide12.xml><?xml version="1.0" encoding="utf-8"?>
+<p:sld xmlns:a="http://schemas.openxmlformats.org/drawingml/2006/main" xmlns:r="http://schemas.openxmlformats.org/officeDocument/2006/relationships" xmlns:p="http://schemas.openxmlformats.org/presentationml/2006/main" show="0">
   <p:cSld>
     <p:spTree>
       <p:nvGrpSpPr>
@@ -5291,6 +7518,3793 @@
   <p:clrMapOvr>
     <a:masterClrMapping/>
   </p:clrMapOvr>
+  <mc:AlternateContent xmlns:mc="http://schemas.openxmlformats.org/markup-compatibility/2006">
+    <mc:Choice xmlns:p14="http://schemas.microsoft.com/office/powerpoint/2010/main" Requires="p14">
+      <p:transition spd="slow" p14:dur="2000"/>
+    </mc:Choice>
+    <mc:Fallback>
+      <p:transition spd="slow"/>
+    </mc:Fallback>
+  </mc:AlternateContent>
+</p:sld>
+</file>
+
+<file path=ppt/slides/slide13.xml><?xml version="1.0" encoding="utf-8"?>
+<p:sld xmlns:a="http://schemas.openxmlformats.org/drawingml/2006/main" xmlns:r="http://schemas.openxmlformats.org/officeDocument/2006/relationships" xmlns:p="http://schemas.openxmlformats.org/presentationml/2006/main" show="0">
+  <p:cSld>
+    <p:spTree>
+      <p:nvGrpSpPr>
+        <p:cNvPr id="1" name=""/>
+        <p:cNvGrpSpPr/>
+        <p:nvPr/>
+      </p:nvGrpSpPr>
+      <p:grpSpPr>
+        <a:xfrm>
+          <a:off x="0" y="0"/>
+          <a:ext cx="0" cy="0"/>
+          <a:chOff x="0" y="0"/>
+          <a:chExt cx="0" cy="0"/>
+        </a:xfrm>
+      </p:grpSpPr>
+      <p:sp>
+        <p:nvSpPr>
+          <p:cNvPr id="2" name="Title 1"/>
+          <p:cNvSpPr>
+            <a:spLocks noGrp="1"/>
+          </p:cNvSpPr>
+          <p:nvPr>
+            <p:ph type="title"/>
+          </p:nvPr>
+        </p:nvSpPr>
+        <p:spPr/>
+        <p:txBody>
+          <a:bodyPr/>
+          <a:lstStyle/>
+          <a:p>
+            <a:r>
+              <a:rPr lang="en-US" altLang="zh-CN" dirty="0" smtClean="0"/>
+              <a:t>downpour</a:t>
+            </a:r>
+            <a:endParaRPr lang="en-US" dirty="0"/>
+          </a:p>
+        </p:txBody>
+      </p:sp>
+      <p:sp>
+        <p:nvSpPr>
+          <p:cNvPr id="3" name="Content Placeholder 2"/>
+          <p:cNvSpPr>
+            <a:spLocks noGrp="1"/>
+          </p:cNvSpPr>
+          <p:nvPr>
+            <p:ph idx="1"/>
+          </p:nvPr>
+        </p:nvSpPr>
+        <p:spPr/>
+        <p:txBody>
+          <a:bodyPr/>
+          <a:lstStyle/>
+          <a:p>
+            <a:endParaRPr lang="en-US" dirty="0"/>
+          </a:p>
+        </p:txBody>
+      </p:sp>
+    </p:spTree>
+    <p:extLst>
+      <p:ext uri="{BB962C8B-B14F-4D97-AF65-F5344CB8AC3E}">
+        <p14:creationId xmlns:p14="http://schemas.microsoft.com/office/powerpoint/2010/main" val="300832056"/>
+      </p:ext>
+    </p:extLst>
+  </p:cSld>
+  <p:clrMapOvr>
+    <a:masterClrMapping/>
+  </p:clrMapOvr>
+  <mc:AlternateContent xmlns:mc="http://schemas.openxmlformats.org/markup-compatibility/2006">
+    <mc:Choice xmlns:p14="http://schemas.microsoft.com/office/powerpoint/2010/main" Requires="p14">
+      <p:transition spd="slow" p14:dur="2000"/>
+    </mc:Choice>
+    <mc:Fallback>
+      <p:transition spd="slow"/>
+    </mc:Fallback>
+  </mc:AlternateContent>
+</p:sld>
+</file>
+
+<file path=ppt/slides/slide14.xml><?xml version="1.0" encoding="utf-8"?>
+<p:sld xmlns:a="http://schemas.openxmlformats.org/drawingml/2006/main" xmlns:r="http://schemas.openxmlformats.org/officeDocument/2006/relationships" xmlns:p="http://schemas.openxmlformats.org/presentationml/2006/main" show="0">
+  <p:cSld>
+    <p:spTree>
+      <p:nvGrpSpPr>
+        <p:cNvPr id="1" name=""/>
+        <p:cNvGrpSpPr/>
+        <p:nvPr/>
+      </p:nvGrpSpPr>
+      <p:grpSpPr>
+        <a:xfrm>
+          <a:off x="0" y="0"/>
+          <a:ext cx="0" cy="0"/>
+          <a:chOff x="0" y="0"/>
+          <a:chExt cx="0" cy="0"/>
+        </a:xfrm>
+      </p:grpSpPr>
+      <p:sp>
+        <p:nvSpPr>
+          <p:cNvPr id="2" name="Title 1"/>
+          <p:cNvSpPr>
+            <a:spLocks noGrp="1"/>
+          </p:cNvSpPr>
+          <p:nvPr>
+            <p:ph type="title"/>
+          </p:nvPr>
+        </p:nvSpPr>
+        <p:spPr/>
+        <p:txBody>
+          <a:bodyPr/>
+          <a:lstStyle/>
+          <a:p>
+            <a:r>
+              <a:rPr lang="en-US" altLang="zh-CN" dirty="0" err="1" smtClean="0"/>
+              <a:t>ssp</a:t>
+            </a:r>
+            <a:endParaRPr lang="en-US" dirty="0"/>
+          </a:p>
+        </p:txBody>
+      </p:sp>
+      <p:sp>
+        <p:nvSpPr>
+          <p:cNvPr id="3" name="Content Placeholder 2"/>
+          <p:cNvSpPr>
+            <a:spLocks noGrp="1"/>
+          </p:cNvSpPr>
+          <p:nvPr>
+            <p:ph idx="1"/>
+          </p:nvPr>
+        </p:nvSpPr>
+        <p:spPr/>
+        <p:txBody>
+          <a:bodyPr/>
+          <a:lstStyle/>
+          <a:p>
+            <a:endParaRPr lang="en-US"/>
+          </a:p>
+        </p:txBody>
+      </p:sp>
+    </p:spTree>
+    <p:extLst>
+      <p:ext uri="{BB962C8B-B14F-4D97-AF65-F5344CB8AC3E}">
+        <p14:creationId xmlns:p14="http://schemas.microsoft.com/office/powerpoint/2010/main" val="3658863621"/>
+      </p:ext>
+    </p:extLst>
+  </p:cSld>
+  <p:clrMapOvr>
+    <a:masterClrMapping/>
+  </p:clrMapOvr>
+  <mc:AlternateContent xmlns:mc="http://schemas.openxmlformats.org/markup-compatibility/2006">
+    <mc:Choice xmlns:p14="http://schemas.microsoft.com/office/powerpoint/2010/main" Requires="p14">
+      <p:transition spd="slow" p14:dur="2000"/>
+    </mc:Choice>
+    <mc:Fallback>
+      <p:transition spd="slow"/>
+    </mc:Fallback>
+  </mc:AlternateContent>
+</p:sld>
+</file>
+
+<file path=ppt/slides/slide15.xml><?xml version="1.0" encoding="utf-8"?>
+<p:sld xmlns:a="http://schemas.openxmlformats.org/drawingml/2006/main" xmlns:r="http://schemas.openxmlformats.org/officeDocument/2006/relationships" xmlns:p="http://schemas.openxmlformats.org/presentationml/2006/main" show="0">
+  <p:cSld>
+    <p:spTree>
+      <p:nvGrpSpPr>
+        <p:cNvPr id="1" name=""/>
+        <p:cNvGrpSpPr/>
+        <p:nvPr/>
+      </p:nvGrpSpPr>
+      <p:grpSpPr>
+        <a:xfrm>
+          <a:off x="0" y="0"/>
+          <a:ext cx="0" cy="0"/>
+          <a:chOff x="0" y="0"/>
+          <a:chExt cx="0" cy="0"/>
+        </a:xfrm>
+      </p:grpSpPr>
+      <p:sp>
+        <p:nvSpPr>
+          <p:cNvPr id="2" name="标题 1"/>
+          <p:cNvSpPr>
+            <a:spLocks noGrp="1"/>
+          </p:cNvSpPr>
+          <p:nvPr>
+            <p:ph type="title"/>
+          </p:nvPr>
+        </p:nvSpPr>
+        <p:spPr/>
+        <p:txBody>
+          <a:bodyPr/>
+          <a:lstStyle/>
+          <a:p>
+            <a:endParaRPr lang="zh-CN" altLang="en-US"/>
+          </a:p>
+        </p:txBody>
+      </p:sp>
+      <p:sp>
+        <p:nvSpPr>
+          <p:cNvPr id="3" name="内容占位符 2"/>
+          <p:cNvSpPr>
+            <a:spLocks noGrp="1"/>
+          </p:cNvSpPr>
+          <p:nvPr>
+            <p:ph idx="1"/>
+          </p:nvPr>
+        </p:nvSpPr>
+        <p:spPr/>
+        <p:txBody>
+          <a:bodyPr/>
+          <a:lstStyle/>
+          <a:p>
+            <a:endParaRPr lang="zh-CN" altLang="en-US"/>
+          </a:p>
+        </p:txBody>
+      </p:sp>
+      <p:pic>
+        <p:nvPicPr>
+          <p:cNvPr id="4" name="图片 3"/>
+          <p:cNvPicPr>
+            <a:picLocks noChangeAspect="1"/>
+          </p:cNvPicPr>
+          <p:nvPr/>
+        </p:nvPicPr>
+        <p:blipFill>
+          <a:blip r:embed="rId2"/>
+          <a:stretch>
+            <a:fillRect/>
+          </a:stretch>
+        </p:blipFill>
+        <p:spPr>
+          <a:xfrm>
+            <a:off x="838200" y="190092"/>
+            <a:ext cx="8847619" cy="2704762"/>
+          </a:xfrm>
+          <a:prstGeom prst="rect">
+            <a:avLst/>
+          </a:prstGeom>
+        </p:spPr>
+      </p:pic>
+      <p:pic>
+        <p:nvPicPr>
+          <p:cNvPr id="5" name="图片 4"/>
+          <p:cNvPicPr>
+            <a:picLocks noChangeAspect="1"/>
+          </p:cNvPicPr>
+          <p:nvPr/>
+        </p:nvPicPr>
+        <p:blipFill>
+          <a:blip r:embed="rId3"/>
+          <a:stretch>
+            <a:fillRect/>
+          </a:stretch>
+        </p:blipFill>
+        <p:spPr>
+          <a:xfrm>
+            <a:off x="706990" y="2894854"/>
+            <a:ext cx="10219048" cy="3457143"/>
+          </a:xfrm>
+          <a:prstGeom prst="rect">
+            <a:avLst/>
+          </a:prstGeom>
+        </p:spPr>
+      </p:pic>
+    </p:spTree>
+    <p:extLst>
+      <p:ext uri="{BB962C8B-B14F-4D97-AF65-F5344CB8AC3E}">
+        <p14:creationId xmlns:p14="http://schemas.microsoft.com/office/powerpoint/2010/main" val="3918488752"/>
+      </p:ext>
+    </p:extLst>
+  </p:cSld>
+  <p:clrMapOvr>
+    <a:masterClrMapping/>
+  </p:clrMapOvr>
+  <mc:AlternateContent xmlns:mc="http://schemas.openxmlformats.org/markup-compatibility/2006">
+    <mc:Choice xmlns:p14="http://schemas.microsoft.com/office/powerpoint/2010/main" Requires="p14">
+      <p:transition spd="slow" p14:dur="2000"/>
+    </mc:Choice>
+    <mc:Fallback>
+      <p:transition spd="slow"/>
+    </mc:Fallback>
+  </mc:AlternateContent>
+</p:sld>
+</file>
+
+<file path=ppt/slides/slide16.xml><?xml version="1.0" encoding="utf-8"?>
+<p:sld xmlns:a="http://schemas.openxmlformats.org/drawingml/2006/main" xmlns:r="http://schemas.openxmlformats.org/officeDocument/2006/relationships" xmlns:p="http://schemas.openxmlformats.org/presentationml/2006/main" show="0">
+  <p:cSld>
+    <p:spTree>
+      <p:nvGrpSpPr>
+        <p:cNvPr id="1" name=""/>
+        <p:cNvGrpSpPr/>
+        <p:nvPr/>
+      </p:nvGrpSpPr>
+      <p:grpSpPr>
+        <a:xfrm>
+          <a:off x="0" y="0"/>
+          <a:ext cx="0" cy="0"/>
+          <a:chOff x="0" y="0"/>
+          <a:chExt cx="0" cy="0"/>
+        </a:xfrm>
+      </p:grpSpPr>
+      <p:sp>
+        <p:nvSpPr>
+          <p:cNvPr id="2" name="标题 1"/>
+          <p:cNvSpPr>
+            <a:spLocks noGrp="1"/>
+          </p:cNvSpPr>
+          <p:nvPr>
+            <p:ph type="title"/>
+          </p:nvPr>
+        </p:nvSpPr>
+        <p:spPr/>
+        <p:txBody>
+          <a:bodyPr/>
+          <a:lstStyle/>
+          <a:p>
+            <a:endParaRPr lang="zh-CN" altLang="en-US"/>
+          </a:p>
+        </p:txBody>
+      </p:sp>
+      <p:sp>
+        <p:nvSpPr>
+          <p:cNvPr id="3" name="内容占位符 2"/>
+          <p:cNvSpPr>
+            <a:spLocks noGrp="1"/>
+          </p:cNvSpPr>
+          <p:nvPr>
+            <p:ph idx="1"/>
+          </p:nvPr>
+        </p:nvSpPr>
+        <p:spPr/>
+        <p:txBody>
+          <a:bodyPr/>
+          <a:lstStyle/>
+          <a:p>
+            <a:endParaRPr lang="zh-CN" altLang="en-US"/>
+          </a:p>
+        </p:txBody>
+      </p:sp>
+      <p:pic>
+        <p:nvPicPr>
+          <p:cNvPr id="4" name="图片 3"/>
+          <p:cNvPicPr>
+            <a:picLocks noChangeAspect="1"/>
+          </p:cNvPicPr>
+          <p:nvPr/>
+        </p:nvPicPr>
+        <p:blipFill>
+          <a:blip r:embed="rId2"/>
+          <a:stretch>
+            <a:fillRect/>
+          </a:stretch>
+        </p:blipFill>
+        <p:spPr>
+          <a:xfrm>
+            <a:off x="1522971" y="674971"/>
+            <a:ext cx="8942857" cy="4542857"/>
+          </a:xfrm>
+          <a:prstGeom prst="rect">
+            <a:avLst/>
+          </a:prstGeom>
+        </p:spPr>
+      </p:pic>
+    </p:spTree>
+    <p:extLst>
+      <p:ext uri="{BB962C8B-B14F-4D97-AF65-F5344CB8AC3E}">
+        <p14:creationId xmlns:p14="http://schemas.microsoft.com/office/powerpoint/2010/main" val="3716760722"/>
+      </p:ext>
+    </p:extLst>
+  </p:cSld>
+  <p:clrMapOvr>
+    <a:masterClrMapping/>
+  </p:clrMapOvr>
+  <mc:AlternateContent xmlns:mc="http://schemas.openxmlformats.org/markup-compatibility/2006">
+    <mc:Choice xmlns:p14="http://schemas.microsoft.com/office/powerpoint/2010/main" Requires="p14">
+      <p:transition spd="slow" p14:dur="2000"/>
+    </mc:Choice>
+    <mc:Fallback>
+      <p:transition spd="slow"/>
+    </mc:Fallback>
+  </mc:AlternateContent>
+</p:sld>
+</file>
+
+<file path=ppt/slides/slide2.xml><?xml version="1.0" encoding="utf-8"?>
+<p:sld xmlns:a="http://schemas.openxmlformats.org/drawingml/2006/main" xmlns:r="http://schemas.openxmlformats.org/officeDocument/2006/relationships" xmlns:p="http://schemas.openxmlformats.org/presentationml/2006/main">
+  <p:cSld>
+    <p:spTree>
+      <p:nvGrpSpPr>
+        <p:cNvPr id="1" name=""/>
+        <p:cNvGrpSpPr/>
+        <p:nvPr/>
+      </p:nvGrpSpPr>
+      <p:grpSpPr>
+        <a:xfrm>
+          <a:off x="0" y="0"/>
+          <a:ext cx="0" cy="0"/>
+          <a:chOff x="0" y="0"/>
+          <a:chExt cx="0" cy="0"/>
+        </a:xfrm>
+      </p:grpSpPr>
+      <p:sp>
+        <p:nvSpPr>
+          <p:cNvPr id="2" name="Title 1"/>
+          <p:cNvSpPr>
+            <a:spLocks noGrp="1"/>
+          </p:cNvSpPr>
+          <p:nvPr>
+            <p:ph type="title"/>
+          </p:nvPr>
+        </p:nvSpPr>
+        <p:spPr/>
+        <p:txBody>
+          <a:bodyPr/>
+          <a:lstStyle/>
+          <a:p>
+            <a:pPr algn="ctr"/>
+            <a:r>
+              <a:rPr lang="en-US" altLang="zh-CN" dirty="0"/>
+              <a:t>Implementation of distributed ML</a:t>
+            </a:r>
+            <a:endParaRPr lang="en-US" dirty="0"/>
+          </a:p>
+        </p:txBody>
+      </p:sp>
+      <p:sp>
+        <p:nvSpPr>
+          <p:cNvPr id="3" name="Content Placeholder 2"/>
+          <p:cNvSpPr>
+            <a:spLocks noGrp="1"/>
+          </p:cNvSpPr>
+          <p:nvPr>
+            <p:ph idx="1"/>
+          </p:nvPr>
+        </p:nvSpPr>
+        <p:spPr/>
+        <p:txBody>
+          <a:bodyPr/>
+          <a:lstStyle/>
+          <a:p>
+            <a:r>
+              <a:rPr lang="en-US" dirty="0" smtClean="0"/>
+              <a:t>Lock and lock-free</a:t>
+            </a:r>
+          </a:p>
+          <a:p>
+            <a:r>
+              <a:rPr lang="en-US" dirty="0" smtClean="0"/>
+              <a:t>Partition data and sampling data	</a:t>
+            </a:r>
+          </a:p>
+          <a:p>
+            <a:r>
+              <a:rPr lang="en-US" dirty="0" smtClean="0"/>
+              <a:t>Share memory and parameter server</a:t>
+            </a:r>
+          </a:p>
+          <a:p>
+            <a:r>
+              <a:rPr lang="en-US" dirty="0" smtClean="0"/>
+              <a:t>Under parameter server </a:t>
+            </a:r>
+          </a:p>
+          <a:p>
+            <a:r>
+              <a:rPr lang="en-US" dirty="0" smtClean="0"/>
+              <a:t>Decentralize </a:t>
+            </a:r>
+            <a:r>
+              <a:rPr lang="en-US" altLang="zh-CN" dirty="0" smtClean="0"/>
+              <a:t>architecture</a:t>
+            </a:r>
+          </a:p>
+          <a:p>
+            <a:pPr marL="0" indent="0">
+              <a:buNone/>
+            </a:pPr>
+            <a:endParaRPr lang="en-US" dirty="0"/>
+          </a:p>
+        </p:txBody>
+      </p:sp>
+    </p:spTree>
+    <p:extLst>
+      <p:ext uri="{BB962C8B-B14F-4D97-AF65-F5344CB8AC3E}">
+        <p14:creationId xmlns:p14="http://schemas.microsoft.com/office/powerpoint/2010/main" val="566980779"/>
+      </p:ext>
+    </p:extLst>
+  </p:cSld>
+  <p:clrMapOvr>
+    <a:masterClrMapping/>
+  </p:clrMapOvr>
+</p:sld>
+</file>
+
+<file path=ppt/slides/slide3.xml><?xml version="1.0" encoding="utf-8"?>
+<p:sld xmlns:a="http://schemas.openxmlformats.org/drawingml/2006/main" xmlns:r="http://schemas.openxmlformats.org/officeDocument/2006/relationships" xmlns:p="http://schemas.openxmlformats.org/presentationml/2006/main">
+  <p:cSld>
+    <p:spTree>
+      <p:nvGrpSpPr>
+        <p:cNvPr id="1" name=""/>
+        <p:cNvGrpSpPr/>
+        <p:nvPr/>
+      </p:nvGrpSpPr>
+      <p:grpSpPr>
+        <a:xfrm>
+          <a:off x="0" y="0"/>
+          <a:ext cx="0" cy="0"/>
+          <a:chOff x="0" y="0"/>
+          <a:chExt cx="0" cy="0"/>
+        </a:xfrm>
+      </p:grpSpPr>
+      <p:graphicFrame>
+        <p:nvGraphicFramePr>
+          <p:cNvPr id="4" name="Content Placeholder 3"/>
+          <p:cNvGraphicFramePr>
+            <a:graphicFrameLocks noGrp="1"/>
+          </p:cNvGraphicFramePr>
+          <p:nvPr>
+            <p:ph idx="1"/>
+            <p:extLst>
+              <p:ext uri="{D42A27DB-BD31-4B8C-83A1-F6EECF244321}">
+                <p14:modId xmlns:p14="http://schemas.microsoft.com/office/powerpoint/2010/main" val="3857895165"/>
+              </p:ext>
+            </p:extLst>
+          </p:nvPr>
+        </p:nvGraphicFramePr>
+        <p:xfrm>
+          <a:off x="386644" y="720638"/>
+          <a:ext cx="10515600" cy="5231567"/>
+        </p:xfrm>
+        <a:graphic>
+          <a:graphicData uri="http://schemas.openxmlformats.org/drawingml/2006/diagram">
+            <dgm:relIds xmlns:dgm="http://schemas.openxmlformats.org/drawingml/2006/diagram" xmlns:r="http://schemas.openxmlformats.org/officeDocument/2006/relationships" r:dm="rId2" r:lo="rId3" r:qs="rId4" r:cs="rId5"/>
+          </a:graphicData>
+        </a:graphic>
+      </p:graphicFrame>
+    </p:spTree>
+    <p:extLst>
+      <p:ext uri="{BB962C8B-B14F-4D97-AF65-F5344CB8AC3E}">
+        <p14:creationId xmlns:p14="http://schemas.microsoft.com/office/powerpoint/2010/main" val="1775180883"/>
+      </p:ext>
+    </p:extLst>
+  </p:cSld>
+  <p:clrMapOvr>
+    <a:masterClrMapping/>
+  </p:clrMapOvr>
+</p:sld>
+</file>
+
+<file path=ppt/slides/slide4.xml><?xml version="1.0" encoding="utf-8"?>
+<p:sld xmlns:a="http://schemas.openxmlformats.org/drawingml/2006/main" xmlns:r="http://schemas.openxmlformats.org/officeDocument/2006/relationships" xmlns:p="http://schemas.openxmlformats.org/presentationml/2006/main">
+  <p:cSld>
+    <p:spTree>
+      <p:nvGrpSpPr>
+        <p:cNvPr id="1" name=""/>
+        <p:cNvGrpSpPr/>
+        <p:nvPr/>
+      </p:nvGrpSpPr>
+      <p:grpSpPr>
+        <a:xfrm>
+          <a:off x="0" y="0"/>
+          <a:ext cx="0" cy="0"/>
+          <a:chOff x="0" y="0"/>
+          <a:chExt cx="0" cy="0"/>
+        </a:xfrm>
+      </p:grpSpPr>
+      <p:sp>
+        <p:nvSpPr>
+          <p:cNvPr id="5" name="标题 1"/>
+          <p:cNvSpPr>
+            <a:spLocks noGrp="1"/>
+          </p:cNvSpPr>
+          <p:nvPr>
+            <p:ph type="title"/>
+          </p:nvPr>
+        </p:nvSpPr>
+        <p:spPr>
+          <a:xfrm>
+            <a:off x="838200" y="365125"/>
+            <a:ext cx="10515600" cy="1325563"/>
+          </a:xfrm>
+        </p:spPr>
+        <p:txBody>
+          <a:bodyPr/>
+          <a:lstStyle/>
+          <a:p>
+            <a:r>
+              <a:rPr lang="en-US" altLang="zh-CN" dirty="0"/>
+              <a:t>Lock and </a:t>
+            </a:r>
+            <a:r>
+              <a:rPr lang="en-US" altLang="zh-CN" dirty="0" smtClean="0"/>
+              <a:t>lock-free</a:t>
+            </a:r>
+            <a:endParaRPr lang="zh-CN" altLang="en-US" dirty="0"/>
+          </a:p>
+        </p:txBody>
+      </p:sp>
+      <p:sp>
+        <p:nvSpPr>
+          <p:cNvPr id="6" name="文本框 5"/>
+          <p:cNvSpPr txBox="1"/>
+          <p:nvPr/>
+        </p:nvSpPr>
+        <p:spPr>
+          <a:xfrm>
+            <a:off x="838200" y="1843313"/>
+            <a:ext cx="6854371" cy="923330"/>
+          </a:xfrm>
+          <a:prstGeom prst="rect">
+            <a:avLst/>
+          </a:prstGeom>
+          <a:noFill/>
+        </p:spPr>
+        <p:txBody>
+          <a:bodyPr wrap="square" rtlCol="0">
+            <a:spAutoFit/>
+          </a:bodyPr>
+          <a:lstStyle/>
+          <a:p>
+            <a:r>
+              <a:rPr lang="en-US" altLang="zh-CN" smtClean="0"/>
+              <a:t>Consistent read</a:t>
+            </a:r>
+          </a:p>
+          <a:p>
+            <a:endParaRPr lang="en-US" altLang="zh-CN" smtClean="0"/>
+          </a:p>
+          <a:p>
+            <a:r>
+              <a:rPr lang="en-US" altLang="zh-CN" smtClean="0"/>
+              <a:t>Inconsistent read</a:t>
+            </a:r>
+            <a:endParaRPr lang="zh-CN" altLang="en-US" dirty="0"/>
+          </a:p>
+        </p:txBody>
+      </p:sp>
+      <p:sp>
+        <p:nvSpPr>
+          <p:cNvPr id="2" name="Rectangle 1"/>
+          <p:cNvSpPr/>
+          <p:nvPr/>
+        </p:nvSpPr>
+        <p:spPr>
+          <a:xfrm>
+            <a:off x="794821" y="3128353"/>
+            <a:ext cx="10525496" cy="1754326"/>
+          </a:xfrm>
+          <a:prstGeom prst="rect">
+            <a:avLst/>
+          </a:prstGeom>
+        </p:spPr>
+        <p:txBody>
+          <a:bodyPr wrap="square">
+            <a:spAutoFit/>
+          </a:bodyPr>
+          <a:lstStyle/>
+          <a:p>
+            <a:r>
+              <a:rPr lang="en-US" dirty="0" err="1" smtClean="0"/>
+              <a:t>Recht</a:t>
+            </a:r>
+            <a:r>
+              <a:rPr lang="en-US" dirty="0"/>
+              <a:t>, Benjamin, et al. "</a:t>
+            </a:r>
+            <a:r>
+              <a:rPr lang="en-US" dirty="0" err="1"/>
+              <a:t>Hogwild</a:t>
+            </a:r>
+            <a:r>
+              <a:rPr lang="en-US" dirty="0"/>
+              <a:t>: A lock-free approach to parallelizing stochastic gradient descent." </a:t>
+            </a:r>
+            <a:r>
+              <a:rPr lang="en-US" i="1" dirty="0"/>
+              <a:t>Advances in Neural Information Processing Systems</a:t>
+            </a:r>
+            <a:r>
+              <a:rPr lang="en-US" dirty="0"/>
+              <a:t>. 2011</a:t>
+            </a:r>
+            <a:r>
+              <a:rPr lang="en-US" dirty="0" smtClean="0"/>
+              <a:t>.</a:t>
+            </a:r>
+          </a:p>
+          <a:p>
+            <a:endParaRPr lang="en-US" dirty="0"/>
+          </a:p>
+          <a:p>
+            <a:r>
+              <a:rPr lang="en-US" dirty="0"/>
+              <a:t>Liu, Ji, et al. "An asynchronous parallel stochastic coordinate descent algorithm." </a:t>
+            </a:r>
+            <a:r>
+              <a:rPr lang="en-US" i="1" dirty="0"/>
+              <a:t>Journal of Machine Learning Research</a:t>
+            </a:r>
+            <a:r>
+              <a:rPr lang="en-US" dirty="0"/>
+              <a:t> 16.285-322 (2015): 1-5</a:t>
+            </a:r>
+            <a:r>
+              <a:rPr lang="en-US" dirty="0" smtClean="0"/>
+              <a:t>.</a:t>
+            </a:r>
+          </a:p>
+          <a:p>
+            <a:endParaRPr lang="en-US" dirty="0"/>
+          </a:p>
+        </p:txBody>
+      </p:sp>
+      <mc:AlternateContent xmlns:mc="http://schemas.openxmlformats.org/markup-compatibility/2006">
+        <mc:Choice xmlns:a14="http://schemas.microsoft.com/office/drawing/2010/main" Requires="a14">
+          <p:sp>
+            <p:nvSpPr>
+              <p:cNvPr id="3" name="Rectangle 2"/>
+              <p:cNvSpPr/>
+              <p:nvPr/>
+            </p:nvSpPr>
+            <p:spPr>
+              <a:xfrm>
+                <a:off x="4144153" y="1749815"/>
+                <a:ext cx="2287486" cy="391646"/>
+              </a:xfrm>
+              <a:prstGeom prst="rect">
+                <a:avLst/>
+              </a:prstGeom>
+            </p:spPr>
+            <p:txBody>
+              <a:bodyPr wrap="none">
+                <a:spAutoFit/>
+              </a:bodyPr>
+              <a:lstStyle/>
+              <a:p>
+                <a14:m>
+                  <m:oMathPara xmlns:m="http://schemas.openxmlformats.org/officeDocument/2006/math">
+                    <m:oMathParaPr>
+                      <m:jc m:val="centerGroup"/>
+                    </m:oMathParaPr>
+                    <m:oMath xmlns:m="http://schemas.openxmlformats.org/officeDocument/2006/math">
+                      <m:sSub>
+                        <m:sSubPr>
+                          <m:ctrlPr>
+                            <a:rPr lang="en-US" altLang="zh-CN" b="0" i="1" smtClean="0">
+                              <a:latin typeface="Cambria Math" panose="02040503050406030204" pitchFamily="18" charset="0"/>
+                            </a:rPr>
+                          </m:ctrlPr>
+                        </m:sSubPr>
+                        <m:e>
+                          <m:r>
+                            <a:rPr lang="en-US" altLang="zh-CN" b="0" i="1" smtClean="0">
+                              <a:latin typeface="Cambria Math" panose="02040503050406030204" pitchFamily="18" charset="0"/>
+                            </a:rPr>
+                            <m:t>𝑥</m:t>
+                          </m:r>
+                        </m:e>
+                        <m:sub>
+                          <m:r>
+                            <a:rPr lang="en-US" altLang="zh-CN" b="0" i="1" smtClean="0">
+                              <a:latin typeface="Cambria Math" panose="02040503050406030204" pitchFamily="18" charset="0"/>
+                            </a:rPr>
+                            <m:t>𝑗</m:t>
+                          </m:r>
+                          <m:r>
+                            <a:rPr lang="en-US" altLang="zh-CN" b="0" i="1" smtClean="0">
+                              <a:latin typeface="Cambria Math" panose="02040503050406030204" pitchFamily="18" charset="0"/>
+                            </a:rPr>
+                            <m:t>+1</m:t>
+                          </m:r>
+                        </m:sub>
+                      </m:sSub>
+                      <m:r>
+                        <a:rPr lang="en-US" altLang="zh-CN" b="0" i="1" smtClean="0">
+                          <a:latin typeface="Cambria Math" panose="02040503050406030204" pitchFamily="18" charset="0"/>
+                        </a:rPr>
+                        <m:t>=</m:t>
+                      </m:r>
+                      <m:sSub>
+                        <m:sSubPr>
+                          <m:ctrlPr>
+                            <a:rPr lang="en-US" altLang="zh-CN" b="0" i="1" smtClean="0">
+                              <a:latin typeface="Cambria Math" panose="02040503050406030204" pitchFamily="18" charset="0"/>
+                            </a:rPr>
+                          </m:ctrlPr>
+                        </m:sSubPr>
+                        <m:e>
+                          <m:r>
+                            <a:rPr lang="en-US" altLang="zh-CN" b="0" i="1" smtClean="0">
+                              <a:latin typeface="Cambria Math" panose="02040503050406030204" pitchFamily="18" charset="0"/>
+                            </a:rPr>
+                            <m:t>𝑥</m:t>
+                          </m:r>
+                        </m:e>
+                        <m:sub>
+                          <m:r>
+                            <a:rPr lang="en-US" altLang="zh-CN" b="0" i="1" smtClean="0">
+                              <a:latin typeface="Cambria Math" panose="02040503050406030204" pitchFamily="18" charset="0"/>
+                            </a:rPr>
+                            <m:t>𝑗</m:t>
+                          </m:r>
+                        </m:sub>
+                      </m:sSub>
+                      <m:r>
+                        <a:rPr lang="en-US" altLang="zh-CN" b="0" i="1" smtClean="0">
+                          <a:latin typeface="Cambria Math" panose="02040503050406030204" pitchFamily="18" charset="0"/>
+                        </a:rPr>
+                        <m:t>−</m:t>
+                      </m:r>
+                      <m:r>
+                        <a:rPr lang="en-US" altLang="zh-CN" b="0" i="1" smtClean="0">
+                          <a:latin typeface="Cambria Math" panose="02040503050406030204" pitchFamily="18" charset="0"/>
+                        </a:rPr>
+                        <m:t>𝜂</m:t>
+                      </m:r>
+                      <m:r>
+                        <a:rPr lang="en-US" altLang="zh-CN" b="0" i="1" smtClean="0">
+                          <a:latin typeface="Cambria Math" panose="02040503050406030204" pitchFamily="18" charset="0"/>
+                        </a:rPr>
+                        <m:t>𝑔</m:t>
+                      </m:r>
+                      <m:r>
+                        <a:rPr lang="en-US" altLang="zh-CN" b="0" i="1" smtClean="0">
+                          <a:latin typeface="Cambria Math" panose="02040503050406030204" pitchFamily="18" charset="0"/>
+                        </a:rPr>
+                        <m:t>(</m:t>
+                      </m:r>
+                      <m:sSub>
+                        <m:sSubPr>
+                          <m:ctrlPr>
+                            <a:rPr lang="en-US" altLang="zh-CN" b="0" i="1" smtClean="0">
+                              <a:latin typeface="Cambria Math" panose="02040503050406030204" pitchFamily="18" charset="0"/>
+                            </a:rPr>
+                          </m:ctrlPr>
+                        </m:sSubPr>
+                        <m:e>
+                          <m:r>
+                            <a:rPr lang="en-US" altLang="zh-CN" b="0" i="1" smtClean="0">
+                              <a:latin typeface="Cambria Math" panose="02040503050406030204" pitchFamily="18" charset="0"/>
+                            </a:rPr>
+                            <m:t>𝑥</m:t>
+                          </m:r>
+                        </m:e>
+                        <m:sub>
+                          <m:r>
+                            <a:rPr lang="en-US" altLang="zh-CN" b="0" i="1" smtClean="0">
+                              <a:latin typeface="Cambria Math" panose="02040503050406030204" pitchFamily="18" charset="0"/>
+                            </a:rPr>
+                            <m:t>𝑗</m:t>
+                          </m:r>
+                          <m:r>
+                            <a:rPr lang="en-US" altLang="zh-CN" b="0" i="1" smtClean="0">
+                              <a:latin typeface="Cambria Math" panose="02040503050406030204" pitchFamily="18" charset="0"/>
+                            </a:rPr>
+                            <m:t>−</m:t>
+                          </m:r>
+                          <m:r>
+                            <a:rPr lang="en-US" altLang="zh-CN" b="0" i="1" smtClean="0">
+                              <a:latin typeface="Cambria Math" panose="02040503050406030204" pitchFamily="18" charset="0"/>
+                            </a:rPr>
+                            <m:t>𝜏</m:t>
+                          </m:r>
+                        </m:sub>
+                      </m:sSub>
+                      <m:r>
+                        <a:rPr lang="en-US" altLang="zh-CN" b="0" i="1" smtClean="0">
+                          <a:latin typeface="Cambria Math" panose="02040503050406030204" pitchFamily="18" charset="0"/>
+                        </a:rPr>
+                        <m:t>)</m:t>
+                      </m:r>
+                    </m:oMath>
+                  </m:oMathPara>
+                </a14:m>
+                <a:endParaRPr lang="en-US" altLang="zh-CN" dirty="0" smtClean="0"/>
+              </a:p>
+            </p:txBody>
+          </p:sp>
+        </mc:Choice>
+        <mc:Fallback>
+          <p:sp>
+            <p:nvSpPr>
+              <p:cNvPr id="3" name="Rectangle 2"/>
+              <p:cNvSpPr>
+                <a:spLocks noRot="1" noChangeAspect="1" noMove="1" noResize="1" noEditPoints="1" noAdjustHandles="1" noChangeArrowheads="1" noChangeShapeType="1" noTextEdit="1"/>
+              </p:cNvSpPr>
+              <p:nvPr/>
+            </p:nvSpPr>
+            <p:spPr>
+              <a:xfrm>
+                <a:off x="4144153" y="1749815"/>
+                <a:ext cx="2287486" cy="391646"/>
+              </a:xfrm>
+              <a:prstGeom prst="rect">
+                <a:avLst/>
+              </a:prstGeom>
+              <a:blipFill>
+                <a:blip r:embed="rId2"/>
+                <a:stretch>
+                  <a:fillRect b="-9375"/>
+                </a:stretch>
+              </a:blipFill>
+            </p:spPr>
+            <p:txBody>
+              <a:bodyPr/>
+              <a:lstStyle/>
+              <a:p>
+                <a:r>
+                  <a:rPr lang="en-US">
+                    <a:noFill/>
+                  </a:rPr>
+                  <a:t> </a:t>
+                </a:r>
+              </a:p>
+            </p:txBody>
+          </p:sp>
+        </mc:Fallback>
+      </mc:AlternateContent>
+      <mc:AlternateContent xmlns:mc="http://schemas.openxmlformats.org/markup-compatibility/2006">
+        <mc:Choice xmlns:a14="http://schemas.microsoft.com/office/drawing/2010/main" Requires="a14">
+          <p:sp>
+            <p:nvSpPr>
+              <p:cNvPr id="4" name="Rectangle 3"/>
+              <p:cNvSpPr/>
+              <p:nvPr/>
+            </p:nvSpPr>
+            <p:spPr>
+              <a:xfrm>
+                <a:off x="4144153" y="2374997"/>
+                <a:ext cx="6437019" cy="406586"/>
+              </a:xfrm>
+              <a:prstGeom prst="rect">
+                <a:avLst/>
+              </a:prstGeom>
+            </p:spPr>
+            <p:txBody>
+              <a:bodyPr wrap="none">
+                <a:spAutoFit/>
+              </a:bodyPr>
+              <a:lstStyle/>
+              <a:p>
+                <a:pPr/>
+                <a14:m>
+                  <m:oMath xmlns:m="http://schemas.openxmlformats.org/officeDocument/2006/math">
+                    <m:sSub>
+                      <m:sSubPr>
+                        <m:ctrlPr>
+                          <a:rPr lang="en-US" altLang="zh-CN" b="0" i="1" smtClean="0">
+                            <a:latin typeface="Cambria Math" panose="02040503050406030204" pitchFamily="18" charset="0"/>
+                          </a:rPr>
+                        </m:ctrlPr>
+                      </m:sSubPr>
+                      <m:e>
+                        <m:d>
+                          <m:dPr>
+                            <m:ctrlPr>
+                              <a:rPr lang="en-US" altLang="zh-CN" b="0" i="1" smtClean="0">
+                                <a:latin typeface="Cambria Math" panose="02040503050406030204" pitchFamily="18" charset="0"/>
+                              </a:rPr>
+                            </m:ctrlPr>
+                          </m:dPr>
+                          <m:e>
+                            <m:sSub>
+                              <m:sSubPr>
+                                <m:ctrlPr>
+                                  <a:rPr lang="en-US" altLang="zh-CN" b="0" i="1" smtClean="0">
+                                    <a:latin typeface="Cambria Math" panose="02040503050406030204" pitchFamily="18" charset="0"/>
+                                  </a:rPr>
+                                </m:ctrlPr>
+                              </m:sSubPr>
+                              <m:e>
+                                <m:r>
+                                  <a:rPr lang="en-US" altLang="zh-CN" b="0" i="1" smtClean="0">
+                                    <a:latin typeface="Cambria Math" panose="02040503050406030204" pitchFamily="18" charset="0"/>
+                                  </a:rPr>
+                                  <m:t>𝑥</m:t>
+                                </m:r>
+                              </m:e>
+                              <m:sub>
+                                <m:r>
+                                  <a:rPr lang="en-US" altLang="zh-CN" b="0" i="1" smtClean="0">
+                                    <a:latin typeface="Cambria Math" panose="02040503050406030204" pitchFamily="18" charset="0"/>
+                                  </a:rPr>
+                                  <m:t>𝑘</m:t>
+                                </m:r>
+                                <m:r>
+                                  <a:rPr lang="en-US" altLang="zh-CN" b="0" i="1" smtClean="0">
+                                    <a:latin typeface="Cambria Math" panose="02040503050406030204" pitchFamily="18" charset="0"/>
+                                  </a:rPr>
+                                  <m:t>+1</m:t>
+                                </m:r>
+                              </m:sub>
+                            </m:sSub>
+                          </m:e>
+                        </m:d>
+                      </m:e>
+                      <m:sub>
+                        <m:sSub>
+                          <m:sSubPr>
+                            <m:ctrlPr>
+                              <a:rPr lang="en-US" altLang="zh-CN" b="0" i="1" smtClean="0">
+                                <a:latin typeface="Cambria Math" panose="02040503050406030204" pitchFamily="18" charset="0"/>
+                              </a:rPr>
+                            </m:ctrlPr>
+                          </m:sSubPr>
+                          <m:e>
+                            <m:r>
+                              <a:rPr lang="en-US" altLang="zh-CN" b="0" i="1" smtClean="0">
+                                <a:latin typeface="Cambria Math" panose="02040503050406030204" pitchFamily="18" charset="0"/>
+                              </a:rPr>
+                              <m:t>𝑖</m:t>
+                            </m:r>
+                          </m:e>
+                          <m:sub>
+                            <m:r>
+                              <a:rPr lang="en-US" altLang="zh-CN" b="0" i="1" smtClean="0">
+                                <a:latin typeface="Cambria Math" panose="02040503050406030204" pitchFamily="18" charset="0"/>
+                              </a:rPr>
+                              <m:t>𝑘</m:t>
+                            </m:r>
+                          </m:sub>
+                        </m:sSub>
+                      </m:sub>
+                    </m:sSub>
+                    <m:r>
+                      <a:rPr lang="en-US" altLang="zh-CN" i="1">
+                        <a:latin typeface="Cambria Math" panose="02040503050406030204" pitchFamily="18" charset="0"/>
+                      </a:rPr>
+                      <m:t>=</m:t>
+                    </m:r>
+                    <m:sSub>
+                      <m:sSubPr>
+                        <m:ctrlPr>
+                          <a:rPr lang="en-US" altLang="zh-CN" b="0" i="1" smtClean="0">
+                            <a:latin typeface="Cambria Math" panose="02040503050406030204" pitchFamily="18" charset="0"/>
+                          </a:rPr>
+                        </m:ctrlPr>
+                      </m:sSubPr>
+                      <m:e>
+                        <m:d>
+                          <m:dPr>
+                            <m:ctrlPr>
+                              <a:rPr lang="en-US" altLang="zh-CN" b="0" i="1" smtClean="0">
+                                <a:latin typeface="Cambria Math" panose="02040503050406030204" pitchFamily="18" charset="0"/>
+                              </a:rPr>
+                            </m:ctrlPr>
+                          </m:dPr>
+                          <m:e>
+                            <m:sSub>
+                              <m:sSubPr>
+                                <m:ctrlPr>
+                                  <a:rPr lang="en-US" altLang="zh-CN" b="0" i="1" smtClean="0">
+                                    <a:latin typeface="Cambria Math" panose="02040503050406030204" pitchFamily="18" charset="0"/>
+                                  </a:rPr>
+                                </m:ctrlPr>
+                              </m:sSubPr>
+                              <m:e>
+                                <m:r>
+                                  <a:rPr lang="en-US" altLang="zh-CN" b="0" i="1" smtClean="0">
+                                    <a:latin typeface="Cambria Math" panose="02040503050406030204" pitchFamily="18" charset="0"/>
+                                  </a:rPr>
+                                  <m:t>𝑥</m:t>
+                                </m:r>
+                              </m:e>
+                              <m:sub>
+                                <m:r>
+                                  <a:rPr lang="en-US" altLang="zh-CN" b="0" i="1" smtClean="0">
+                                    <a:latin typeface="Cambria Math" panose="02040503050406030204" pitchFamily="18" charset="0"/>
+                                  </a:rPr>
+                                  <m:t>𝑘</m:t>
+                                </m:r>
+                              </m:sub>
+                            </m:sSub>
+                          </m:e>
+                        </m:d>
+                      </m:e>
+                      <m:sub>
+                        <m:sSub>
+                          <m:sSubPr>
+                            <m:ctrlPr>
+                              <a:rPr lang="en-US" altLang="zh-CN" b="0" i="1" smtClean="0">
+                                <a:latin typeface="Cambria Math" panose="02040503050406030204" pitchFamily="18" charset="0"/>
+                              </a:rPr>
+                            </m:ctrlPr>
+                          </m:sSubPr>
+                          <m:e>
+                            <m:r>
+                              <a:rPr lang="en-US" altLang="zh-CN" b="0" i="1" smtClean="0">
+                                <a:latin typeface="Cambria Math" panose="02040503050406030204" pitchFamily="18" charset="0"/>
+                              </a:rPr>
+                              <m:t>𝑖</m:t>
+                            </m:r>
+                          </m:e>
+                          <m:sub>
+                            <m:r>
+                              <a:rPr lang="en-US" altLang="zh-CN" b="0" i="1" smtClean="0">
+                                <a:latin typeface="Cambria Math" panose="02040503050406030204" pitchFamily="18" charset="0"/>
+                              </a:rPr>
+                              <m:t>𝑘</m:t>
+                            </m:r>
+                          </m:sub>
+                        </m:sSub>
+                      </m:sub>
+                    </m:sSub>
+                    <m:r>
+                      <a:rPr lang="en-US" altLang="zh-CN" i="1">
+                        <a:latin typeface="Cambria Math" panose="02040503050406030204" pitchFamily="18" charset="0"/>
+                      </a:rPr>
+                      <m:t>−</m:t>
+                    </m:r>
+                    <m:r>
+                      <a:rPr lang="en-US" altLang="zh-CN" i="1">
+                        <a:latin typeface="Cambria Math" panose="02040503050406030204" pitchFamily="18" charset="0"/>
+                      </a:rPr>
+                      <m:t>𝜂</m:t>
+                    </m:r>
+                    <m:r>
+                      <a:rPr lang="en-US" altLang="zh-CN" b="0" i="1" smtClean="0">
+                        <a:latin typeface="Cambria Math" panose="02040503050406030204" pitchFamily="18" charset="0"/>
+                      </a:rPr>
+                      <m:t>(</m:t>
+                    </m:r>
+                    <m:r>
+                      <a:rPr lang="en-US" altLang="zh-CN" i="1">
+                        <a:latin typeface="Cambria Math" panose="02040503050406030204" pitchFamily="18" charset="0"/>
+                      </a:rPr>
+                      <m:t>𝑔</m:t>
+                    </m:r>
+                    <m:sSub>
+                      <m:sSubPr>
+                        <m:ctrlPr>
+                          <a:rPr lang="en-US" altLang="zh-CN" b="0" i="1" smtClean="0">
+                            <a:latin typeface="Cambria Math" panose="02040503050406030204" pitchFamily="18" charset="0"/>
+                          </a:rPr>
+                        </m:ctrlPr>
+                      </m:sSubPr>
+                      <m:e>
+                        <m:d>
+                          <m:dPr>
+                            <m:ctrlPr>
+                              <a:rPr lang="en-US" altLang="zh-CN" i="1">
+                                <a:latin typeface="Cambria Math" panose="02040503050406030204" pitchFamily="18" charset="0"/>
+                              </a:rPr>
+                            </m:ctrlPr>
+                          </m:dPr>
+                          <m:e>
+                            <m:sSub>
+                              <m:sSubPr>
+                                <m:ctrlPr>
+                                  <a:rPr lang="en-US" altLang="zh-CN" i="1">
+                                    <a:latin typeface="Cambria Math" panose="02040503050406030204" pitchFamily="18" charset="0"/>
+                                  </a:rPr>
+                                </m:ctrlPr>
+                              </m:sSubPr>
+                              <m:e>
+                                <m:acc>
+                                  <m:accPr>
+                                    <m:chr m:val="̂"/>
+                                    <m:ctrlPr>
+                                      <a:rPr lang="en-US" altLang="zh-CN" b="0" i="1" smtClean="0">
+                                        <a:latin typeface="Cambria Math" panose="02040503050406030204" pitchFamily="18" charset="0"/>
+                                      </a:rPr>
+                                    </m:ctrlPr>
+                                  </m:accPr>
+                                  <m:e>
+                                    <m:r>
+                                      <a:rPr lang="en-US" altLang="zh-CN" b="0" i="1" smtClean="0">
+                                        <a:latin typeface="Cambria Math" panose="02040503050406030204" pitchFamily="18" charset="0"/>
+                                      </a:rPr>
+                                      <m:t>𝑥</m:t>
+                                    </m:r>
+                                  </m:e>
+                                </m:acc>
+                              </m:e>
+                              <m:sub>
+                                <m:r>
+                                  <a:rPr lang="en-US" altLang="zh-CN" b="0" i="1" smtClean="0">
+                                    <a:latin typeface="Cambria Math" panose="02040503050406030204" pitchFamily="18" charset="0"/>
+                                  </a:rPr>
+                                  <m:t>𝑘</m:t>
+                                </m:r>
+                              </m:sub>
+                            </m:sSub>
+                          </m:e>
+                        </m:d>
+                        <m:r>
+                          <a:rPr lang="en-US" altLang="zh-CN" b="0" i="1" smtClean="0">
+                            <a:latin typeface="Cambria Math" panose="02040503050406030204" pitchFamily="18" charset="0"/>
+                          </a:rPr>
+                          <m:t>)</m:t>
+                        </m:r>
+                      </m:e>
+                      <m:sub>
+                        <m:sSub>
+                          <m:sSubPr>
+                            <m:ctrlPr>
+                              <a:rPr lang="en-US" altLang="zh-CN" b="0" i="1" smtClean="0">
+                                <a:latin typeface="Cambria Math" panose="02040503050406030204" pitchFamily="18" charset="0"/>
+                              </a:rPr>
+                            </m:ctrlPr>
+                          </m:sSubPr>
+                          <m:e>
+                            <m:r>
+                              <a:rPr lang="en-US" altLang="zh-CN" b="0" i="1" smtClean="0">
+                                <a:latin typeface="Cambria Math" panose="02040503050406030204" pitchFamily="18" charset="0"/>
+                              </a:rPr>
+                              <m:t>𝑖</m:t>
+                            </m:r>
+                          </m:e>
+                          <m:sub>
+                            <m:r>
+                              <a:rPr lang="en-US" altLang="zh-CN" b="0" i="1" smtClean="0">
+                                <a:latin typeface="Cambria Math" panose="02040503050406030204" pitchFamily="18" charset="0"/>
+                              </a:rPr>
+                              <m:t>𝑘</m:t>
+                            </m:r>
+                          </m:sub>
+                        </m:sSub>
+                      </m:sub>
+                    </m:sSub>
+                  </m:oMath>
+                </a14:m>
+                <a:r>
+                  <a:rPr lang="en-US" altLang="zh-CN" dirty="0" smtClean="0"/>
+                  <a:t>        </a:t>
+                </a:r>
+                <a14:m>
+                  <m:oMath xmlns:m="http://schemas.openxmlformats.org/officeDocument/2006/math">
+                    <m:sSub>
+                      <m:sSubPr>
+                        <m:ctrlPr>
+                          <a:rPr lang="en-US" altLang="zh-CN" b="0" i="1" dirty="0" smtClean="0">
+                            <a:latin typeface="Cambria Math" panose="02040503050406030204" pitchFamily="18" charset="0"/>
+                          </a:rPr>
+                        </m:ctrlPr>
+                      </m:sSubPr>
+                      <m:e>
+                        <m:acc>
+                          <m:accPr>
+                            <m:chr m:val="̂"/>
+                            <m:ctrlPr>
+                              <a:rPr lang="en-US" altLang="zh-CN" b="0" i="1" dirty="0" smtClean="0">
+                                <a:latin typeface="Cambria Math" panose="02040503050406030204" pitchFamily="18" charset="0"/>
+                              </a:rPr>
+                            </m:ctrlPr>
+                          </m:accPr>
+                          <m:e>
+                            <m:r>
+                              <a:rPr lang="en-US" altLang="zh-CN" b="0" i="1" dirty="0" smtClean="0">
+                                <a:latin typeface="Cambria Math" panose="02040503050406030204" pitchFamily="18" charset="0"/>
+                              </a:rPr>
+                              <m:t>𝑥</m:t>
+                            </m:r>
+                          </m:e>
+                        </m:acc>
+                      </m:e>
+                      <m:sub>
+                        <m:r>
+                          <a:rPr lang="en-US" altLang="zh-CN" b="0" i="1" smtClean="0">
+                            <a:latin typeface="Cambria Math" panose="02040503050406030204" pitchFamily="18" charset="0"/>
+                          </a:rPr>
+                          <m:t>𝑘</m:t>
+                        </m:r>
+                      </m:sub>
+                    </m:sSub>
+                    <m:r>
+                      <a:rPr lang="en-US" altLang="zh-CN" b="0" i="0" smtClean="0">
+                        <a:latin typeface="Cambria Math" panose="02040503050406030204" pitchFamily="18" charset="0"/>
+                      </a:rPr>
+                      <m:t>=</m:t>
+                    </m:r>
+                    <m:sSub>
+                      <m:sSubPr>
+                        <m:ctrlPr>
+                          <a:rPr lang="en-US" altLang="zh-CN" b="0" i="0" smtClean="0">
+                            <a:latin typeface="Cambria Math" panose="02040503050406030204" pitchFamily="18" charset="0"/>
+                          </a:rPr>
+                        </m:ctrlPr>
+                      </m:sSubPr>
+                      <m:e>
+                        <m:r>
+                          <m:rPr>
+                            <m:sty m:val="p"/>
+                          </m:rPr>
+                          <a:rPr lang="en-US" altLang="zh-CN" b="0" i="0" smtClean="0">
+                            <a:latin typeface="Cambria Math" panose="02040503050406030204" pitchFamily="18" charset="0"/>
+                          </a:rPr>
+                          <m:t>x</m:t>
+                        </m:r>
+                      </m:e>
+                      <m:sub>
+                        <m:r>
+                          <m:rPr>
+                            <m:sty m:val="p"/>
+                          </m:rPr>
+                          <a:rPr lang="en-US" altLang="zh-CN" b="0" i="0" smtClean="0">
+                            <a:latin typeface="Cambria Math" panose="02040503050406030204" pitchFamily="18" charset="0"/>
+                          </a:rPr>
+                          <m:t>k</m:t>
+                        </m:r>
+                      </m:sub>
+                    </m:sSub>
+                    <m:r>
+                      <a:rPr lang="en-US" altLang="zh-CN" b="0" i="0" smtClean="0">
+                        <a:latin typeface="Cambria Math" panose="02040503050406030204" pitchFamily="18" charset="0"/>
+                      </a:rPr>
+                      <m:t>−</m:t>
+                    </m:r>
+                    <m:nary>
+                      <m:naryPr>
+                        <m:chr m:val="∑"/>
+                        <m:supHide m:val="on"/>
+                        <m:ctrlPr>
+                          <a:rPr lang="en-US" altLang="zh-CN" b="0" i="1" smtClean="0">
+                            <a:latin typeface="Cambria Math" panose="02040503050406030204" pitchFamily="18" charset="0"/>
+                          </a:rPr>
+                        </m:ctrlPr>
+                      </m:naryPr>
+                      <m:sub>
+                        <m:r>
+                          <a:rPr lang="en-US" altLang="zh-CN" b="0" i="1" smtClean="0">
+                            <a:latin typeface="Cambria Math" panose="02040503050406030204" pitchFamily="18" charset="0"/>
+                          </a:rPr>
+                          <m:t>𝑗</m:t>
+                        </m:r>
+                        <m:r>
+                          <a:rPr lang="en-US" altLang="zh-CN" b="0" i="1" smtClean="0">
+                            <a:latin typeface="Cambria Math" panose="02040503050406030204" pitchFamily="18" charset="0"/>
+                          </a:rPr>
+                          <m:t>∈</m:t>
+                        </m:r>
+                        <m:r>
+                          <a:rPr lang="en-US" altLang="zh-CN" b="0" i="1" smtClean="0">
+                            <a:latin typeface="Cambria Math" panose="02040503050406030204" pitchFamily="18" charset="0"/>
+                          </a:rPr>
+                          <m:t>𝐽</m:t>
+                        </m:r>
+                        <m:r>
+                          <a:rPr lang="en-US" altLang="zh-CN" b="0" i="1" smtClean="0">
+                            <a:latin typeface="Cambria Math" panose="02040503050406030204" pitchFamily="18" charset="0"/>
+                          </a:rPr>
+                          <m:t>(</m:t>
+                        </m:r>
+                        <m:r>
+                          <a:rPr lang="en-US" altLang="zh-CN" b="0" i="1" smtClean="0">
+                            <a:latin typeface="Cambria Math" panose="02040503050406030204" pitchFamily="18" charset="0"/>
+                          </a:rPr>
+                          <m:t>𝑘</m:t>
+                        </m:r>
+                        <m:r>
+                          <a:rPr lang="en-US" altLang="zh-CN" b="0" i="1" smtClean="0">
+                            <a:latin typeface="Cambria Math" panose="02040503050406030204" pitchFamily="18" charset="0"/>
+                          </a:rPr>
+                          <m:t>)</m:t>
+                        </m:r>
+                      </m:sub>
+                      <m:sup/>
+                      <m:e>
+                        <m:r>
+                          <a:rPr lang="en-US" altLang="zh-CN" b="0" i="1" smtClean="0">
+                            <a:latin typeface="Cambria Math" panose="02040503050406030204" pitchFamily="18" charset="0"/>
+                          </a:rPr>
+                          <m:t>(</m:t>
+                        </m:r>
+                        <m:sSub>
+                          <m:sSubPr>
+                            <m:ctrlPr>
+                              <a:rPr lang="en-US" altLang="zh-CN" b="0" i="1" smtClean="0">
+                                <a:latin typeface="Cambria Math" panose="02040503050406030204" pitchFamily="18" charset="0"/>
+                              </a:rPr>
+                            </m:ctrlPr>
+                          </m:sSubPr>
+                          <m:e>
+                            <m:r>
+                              <a:rPr lang="en-US" altLang="zh-CN" b="0" i="1" smtClean="0">
+                                <a:latin typeface="Cambria Math" panose="02040503050406030204" pitchFamily="18" charset="0"/>
+                              </a:rPr>
+                              <m:t>𝑥</m:t>
+                            </m:r>
+                          </m:e>
+                          <m:sub>
+                            <m:r>
+                              <a:rPr lang="en-US" altLang="zh-CN" b="0" i="1" smtClean="0">
+                                <a:latin typeface="Cambria Math" panose="02040503050406030204" pitchFamily="18" charset="0"/>
+                              </a:rPr>
+                              <m:t>𝑗</m:t>
+                            </m:r>
+                            <m:r>
+                              <a:rPr lang="en-US" altLang="zh-CN" b="0" i="1" smtClean="0">
+                                <a:latin typeface="Cambria Math" panose="02040503050406030204" pitchFamily="18" charset="0"/>
+                              </a:rPr>
+                              <m:t>+1</m:t>
+                            </m:r>
+                          </m:sub>
+                        </m:sSub>
+                        <m:r>
+                          <a:rPr lang="en-US" altLang="zh-CN" b="0" i="1" smtClean="0">
+                            <a:latin typeface="Cambria Math" panose="02040503050406030204" pitchFamily="18" charset="0"/>
+                          </a:rPr>
+                          <m:t>−</m:t>
+                        </m:r>
+                        <m:sSub>
+                          <m:sSubPr>
+                            <m:ctrlPr>
+                              <a:rPr lang="en-US" altLang="zh-CN" b="0" i="1" smtClean="0">
+                                <a:latin typeface="Cambria Math" panose="02040503050406030204" pitchFamily="18" charset="0"/>
+                              </a:rPr>
+                            </m:ctrlPr>
+                          </m:sSubPr>
+                          <m:e>
+                            <m:r>
+                              <a:rPr lang="en-US" altLang="zh-CN" b="0" i="1" smtClean="0">
+                                <a:latin typeface="Cambria Math" panose="02040503050406030204" pitchFamily="18" charset="0"/>
+                              </a:rPr>
+                              <m:t>𝑥</m:t>
+                            </m:r>
+                          </m:e>
+                          <m:sub>
+                            <m:r>
+                              <a:rPr lang="en-US" altLang="zh-CN" b="0" i="1" smtClean="0">
+                                <a:latin typeface="Cambria Math" panose="02040503050406030204" pitchFamily="18" charset="0"/>
+                              </a:rPr>
+                              <m:t>𝑗</m:t>
+                            </m:r>
+                          </m:sub>
+                        </m:sSub>
+                        <m:r>
+                          <a:rPr lang="en-US" altLang="zh-CN" b="0" i="1" smtClean="0">
+                            <a:latin typeface="Cambria Math" panose="02040503050406030204" pitchFamily="18" charset="0"/>
+                          </a:rPr>
+                          <m:t>)</m:t>
+                        </m:r>
+                      </m:e>
+                    </m:nary>
+                  </m:oMath>
+                </a14:m>
+                <a:endParaRPr lang="en-US" altLang="zh-CN" b="0" dirty="0" smtClean="0"/>
+              </a:p>
+            </p:txBody>
+          </p:sp>
+        </mc:Choice>
+        <mc:Fallback>
+          <p:sp>
+            <p:nvSpPr>
+              <p:cNvPr id="4" name="Rectangle 3"/>
+              <p:cNvSpPr>
+                <a:spLocks noRot="1" noChangeAspect="1" noMove="1" noResize="1" noEditPoints="1" noAdjustHandles="1" noChangeArrowheads="1" noChangeShapeType="1" noTextEdit="1"/>
+              </p:cNvSpPr>
+              <p:nvPr/>
+            </p:nvSpPr>
+            <p:spPr>
+              <a:xfrm>
+                <a:off x="4144153" y="2374997"/>
+                <a:ext cx="6437019" cy="406586"/>
+              </a:xfrm>
+              <a:prstGeom prst="rect">
+                <a:avLst/>
+              </a:prstGeom>
+              <a:blipFill>
+                <a:blip r:embed="rId3"/>
+                <a:stretch>
+                  <a:fillRect t="-109091" b="-163636"/>
+                </a:stretch>
+              </a:blipFill>
+            </p:spPr>
+            <p:txBody>
+              <a:bodyPr/>
+              <a:lstStyle/>
+              <a:p>
+                <a:r>
+                  <a:rPr lang="en-US">
+                    <a:noFill/>
+                  </a:rPr>
+                  <a:t> </a:t>
+                </a:r>
+              </a:p>
+            </p:txBody>
+          </p:sp>
+        </mc:Fallback>
+      </mc:AlternateContent>
+      <p:pic>
+        <p:nvPicPr>
+          <p:cNvPr id="9" name="Picture 8"/>
+          <p:cNvPicPr>
+            <a:picLocks noChangeAspect="1"/>
+          </p:cNvPicPr>
+          <p:nvPr/>
+        </p:nvPicPr>
+        <p:blipFill>
+          <a:blip r:embed="rId4">
+            <a:extLst>
+              <a:ext uri="{28A0092B-C50C-407E-A947-70E740481C1C}">
+                <a14:useLocalDpi xmlns:a14="http://schemas.microsoft.com/office/drawing/2010/main" val="0"/>
+              </a:ext>
+            </a:extLst>
+          </a:blip>
+          <a:stretch>
+            <a:fillRect/>
+          </a:stretch>
+        </p:blipFill>
+        <p:spPr>
+          <a:xfrm>
+            <a:off x="1354795" y="4838550"/>
+            <a:ext cx="3933101" cy="929179"/>
+          </a:xfrm>
+          <a:prstGeom prst="rect">
+            <a:avLst/>
+          </a:prstGeom>
+        </p:spPr>
+      </p:pic>
+      <p:pic>
+        <p:nvPicPr>
+          <p:cNvPr id="12" name="Picture 11"/>
+          <p:cNvPicPr>
+            <a:picLocks noChangeAspect="1"/>
+          </p:cNvPicPr>
+          <p:nvPr/>
+        </p:nvPicPr>
+        <p:blipFill>
+          <a:blip r:embed="rId5"/>
+          <a:stretch>
+            <a:fillRect/>
+          </a:stretch>
+        </p:blipFill>
+        <p:spPr>
+          <a:xfrm>
+            <a:off x="5628865" y="4917376"/>
+            <a:ext cx="3086100" cy="771525"/>
+          </a:xfrm>
+          <a:prstGeom prst="rect">
+            <a:avLst/>
+          </a:prstGeom>
+        </p:spPr>
+      </p:pic>
+    </p:spTree>
+    <p:extLst>
+      <p:ext uri="{BB962C8B-B14F-4D97-AF65-F5344CB8AC3E}">
+        <p14:creationId xmlns:p14="http://schemas.microsoft.com/office/powerpoint/2010/main" val="1287625240"/>
+      </p:ext>
+    </p:extLst>
+  </p:cSld>
+  <p:clrMapOvr>
+    <a:masterClrMapping/>
+  </p:clrMapOvr>
+</p:sld>
+</file>
+
+<file path=ppt/slides/slide5.xml><?xml version="1.0" encoding="utf-8"?>
+<p:sld xmlns:a="http://schemas.openxmlformats.org/drawingml/2006/main" xmlns:r="http://schemas.openxmlformats.org/officeDocument/2006/relationships" xmlns:p="http://schemas.openxmlformats.org/presentationml/2006/main" show="0">
+  <p:cSld>
+    <p:spTree>
+      <p:nvGrpSpPr>
+        <p:cNvPr id="1" name=""/>
+        <p:cNvGrpSpPr/>
+        <p:nvPr/>
+      </p:nvGrpSpPr>
+      <p:grpSpPr>
+        <a:xfrm>
+          <a:off x="0" y="0"/>
+          <a:ext cx="0" cy="0"/>
+          <a:chOff x="0" y="0"/>
+          <a:chExt cx="0" cy="0"/>
+        </a:xfrm>
+      </p:grpSpPr>
+      <p:sp>
+        <p:nvSpPr>
+          <p:cNvPr id="2" name="标题 1"/>
+          <p:cNvSpPr>
+            <a:spLocks noGrp="1"/>
+          </p:cNvSpPr>
+          <p:nvPr>
+            <p:ph type="title"/>
+          </p:nvPr>
+        </p:nvSpPr>
+        <p:spPr>
+          <a:xfrm>
+            <a:off x="850689" y="232398"/>
+            <a:ext cx="10515600" cy="1325563"/>
+          </a:xfrm>
+        </p:spPr>
+        <p:txBody>
+          <a:bodyPr/>
+          <a:lstStyle/>
+          <a:p>
+            <a:r>
+              <a:rPr lang="en-US" altLang="zh-CN" dirty="0"/>
+              <a:t>Lock and </a:t>
+            </a:r>
+            <a:r>
+              <a:rPr lang="en-US" altLang="zh-CN" dirty="0" smtClean="0"/>
+              <a:t>lock-free</a:t>
+            </a:r>
+            <a:endParaRPr lang="zh-CN" altLang="en-US" dirty="0"/>
+          </a:p>
+        </p:txBody>
+      </p:sp>
+      <p:pic>
+        <p:nvPicPr>
+          <p:cNvPr id="4" name="Picture 2" descr="Algorithm 1 HOGWILD! update for individual processors &#10;2: &#10;g: &#10;4: &#10;5: &#10;loop &#10;sample e uniformly at random from E &#10;Read current state and evaluate Ge (x) &#10;for t' e CIO — &#10;end loop "/>
+          <p:cNvPicPr>
+            <a:picLocks noChangeAspect="1" noChangeArrowheads="1"/>
+          </p:cNvPicPr>
+          <p:nvPr/>
+        </p:nvPicPr>
+        <p:blipFill>
+          <a:blip r:embed="rId2">
+            <a:extLst>
+              <a:ext uri="{28A0092B-C50C-407E-A947-70E740481C1C}">
+                <a14:useLocalDpi xmlns:a14="http://schemas.microsoft.com/office/drawing/2010/main" val="0"/>
+              </a:ext>
+            </a:extLst>
+          </a:blip>
+          <a:srcRect/>
+          <a:stretch>
+            <a:fillRect/>
+          </a:stretch>
+        </p:blipFill>
+        <p:spPr bwMode="auto">
+          <a:xfrm>
+            <a:off x="938213" y="1414917"/>
+            <a:ext cx="10415587" cy="2135943"/>
+          </a:xfrm>
+          <a:prstGeom prst="rect">
+            <a:avLst/>
+          </a:prstGeom>
+          <a:noFill/>
+          <a:extLst>
+            <a:ext uri="{909E8E84-426E-40DD-AFC4-6F175D3DCCD1}">
+              <a14:hiddenFill xmlns:a14="http://schemas.microsoft.com/office/drawing/2010/main">
+                <a:solidFill>
+                  <a:srgbClr val="FFFFFF"/>
+                </a:solidFill>
+              </a14:hiddenFill>
+            </a:ext>
+          </a:extLst>
+        </p:spPr>
+      </p:pic>
+      <p:sp>
+        <p:nvSpPr>
+          <p:cNvPr id="5" name="TextBox 2"/>
+          <p:cNvSpPr txBox="1"/>
+          <p:nvPr/>
+        </p:nvSpPr>
+        <p:spPr>
+          <a:xfrm>
+            <a:off x="223162" y="4070597"/>
+            <a:ext cx="11968838" cy="2031325"/>
+          </a:xfrm>
+          <a:prstGeom prst="rect">
+            <a:avLst/>
+          </a:prstGeom>
+          <a:noFill/>
+        </p:spPr>
+        <p:txBody>
+          <a:bodyPr wrap="square" rtlCol="0">
+            <a:spAutoFit/>
+          </a:bodyPr>
+          <a:lstStyle/>
+          <a:p>
+            <a:r>
+              <a:rPr lang="en-US" altLang="zh-CN" dirty="0" smtClean="0"/>
+              <a:t>Assume</a:t>
+            </a:r>
+          </a:p>
+          <a:p>
+            <a:pPr marL="342900" indent="-342900">
+              <a:buAutoNum type="arabicParenR"/>
+            </a:pPr>
+            <a:r>
+              <a:rPr lang="en-US" dirty="0" smtClean="0"/>
+              <a:t>only </a:t>
+            </a:r>
+            <a:r>
+              <a:rPr lang="en-US" dirty="0"/>
+              <a:t>a single coordinate per sampled </a:t>
+            </a:r>
+            <a:r>
+              <a:rPr lang="en-US" dirty="0" err="1"/>
+              <a:t>hyperedge</a:t>
+            </a:r>
+            <a:r>
+              <a:rPr lang="en-US" dirty="0"/>
+              <a:t> is updated (</a:t>
+            </a:r>
+            <a:r>
+              <a:rPr lang="en-US" i="1" dirty="0" err="1"/>
+              <a:t>i.e</a:t>
+            </a:r>
+            <a:r>
+              <a:rPr lang="en-US" i="1" dirty="0" err="1" smtClean="0"/>
+              <a:t>.</a:t>
+            </a:r>
+            <a:r>
+              <a:rPr lang="en-US" dirty="0" err="1" smtClean="0"/>
+              <a:t>,the</a:t>
+            </a:r>
+            <a:r>
+              <a:rPr lang="en-US" dirty="0" smtClean="0"/>
+              <a:t> </a:t>
+            </a:r>
+            <a:r>
+              <a:rPr lang="en-US" dirty="0"/>
+              <a:t>for loop in </a:t>
+            </a:r>
+            <a:r>
+              <a:rPr lang="en-US" dirty="0" err="1"/>
+              <a:t>Hogwild</a:t>
+            </a:r>
+            <a:r>
+              <a:rPr lang="en-US" dirty="0"/>
+              <a:t>! is replaced with a single coordinate update</a:t>
+            </a:r>
+            <a:r>
+              <a:rPr lang="en-US" dirty="0" smtClean="0"/>
+              <a:t>);</a:t>
+            </a:r>
+          </a:p>
+          <a:p>
+            <a:pPr marL="342900" indent="-342900">
+              <a:buAutoNum type="arabicParenR"/>
+            </a:pPr>
+            <a:r>
+              <a:rPr lang="en-US" i="1" dirty="0" smtClean="0"/>
+              <a:t> </a:t>
+            </a:r>
+            <a:r>
+              <a:rPr lang="en-US" dirty="0" smtClean="0"/>
+              <a:t>the authors assumed </a:t>
+            </a:r>
+            <a:r>
+              <a:rPr lang="en-US" i="1" dirty="0" smtClean="0"/>
+              <a:t>consistent reads</a:t>
+            </a:r>
+            <a:r>
+              <a:rPr lang="en-US" dirty="0" smtClean="0"/>
+              <a:t>, </a:t>
+            </a:r>
+            <a:r>
+              <a:rPr lang="en-US" i="1" dirty="0" smtClean="0"/>
+              <a:t>i.e.</a:t>
+            </a:r>
+            <a:r>
+              <a:rPr lang="en-US" dirty="0"/>
+              <a:t>, it was assumed that while a core is reading the shared variable, no writes from other cores occur; </a:t>
+            </a:r>
+            <a:endParaRPr lang="en-US" dirty="0" smtClean="0"/>
+          </a:p>
+          <a:p>
+            <a:pPr marL="342900" indent="-342900">
+              <a:buAutoNum type="arabicParenR"/>
+            </a:pPr>
+            <a:r>
+              <a:rPr lang="en-US" dirty="0" smtClean="0"/>
+              <a:t>the </a:t>
+            </a:r>
+            <a:r>
+              <a:rPr lang="en-US" dirty="0"/>
+              <a:t>authors make an implicit assumption on the uniformity of the </a:t>
+            </a:r>
+            <a:r>
+              <a:rPr lang="en-US" dirty="0" smtClean="0"/>
+              <a:t>processing times </a:t>
+            </a:r>
+            <a:r>
+              <a:rPr lang="en-US" dirty="0"/>
+              <a:t>of cores (explained in the following), that does not generically hold in practice</a:t>
+            </a:r>
+          </a:p>
+        </p:txBody>
+      </p:sp>
+      <mc:AlternateContent xmlns:mc="http://schemas.openxmlformats.org/markup-compatibility/2006">
+        <mc:Choice xmlns:a14="http://schemas.microsoft.com/office/drawing/2010/main" Requires="a14">
+          <p:sp>
+            <p:nvSpPr>
+              <p:cNvPr id="7" name="矩形 6"/>
+              <p:cNvSpPr/>
+              <p:nvPr/>
+            </p:nvSpPr>
+            <p:spPr>
+              <a:xfrm>
+                <a:off x="5522638" y="3640677"/>
+                <a:ext cx="2234650" cy="369332"/>
+              </a:xfrm>
+              <a:prstGeom prst="rect">
+                <a:avLst/>
+              </a:prstGeom>
+            </p:spPr>
+            <p:txBody>
+              <a:bodyPr wrap="none">
+                <a:spAutoFit/>
+              </a:bodyPr>
+              <a:lstStyle/>
+              <a:p>
+                <a:pPr/>
+                <a14:m>
+                  <m:oMathPara xmlns:m="http://schemas.openxmlformats.org/officeDocument/2006/math">
+                    <m:oMathParaPr>
+                      <m:jc m:val="centerGroup"/>
+                    </m:oMathParaPr>
+                    <m:oMath xmlns:m="http://schemas.openxmlformats.org/officeDocument/2006/math">
+                      <m:d>
+                        <m:dPr>
+                          <m:begChr m:val=""/>
+                          <m:ctrlPr>
+                            <a:rPr lang="zh-CN" altLang="en-US" i="1">
+                              <a:latin typeface="Cambria Math" panose="02040503050406030204" pitchFamily="18" charset="0"/>
+                            </a:rPr>
+                          </m:ctrlPr>
+                        </m:dPr>
+                        <m:e>
+                          <m:sSub>
+                            <m:sSubPr>
+                              <m:ctrlPr>
+                                <a:rPr lang="zh-CN" altLang="en-US" i="1">
+                                  <a:latin typeface="Cambria Math" panose="02040503050406030204" pitchFamily="18" charset="0"/>
+                                </a:rPr>
+                              </m:ctrlPr>
+                            </m:sSubPr>
+                            <m:e>
+                              <m:r>
+                                <a:rPr lang="zh-CN" altLang="en-US" i="1">
+                                  <a:latin typeface="Cambria Math" panose="02040503050406030204" pitchFamily="18" charset="0"/>
+                                </a:rPr>
+                                <m:t>𝑥</m:t>
+                              </m:r>
+                            </m:e>
+                            <m:sub>
+                              <m:r>
+                                <a:rPr lang="zh-CN" altLang="en-US" i="1">
+                                  <a:latin typeface="Cambria Math" panose="02040503050406030204" pitchFamily="18" charset="0"/>
+                                </a:rPr>
+                                <m:t>𝑣</m:t>
+                              </m:r>
+                            </m:sub>
+                          </m:sSub>
+                          <m:r>
+                            <a:rPr lang="zh-CN" altLang="en-US" i="0">
+                              <a:latin typeface="Cambria Math" panose="02040503050406030204" pitchFamily="18" charset="0"/>
+                            </a:rPr>
+                            <m:t>←</m:t>
+                          </m:r>
+                          <m:sSub>
+                            <m:sSubPr>
+                              <m:ctrlPr>
+                                <a:rPr lang="zh-CN" altLang="en-US" i="1">
+                                  <a:latin typeface="Cambria Math" panose="02040503050406030204" pitchFamily="18" charset="0"/>
+                                </a:rPr>
+                              </m:ctrlPr>
+                            </m:sSubPr>
+                            <m:e>
+                              <m:r>
+                                <a:rPr lang="zh-CN" altLang="en-US" i="1">
+                                  <a:latin typeface="Cambria Math" panose="02040503050406030204" pitchFamily="18" charset="0"/>
+                                </a:rPr>
+                                <m:t>𝑥</m:t>
+                              </m:r>
+                            </m:e>
+                            <m:sub>
+                              <m:r>
+                                <a:rPr lang="zh-CN" altLang="en-US" i="1">
+                                  <a:latin typeface="Cambria Math" panose="02040503050406030204" pitchFamily="18" charset="0"/>
+                                </a:rPr>
+                                <m:t>𝑣</m:t>
+                              </m:r>
+                            </m:sub>
+                          </m:sSub>
+                          <m:r>
+                            <a:rPr lang="zh-CN" altLang="en-US" i="0">
+                              <a:latin typeface="Cambria Math" panose="02040503050406030204" pitchFamily="18" charset="0"/>
+                            </a:rPr>
+                            <m:t>−</m:t>
+                          </m:r>
+                          <m:r>
+                            <a:rPr lang="zh-CN" altLang="en-US" i="1">
+                              <a:latin typeface="Cambria Math" panose="02040503050406030204" pitchFamily="18" charset="0"/>
+                            </a:rPr>
+                            <m:t>𝛾</m:t>
+                          </m:r>
+                          <m:sSubSup>
+                            <m:sSubSupPr>
+                              <m:ctrlPr>
+                                <a:rPr lang="zh-CN" altLang="en-US" i="1">
+                                  <a:latin typeface="Cambria Math" panose="02040503050406030204" pitchFamily="18" charset="0"/>
+                                </a:rPr>
+                              </m:ctrlPr>
+                            </m:sSubSupPr>
+                            <m:e>
+                              <m:r>
+                                <a:rPr lang="zh-CN" altLang="en-US" i="1">
+                                  <a:latin typeface="Cambria Math" panose="02040503050406030204" pitchFamily="18" charset="0"/>
+                                </a:rPr>
+                                <m:t>𝑏</m:t>
+                              </m:r>
+                            </m:e>
+                            <m:sub>
+                              <m:r>
+                                <a:rPr lang="zh-CN" altLang="en-US" i="1">
+                                  <a:latin typeface="Cambria Math" panose="02040503050406030204" pitchFamily="18" charset="0"/>
+                                </a:rPr>
+                                <m:t>𝑣</m:t>
+                              </m:r>
+                            </m:sub>
+                            <m:sup>
+                              <m:r>
+                                <a:rPr lang="zh-CN" altLang="en-US" i="1">
+                                  <a:latin typeface="Cambria Math" panose="02040503050406030204" pitchFamily="18" charset="0"/>
+                                </a:rPr>
+                                <m:t>𝑇</m:t>
+                              </m:r>
+                            </m:sup>
+                          </m:sSubSup>
+                          <m:sSub>
+                            <m:sSubPr>
+                              <m:ctrlPr>
+                                <a:rPr lang="zh-CN" altLang="en-US" i="1">
+                                  <a:latin typeface="Cambria Math" panose="02040503050406030204" pitchFamily="18" charset="0"/>
+                                </a:rPr>
+                              </m:ctrlPr>
+                            </m:sSubPr>
+                            <m:e>
+                              <m:r>
+                                <a:rPr lang="zh-CN" altLang="en-US" i="1">
+                                  <a:latin typeface="Cambria Math" panose="02040503050406030204" pitchFamily="18" charset="0"/>
+                                </a:rPr>
+                                <m:t>𝐺</m:t>
+                              </m:r>
+                            </m:e>
+                            <m:sub>
+                              <m:r>
+                                <a:rPr lang="zh-CN" altLang="en-US" i="1">
+                                  <a:latin typeface="Cambria Math" panose="02040503050406030204" pitchFamily="18" charset="0"/>
+                                </a:rPr>
+                                <m:t>𝑒</m:t>
+                              </m:r>
+                            </m:sub>
+                          </m:sSub>
+                          <m:r>
+                            <a:rPr lang="zh-CN" altLang="en-US" i="0">
+                              <a:latin typeface="Cambria Math" panose="02040503050406030204" pitchFamily="18" charset="0"/>
+                            </a:rPr>
+                            <m:t>(</m:t>
+                          </m:r>
+                          <m:r>
+                            <a:rPr lang="zh-CN" altLang="en-US" i="1">
+                              <a:latin typeface="Cambria Math" panose="02040503050406030204" pitchFamily="18" charset="0"/>
+                            </a:rPr>
+                            <m:t>𝑥</m:t>
+                          </m:r>
+                        </m:e>
+                      </m:d>
+                    </m:oMath>
+                  </m:oMathPara>
+                </a14:m>
+                <a:endParaRPr lang="zh-CN" altLang="en-US" dirty="0"/>
+              </a:p>
+            </p:txBody>
+          </p:sp>
+        </mc:Choice>
+        <mc:Fallback>
+          <p:sp>
+            <p:nvSpPr>
+              <p:cNvPr id="7" name="矩形 6"/>
+              <p:cNvSpPr>
+                <a:spLocks noRot="1" noChangeAspect="1" noMove="1" noResize="1" noEditPoints="1" noAdjustHandles="1" noChangeArrowheads="1" noChangeShapeType="1" noTextEdit="1"/>
+              </p:cNvSpPr>
+              <p:nvPr/>
+            </p:nvSpPr>
+            <p:spPr>
+              <a:xfrm>
+                <a:off x="5522638" y="3640677"/>
+                <a:ext cx="2234650" cy="369332"/>
+              </a:xfrm>
+              <a:prstGeom prst="rect">
+                <a:avLst/>
+              </a:prstGeom>
+              <a:blipFill>
+                <a:blip r:embed="rId3"/>
+                <a:stretch>
+                  <a:fillRect t="-119672" r="-22343" b="-183607"/>
+                </a:stretch>
+              </a:blipFill>
+            </p:spPr>
+            <p:txBody>
+              <a:bodyPr/>
+              <a:lstStyle/>
+              <a:p>
+                <a:r>
+                  <a:rPr lang="en-US">
+                    <a:noFill/>
+                  </a:rPr>
+                  <a:t> </a:t>
+                </a:r>
+              </a:p>
+            </p:txBody>
+          </p:sp>
+        </mc:Fallback>
+      </mc:AlternateContent>
+      <mc:AlternateContent xmlns:mc="http://schemas.openxmlformats.org/markup-compatibility/2006">
+        <mc:Choice xmlns:a14="http://schemas.microsoft.com/office/drawing/2010/main" Requires="a14">
+          <p:sp>
+            <p:nvSpPr>
+              <p:cNvPr id="8" name="矩形 7"/>
+              <p:cNvSpPr/>
+              <p:nvPr/>
+            </p:nvSpPr>
+            <p:spPr>
+              <a:xfrm>
+                <a:off x="3261306" y="3646780"/>
+                <a:ext cx="2045432" cy="369332"/>
+              </a:xfrm>
+              <a:prstGeom prst="rect">
+                <a:avLst/>
+              </a:prstGeom>
+            </p:spPr>
+            <p:txBody>
+              <a:bodyPr wrap="none">
+                <a:spAutoFit/>
+              </a:bodyPr>
+              <a:lstStyle/>
+              <a:p>
+                <a:pPr/>
+                <a14:m>
+                  <m:oMathPara xmlns:m="http://schemas.openxmlformats.org/officeDocument/2006/math">
+                    <m:oMathParaPr>
+                      <m:jc m:val="centerGroup"/>
+                    </m:oMathParaPr>
+                    <m:oMath xmlns:m="http://schemas.openxmlformats.org/officeDocument/2006/math">
+                      <m:d>
+                        <m:dPr>
+                          <m:begChr m:val=""/>
+                          <m:ctrlPr>
+                            <a:rPr lang="zh-CN" altLang="en-US" i="1">
+                              <a:latin typeface="Cambria Math" panose="02040503050406030204" pitchFamily="18" charset="0"/>
+                            </a:rPr>
+                          </m:ctrlPr>
+                        </m:dPr>
+                        <m:e>
+                          <m:sSub>
+                            <m:sSubPr>
+                              <m:ctrlPr>
+                                <a:rPr lang="zh-CN" altLang="en-US" i="1">
+                                  <a:latin typeface="Cambria Math" panose="02040503050406030204" pitchFamily="18" charset="0"/>
+                                </a:rPr>
+                              </m:ctrlPr>
+                            </m:sSubPr>
+                            <m:e>
+                              <m:r>
+                                <a:rPr lang="zh-CN" altLang="en-US" i="1">
+                                  <a:latin typeface="Cambria Math" panose="02040503050406030204" pitchFamily="18" charset="0"/>
+                                </a:rPr>
+                                <m:t>𝐺</m:t>
+                              </m:r>
+                            </m:e>
+                            <m:sub>
+                              <m:r>
+                                <a:rPr lang="zh-CN" altLang="en-US" i="1">
+                                  <a:latin typeface="Cambria Math" panose="02040503050406030204" pitchFamily="18" charset="0"/>
+                                </a:rPr>
+                                <m:t>𝑒</m:t>
+                              </m:r>
+                            </m:sub>
+                          </m:sSub>
+                          <m:r>
+                            <a:rPr lang="zh-CN" altLang="en-US" i="0">
+                              <a:latin typeface="Cambria Math" panose="02040503050406030204" pitchFamily="18" charset="0"/>
+                            </a:rPr>
+                            <m:t>(</m:t>
+                          </m:r>
+                          <m:r>
+                            <a:rPr lang="zh-CN" altLang="en-US" i="1">
+                              <a:latin typeface="Cambria Math" panose="02040503050406030204" pitchFamily="18" charset="0"/>
+                            </a:rPr>
+                            <m:t>𝑥</m:t>
+                          </m:r>
+                          <m:r>
+                            <a:rPr lang="zh-CN" altLang="en-US" i="0">
+                              <a:latin typeface="Cambria Math" panose="02040503050406030204" pitchFamily="18" charset="0"/>
+                            </a:rPr>
+                            <m:t>)∈|</m:t>
+                          </m:r>
+                          <m:r>
+                            <a:rPr lang="zh-CN" altLang="en-US" i="1">
+                              <a:latin typeface="Cambria Math" panose="02040503050406030204" pitchFamily="18" charset="0"/>
+                            </a:rPr>
+                            <m:t>𝐸</m:t>
+                          </m:r>
+                          <m:r>
+                            <a:rPr lang="zh-CN" altLang="en-US" i="0">
+                              <a:latin typeface="Cambria Math" panose="02040503050406030204" pitchFamily="18" charset="0"/>
+                            </a:rPr>
+                            <m:t>|</m:t>
+                          </m:r>
+                          <m:r>
+                            <a:rPr lang="zh-CN" altLang="en-US" i="0">
+                              <a:latin typeface="Cambria Math" panose="02040503050406030204" pitchFamily="18" charset="0"/>
+                            </a:rPr>
+                            <m:t>𝜕</m:t>
+                          </m:r>
+                          <m:sSub>
+                            <m:sSubPr>
+                              <m:ctrlPr>
+                                <a:rPr lang="zh-CN" altLang="en-US" i="1">
+                                  <a:latin typeface="Cambria Math" panose="02040503050406030204" pitchFamily="18" charset="0"/>
+                                </a:rPr>
+                              </m:ctrlPr>
+                            </m:sSubPr>
+                            <m:e>
+                              <m:r>
+                                <a:rPr lang="zh-CN" altLang="en-US" i="1">
+                                  <a:latin typeface="Cambria Math" panose="02040503050406030204" pitchFamily="18" charset="0"/>
+                                </a:rPr>
+                                <m:t>𝑓</m:t>
+                              </m:r>
+                            </m:e>
+                            <m:sub>
+                              <m:r>
+                                <a:rPr lang="zh-CN" altLang="en-US" i="1">
+                                  <a:latin typeface="Cambria Math" panose="02040503050406030204" pitchFamily="18" charset="0"/>
+                                </a:rPr>
+                                <m:t>𝑒</m:t>
+                              </m:r>
+                            </m:sub>
+                          </m:sSub>
+                          <m:r>
+                            <a:rPr lang="zh-CN" altLang="en-US" i="0">
+                              <a:latin typeface="Cambria Math" panose="02040503050406030204" pitchFamily="18" charset="0"/>
+                            </a:rPr>
+                            <m:t>(</m:t>
+                          </m:r>
+                          <m:r>
+                            <a:rPr lang="zh-CN" altLang="en-US" i="1">
+                              <a:latin typeface="Cambria Math" panose="02040503050406030204" pitchFamily="18" charset="0"/>
+                            </a:rPr>
+                            <m:t>𝑥</m:t>
+                          </m:r>
+                        </m:e>
+                      </m:d>
+                    </m:oMath>
+                  </m:oMathPara>
+                </a14:m>
+                <a:endParaRPr lang="zh-CN" altLang="en-US" dirty="0"/>
+              </a:p>
+            </p:txBody>
+          </p:sp>
+        </mc:Choice>
+        <mc:Fallback>
+          <p:sp>
+            <p:nvSpPr>
+              <p:cNvPr id="8" name="矩形 7"/>
+              <p:cNvSpPr>
+                <a:spLocks noRot="1" noChangeAspect="1" noMove="1" noResize="1" noEditPoints="1" noAdjustHandles="1" noChangeArrowheads="1" noChangeShapeType="1" noTextEdit="1"/>
+              </p:cNvSpPr>
+              <p:nvPr/>
+            </p:nvSpPr>
+            <p:spPr>
+              <a:xfrm>
+                <a:off x="3261306" y="3646780"/>
+                <a:ext cx="2045432" cy="369332"/>
+              </a:xfrm>
+              <a:prstGeom prst="rect">
+                <a:avLst/>
+              </a:prstGeom>
+              <a:blipFill>
+                <a:blip r:embed="rId4"/>
+                <a:stretch>
+                  <a:fillRect t="-119672" r="-23512" b="-183607"/>
+                </a:stretch>
+              </a:blipFill>
+            </p:spPr>
+            <p:txBody>
+              <a:bodyPr/>
+              <a:lstStyle/>
+              <a:p>
+                <a:r>
+                  <a:rPr lang="en-US">
+                    <a:noFill/>
+                  </a:rPr>
+                  <a:t> </a:t>
+                </a:r>
+              </a:p>
+            </p:txBody>
+          </p:sp>
+        </mc:Fallback>
+      </mc:AlternateContent>
+    </p:spTree>
+    <p:extLst>
+      <p:ext uri="{BB962C8B-B14F-4D97-AF65-F5344CB8AC3E}">
+        <p14:creationId xmlns:p14="http://schemas.microsoft.com/office/powerpoint/2010/main" val="3221932847"/>
+      </p:ext>
+    </p:extLst>
+  </p:cSld>
+  <p:clrMapOvr>
+    <a:masterClrMapping/>
+  </p:clrMapOvr>
+  <mc:AlternateContent xmlns:mc="http://schemas.openxmlformats.org/markup-compatibility/2006">
+    <mc:Choice xmlns:p14="http://schemas.microsoft.com/office/powerpoint/2010/main" Requires="p14">
+      <p:transition spd="slow" p14:dur="2000"/>
+    </mc:Choice>
+    <mc:Fallback>
+      <p:transition spd="slow"/>
+    </mc:Fallback>
+  </mc:AlternateContent>
+</p:sld>
+</file>
+
+<file path=ppt/slides/slide6.xml><?xml version="1.0" encoding="utf-8"?>
+<p:sld xmlns:a="http://schemas.openxmlformats.org/drawingml/2006/main" xmlns:r="http://schemas.openxmlformats.org/officeDocument/2006/relationships" xmlns:p="http://schemas.openxmlformats.org/presentationml/2006/main">
+  <p:cSld>
+    <p:spTree>
+      <p:nvGrpSpPr>
+        <p:cNvPr id="1" name=""/>
+        <p:cNvGrpSpPr/>
+        <p:nvPr/>
+      </p:nvGrpSpPr>
+      <p:grpSpPr>
+        <a:xfrm>
+          <a:off x="0" y="0"/>
+          <a:ext cx="0" cy="0"/>
+          <a:chOff x="0" y="0"/>
+          <a:chExt cx="0" cy="0"/>
+        </a:xfrm>
+      </p:grpSpPr>
+      <p:sp>
+        <p:nvSpPr>
+          <p:cNvPr id="2" name="标题 1"/>
+          <p:cNvSpPr>
+            <a:spLocks noGrp="1"/>
+          </p:cNvSpPr>
+          <p:nvPr>
+            <p:ph type="title"/>
+          </p:nvPr>
+        </p:nvSpPr>
+        <p:spPr/>
+        <p:txBody>
+          <a:bodyPr/>
+          <a:lstStyle/>
+          <a:p>
+            <a:r>
+              <a:rPr lang="en-US" altLang="zh-CN" dirty="0"/>
+              <a:t>Partition data and sampling data	</a:t>
+            </a:r>
+            <a:endParaRPr lang="zh-CN" altLang="en-US" dirty="0"/>
+          </a:p>
+        </p:txBody>
+      </p:sp>
+      <p:sp>
+        <p:nvSpPr>
+          <p:cNvPr id="3" name="内容占位符 2"/>
+          <p:cNvSpPr>
+            <a:spLocks noGrp="1"/>
+          </p:cNvSpPr>
+          <p:nvPr>
+            <p:ph idx="1"/>
+          </p:nvPr>
+        </p:nvSpPr>
+        <p:spPr/>
+        <p:txBody>
+          <a:bodyPr/>
+          <a:lstStyle/>
+          <a:p>
+            <a:endParaRPr lang="zh-CN" altLang="en-US" dirty="0"/>
+          </a:p>
+        </p:txBody>
+      </p:sp>
+    </p:spTree>
+    <p:extLst>
+      <p:ext uri="{BB962C8B-B14F-4D97-AF65-F5344CB8AC3E}">
+        <p14:creationId xmlns:p14="http://schemas.microsoft.com/office/powerpoint/2010/main" val="192516525"/>
+      </p:ext>
+    </p:extLst>
+  </p:cSld>
+  <p:clrMapOvr>
+    <a:masterClrMapping/>
+  </p:clrMapOvr>
+</p:sld>
+</file>
+
+<file path=ppt/slides/slide7.xml><?xml version="1.0" encoding="utf-8"?>
+<p:sld xmlns:a="http://schemas.openxmlformats.org/drawingml/2006/main" xmlns:r="http://schemas.openxmlformats.org/officeDocument/2006/relationships" xmlns:p="http://schemas.openxmlformats.org/presentationml/2006/main">
+  <p:cSld>
+    <p:spTree>
+      <p:nvGrpSpPr>
+        <p:cNvPr id="1" name=""/>
+        <p:cNvGrpSpPr/>
+        <p:nvPr/>
+      </p:nvGrpSpPr>
+      <p:grpSpPr>
+        <a:xfrm>
+          <a:off x="0" y="0"/>
+          <a:ext cx="0" cy="0"/>
+          <a:chOff x="0" y="0"/>
+          <a:chExt cx="0" cy="0"/>
+        </a:xfrm>
+      </p:grpSpPr>
+      <p:sp>
+        <p:nvSpPr>
+          <p:cNvPr id="2" name="Title 1"/>
+          <p:cNvSpPr>
+            <a:spLocks noGrp="1"/>
+          </p:cNvSpPr>
+          <p:nvPr>
+            <p:ph type="title"/>
+          </p:nvPr>
+        </p:nvSpPr>
+        <p:spPr/>
+        <p:txBody>
+          <a:bodyPr/>
+          <a:lstStyle/>
+          <a:p>
+            <a:r>
+              <a:rPr lang="en-US" dirty="0"/>
+              <a:t>Under parameter </a:t>
+            </a:r>
+            <a:r>
+              <a:rPr lang="en-US" dirty="0" smtClean="0"/>
+              <a:t>server</a:t>
+            </a:r>
+            <a:endParaRPr lang="en-US" dirty="0"/>
+          </a:p>
+        </p:txBody>
+      </p:sp>
+      <mc:AlternateContent xmlns:mc="http://schemas.openxmlformats.org/markup-compatibility/2006">
+        <mc:Choice xmlns:a14="http://schemas.microsoft.com/office/drawing/2010/main" Requires="a14">
+          <p:sp>
+            <p:nvSpPr>
+              <p:cNvPr id="3" name="Content Placeholder 2"/>
+              <p:cNvSpPr>
+                <a:spLocks noGrp="1"/>
+              </p:cNvSpPr>
+              <p:nvPr>
+                <p:ph idx="1"/>
+              </p:nvPr>
+            </p:nvSpPr>
+            <p:spPr>
+              <a:xfrm>
+                <a:off x="470065" y="1409988"/>
+                <a:ext cx="10515600" cy="5295611"/>
+              </a:xfrm>
+            </p:spPr>
+            <p:txBody>
+              <a:bodyPr>
+                <a:normAutofit fontScale="62500" lnSpcReduction="20000"/>
+              </a:bodyPr>
+              <a:lstStyle/>
+              <a:p>
+                <a:r>
+                  <a:rPr lang="en-US" dirty="0" smtClean="0"/>
+                  <a:t>No synchronous</a:t>
+                </a:r>
+              </a:p>
+              <a:p>
+                <a:pPr lvl="1"/>
+                <a:r>
+                  <a:rPr lang="en-US" dirty="0" smtClean="0"/>
+                  <a:t>All worker ask for </a:t>
+                </a:r>
+                <a14:m>
+                  <m:oMath xmlns:m="http://schemas.openxmlformats.org/officeDocument/2006/math">
+                    <m:r>
+                      <m:rPr>
+                        <m:sty m:val="p"/>
+                      </m:rPr>
+                      <a:rPr lang="en-US" b="0" i="1" smtClean="0">
+                        <a:latin typeface="Cambria Math" panose="02040503050406030204" pitchFamily="18" charset="0"/>
+                      </a:rPr>
+                      <m:t>θ</m:t>
+                    </m:r>
+                  </m:oMath>
+                </a14:m>
+                <a:endParaRPr lang="en-US" b="0" dirty="0" smtClean="0"/>
+              </a:p>
+              <a:p>
+                <a:pPr lvl="1"/>
+                <a:r>
+                  <a:rPr lang="en-US" dirty="0" smtClean="0"/>
+                  <a:t>All worker do </a:t>
+                </a:r>
+                <a:r>
+                  <a:rPr lang="en-US" dirty="0" err="1" smtClean="0"/>
+                  <a:t>sgd</a:t>
+                </a:r>
+                <a:endParaRPr lang="en-US" dirty="0" smtClean="0"/>
+              </a:p>
+              <a:p>
+                <a:pPr lvl="1"/>
+                <a:r>
+                  <a:rPr lang="en-US" dirty="0" smtClean="0"/>
+                  <a:t>Average all worker’s final parameter</a:t>
+                </a:r>
+              </a:p>
+              <a:p>
+                <a:r>
+                  <a:rPr lang="en-US" dirty="0" smtClean="0"/>
+                  <a:t>Cyclic delay</a:t>
+                </a:r>
+              </a:p>
+              <a:p>
+                <a:pPr lvl="1"/>
+                <a:r>
+                  <a:rPr lang="en-US" dirty="0" smtClean="0"/>
+                  <a:t>A worker asks for </a:t>
+                </a:r>
+                <a14:m>
+                  <m:oMath xmlns:m="http://schemas.openxmlformats.org/officeDocument/2006/math">
+                    <m:r>
+                      <a:rPr lang="en-US" b="0" i="1" smtClean="0">
+                        <a:latin typeface="Cambria Math" panose="02040503050406030204" pitchFamily="18" charset="0"/>
+                      </a:rPr>
+                      <m:t>𝜃</m:t>
+                    </m:r>
+                  </m:oMath>
+                </a14:m>
+                <a:endParaRPr lang="en-US" dirty="0" smtClean="0"/>
+              </a:p>
+              <a:p>
+                <a:pPr lvl="1"/>
+                <a:r>
+                  <a:rPr lang="en-US" dirty="0" smtClean="0"/>
+                  <a:t>The worker computes the gradient</a:t>
+                </a:r>
+              </a:p>
+              <a:p>
+                <a:pPr lvl="1"/>
+                <a:r>
+                  <a:rPr lang="en-US" dirty="0" smtClean="0"/>
+                  <a:t>The worker pushes the gradient to the master</a:t>
+                </a:r>
+              </a:p>
+              <a:p>
+                <a:pPr lvl="1"/>
+                <a:r>
+                  <a:rPr lang="en-US" dirty="0" smtClean="0"/>
+                  <a:t>The master update </a:t>
+                </a:r>
+                <a14:m>
+                  <m:oMath xmlns:m="http://schemas.openxmlformats.org/officeDocument/2006/math">
+                    <m:r>
+                      <a:rPr lang="en-US" i="1">
+                        <a:latin typeface="Cambria Math" panose="02040503050406030204" pitchFamily="18" charset="0"/>
+                      </a:rPr>
+                      <m:t>𝜃</m:t>
+                    </m:r>
+                  </m:oMath>
+                </a14:m>
+                <a:endParaRPr lang="en-US" dirty="0" smtClean="0"/>
+              </a:p>
+              <a:p>
+                <a:pPr lvl="1"/>
+                <a:r>
+                  <a:rPr lang="en-US" dirty="0" smtClean="0"/>
+                  <a:t>The worker ask another version of </a:t>
+                </a:r>
+                <a14:m>
+                  <m:oMath xmlns:m="http://schemas.openxmlformats.org/officeDocument/2006/math">
+                    <m:r>
+                      <a:rPr lang="en-US" i="1">
+                        <a:latin typeface="Cambria Math" panose="02040503050406030204" pitchFamily="18" charset="0"/>
+                      </a:rPr>
+                      <m:t>𝜃</m:t>
+                    </m:r>
+                  </m:oMath>
+                </a14:m>
+                <a:endParaRPr lang="en-US" dirty="0" smtClean="0"/>
+              </a:p>
+              <a:p>
+                <a:pPr lvl="1"/>
+                <a14:m>
+                  <m:oMath xmlns:m="http://schemas.openxmlformats.org/officeDocument/2006/math">
+                    <m:sSub>
+                      <m:sSubPr>
+                        <m:ctrlPr>
+                          <a:rPr lang="en-US" i="1">
+                            <a:latin typeface="Cambria Math" panose="02040503050406030204" pitchFamily="18" charset="0"/>
+                          </a:rPr>
+                        </m:ctrlPr>
+                      </m:sSubPr>
+                      <m:e>
+                        <m:r>
+                          <a:rPr lang="en-US" i="1">
+                            <a:latin typeface="Cambria Math" panose="02040503050406030204" pitchFamily="18" charset="0"/>
+                          </a:rPr>
+                          <m:t>𝑥</m:t>
+                        </m:r>
+                      </m:e>
+                      <m:sub>
+                        <m:r>
+                          <a:rPr lang="en-US" i="1">
+                            <a:latin typeface="Cambria Math" panose="02040503050406030204" pitchFamily="18" charset="0"/>
+                          </a:rPr>
+                          <m:t>𝑡</m:t>
+                        </m:r>
+                        <m:r>
+                          <a:rPr lang="en-US" i="1">
+                            <a:latin typeface="Cambria Math" panose="02040503050406030204" pitchFamily="18" charset="0"/>
+                          </a:rPr>
+                          <m:t>+1</m:t>
+                        </m:r>
+                      </m:sub>
+                    </m:sSub>
+                    <m:r>
+                      <a:rPr lang="en-US" i="1">
+                        <a:latin typeface="Cambria Math" panose="02040503050406030204" pitchFamily="18" charset="0"/>
+                      </a:rPr>
+                      <m:t>=</m:t>
+                    </m:r>
+                    <m:sSub>
+                      <m:sSubPr>
+                        <m:ctrlPr>
+                          <a:rPr lang="en-US" i="1">
+                            <a:latin typeface="Cambria Math" panose="02040503050406030204" pitchFamily="18" charset="0"/>
+                          </a:rPr>
+                        </m:ctrlPr>
+                      </m:sSubPr>
+                      <m:e>
+                        <m:r>
+                          <a:rPr lang="en-US" i="1">
+                            <a:latin typeface="Cambria Math" panose="02040503050406030204" pitchFamily="18" charset="0"/>
+                          </a:rPr>
+                          <m:t>𝑥</m:t>
+                        </m:r>
+                      </m:e>
+                      <m:sub>
+                        <m:r>
+                          <a:rPr lang="en-US" i="1">
+                            <a:latin typeface="Cambria Math" panose="02040503050406030204" pitchFamily="18" charset="0"/>
+                          </a:rPr>
+                          <m:t>𝑡</m:t>
+                        </m:r>
+                      </m:sub>
+                    </m:sSub>
+                    <m:r>
+                      <a:rPr lang="en-US" i="1">
+                        <a:latin typeface="Cambria Math" panose="02040503050406030204" pitchFamily="18" charset="0"/>
+                      </a:rPr>
+                      <m:t>−</m:t>
+                    </m:r>
+                    <m:sSub>
+                      <m:sSubPr>
+                        <m:ctrlPr>
+                          <a:rPr lang="en-US" i="1">
+                            <a:latin typeface="Cambria Math" panose="02040503050406030204" pitchFamily="18" charset="0"/>
+                          </a:rPr>
+                        </m:ctrlPr>
+                      </m:sSubPr>
+                      <m:e>
+                        <m:r>
+                          <a:rPr lang="en-US" i="1">
+                            <a:latin typeface="Cambria Math" panose="02040503050406030204" pitchFamily="18" charset="0"/>
+                          </a:rPr>
+                          <m:t>𝜂</m:t>
+                        </m:r>
+                      </m:e>
+                      <m:sub>
+                        <m:r>
+                          <a:rPr lang="en-US" i="1">
+                            <a:latin typeface="Cambria Math" panose="02040503050406030204" pitchFamily="18" charset="0"/>
+                          </a:rPr>
+                          <m:t>𝑡</m:t>
+                        </m:r>
+                      </m:sub>
+                    </m:sSub>
+                    <m:sSub>
+                      <m:sSubPr>
+                        <m:ctrlPr>
+                          <a:rPr lang="en-US" i="1">
+                            <a:latin typeface="Cambria Math" panose="02040503050406030204" pitchFamily="18" charset="0"/>
+                          </a:rPr>
+                        </m:ctrlPr>
+                      </m:sSubPr>
+                      <m:e>
+                        <m:r>
+                          <a:rPr lang="en-US" i="1">
+                            <a:latin typeface="Cambria Math" panose="02040503050406030204" pitchFamily="18" charset="0"/>
+                          </a:rPr>
+                          <m:t>𝑔</m:t>
+                        </m:r>
+                      </m:e>
+                      <m:sub>
+                        <m:r>
+                          <a:rPr lang="en-US" i="1">
+                            <a:latin typeface="Cambria Math" panose="02040503050406030204" pitchFamily="18" charset="0"/>
+                          </a:rPr>
+                          <m:t>𝑡</m:t>
+                        </m:r>
+                        <m:r>
+                          <a:rPr lang="en-US" i="1">
+                            <a:latin typeface="Cambria Math" panose="02040503050406030204" pitchFamily="18" charset="0"/>
+                          </a:rPr>
+                          <m:t>−</m:t>
+                        </m:r>
+                        <m:r>
+                          <a:rPr lang="en-US" i="1">
+                            <a:latin typeface="Cambria Math" panose="02040503050406030204" pitchFamily="18" charset="0"/>
+                          </a:rPr>
+                          <m:t>𝜏</m:t>
+                        </m:r>
+                      </m:sub>
+                    </m:sSub>
+                  </m:oMath>
+                </a14:m>
+                <a:endParaRPr lang="en-US" dirty="0"/>
+              </a:p>
+              <a:p>
+                <a:r>
+                  <a:rPr lang="en-US" dirty="0" smtClean="0"/>
+                  <a:t>SSP</a:t>
+                </a:r>
+              </a:p>
+              <a:p>
+                <a:pPr lvl="1"/>
+                <a:r>
+                  <a:rPr lang="en-US" dirty="0" smtClean="0"/>
+                  <a:t>When a worker asks for </a:t>
+                </a:r>
+                <a14:m>
+                  <m:oMath xmlns:m="http://schemas.openxmlformats.org/officeDocument/2006/math">
+                    <m:r>
+                      <m:rPr>
+                        <m:sty m:val="p"/>
+                      </m:rPr>
+                      <a:rPr lang="en-US" b="0" i="1" smtClean="0">
+                        <a:latin typeface="Cambria Math" panose="02040503050406030204" pitchFamily="18" charset="0"/>
+                      </a:rPr>
+                      <m:t>θ</m:t>
+                    </m:r>
+                  </m:oMath>
+                </a14:m>
+                <a:r>
+                  <a:rPr lang="en-US" b="0" dirty="0" smtClean="0"/>
+                  <a:t> </a:t>
+                </a:r>
+                <a:r>
+                  <a:rPr lang="en-US" dirty="0" smtClean="0"/>
+                  <a:t>, the master give  it a stale version of </a:t>
+                </a:r>
+                <a14:m>
+                  <m:oMath xmlns:m="http://schemas.openxmlformats.org/officeDocument/2006/math">
+                    <m:r>
+                      <a:rPr lang="en-US" b="0" i="1" smtClean="0">
+                        <a:latin typeface="Cambria Math" panose="02040503050406030204" pitchFamily="18" charset="0"/>
+                      </a:rPr>
+                      <m:t>𝜃</m:t>
+                    </m:r>
+                  </m:oMath>
+                </a14:m>
+                <a:r>
+                  <a:rPr lang="en-US" b="0" dirty="0" smtClean="0"/>
+                  <a:t>(three part)</a:t>
+                </a:r>
+              </a:p>
+              <a:p>
+                <a:pPr lvl="1"/>
+                <a:r>
+                  <a:rPr lang="en-US" dirty="0" smtClean="0"/>
+                  <a:t>The worker computes the gradient</a:t>
+                </a:r>
+              </a:p>
+              <a:p>
+                <a:pPr lvl="1"/>
+                <a:r>
+                  <a:rPr lang="en-US" dirty="0" smtClean="0"/>
+                  <a:t>The worker saves and pushes the gradient and ask another version of </a:t>
+                </a:r>
+                <a14:m>
+                  <m:oMath xmlns:m="http://schemas.openxmlformats.org/officeDocument/2006/math">
+                    <m:r>
+                      <a:rPr lang="en-US" b="0" i="1" smtClean="0">
+                        <a:latin typeface="Cambria Math" panose="02040503050406030204" pitchFamily="18" charset="0"/>
+                      </a:rPr>
+                      <m:t>𝜃</m:t>
+                    </m:r>
+                  </m:oMath>
+                </a14:m>
+                <a:endParaRPr lang="en-US" b="0" dirty="0" smtClean="0"/>
+              </a:p>
+              <a:p>
+                <a:pPr lvl="1"/>
+                <a14:m>
+                  <m:oMath xmlns:m="http://schemas.openxmlformats.org/officeDocument/2006/math">
+                    <m:sSub>
+                      <m:sSubPr>
+                        <m:ctrlPr>
+                          <a:rPr lang="en-US" i="1" smtClean="0">
+                            <a:latin typeface="Cambria Math" panose="02040503050406030204" pitchFamily="18" charset="0"/>
+                          </a:rPr>
+                        </m:ctrlPr>
+                      </m:sSubPr>
+                      <m:e>
+                        <m:acc>
+                          <m:accPr>
+                            <m:chr m:val="̂"/>
+                            <m:ctrlPr>
+                              <a:rPr lang="en-US" i="1" smtClean="0">
+                                <a:latin typeface="Cambria Math" panose="02040503050406030204" pitchFamily="18" charset="0"/>
+                              </a:rPr>
+                            </m:ctrlPr>
+                          </m:accPr>
+                          <m:e>
+                            <m:r>
+                              <a:rPr lang="en-US" i="1" smtClean="0">
+                                <a:latin typeface="Cambria Math" panose="02040503050406030204" pitchFamily="18" charset="0"/>
+                              </a:rPr>
+                              <m:t>𝑥</m:t>
+                            </m:r>
+                          </m:e>
+                        </m:acc>
+                      </m:e>
+                      <m:sub>
+                        <m:r>
+                          <a:rPr lang="en-US" i="1">
+                            <a:latin typeface="Cambria Math" panose="02040503050406030204" pitchFamily="18" charset="0"/>
+                          </a:rPr>
+                          <m:t>𝑝</m:t>
+                        </m:r>
+                        <m:r>
+                          <a:rPr lang="en-US" i="1">
+                            <a:latin typeface="Cambria Math" panose="02040503050406030204" pitchFamily="18" charset="0"/>
+                          </a:rPr>
+                          <m:t>,</m:t>
+                        </m:r>
+                        <m:r>
+                          <a:rPr lang="en-US" i="1">
+                            <a:latin typeface="Cambria Math" panose="02040503050406030204" pitchFamily="18" charset="0"/>
+                          </a:rPr>
+                          <m:t>𝑐</m:t>
+                        </m:r>
+                      </m:sub>
+                    </m:sSub>
+                    <m:r>
+                      <a:rPr lang="en-US" i="1">
+                        <a:latin typeface="Cambria Math" panose="02040503050406030204" pitchFamily="18" charset="0"/>
+                      </a:rPr>
+                      <m:t>=</m:t>
+                    </m:r>
+                    <m:sSub>
+                      <m:sSubPr>
+                        <m:ctrlPr>
+                          <a:rPr lang="en-US" i="1">
+                            <a:latin typeface="Cambria Math" panose="02040503050406030204" pitchFamily="18" charset="0"/>
+                          </a:rPr>
+                        </m:ctrlPr>
+                      </m:sSubPr>
+                      <m:e>
+                        <m:r>
+                          <a:rPr lang="en-US" i="1">
+                            <a:latin typeface="Cambria Math" panose="02040503050406030204" pitchFamily="18" charset="0"/>
+                          </a:rPr>
+                          <m:t>𝑥</m:t>
+                        </m:r>
+                      </m:e>
+                      <m:sub>
+                        <m:r>
+                          <a:rPr lang="en-US" i="1">
+                            <a:latin typeface="Cambria Math" panose="02040503050406030204" pitchFamily="18" charset="0"/>
+                          </a:rPr>
+                          <m:t>0</m:t>
+                        </m:r>
+                      </m:sub>
+                    </m:sSub>
+                    <m:r>
+                      <a:rPr lang="en-US" i="1">
+                        <a:latin typeface="Cambria Math" panose="02040503050406030204" pitchFamily="18" charset="0"/>
+                      </a:rPr>
+                      <m:t>+</m:t>
+                    </m:r>
+                    <m:nary>
+                      <m:naryPr>
+                        <m:chr m:val="∑"/>
+                        <m:ctrlPr>
+                          <a:rPr lang="en-US" i="1">
+                            <a:latin typeface="Cambria Math" panose="02040503050406030204" pitchFamily="18" charset="0"/>
+                          </a:rPr>
+                        </m:ctrlPr>
+                      </m:naryPr>
+                      <m:sub>
+                        <m:sSup>
+                          <m:sSupPr>
+                            <m:ctrlPr>
+                              <a:rPr lang="en-US" i="1">
+                                <a:latin typeface="Cambria Math" panose="02040503050406030204" pitchFamily="18" charset="0"/>
+                              </a:rPr>
+                            </m:ctrlPr>
+                          </m:sSupPr>
+                          <m:e>
+                            <m:r>
+                              <a:rPr lang="en-US" i="1">
+                                <a:latin typeface="Cambria Math" panose="02040503050406030204" pitchFamily="18" charset="0"/>
+                              </a:rPr>
+                              <m:t>𝑝</m:t>
+                            </m:r>
+                          </m:e>
+                          <m:sup>
+                            <m:r>
+                              <a:rPr lang="en-US" i="1">
+                                <a:latin typeface="Cambria Math" panose="02040503050406030204" pitchFamily="18" charset="0"/>
+                              </a:rPr>
+                              <m:t>′</m:t>
+                            </m:r>
+                          </m:sup>
+                        </m:sSup>
+                        <m:r>
+                          <a:rPr lang="en-US" i="1">
+                            <a:latin typeface="Cambria Math" panose="02040503050406030204" pitchFamily="18" charset="0"/>
+                          </a:rPr>
+                          <m:t>=1</m:t>
+                        </m:r>
+                      </m:sub>
+                      <m:sup>
+                        <m:r>
+                          <a:rPr lang="en-US" i="1">
+                            <a:latin typeface="Cambria Math" panose="02040503050406030204" pitchFamily="18" charset="0"/>
+                          </a:rPr>
+                          <m:t>𝑃</m:t>
+                        </m:r>
+                      </m:sup>
+                      <m:e>
+                        <m:nary>
+                          <m:naryPr>
+                            <m:chr m:val="∑"/>
+                            <m:ctrlPr>
+                              <a:rPr lang="en-US" i="1">
+                                <a:latin typeface="Cambria Math" panose="02040503050406030204" pitchFamily="18" charset="0"/>
+                              </a:rPr>
+                            </m:ctrlPr>
+                          </m:naryPr>
+                          <m:sub>
+                            <m:sSup>
+                              <m:sSupPr>
+                                <m:ctrlPr>
+                                  <a:rPr lang="en-US" i="1">
+                                    <a:latin typeface="Cambria Math" panose="02040503050406030204" pitchFamily="18" charset="0"/>
+                                  </a:rPr>
+                                </m:ctrlPr>
+                              </m:sSupPr>
+                              <m:e>
+                                <m:r>
+                                  <a:rPr lang="en-US" i="1">
+                                    <a:latin typeface="Cambria Math" panose="02040503050406030204" pitchFamily="18" charset="0"/>
+                                  </a:rPr>
+                                  <m:t>𝑐</m:t>
+                                </m:r>
+                              </m:e>
+                              <m:sup>
+                                <m:r>
+                                  <a:rPr lang="en-US" i="1">
+                                    <a:latin typeface="Cambria Math" panose="02040503050406030204" pitchFamily="18" charset="0"/>
+                                  </a:rPr>
+                                  <m:t>′</m:t>
+                                </m:r>
+                              </m:sup>
+                            </m:sSup>
+                            <m:r>
+                              <a:rPr lang="en-US" i="1">
+                                <a:latin typeface="Cambria Math" panose="02040503050406030204" pitchFamily="18" charset="0"/>
+                              </a:rPr>
+                              <m:t>=1</m:t>
+                            </m:r>
+                          </m:sub>
+                          <m:sup>
+                            <m:r>
+                              <a:rPr lang="en-US" i="1">
+                                <a:latin typeface="Cambria Math" panose="02040503050406030204" pitchFamily="18" charset="0"/>
+                              </a:rPr>
+                              <m:t>𝑐</m:t>
+                            </m:r>
+                            <m:r>
+                              <a:rPr lang="en-US" i="1">
+                                <a:latin typeface="Cambria Math" panose="02040503050406030204" pitchFamily="18" charset="0"/>
+                              </a:rPr>
+                              <m:t>−</m:t>
+                            </m:r>
+                            <m:r>
+                              <a:rPr lang="en-US" i="1">
+                                <a:latin typeface="Cambria Math" panose="02040503050406030204" pitchFamily="18" charset="0"/>
+                              </a:rPr>
+                              <m:t>𝑠</m:t>
+                            </m:r>
+                            <m:r>
+                              <a:rPr lang="en-US" i="1">
+                                <a:latin typeface="Cambria Math" panose="02040503050406030204" pitchFamily="18" charset="0"/>
+                              </a:rPr>
+                              <m:t>−1</m:t>
+                            </m:r>
+                          </m:sup>
+                          <m:e>
+                            <m:sSub>
+                              <m:sSubPr>
+                                <m:ctrlPr>
+                                  <a:rPr lang="en-US" i="1">
+                                    <a:latin typeface="Cambria Math" panose="02040503050406030204" pitchFamily="18" charset="0"/>
+                                  </a:rPr>
+                                </m:ctrlPr>
+                              </m:sSubPr>
+                              <m:e>
+                                <m:r>
+                                  <a:rPr lang="en-US" i="1">
+                                    <a:latin typeface="Cambria Math" panose="02040503050406030204" pitchFamily="18" charset="0"/>
+                                  </a:rPr>
+                                  <m:t>𝑢</m:t>
+                                </m:r>
+                              </m:e>
+                              <m:sub>
+                                <m:sSup>
+                                  <m:sSupPr>
+                                    <m:ctrlPr>
+                                      <a:rPr lang="en-US" i="1">
+                                        <a:latin typeface="Cambria Math" panose="02040503050406030204" pitchFamily="18" charset="0"/>
+                                      </a:rPr>
+                                    </m:ctrlPr>
+                                  </m:sSupPr>
+                                  <m:e>
+                                    <m:r>
+                                      <a:rPr lang="en-US" i="1">
+                                        <a:latin typeface="Cambria Math" panose="02040503050406030204" pitchFamily="18" charset="0"/>
+                                      </a:rPr>
+                                      <m:t>𝑝</m:t>
+                                    </m:r>
+                                  </m:e>
+                                  <m:sup>
+                                    <m:r>
+                                      <a:rPr lang="en-US" i="1">
+                                        <a:latin typeface="Cambria Math" panose="02040503050406030204" pitchFamily="18" charset="0"/>
+                                      </a:rPr>
+                                      <m:t>′</m:t>
+                                    </m:r>
+                                  </m:sup>
+                                </m:sSup>
+                                <m:r>
+                                  <a:rPr lang="en-US" i="1">
+                                    <a:latin typeface="Cambria Math" panose="02040503050406030204" pitchFamily="18" charset="0"/>
+                                  </a:rPr>
+                                  <m:t>,</m:t>
+                                </m:r>
+                                <m:sSup>
+                                  <m:sSupPr>
+                                    <m:ctrlPr>
+                                      <a:rPr lang="en-US" i="1">
+                                        <a:latin typeface="Cambria Math" panose="02040503050406030204" pitchFamily="18" charset="0"/>
+                                      </a:rPr>
+                                    </m:ctrlPr>
+                                  </m:sSupPr>
+                                  <m:e>
+                                    <m:r>
+                                      <a:rPr lang="en-US" i="1">
+                                        <a:latin typeface="Cambria Math" panose="02040503050406030204" pitchFamily="18" charset="0"/>
+                                      </a:rPr>
+                                      <m:t>𝑐</m:t>
+                                    </m:r>
+                                  </m:e>
+                                  <m:sup>
+                                    <m:r>
+                                      <a:rPr lang="en-US" i="1">
+                                        <a:latin typeface="Cambria Math" panose="02040503050406030204" pitchFamily="18" charset="0"/>
+                                      </a:rPr>
+                                      <m:t>′</m:t>
+                                    </m:r>
+                                  </m:sup>
+                                </m:sSup>
+                              </m:sub>
+                            </m:sSub>
+                          </m:e>
+                        </m:nary>
+                      </m:e>
+                    </m:nary>
+                    <m:r>
+                      <a:rPr lang="en-US" i="1">
+                        <a:latin typeface="Cambria Math" panose="02040503050406030204" pitchFamily="18" charset="0"/>
+                      </a:rPr>
+                      <m:t>+</m:t>
+                    </m:r>
+                    <m:nary>
+                      <m:naryPr>
+                        <m:chr m:val="∑"/>
+                        <m:ctrlPr>
+                          <a:rPr lang="en-US" i="1">
+                            <a:latin typeface="Cambria Math" panose="02040503050406030204" pitchFamily="18" charset="0"/>
+                          </a:rPr>
+                        </m:ctrlPr>
+                      </m:naryPr>
+                      <m:sub>
+                        <m:sSup>
+                          <m:sSupPr>
+                            <m:ctrlPr>
+                              <a:rPr lang="en-US" i="1">
+                                <a:latin typeface="Cambria Math" panose="02040503050406030204" pitchFamily="18" charset="0"/>
+                              </a:rPr>
+                            </m:ctrlPr>
+                          </m:sSupPr>
+                          <m:e>
+                            <m:r>
+                              <a:rPr lang="en-US" i="1">
+                                <a:latin typeface="Cambria Math" panose="02040503050406030204" pitchFamily="18" charset="0"/>
+                              </a:rPr>
+                              <m:t>𝑐</m:t>
+                            </m:r>
+                          </m:e>
+                          <m:sup>
+                            <m:r>
+                              <a:rPr lang="en-US" i="1">
+                                <a:latin typeface="Cambria Math" panose="02040503050406030204" pitchFamily="18" charset="0"/>
+                              </a:rPr>
+                              <m:t>′</m:t>
+                            </m:r>
+                          </m:sup>
+                        </m:sSup>
+                        <m:r>
+                          <a:rPr lang="en-US" i="1">
+                            <a:latin typeface="Cambria Math" panose="02040503050406030204" pitchFamily="18" charset="0"/>
+                          </a:rPr>
+                          <m:t>=</m:t>
+                        </m:r>
+                        <m:r>
+                          <a:rPr lang="en-US" i="1">
+                            <a:latin typeface="Cambria Math" panose="02040503050406030204" pitchFamily="18" charset="0"/>
+                          </a:rPr>
+                          <m:t>𝑐</m:t>
+                        </m:r>
+                        <m:r>
+                          <a:rPr lang="en-US" i="1">
+                            <a:latin typeface="Cambria Math" panose="02040503050406030204" pitchFamily="18" charset="0"/>
+                          </a:rPr>
+                          <m:t>−</m:t>
+                        </m:r>
+                        <m:r>
+                          <a:rPr lang="en-US" i="1">
+                            <a:latin typeface="Cambria Math" panose="02040503050406030204" pitchFamily="18" charset="0"/>
+                          </a:rPr>
+                          <m:t>𝑠</m:t>
+                        </m:r>
+                      </m:sub>
+                      <m:sup>
+                        <m:r>
+                          <a:rPr lang="en-US" i="1">
+                            <a:latin typeface="Cambria Math" panose="02040503050406030204" pitchFamily="18" charset="0"/>
+                          </a:rPr>
+                          <m:t>𝑐</m:t>
+                        </m:r>
+                        <m:r>
+                          <a:rPr lang="en-US" i="1">
+                            <a:latin typeface="Cambria Math" panose="02040503050406030204" pitchFamily="18" charset="0"/>
+                          </a:rPr>
+                          <m:t>−1</m:t>
+                        </m:r>
+                      </m:sup>
+                      <m:e>
+                        <m:sSub>
+                          <m:sSubPr>
+                            <m:ctrlPr>
+                              <a:rPr lang="en-US" i="1">
+                                <a:latin typeface="Cambria Math" panose="02040503050406030204" pitchFamily="18" charset="0"/>
+                              </a:rPr>
+                            </m:ctrlPr>
+                          </m:sSubPr>
+                          <m:e>
+                            <m:r>
+                              <a:rPr lang="en-US" i="1">
+                                <a:latin typeface="Cambria Math" panose="02040503050406030204" pitchFamily="18" charset="0"/>
+                              </a:rPr>
+                              <m:t>𝑢</m:t>
+                            </m:r>
+                          </m:e>
+                          <m:sub>
+                            <m:r>
+                              <a:rPr lang="en-US" i="1">
+                                <a:latin typeface="Cambria Math" panose="02040503050406030204" pitchFamily="18" charset="0"/>
+                              </a:rPr>
+                              <m:t>𝑝</m:t>
+                            </m:r>
+                            <m:r>
+                              <a:rPr lang="en-US" i="1">
+                                <a:latin typeface="Cambria Math" panose="02040503050406030204" pitchFamily="18" charset="0"/>
+                              </a:rPr>
+                              <m:t>,</m:t>
+                            </m:r>
+                            <m:sSup>
+                              <m:sSupPr>
+                                <m:ctrlPr>
+                                  <a:rPr lang="en-US" i="1">
+                                    <a:latin typeface="Cambria Math" panose="02040503050406030204" pitchFamily="18" charset="0"/>
+                                  </a:rPr>
+                                </m:ctrlPr>
+                              </m:sSupPr>
+                              <m:e>
+                                <m:r>
+                                  <a:rPr lang="en-US" i="1">
+                                    <a:latin typeface="Cambria Math" panose="02040503050406030204" pitchFamily="18" charset="0"/>
+                                  </a:rPr>
+                                  <m:t>𝑐</m:t>
+                                </m:r>
+                              </m:e>
+                              <m:sup>
+                                <m:r>
+                                  <a:rPr lang="en-US" i="1">
+                                    <a:latin typeface="Cambria Math" panose="02040503050406030204" pitchFamily="18" charset="0"/>
+                                  </a:rPr>
+                                  <m:t>′</m:t>
+                                </m:r>
+                              </m:sup>
+                            </m:sSup>
+                          </m:sub>
+                        </m:sSub>
+                      </m:e>
+                    </m:nary>
+                    <m:r>
+                      <a:rPr lang="en-US" i="1">
+                        <a:latin typeface="Cambria Math" panose="02040503050406030204" pitchFamily="18" charset="0"/>
+                      </a:rPr>
+                      <m:t>+</m:t>
+                    </m:r>
+                    <m:nary>
+                      <m:naryPr>
+                        <m:chr m:val="∑"/>
+                        <m:supHide m:val="on"/>
+                        <m:ctrlPr>
+                          <a:rPr lang="en-US" i="1">
+                            <a:latin typeface="Cambria Math" panose="02040503050406030204" pitchFamily="18" charset="0"/>
+                          </a:rPr>
+                        </m:ctrlPr>
+                      </m:naryPr>
+                      <m:sub>
+                        <m:d>
+                          <m:dPr>
+                            <m:ctrlPr>
+                              <a:rPr lang="en-US" i="1">
+                                <a:latin typeface="Cambria Math" panose="02040503050406030204" pitchFamily="18" charset="0"/>
+                              </a:rPr>
+                            </m:ctrlPr>
+                          </m:dPr>
+                          <m:e>
+                            <m:sSup>
+                              <m:sSupPr>
+                                <m:ctrlPr>
+                                  <a:rPr lang="en-US" i="1">
+                                    <a:latin typeface="Cambria Math" panose="02040503050406030204" pitchFamily="18" charset="0"/>
+                                  </a:rPr>
+                                </m:ctrlPr>
+                              </m:sSupPr>
+                              <m:e>
+                                <m:r>
+                                  <a:rPr lang="en-US" i="1">
+                                    <a:latin typeface="Cambria Math" panose="02040503050406030204" pitchFamily="18" charset="0"/>
+                                  </a:rPr>
+                                  <m:t>𝑝</m:t>
+                                </m:r>
+                              </m:e>
+                              <m:sup>
+                                <m:r>
+                                  <a:rPr lang="en-US" i="1">
+                                    <a:latin typeface="Cambria Math" panose="02040503050406030204" pitchFamily="18" charset="0"/>
+                                  </a:rPr>
+                                  <m:t>′</m:t>
+                                </m:r>
+                              </m:sup>
+                            </m:sSup>
+                            <m:r>
+                              <a:rPr lang="en-US" i="1">
+                                <a:latin typeface="Cambria Math" panose="02040503050406030204" pitchFamily="18" charset="0"/>
+                              </a:rPr>
+                              <m:t>,</m:t>
+                            </m:r>
+                            <m:sSup>
+                              <m:sSupPr>
+                                <m:ctrlPr>
+                                  <a:rPr lang="en-US" i="1">
+                                    <a:latin typeface="Cambria Math" panose="02040503050406030204" pitchFamily="18" charset="0"/>
+                                  </a:rPr>
+                                </m:ctrlPr>
+                              </m:sSupPr>
+                              <m:e>
+                                <m:r>
+                                  <a:rPr lang="en-US" i="1">
+                                    <a:latin typeface="Cambria Math" panose="02040503050406030204" pitchFamily="18" charset="0"/>
+                                  </a:rPr>
+                                  <m:t>𝑐</m:t>
+                                </m:r>
+                              </m:e>
+                              <m:sup>
+                                <m:r>
+                                  <a:rPr lang="en-US" i="1">
+                                    <a:latin typeface="Cambria Math" panose="02040503050406030204" pitchFamily="18" charset="0"/>
+                                  </a:rPr>
+                                  <m:t>′</m:t>
+                                </m:r>
+                              </m:sup>
+                            </m:sSup>
+                          </m:e>
+                        </m:d>
+                        <m:r>
+                          <a:rPr lang="en-US" i="1">
+                            <a:latin typeface="Cambria Math" panose="02040503050406030204" pitchFamily="18" charset="0"/>
+                          </a:rPr>
+                          <m:t>∈</m:t>
+                        </m:r>
+                        <m:sSub>
+                          <m:sSubPr>
+                            <m:ctrlPr>
+                              <a:rPr lang="en-US" i="1">
+                                <a:latin typeface="Cambria Math" panose="02040503050406030204" pitchFamily="18" charset="0"/>
+                              </a:rPr>
+                            </m:ctrlPr>
+                          </m:sSubPr>
+                          <m:e>
+                            <m:r>
+                              <a:rPr lang="en-US" i="1">
+                                <a:latin typeface="Cambria Math" panose="02040503050406030204" pitchFamily="18" charset="0"/>
+                              </a:rPr>
+                              <m:t>𝑆</m:t>
+                            </m:r>
+                          </m:e>
+                          <m:sub>
+                            <m:r>
+                              <a:rPr lang="en-US" i="1">
+                                <a:latin typeface="Cambria Math" panose="02040503050406030204" pitchFamily="18" charset="0"/>
+                              </a:rPr>
+                              <m:t>𝑝</m:t>
+                            </m:r>
+                            <m:r>
+                              <a:rPr lang="en-US" i="1">
+                                <a:latin typeface="Cambria Math" panose="02040503050406030204" pitchFamily="18" charset="0"/>
+                              </a:rPr>
+                              <m:t>,</m:t>
+                            </m:r>
+                            <m:r>
+                              <a:rPr lang="en-US" i="1">
+                                <a:latin typeface="Cambria Math" panose="02040503050406030204" pitchFamily="18" charset="0"/>
+                              </a:rPr>
+                              <m:t>𝑐</m:t>
+                            </m:r>
+                          </m:sub>
+                        </m:sSub>
+                      </m:sub>
+                      <m:sup/>
+                      <m:e>
+                        <m:sSub>
+                          <m:sSubPr>
+                            <m:ctrlPr>
+                              <a:rPr lang="en-US" i="1">
+                                <a:latin typeface="Cambria Math" panose="02040503050406030204" pitchFamily="18" charset="0"/>
+                              </a:rPr>
+                            </m:ctrlPr>
+                          </m:sSubPr>
+                          <m:e>
+                            <m:r>
+                              <a:rPr lang="en-US" i="1">
+                                <a:latin typeface="Cambria Math" panose="02040503050406030204" pitchFamily="18" charset="0"/>
+                              </a:rPr>
+                              <m:t>𝑢</m:t>
+                            </m:r>
+                          </m:e>
+                          <m:sub>
+                            <m:sSup>
+                              <m:sSupPr>
+                                <m:ctrlPr>
+                                  <a:rPr lang="en-US" i="1">
+                                    <a:latin typeface="Cambria Math" panose="02040503050406030204" pitchFamily="18" charset="0"/>
+                                  </a:rPr>
+                                </m:ctrlPr>
+                              </m:sSupPr>
+                              <m:e>
+                                <m:r>
+                                  <a:rPr lang="en-US" i="1">
+                                    <a:latin typeface="Cambria Math" panose="02040503050406030204" pitchFamily="18" charset="0"/>
+                                  </a:rPr>
+                                  <m:t>𝑝</m:t>
+                                </m:r>
+                              </m:e>
+                              <m:sup>
+                                <m:r>
+                                  <a:rPr lang="en-US" i="1">
+                                    <a:latin typeface="Cambria Math" panose="02040503050406030204" pitchFamily="18" charset="0"/>
+                                  </a:rPr>
+                                  <m:t>′</m:t>
+                                </m:r>
+                              </m:sup>
+                            </m:sSup>
+                            <m:r>
+                              <a:rPr lang="en-US" i="1">
+                                <a:latin typeface="Cambria Math" panose="02040503050406030204" pitchFamily="18" charset="0"/>
+                              </a:rPr>
+                              <m:t>,</m:t>
+                            </m:r>
+                            <m:sSup>
+                              <m:sSupPr>
+                                <m:ctrlPr>
+                                  <a:rPr lang="en-US" i="1">
+                                    <a:latin typeface="Cambria Math" panose="02040503050406030204" pitchFamily="18" charset="0"/>
+                                  </a:rPr>
+                                </m:ctrlPr>
+                              </m:sSupPr>
+                              <m:e>
+                                <m:r>
+                                  <a:rPr lang="en-US" i="1">
+                                    <a:latin typeface="Cambria Math" panose="02040503050406030204" pitchFamily="18" charset="0"/>
+                                  </a:rPr>
+                                  <m:t>𝑐</m:t>
+                                </m:r>
+                              </m:e>
+                              <m:sup>
+                                <m:r>
+                                  <a:rPr lang="en-US" i="1">
+                                    <a:latin typeface="Cambria Math" panose="02040503050406030204" pitchFamily="18" charset="0"/>
+                                  </a:rPr>
+                                  <m:t>′</m:t>
+                                </m:r>
+                              </m:sup>
+                            </m:sSup>
+                          </m:sub>
+                        </m:sSub>
+                      </m:e>
+                    </m:nary>
+                  </m:oMath>
+                </a14:m>
+                <a:endParaRPr lang="en-US" dirty="0"/>
+              </a:p>
+              <a:p>
+                <a:r>
+                  <a:rPr lang="en-US" dirty="0" smtClean="0"/>
+                  <a:t>Downpour 	</a:t>
+                </a:r>
+              </a:p>
+              <a:p>
+                <a:pPr lvl="1"/>
+                <a:r>
+                  <a:rPr lang="en-US" dirty="0" smtClean="0"/>
+                  <a:t>When the step of a worker up to </a:t>
+                </a:r>
+                <a14:m>
+                  <m:oMath xmlns:m="http://schemas.openxmlformats.org/officeDocument/2006/math">
+                    <m:sSub>
+                      <m:sSubPr>
+                        <m:ctrlPr>
+                          <a:rPr lang="en-US" b="0" i="1" smtClean="0">
+                            <a:latin typeface="Cambria Math" panose="02040503050406030204" pitchFamily="18" charset="0"/>
+                          </a:rPr>
+                        </m:ctrlPr>
+                      </m:sSubPr>
+                      <m:e>
+                        <m:r>
+                          <a:rPr lang="en-US" b="0" i="1" smtClean="0">
+                            <a:latin typeface="Cambria Math" panose="02040503050406030204" pitchFamily="18" charset="0"/>
+                          </a:rPr>
+                          <m:t>𝑛</m:t>
+                        </m:r>
+                      </m:e>
+                      <m:sub>
+                        <m:r>
+                          <a:rPr lang="en-US" b="0" i="1" smtClean="0">
+                            <a:latin typeface="Cambria Math" panose="02040503050406030204" pitchFamily="18" charset="0"/>
+                          </a:rPr>
+                          <m:t>𝑓𝑒𝑡𝑐h</m:t>
+                        </m:r>
+                      </m:sub>
+                    </m:sSub>
+                  </m:oMath>
+                </a14:m>
+                <a:r>
+                  <a:rPr lang="en-US" dirty="0" smtClean="0"/>
+                  <a:t> </a:t>
+                </a:r>
+                <a:r>
+                  <a:rPr lang="zh-CN" altLang="en-US" dirty="0" smtClean="0"/>
+                  <a:t>，</a:t>
+                </a:r>
+                <a:r>
+                  <a:rPr lang="en-US" altLang="zh-CN" dirty="0" smtClean="0"/>
+                  <a:t>ask for </a:t>
+                </a:r>
+                <a14:m>
+                  <m:oMath xmlns:m="http://schemas.openxmlformats.org/officeDocument/2006/math">
+                    <m:r>
+                      <a:rPr lang="en-US" i="1">
+                        <a:latin typeface="Cambria Math" panose="02040503050406030204" pitchFamily="18" charset="0"/>
+                      </a:rPr>
+                      <m:t>𝜃</m:t>
+                    </m:r>
+                  </m:oMath>
+                </a14:m>
+                <a:endParaRPr lang="en-US" dirty="0"/>
+              </a:p>
+              <a:p>
+                <a:pPr lvl="1"/>
+                <a:r>
+                  <a:rPr lang="en-US" dirty="0" smtClean="0"/>
+                  <a:t>Worker do SGD , save parameters and gradient</a:t>
+                </a:r>
+              </a:p>
+              <a:p>
+                <a:pPr lvl="1"/>
+                <a:r>
+                  <a:rPr lang="en-US" dirty="0" smtClean="0"/>
+                  <a:t>When the step of a worker up to </a:t>
+                </a:r>
+                <a14:m>
+                  <m:oMath xmlns:m="http://schemas.openxmlformats.org/officeDocument/2006/math">
+                    <m:sSub>
+                      <m:sSubPr>
+                        <m:ctrlPr>
+                          <a:rPr lang="en-US" i="1">
+                            <a:latin typeface="Cambria Math" panose="02040503050406030204" pitchFamily="18" charset="0"/>
+                          </a:rPr>
+                        </m:ctrlPr>
+                      </m:sSubPr>
+                      <m:e>
+                        <m:r>
+                          <a:rPr lang="en-US" i="1">
+                            <a:latin typeface="Cambria Math" panose="02040503050406030204" pitchFamily="18" charset="0"/>
+                          </a:rPr>
+                          <m:t>𝑛</m:t>
+                        </m:r>
+                      </m:e>
+                      <m:sub>
+                        <m:r>
+                          <a:rPr lang="en-US" b="0" i="1" smtClean="0">
+                            <a:latin typeface="Cambria Math" panose="02040503050406030204" pitchFamily="18" charset="0"/>
+                          </a:rPr>
+                          <m:t>𝑝𝑢𝑠h</m:t>
+                        </m:r>
+                      </m:sub>
+                    </m:sSub>
+                    <m:r>
+                      <a:rPr lang="en-US" b="0" i="0" smtClean="0">
+                        <a:latin typeface="Cambria Math" panose="02040503050406030204" pitchFamily="18" charset="0"/>
+                      </a:rPr>
+                      <m:t> </m:t>
+                    </m:r>
+                  </m:oMath>
+                </a14:m>
+                <a:r>
+                  <a:rPr lang="en-US" dirty="0" smtClean="0"/>
+                  <a:t> , push all gradient to the master</a:t>
+                </a:r>
+              </a:p>
+              <a:p>
+                <a:pPr lvl="1"/>
+                <a:endParaRPr lang="en-US" dirty="0" smtClean="0"/>
+              </a:p>
+              <a:p>
+                <a:endParaRPr lang="en-US" dirty="0"/>
+              </a:p>
+            </p:txBody>
+          </p:sp>
+        </mc:Choice>
+        <mc:Fallback>
+          <p:sp>
+            <p:nvSpPr>
+              <p:cNvPr id="3" name="Content Placeholder 2"/>
+              <p:cNvSpPr>
+                <a:spLocks noGrp="1" noRot="1" noChangeAspect="1" noMove="1" noResize="1" noEditPoints="1" noAdjustHandles="1" noChangeArrowheads="1" noChangeShapeType="1" noTextEdit="1"/>
+              </p:cNvSpPr>
+              <p:nvPr>
+                <p:ph idx="1"/>
+              </p:nvPr>
+            </p:nvSpPr>
+            <p:spPr>
+              <a:xfrm>
+                <a:off x="470065" y="1409988"/>
+                <a:ext cx="10515600" cy="5295611"/>
+              </a:xfrm>
+              <a:blipFill>
+                <a:blip r:embed="rId2"/>
+                <a:stretch>
+                  <a:fillRect l="-348" t="-1841"/>
+                </a:stretch>
+              </a:blipFill>
+            </p:spPr>
+            <p:txBody>
+              <a:bodyPr/>
+              <a:lstStyle/>
+              <a:p>
+                <a:r>
+                  <a:rPr lang="en-US">
+                    <a:noFill/>
+                  </a:rPr>
+                  <a:t> </a:t>
+                </a:r>
+              </a:p>
+            </p:txBody>
+          </p:sp>
+        </mc:Fallback>
+      </mc:AlternateContent>
+    </p:spTree>
+    <p:extLst>
+      <p:ext uri="{BB962C8B-B14F-4D97-AF65-F5344CB8AC3E}">
+        <p14:creationId xmlns:p14="http://schemas.microsoft.com/office/powerpoint/2010/main" val="3060434116"/>
+      </p:ext>
+    </p:extLst>
+  </p:cSld>
+  <p:clrMapOvr>
+    <a:masterClrMapping/>
+  </p:clrMapOvr>
+</p:sld>
+</file>
+
+<file path=ppt/slides/slide8.xml><?xml version="1.0" encoding="utf-8"?>
+<p:sld xmlns:a="http://schemas.openxmlformats.org/drawingml/2006/main" xmlns:r="http://schemas.openxmlformats.org/officeDocument/2006/relationships" xmlns:p="http://schemas.openxmlformats.org/presentationml/2006/main">
+  <p:cSld>
+    <p:spTree>
+      <p:nvGrpSpPr>
+        <p:cNvPr id="1" name=""/>
+        <p:cNvGrpSpPr/>
+        <p:nvPr/>
+      </p:nvGrpSpPr>
+      <p:grpSpPr>
+        <a:xfrm>
+          <a:off x="0" y="0"/>
+          <a:ext cx="0" cy="0"/>
+          <a:chOff x="0" y="0"/>
+          <a:chExt cx="0" cy="0"/>
+        </a:xfrm>
+      </p:grpSpPr>
+      <p:sp>
+        <p:nvSpPr>
+          <p:cNvPr id="2" name="Title 1"/>
+          <p:cNvSpPr>
+            <a:spLocks noGrp="1"/>
+          </p:cNvSpPr>
+          <p:nvPr>
+            <p:ph type="title"/>
+          </p:nvPr>
+        </p:nvSpPr>
+        <p:spPr/>
+        <p:txBody>
+          <a:bodyPr/>
+          <a:lstStyle/>
+          <a:p>
+            <a:r>
+              <a:rPr lang="en-US" dirty="0" smtClean="0"/>
+              <a:t>Decentralize </a:t>
+            </a:r>
+            <a:endParaRPr lang="en-US" dirty="0"/>
+          </a:p>
+        </p:txBody>
+      </p:sp>
+      <p:pic>
+        <p:nvPicPr>
+          <p:cNvPr id="4" name="Picture 3"/>
+          <p:cNvPicPr>
+            <a:picLocks noChangeAspect="1"/>
+          </p:cNvPicPr>
+          <p:nvPr/>
+        </p:nvPicPr>
+        <p:blipFill>
+          <a:blip r:embed="rId2">
+            <a:extLst>
+              <a:ext uri="{28A0092B-C50C-407E-A947-70E740481C1C}">
+                <a14:useLocalDpi xmlns:a14="http://schemas.microsoft.com/office/drawing/2010/main" val="0"/>
+              </a:ext>
+            </a:extLst>
+          </a:blip>
+          <a:stretch>
+            <a:fillRect/>
+          </a:stretch>
+        </p:blipFill>
+        <p:spPr>
+          <a:xfrm>
+            <a:off x="838200" y="2194711"/>
+            <a:ext cx="2867425" cy="2791215"/>
+          </a:xfrm>
+          <a:prstGeom prst="rect">
+            <a:avLst/>
+          </a:prstGeom>
+        </p:spPr>
+      </p:pic>
+      <p:grpSp>
+        <p:nvGrpSpPr>
+          <p:cNvPr id="5" name="Group 4"/>
+          <p:cNvGrpSpPr/>
+          <p:nvPr/>
+        </p:nvGrpSpPr>
+        <p:grpSpPr>
+          <a:xfrm>
+            <a:off x="5633746" y="1498777"/>
+            <a:ext cx="5381619" cy="4409472"/>
+            <a:chOff x="6810381" y="1302609"/>
+            <a:chExt cx="5381619" cy="4409472"/>
+          </a:xfrm>
+        </p:grpSpPr>
+        <p:pic>
+          <p:nvPicPr>
+            <p:cNvPr id="6" name="图片 11"/>
+            <p:cNvPicPr>
+              <a:picLocks noChangeAspect="1"/>
+            </p:cNvPicPr>
+            <p:nvPr/>
+          </p:nvPicPr>
+          <p:blipFill>
+            <a:blip r:embed="rId3"/>
+            <a:stretch>
+              <a:fillRect/>
+            </a:stretch>
+          </p:blipFill>
+          <p:spPr>
+            <a:xfrm>
+              <a:off x="6810381" y="1302609"/>
+              <a:ext cx="5180952" cy="3295238"/>
+            </a:xfrm>
+            <a:prstGeom prst="rect">
+              <a:avLst/>
+            </a:prstGeom>
+          </p:spPr>
+        </p:pic>
+        <p:pic>
+          <p:nvPicPr>
+            <p:cNvPr id="7" name="图片 12"/>
+            <p:cNvPicPr>
+              <a:picLocks noChangeAspect="1"/>
+            </p:cNvPicPr>
+            <p:nvPr/>
+          </p:nvPicPr>
+          <p:blipFill>
+            <a:blip r:embed="rId4"/>
+            <a:stretch>
+              <a:fillRect/>
+            </a:stretch>
+          </p:blipFill>
+          <p:spPr>
+            <a:xfrm>
+              <a:off x="7372952" y="4540652"/>
+              <a:ext cx="4819048" cy="1171429"/>
+            </a:xfrm>
+            <a:prstGeom prst="rect">
+              <a:avLst/>
+            </a:prstGeom>
+          </p:spPr>
+        </p:pic>
+      </p:grpSp>
+    </p:spTree>
+    <p:extLst>
+      <p:ext uri="{BB962C8B-B14F-4D97-AF65-F5344CB8AC3E}">
+        <p14:creationId xmlns:p14="http://schemas.microsoft.com/office/powerpoint/2010/main" val="4196403308"/>
+      </p:ext>
+    </p:extLst>
+  </p:cSld>
+  <p:clrMapOvr>
+    <a:masterClrMapping/>
+  </p:clrMapOvr>
+</p:sld>
+</file>
+
+<file path=ppt/slides/slide9.xml><?xml version="1.0" encoding="utf-8"?>
+<p:sld xmlns:a="http://schemas.openxmlformats.org/drawingml/2006/main" xmlns:r="http://schemas.openxmlformats.org/officeDocument/2006/relationships" xmlns:p="http://schemas.openxmlformats.org/presentationml/2006/main" show="0">
+  <p:cSld>
+    <p:spTree>
+      <p:nvGrpSpPr>
+        <p:cNvPr id="1" name=""/>
+        <p:cNvGrpSpPr/>
+        <p:nvPr/>
+      </p:nvGrpSpPr>
+      <p:grpSpPr>
+        <a:xfrm>
+          <a:off x="0" y="0"/>
+          <a:ext cx="0" cy="0"/>
+          <a:chOff x="0" y="0"/>
+          <a:chExt cx="0" cy="0"/>
+        </a:xfrm>
+      </p:grpSpPr>
+      <p:sp>
+        <p:nvSpPr>
+          <p:cNvPr id="2" name="Title 1"/>
+          <p:cNvSpPr>
+            <a:spLocks noGrp="1"/>
+          </p:cNvSpPr>
+          <p:nvPr>
+            <p:ph type="title"/>
+          </p:nvPr>
+        </p:nvSpPr>
+        <p:spPr/>
+        <p:txBody>
+          <a:bodyPr/>
+          <a:lstStyle/>
+          <a:p>
+            <a:endParaRPr lang="en-US" dirty="0"/>
+          </a:p>
+        </p:txBody>
+      </p:sp>
+      <p:pic>
+        <p:nvPicPr>
+          <p:cNvPr id="4" name="Content Placeholder 3"/>
+          <p:cNvPicPr>
+            <a:picLocks noGrp="1" noChangeAspect="1"/>
+          </p:cNvPicPr>
+          <p:nvPr>
+            <p:ph idx="1"/>
+          </p:nvPr>
+        </p:nvPicPr>
+        <p:blipFill>
+          <a:blip r:embed="rId2"/>
+          <a:stretch>
+            <a:fillRect/>
+          </a:stretch>
+        </p:blipFill>
+        <p:spPr>
+          <a:xfrm>
+            <a:off x="838200" y="1690688"/>
+            <a:ext cx="7534275" cy="2105025"/>
+          </a:xfrm>
+          <a:prstGeom prst="rect">
+            <a:avLst/>
+          </a:prstGeom>
+        </p:spPr>
+      </p:pic>
+      <p:sp>
+        <p:nvSpPr>
+          <p:cNvPr id="5" name="TextBox 4"/>
+          <p:cNvSpPr txBox="1"/>
+          <p:nvPr/>
+        </p:nvSpPr>
+        <p:spPr>
+          <a:xfrm>
+            <a:off x="1080655" y="4073236"/>
+            <a:ext cx="3633849" cy="369332"/>
+          </a:xfrm>
+          <a:prstGeom prst="rect">
+            <a:avLst/>
+          </a:prstGeom>
+          <a:noFill/>
+        </p:spPr>
+        <p:txBody>
+          <a:bodyPr wrap="square" rtlCol="0">
+            <a:spAutoFit/>
+          </a:bodyPr>
+          <a:lstStyle/>
+          <a:p>
+            <a:r>
+              <a:rPr lang="en-US" dirty="0" err="1"/>
+              <a:t>MapReduce</a:t>
+            </a:r>
+            <a:r>
+              <a:rPr lang="en-US" dirty="0"/>
+              <a:t> framework</a:t>
+            </a:r>
+          </a:p>
+        </p:txBody>
+      </p:sp>
+      <p:pic>
+        <p:nvPicPr>
+          <p:cNvPr id="3" name="图片 2"/>
+          <p:cNvPicPr>
+            <a:picLocks noChangeAspect="1"/>
+          </p:cNvPicPr>
+          <p:nvPr/>
+        </p:nvPicPr>
+        <p:blipFill>
+          <a:blip r:embed="rId3"/>
+          <a:stretch>
+            <a:fillRect/>
+          </a:stretch>
+        </p:blipFill>
+        <p:spPr>
+          <a:xfrm>
+            <a:off x="1080655" y="4442568"/>
+            <a:ext cx="9538045" cy="1912618"/>
+          </a:xfrm>
+          <a:prstGeom prst="rect">
+            <a:avLst/>
+          </a:prstGeom>
+        </p:spPr>
+      </p:pic>
+    </p:spTree>
+    <p:extLst>
+      <p:ext uri="{BB962C8B-B14F-4D97-AF65-F5344CB8AC3E}">
+        <p14:creationId xmlns:p14="http://schemas.microsoft.com/office/powerpoint/2010/main" val="952623810"/>
+      </p:ext>
+    </p:extLst>
+  </p:cSld>
+  <p:clrMapOvr>
+    <a:masterClrMapping/>
+  </p:clrMapOvr>
+  <mc:AlternateContent xmlns:mc="http://schemas.openxmlformats.org/markup-compatibility/2006">
+    <mc:Choice xmlns:p14="http://schemas.microsoft.com/office/powerpoint/2010/main" Requires="p14">
+      <p:transition spd="slow" p14:dur="2000"/>
+    </mc:Choice>
+    <mc:Fallback>
+      <p:transition spd="slow"/>
+    </mc:Fallback>
+  </mc:AlternateContent>
 </p:sld>
 </file>
 

--- a/distributed ML implementation.pptx
+++ b/distributed ML implementation.pptx
@@ -9,18 +9,22 @@
     <p:sldId id="257" r:id="rId3"/>
     <p:sldId id="274" r:id="rId4"/>
     <p:sldId id="268" r:id="rId5"/>
-    <p:sldId id="267" r:id="rId6"/>
-    <p:sldId id="269" r:id="rId7"/>
+    <p:sldId id="269" r:id="rId6"/>
+    <p:sldId id="276" r:id="rId7"/>
     <p:sldId id="271" r:id="rId8"/>
-    <p:sldId id="273" r:id="rId9"/>
-    <p:sldId id="258" r:id="rId10"/>
-    <p:sldId id="259" r:id="rId11"/>
-    <p:sldId id="260" r:id="rId12"/>
-    <p:sldId id="262" r:id="rId13"/>
-    <p:sldId id="261" r:id="rId14"/>
-    <p:sldId id="263" r:id="rId15"/>
-    <p:sldId id="264" r:id="rId16"/>
-    <p:sldId id="265" r:id="rId17"/>
+    <p:sldId id="278" r:id="rId9"/>
+    <p:sldId id="273" r:id="rId10"/>
+    <p:sldId id="279" r:id="rId11"/>
+    <p:sldId id="275" r:id="rId12"/>
+    <p:sldId id="267" r:id="rId13"/>
+    <p:sldId id="258" r:id="rId14"/>
+    <p:sldId id="259" r:id="rId15"/>
+    <p:sldId id="260" r:id="rId16"/>
+    <p:sldId id="262" r:id="rId17"/>
+    <p:sldId id="261" r:id="rId18"/>
+    <p:sldId id="263" r:id="rId19"/>
+    <p:sldId id="264" r:id="rId20"/>
+    <p:sldId id="265" r:id="rId21"/>
   </p:sldIdLst>
   <p:sldSz cx="12192000" cy="6858000"/>
   <p:notesSz cx="6858000" cy="9144000"/>
@@ -962,43 +966,6 @@
         </a:p>
       </dgm:t>
     </dgm:pt>
-    <dgm:pt modelId="{3E0B3E73-1D0F-4188-8C6F-0B71DED6C94B}">
-      <dgm:prSet phldrT="[Text]"/>
-      <dgm:spPr/>
-      <dgm:t>
-        <a:bodyPr/>
-        <a:lstStyle/>
-        <a:p>
-          <a:r>
-            <a:rPr lang="en-US" dirty="0" smtClean="0"/>
-            <a:t>Lock or lock-free</a:t>
-          </a:r>
-          <a:endParaRPr lang="en-US" dirty="0"/>
-        </a:p>
-      </dgm:t>
-    </dgm:pt>
-    <dgm:pt modelId="{AB0675C4-41C1-48C0-9D05-D19519CEC6B9}" type="parTrans" cxnId="{4819AC2F-4C50-46ED-A9D7-4FF918233A5C}">
-      <dgm:prSet/>
-      <dgm:spPr/>
-      <dgm:t>
-        <a:bodyPr/>
-        <a:lstStyle/>
-        <a:p>
-          <a:endParaRPr lang="en-US"/>
-        </a:p>
-      </dgm:t>
-    </dgm:pt>
-    <dgm:pt modelId="{D7EFABC8-50B6-48EA-92ED-1C38D56B885C}" type="sibTrans" cxnId="{4819AC2F-4C50-46ED-A9D7-4FF918233A5C}">
-      <dgm:prSet/>
-      <dgm:spPr/>
-      <dgm:t>
-        <a:bodyPr/>
-        <a:lstStyle/>
-        <a:p>
-          <a:endParaRPr lang="en-US"/>
-        </a:p>
-      </dgm:t>
-    </dgm:pt>
     <dgm:pt modelId="{14174B36-1283-4237-BF05-964DA7F6F345}">
       <dgm:prSet phldrT="[Text]"/>
       <dgm:spPr/>
@@ -1159,6 +1126,43 @@
         </a:p>
       </dgm:t>
     </dgm:pt>
+    <dgm:pt modelId="{3E0B3E73-1D0F-4188-8C6F-0B71DED6C94B}">
+      <dgm:prSet phldrT="[Text]"/>
+      <dgm:spPr/>
+      <dgm:t>
+        <a:bodyPr/>
+        <a:lstStyle/>
+        <a:p>
+          <a:r>
+            <a:rPr lang="en-US" dirty="0" smtClean="0"/>
+            <a:t>Lock or lock-free</a:t>
+          </a:r>
+          <a:endParaRPr lang="en-US" dirty="0"/>
+        </a:p>
+      </dgm:t>
+    </dgm:pt>
+    <dgm:pt modelId="{D7EFABC8-50B6-48EA-92ED-1C38D56B885C}" type="sibTrans" cxnId="{4819AC2F-4C50-46ED-A9D7-4FF918233A5C}">
+      <dgm:prSet/>
+      <dgm:spPr/>
+      <dgm:t>
+        <a:bodyPr/>
+        <a:lstStyle/>
+        <a:p>
+          <a:endParaRPr lang="en-US"/>
+        </a:p>
+      </dgm:t>
+    </dgm:pt>
+    <dgm:pt modelId="{AB0675C4-41C1-48C0-9D05-D19519CEC6B9}" type="parTrans" cxnId="{4819AC2F-4C50-46ED-A9D7-4FF918233A5C}">
+      <dgm:prSet/>
+      <dgm:spPr/>
+      <dgm:t>
+        <a:bodyPr/>
+        <a:lstStyle/>
+        <a:p>
+          <a:endParaRPr lang="en-US"/>
+        </a:p>
+      </dgm:t>
+    </dgm:pt>
     <dgm:pt modelId="{515FA575-8E46-4852-9414-D801DFD0425A}" type="pres">
       <dgm:prSet presAssocID="{0CF73B44-77BF-45B7-AA16-DC3B6034908C}" presName="diagram" presStyleCnt="0">
         <dgm:presLayoutVars>
@@ -1170,6 +1174,13 @@
         </dgm:presLayoutVars>
       </dgm:prSet>
       <dgm:spPr/>
+      <dgm:t>
+        <a:bodyPr/>
+        <a:lstStyle/>
+        <a:p>
+          <a:endParaRPr lang="zh-CN" altLang="en-US"/>
+        </a:p>
+      </dgm:t>
     </dgm:pt>
     <dgm:pt modelId="{940C56FA-DC4D-49B8-873B-23C0A22BC23E}" type="pres">
       <dgm:prSet presAssocID="{DCC84CE6-3670-4622-990A-2DCE875D2009}" presName="root1" presStyleCnt="0"/>
@@ -1197,10 +1208,24 @@
     <dgm:pt modelId="{C2608FB5-C0EB-40FF-B25B-4B664BFDFF09}" type="pres">
       <dgm:prSet presAssocID="{B6AD514D-B1A7-4A28-B435-F2933A63119D}" presName="conn2-1" presStyleLbl="parChTrans1D2" presStyleIdx="0" presStyleCnt="3"/>
       <dgm:spPr/>
+      <dgm:t>
+        <a:bodyPr/>
+        <a:lstStyle/>
+        <a:p>
+          <a:endParaRPr lang="zh-CN" altLang="en-US"/>
+        </a:p>
+      </dgm:t>
     </dgm:pt>
     <dgm:pt modelId="{5074FFB7-2B4F-40EB-A10F-4F44D389C493}" type="pres">
       <dgm:prSet presAssocID="{B6AD514D-B1A7-4A28-B435-F2933A63119D}" presName="connTx" presStyleLbl="parChTrans1D2" presStyleIdx="0" presStyleCnt="3"/>
       <dgm:spPr/>
+      <dgm:t>
+        <a:bodyPr/>
+        <a:lstStyle/>
+        <a:p>
+          <a:endParaRPr lang="zh-CN" altLang="en-US"/>
+        </a:p>
+      </dgm:t>
     </dgm:pt>
     <dgm:pt modelId="{D0B1643B-6703-46D1-AB2F-FF088262CDAF}" type="pres">
       <dgm:prSet presAssocID="{FBFB7BA6-8C34-4BA9-B087-F55736F6E652}" presName="root2" presStyleCnt="0"/>
@@ -1228,10 +1253,24 @@
     <dgm:pt modelId="{7ABA2DC0-F7AF-4091-96C8-639958731126}" type="pres">
       <dgm:prSet presAssocID="{AB0675C4-41C1-48C0-9D05-D19519CEC6B9}" presName="conn2-1" presStyleLbl="parChTrans1D3" presStyleIdx="0" presStyleCnt="3"/>
       <dgm:spPr/>
+      <dgm:t>
+        <a:bodyPr/>
+        <a:lstStyle/>
+        <a:p>
+          <a:endParaRPr lang="zh-CN" altLang="en-US"/>
+        </a:p>
+      </dgm:t>
     </dgm:pt>
     <dgm:pt modelId="{1B37AF91-5936-4814-A08E-CFA74CD80FD1}" type="pres">
       <dgm:prSet presAssocID="{AB0675C4-41C1-48C0-9D05-D19519CEC6B9}" presName="connTx" presStyleLbl="parChTrans1D3" presStyleIdx="0" presStyleCnt="3"/>
       <dgm:spPr/>
+      <dgm:t>
+        <a:bodyPr/>
+        <a:lstStyle/>
+        <a:p>
+          <a:endParaRPr lang="zh-CN" altLang="en-US"/>
+        </a:p>
+      </dgm:t>
     </dgm:pt>
     <dgm:pt modelId="{59013342-78ED-4F34-A060-1C721649E883}" type="pres">
       <dgm:prSet presAssocID="{3E0B3E73-1D0F-4188-8C6F-0B71DED6C94B}" presName="root2" presStyleCnt="0"/>
@@ -1259,10 +1298,24 @@
     <dgm:pt modelId="{6725C2BF-0B99-43B3-856C-333214BDA2A1}" type="pres">
       <dgm:prSet presAssocID="{EB7AF101-2092-4333-85A7-1747FA2D9FF6}" presName="conn2-1" presStyleLbl="parChTrans1D2" presStyleIdx="1" presStyleCnt="3"/>
       <dgm:spPr/>
+      <dgm:t>
+        <a:bodyPr/>
+        <a:lstStyle/>
+        <a:p>
+          <a:endParaRPr lang="zh-CN" altLang="en-US"/>
+        </a:p>
+      </dgm:t>
     </dgm:pt>
     <dgm:pt modelId="{904F82E5-E25A-4B1C-AF8D-618C399B1C93}" type="pres">
       <dgm:prSet presAssocID="{EB7AF101-2092-4333-85A7-1747FA2D9FF6}" presName="connTx" presStyleLbl="parChTrans1D2" presStyleIdx="1" presStyleCnt="3"/>
       <dgm:spPr/>
+      <dgm:t>
+        <a:bodyPr/>
+        <a:lstStyle/>
+        <a:p>
+          <a:endParaRPr lang="zh-CN" altLang="en-US"/>
+        </a:p>
+      </dgm:t>
     </dgm:pt>
     <dgm:pt modelId="{3D9C6253-02FB-4B73-A3DD-E854DB84BD3F}" type="pres">
       <dgm:prSet presAssocID="{14174B36-1283-4237-BF05-964DA7F6F345}" presName="root2" presStyleCnt="0"/>
@@ -1275,6 +1328,13 @@
         </dgm:presLayoutVars>
       </dgm:prSet>
       <dgm:spPr/>
+      <dgm:t>
+        <a:bodyPr/>
+        <a:lstStyle/>
+        <a:p>
+          <a:endParaRPr lang="zh-CN" altLang="en-US"/>
+        </a:p>
+      </dgm:t>
     </dgm:pt>
     <dgm:pt modelId="{C1818C5E-1B84-4C07-AA99-FDE364B99BAC}" type="pres">
       <dgm:prSet presAssocID="{14174B36-1283-4237-BF05-964DA7F6F345}" presName="level3hierChild" presStyleCnt="0"/>
@@ -1283,10 +1343,24 @@
     <dgm:pt modelId="{C7869CDA-7DB8-48F4-A2D5-97CE06735D7A}" type="pres">
       <dgm:prSet presAssocID="{1C530046-783B-450D-A25E-184E88F968F9}" presName="conn2-1" presStyleLbl="parChTrans1D3" presStyleIdx="1" presStyleCnt="3"/>
       <dgm:spPr/>
+      <dgm:t>
+        <a:bodyPr/>
+        <a:lstStyle/>
+        <a:p>
+          <a:endParaRPr lang="zh-CN" altLang="en-US"/>
+        </a:p>
+      </dgm:t>
     </dgm:pt>
     <dgm:pt modelId="{59F2B924-EFD5-490A-9C0F-6EBE85E855F3}" type="pres">
       <dgm:prSet presAssocID="{1C530046-783B-450D-A25E-184E88F968F9}" presName="connTx" presStyleLbl="parChTrans1D3" presStyleIdx="1" presStyleCnt="3"/>
       <dgm:spPr/>
+      <dgm:t>
+        <a:bodyPr/>
+        <a:lstStyle/>
+        <a:p>
+          <a:endParaRPr lang="zh-CN" altLang="en-US"/>
+        </a:p>
+      </dgm:t>
     </dgm:pt>
     <dgm:pt modelId="{824776D7-94D5-4D47-A7FB-00E28D833E47}" type="pres">
       <dgm:prSet presAssocID="{52BF06A9-5614-48BB-8BEC-908A78942CFE}" presName="root2" presStyleCnt="0"/>
@@ -1314,10 +1388,24 @@
     <dgm:pt modelId="{D7B7B0CE-858B-4495-BAEE-990D8199C366}" type="pres">
       <dgm:prSet presAssocID="{1C4CA50E-5DBB-4D1F-9EBE-4BE37B0E6F96}" presName="conn2-1" presStyleLbl="parChTrans1D3" presStyleIdx="2" presStyleCnt="3"/>
       <dgm:spPr/>
+      <dgm:t>
+        <a:bodyPr/>
+        <a:lstStyle/>
+        <a:p>
+          <a:endParaRPr lang="zh-CN" altLang="en-US"/>
+        </a:p>
+      </dgm:t>
     </dgm:pt>
     <dgm:pt modelId="{57C6595A-08C2-4637-8E25-44DB185A9B23}" type="pres">
       <dgm:prSet presAssocID="{1C4CA50E-5DBB-4D1F-9EBE-4BE37B0E6F96}" presName="connTx" presStyleLbl="parChTrans1D3" presStyleIdx="2" presStyleCnt="3"/>
       <dgm:spPr/>
+      <dgm:t>
+        <a:bodyPr/>
+        <a:lstStyle/>
+        <a:p>
+          <a:endParaRPr lang="zh-CN" altLang="en-US"/>
+        </a:p>
+      </dgm:t>
     </dgm:pt>
     <dgm:pt modelId="{8A8F78F8-A6CD-417A-A580-225EBAA73D1B}" type="pres">
       <dgm:prSet presAssocID="{20090AF5-B490-4FC8-B4FD-915829A2380B}" presName="root2" presStyleCnt="0"/>
@@ -1345,10 +1433,24 @@
     <dgm:pt modelId="{49921C65-B9FD-4174-A688-D1DACC224122}" type="pres">
       <dgm:prSet presAssocID="{CB923EAA-9A72-4EFA-A98B-B22FE3512700}" presName="conn2-1" presStyleLbl="parChTrans1D2" presStyleIdx="2" presStyleCnt="3"/>
       <dgm:spPr/>
+      <dgm:t>
+        <a:bodyPr/>
+        <a:lstStyle/>
+        <a:p>
+          <a:endParaRPr lang="zh-CN" altLang="en-US"/>
+        </a:p>
+      </dgm:t>
     </dgm:pt>
     <dgm:pt modelId="{1A903049-8FA4-4156-973D-D003A4A7BC3A}" type="pres">
       <dgm:prSet presAssocID="{CB923EAA-9A72-4EFA-A98B-B22FE3512700}" presName="connTx" presStyleLbl="parChTrans1D2" presStyleIdx="2" presStyleCnt="3"/>
       <dgm:spPr/>
+      <dgm:t>
+        <a:bodyPr/>
+        <a:lstStyle/>
+        <a:p>
+          <a:endParaRPr lang="zh-CN" altLang="en-US"/>
+        </a:p>
+      </dgm:t>
     </dgm:pt>
     <dgm:pt modelId="{4FC3E194-F740-49FC-9F30-523F6BFC7DCA}" type="pres">
       <dgm:prSet presAssocID="{AE2EE350-3C9F-4D03-B39A-172733A82297}" presName="root2" presStyleCnt="0"/>
@@ -1376,32 +1478,32 @@
   </dgm:ptLst>
   <dgm:cxnLst>
     <dgm:cxn modelId="{A9921C3C-F1C1-4072-8675-8C718DAA2628}" type="presOf" srcId="{0CF73B44-77BF-45B7-AA16-DC3B6034908C}" destId="{515FA575-8E46-4852-9414-D801DFD0425A}" srcOrd="0" destOrd="0" presId="urn:microsoft.com/office/officeart/2005/8/layout/hierarchy2"/>
+    <dgm:cxn modelId="{6D133932-4DB4-4891-8946-5852FD6EEA2F}" srcId="{0CF73B44-77BF-45B7-AA16-DC3B6034908C}" destId="{DCC84CE6-3670-4622-990A-2DCE875D2009}" srcOrd="0" destOrd="0" parTransId="{8173D371-1DF3-428B-A7B1-10A7A9521CEA}" sibTransId="{F38A8837-D4B6-4726-B710-981439CFDB11}"/>
+    <dgm:cxn modelId="{7CF95B9F-38BC-4B22-B453-E03E29E7734D}" type="presOf" srcId="{B6AD514D-B1A7-4A28-B435-F2933A63119D}" destId="{5074FFB7-2B4F-40EB-A10F-4F44D389C493}" srcOrd="1" destOrd="0" presId="urn:microsoft.com/office/officeart/2005/8/layout/hierarchy2"/>
+    <dgm:cxn modelId="{18E3EE3E-E0A7-421E-B8C9-000F7307988E}" type="presOf" srcId="{EB7AF101-2092-4333-85A7-1747FA2D9FF6}" destId="{904F82E5-E25A-4B1C-AF8D-618C399B1C93}" srcOrd="1" destOrd="0" presId="urn:microsoft.com/office/officeart/2005/8/layout/hierarchy2"/>
+    <dgm:cxn modelId="{BE216CE5-9C32-4864-A531-91F3C058C0A8}" type="presOf" srcId="{1C530046-783B-450D-A25E-184E88F968F9}" destId="{C7869CDA-7DB8-48F4-A2D5-97CE06735D7A}" srcOrd="0" destOrd="0" presId="urn:microsoft.com/office/officeart/2005/8/layout/hierarchy2"/>
+    <dgm:cxn modelId="{AEDE11F7-F5D4-4BE7-8A41-EC055EDC40D7}" srcId="{14174B36-1283-4237-BF05-964DA7F6F345}" destId="{52BF06A9-5614-48BB-8BEC-908A78942CFE}" srcOrd="0" destOrd="0" parTransId="{1C530046-783B-450D-A25E-184E88F968F9}" sibTransId="{FFFCD822-E1CE-4137-A8F9-2B436EE050A9}"/>
+    <dgm:cxn modelId="{C140BF5A-2529-4421-95FA-5D46C0EFFB32}" type="presOf" srcId="{DCC84CE6-3670-4622-990A-2DCE875D2009}" destId="{0E011C3C-5E30-49BD-A5EE-888ED5846A80}" srcOrd="0" destOrd="0" presId="urn:microsoft.com/office/officeart/2005/8/layout/hierarchy2"/>
+    <dgm:cxn modelId="{946AE0E8-5A79-449D-96EA-73227E3681C6}" type="presOf" srcId="{AB0675C4-41C1-48C0-9D05-D19519CEC6B9}" destId="{1B37AF91-5936-4814-A08E-CFA74CD80FD1}" srcOrd="1" destOrd="0" presId="urn:microsoft.com/office/officeart/2005/8/layout/hierarchy2"/>
+    <dgm:cxn modelId="{0CF11CAD-6226-43C7-BF1E-76586CC38057}" type="presOf" srcId="{14174B36-1283-4237-BF05-964DA7F6F345}" destId="{85F8ABDE-79A8-4304-89F5-2565E4BB2AA2}" srcOrd="0" destOrd="0" presId="urn:microsoft.com/office/officeart/2005/8/layout/hierarchy2"/>
+    <dgm:cxn modelId="{FE9E5DD4-CCE3-42F5-8B2E-917BBF2B5E16}" srcId="{14174B36-1283-4237-BF05-964DA7F6F345}" destId="{20090AF5-B490-4FC8-B4FD-915829A2380B}" srcOrd="1" destOrd="0" parTransId="{1C4CA50E-5DBB-4D1F-9EBE-4BE37B0E6F96}" sibTransId="{9B8262B1-D290-4E7D-BC5D-AE25D3036551}"/>
+    <dgm:cxn modelId="{76D0C4B8-F69A-40C0-9698-9C8A7B5C533A}" srcId="{DCC84CE6-3670-4622-990A-2DCE875D2009}" destId="{FBFB7BA6-8C34-4BA9-B087-F55736F6E652}" srcOrd="0" destOrd="0" parTransId="{B6AD514D-B1A7-4A28-B435-F2933A63119D}" sibTransId="{01918BFD-2537-48D0-A277-7E857ED7293F}"/>
+    <dgm:cxn modelId="{8F100D50-168E-4963-9C8A-D78B92686C84}" type="presOf" srcId="{AE2EE350-3C9F-4D03-B39A-172733A82297}" destId="{4EBE53B0-B54B-41B6-B79B-91EF55C77EBB}" srcOrd="0" destOrd="0" presId="urn:microsoft.com/office/officeart/2005/8/layout/hierarchy2"/>
+    <dgm:cxn modelId="{F3DA270B-BADF-4771-8471-8F5A36257E41}" type="presOf" srcId="{1C4CA50E-5DBB-4D1F-9EBE-4BE37B0E6F96}" destId="{57C6595A-08C2-4637-8E25-44DB185A9B23}" srcOrd="1" destOrd="0" presId="urn:microsoft.com/office/officeart/2005/8/layout/hierarchy2"/>
+    <dgm:cxn modelId="{38970CDD-6820-43A8-AD2D-07712E0CA5DC}" type="presOf" srcId="{1C530046-783B-450D-A25E-184E88F968F9}" destId="{59F2B924-EFD5-490A-9C0F-6EBE85E855F3}" srcOrd="1" destOrd="0" presId="urn:microsoft.com/office/officeart/2005/8/layout/hierarchy2"/>
+    <dgm:cxn modelId="{DA0E6386-88D1-4EB6-9AAB-512295CA6D53}" type="presOf" srcId="{CB923EAA-9A72-4EFA-A98B-B22FE3512700}" destId="{49921C65-B9FD-4174-A688-D1DACC224122}" srcOrd="0" destOrd="0" presId="urn:microsoft.com/office/officeart/2005/8/layout/hierarchy2"/>
+    <dgm:cxn modelId="{A0436586-6B1A-4F9F-AF16-874961961C56}" type="presOf" srcId="{3E0B3E73-1D0F-4188-8C6F-0B71DED6C94B}" destId="{0904A991-9ECC-4DE4-9E42-D0CD34715196}" srcOrd="0" destOrd="0" presId="urn:microsoft.com/office/officeart/2005/8/layout/hierarchy2"/>
+    <dgm:cxn modelId="{6DD44233-3A0A-4109-866E-E5AD93BC4505}" type="presOf" srcId="{20090AF5-B490-4FC8-B4FD-915829A2380B}" destId="{CF0D6EA4-ED52-4EE1-A317-ABF4161C83C8}" srcOrd="0" destOrd="0" presId="urn:microsoft.com/office/officeart/2005/8/layout/hierarchy2"/>
+    <dgm:cxn modelId="{4819AC2F-4C50-46ED-A9D7-4FF918233A5C}" srcId="{FBFB7BA6-8C34-4BA9-B087-F55736F6E652}" destId="{3E0B3E73-1D0F-4188-8C6F-0B71DED6C94B}" srcOrd="0" destOrd="0" parTransId="{AB0675C4-41C1-48C0-9D05-D19519CEC6B9}" sibTransId="{D7EFABC8-50B6-48EA-92ED-1C38D56B885C}"/>
+    <dgm:cxn modelId="{47875CE9-2729-4206-A5B4-828EFB8A3ED5}" type="presOf" srcId="{FBFB7BA6-8C34-4BA9-B087-F55736F6E652}" destId="{3D7B670C-17A0-4EBD-88DF-5E9C75EA0C35}" srcOrd="0" destOrd="0" presId="urn:microsoft.com/office/officeart/2005/8/layout/hierarchy2"/>
     <dgm:cxn modelId="{571D0872-F35D-42A6-BFFC-BD88B1F8251D}" type="presOf" srcId="{B6AD514D-B1A7-4A28-B435-F2933A63119D}" destId="{C2608FB5-C0EB-40FF-B25B-4B664BFDFF09}" srcOrd="0" destOrd="0" presId="urn:microsoft.com/office/officeart/2005/8/layout/hierarchy2"/>
-    <dgm:cxn modelId="{47875CE9-2729-4206-A5B4-828EFB8A3ED5}" type="presOf" srcId="{FBFB7BA6-8C34-4BA9-B087-F55736F6E652}" destId="{3D7B670C-17A0-4EBD-88DF-5E9C75EA0C35}" srcOrd="0" destOrd="0" presId="urn:microsoft.com/office/officeart/2005/8/layout/hierarchy2"/>
+    <dgm:cxn modelId="{ABEF48AA-1D75-432D-AA33-8846EC11298A}" srcId="{DCC84CE6-3670-4622-990A-2DCE875D2009}" destId="{14174B36-1283-4237-BF05-964DA7F6F345}" srcOrd="1" destOrd="0" parTransId="{EB7AF101-2092-4333-85A7-1747FA2D9FF6}" sibTransId="{97541F8B-84F7-45BD-9AE8-4AE7C49FE08C}"/>
+    <dgm:cxn modelId="{3C3193BE-8072-4F4A-A240-0361F4300DE0}" type="presOf" srcId="{CB923EAA-9A72-4EFA-A98B-B22FE3512700}" destId="{1A903049-8FA4-4156-973D-D003A4A7BC3A}" srcOrd="1" destOrd="0" presId="urn:microsoft.com/office/officeart/2005/8/layout/hierarchy2"/>
+    <dgm:cxn modelId="{38601B76-82F9-4DB0-A84F-8BB0906D96EF}" srcId="{DCC84CE6-3670-4622-990A-2DCE875D2009}" destId="{AE2EE350-3C9F-4D03-B39A-172733A82297}" srcOrd="2" destOrd="0" parTransId="{CB923EAA-9A72-4EFA-A98B-B22FE3512700}" sibTransId="{DE267A96-D89A-4ECC-97F8-0B8178FD311A}"/>
+    <dgm:cxn modelId="{5DA969DF-8D12-4067-B675-337C33ABC5E3}" type="presOf" srcId="{52BF06A9-5614-48BB-8BEC-908A78942CFE}" destId="{F41BFDD1-7DC8-4B34-90D4-7B7DAB572A68}" srcOrd="0" destOrd="0" presId="urn:microsoft.com/office/officeart/2005/8/layout/hierarchy2"/>
     <dgm:cxn modelId="{B7C05156-519D-4100-B07C-6FC8B23F234E}" type="presOf" srcId="{EB7AF101-2092-4333-85A7-1747FA2D9FF6}" destId="{6725C2BF-0B99-43B3-856C-333214BDA2A1}" srcOrd="0" destOrd="0" presId="urn:microsoft.com/office/officeart/2005/8/layout/hierarchy2"/>
-    <dgm:cxn modelId="{18E3EE3E-E0A7-421E-B8C9-000F7307988E}" type="presOf" srcId="{EB7AF101-2092-4333-85A7-1747FA2D9FF6}" destId="{904F82E5-E25A-4B1C-AF8D-618C399B1C93}" srcOrd="1" destOrd="0" presId="urn:microsoft.com/office/officeart/2005/8/layout/hierarchy2"/>
-    <dgm:cxn modelId="{38970CDD-6820-43A8-AD2D-07712E0CA5DC}" type="presOf" srcId="{1C530046-783B-450D-A25E-184E88F968F9}" destId="{59F2B924-EFD5-490A-9C0F-6EBE85E855F3}" srcOrd="1" destOrd="0" presId="urn:microsoft.com/office/officeart/2005/8/layout/hierarchy2"/>
-    <dgm:cxn modelId="{7CF95B9F-38BC-4B22-B453-E03E29E7734D}" type="presOf" srcId="{B6AD514D-B1A7-4A28-B435-F2933A63119D}" destId="{5074FFB7-2B4F-40EB-A10F-4F44D389C493}" srcOrd="1" destOrd="0" presId="urn:microsoft.com/office/officeart/2005/8/layout/hierarchy2"/>
-    <dgm:cxn modelId="{6DD44233-3A0A-4109-866E-E5AD93BC4505}" type="presOf" srcId="{20090AF5-B490-4FC8-B4FD-915829A2380B}" destId="{CF0D6EA4-ED52-4EE1-A317-ABF4161C83C8}" srcOrd="0" destOrd="0" presId="urn:microsoft.com/office/officeart/2005/8/layout/hierarchy2"/>
-    <dgm:cxn modelId="{A0436586-6B1A-4F9F-AF16-874961961C56}" type="presOf" srcId="{3E0B3E73-1D0F-4188-8C6F-0B71DED6C94B}" destId="{0904A991-9ECC-4DE4-9E42-D0CD34715196}" srcOrd="0" destOrd="0" presId="urn:microsoft.com/office/officeart/2005/8/layout/hierarchy2"/>
-    <dgm:cxn modelId="{76D0C4B8-F69A-40C0-9698-9C8A7B5C533A}" srcId="{DCC84CE6-3670-4622-990A-2DCE875D2009}" destId="{FBFB7BA6-8C34-4BA9-B087-F55736F6E652}" srcOrd="0" destOrd="0" parTransId="{B6AD514D-B1A7-4A28-B435-F2933A63119D}" sibTransId="{01918BFD-2537-48D0-A277-7E857ED7293F}"/>
-    <dgm:cxn modelId="{C140BF5A-2529-4421-95FA-5D46C0EFFB32}" type="presOf" srcId="{DCC84CE6-3670-4622-990A-2DCE875D2009}" destId="{0E011C3C-5E30-49BD-A5EE-888ED5846A80}" srcOrd="0" destOrd="0" presId="urn:microsoft.com/office/officeart/2005/8/layout/hierarchy2"/>
-    <dgm:cxn modelId="{F3DA270B-BADF-4771-8471-8F5A36257E41}" type="presOf" srcId="{1C4CA50E-5DBB-4D1F-9EBE-4BE37B0E6F96}" destId="{57C6595A-08C2-4637-8E25-44DB185A9B23}" srcOrd="1" destOrd="0" presId="urn:microsoft.com/office/officeart/2005/8/layout/hierarchy2"/>
-    <dgm:cxn modelId="{ABEF48AA-1D75-432D-AA33-8846EC11298A}" srcId="{DCC84CE6-3670-4622-990A-2DCE875D2009}" destId="{14174B36-1283-4237-BF05-964DA7F6F345}" srcOrd="1" destOrd="0" parTransId="{EB7AF101-2092-4333-85A7-1747FA2D9FF6}" sibTransId="{97541F8B-84F7-45BD-9AE8-4AE7C49FE08C}"/>
-    <dgm:cxn modelId="{38601B76-82F9-4DB0-A84F-8BB0906D96EF}" srcId="{DCC84CE6-3670-4622-990A-2DCE875D2009}" destId="{AE2EE350-3C9F-4D03-B39A-172733A82297}" srcOrd="2" destOrd="0" parTransId="{CB923EAA-9A72-4EFA-A98B-B22FE3512700}" sibTransId="{DE267A96-D89A-4ECC-97F8-0B8178FD311A}"/>
-    <dgm:cxn modelId="{AEDE11F7-F5D4-4BE7-8A41-EC055EDC40D7}" srcId="{14174B36-1283-4237-BF05-964DA7F6F345}" destId="{52BF06A9-5614-48BB-8BEC-908A78942CFE}" srcOrd="0" destOrd="0" parTransId="{1C530046-783B-450D-A25E-184E88F968F9}" sibTransId="{FFFCD822-E1CE-4137-A8F9-2B436EE050A9}"/>
-    <dgm:cxn modelId="{8F100D50-168E-4963-9C8A-D78B92686C84}" type="presOf" srcId="{AE2EE350-3C9F-4D03-B39A-172733A82297}" destId="{4EBE53B0-B54B-41B6-B79B-91EF55C77EBB}" srcOrd="0" destOrd="0" presId="urn:microsoft.com/office/officeart/2005/8/layout/hierarchy2"/>
-    <dgm:cxn modelId="{946AE0E8-5A79-449D-96EA-73227E3681C6}" type="presOf" srcId="{AB0675C4-41C1-48C0-9D05-D19519CEC6B9}" destId="{1B37AF91-5936-4814-A08E-CFA74CD80FD1}" srcOrd="1" destOrd="0" presId="urn:microsoft.com/office/officeart/2005/8/layout/hierarchy2"/>
-    <dgm:cxn modelId="{DA0E6386-88D1-4EB6-9AAB-512295CA6D53}" type="presOf" srcId="{CB923EAA-9A72-4EFA-A98B-B22FE3512700}" destId="{49921C65-B9FD-4174-A688-D1DACC224122}" srcOrd="0" destOrd="0" presId="urn:microsoft.com/office/officeart/2005/8/layout/hierarchy2"/>
-    <dgm:cxn modelId="{0CF11CAD-6226-43C7-BF1E-76586CC38057}" type="presOf" srcId="{14174B36-1283-4237-BF05-964DA7F6F345}" destId="{85F8ABDE-79A8-4304-89F5-2565E4BB2AA2}" srcOrd="0" destOrd="0" presId="urn:microsoft.com/office/officeart/2005/8/layout/hierarchy2"/>
-    <dgm:cxn modelId="{5DA969DF-8D12-4067-B675-337C33ABC5E3}" type="presOf" srcId="{52BF06A9-5614-48BB-8BEC-908A78942CFE}" destId="{F41BFDD1-7DC8-4B34-90D4-7B7DAB572A68}" srcOrd="0" destOrd="0" presId="urn:microsoft.com/office/officeart/2005/8/layout/hierarchy2"/>
-    <dgm:cxn modelId="{BE216CE5-9C32-4864-A531-91F3C058C0A8}" type="presOf" srcId="{1C530046-783B-450D-A25E-184E88F968F9}" destId="{C7869CDA-7DB8-48F4-A2D5-97CE06735D7A}" srcOrd="0" destOrd="0" presId="urn:microsoft.com/office/officeart/2005/8/layout/hierarchy2"/>
-    <dgm:cxn modelId="{4819AC2F-4C50-46ED-A9D7-4FF918233A5C}" srcId="{FBFB7BA6-8C34-4BA9-B087-F55736F6E652}" destId="{3E0B3E73-1D0F-4188-8C6F-0B71DED6C94B}" srcOrd="0" destOrd="0" parTransId="{AB0675C4-41C1-48C0-9D05-D19519CEC6B9}" sibTransId="{D7EFABC8-50B6-48EA-92ED-1C38D56B885C}"/>
+    <dgm:cxn modelId="{1A63E22A-1A14-4D30-AB76-91606D7368B5}" type="presOf" srcId="{AB0675C4-41C1-48C0-9D05-D19519CEC6B9}" destId="{7ABA2DC0-F7AF-4091-96C8-639958731126}" srcOrd="0" destOrd="0" presId="urn:microsoft.com/office/officeart/2005/8/layout/hierarchy2"/>
     <dgm:cxn modelId="{D33416DB-D87C-45B4-8EF9-1E067C1AA023}" type="presOf" srcId="{1C4CA50E-5DBB-4D1F-9EBE-4BE37B0E6F96}" destId="{D7B7B0CE-858B-4495-BAEE-990D8199C366}" srcOrd="0" destOrd="0" presId="urn:microsoft.com/office/officeart/2005/8/layout/hierarchy2"/>
-    <dgm:cxn modelId="{FE9E5DD4-CCE3-42F5-8B2E-917BBF2B5E16}" srcId="{14174B36-1283-4237-BF05-964DA7F6F345}" destId="{20090AF5-B490-4FC8-B4FD-915829A2380B}" srcOrd="1" destOrd="0" parTransId="{1C4CA50E-5DBB-4D1F-9EBE-4BE37B0E6F96}" sibTransId="{9B8262B1-D290-4E7D-BC5D-AE25D3036551}"/>
-    <dgm:cxn modelId="{6D133932-4DB4-4891-8946-5852FD6EEA2F}" srcId="{0CF73B44-77BF-45B7-AA16-DC3B6034908C}" destId="{DCC84CE6-3670-4622-990A-2DCE875D2009}" srcOrd="0" destOrd="0" parTransId="{8173D371-1DF3-428B-A7B1-10A7A9521CEA}" sibTransId="{F38A8837-D4B6-4726-B710-981439CFDB11}"/>
-    <dgm:cxn modelId="{1A63E22A-1A14-4D30-AB76-91606D7368B5}" type="presOf" srcId="{AB0675C4-41C1-48C0-9D05-D19519CEC6B9}" destId="{7ABA2DC0-F7AF-4091-96C8-639958731126}" srcOrd="0" destOrd="0" presId="urn:microsoft.com/office/officeart/2005/8/layout/hierarchy2"/>
-    <dgm:cxn modelId="{3C3193BE-8072-4F4A-A240-0361F4300DE0}" type="presOf" srcId="{CB923EAA-9A72-4EFA-A98B-B22FE3512700}" destId="{1A903049-8FA4-4156-973D-D003A4A7BC3A}" srcOrd="1" destOrd="0" presId="urn:microsoft.com/office/officeart/2005/8/layout/hierarchy2"/>
     <dgm:cxn modelId="{AAF2C9F7-C5D5-4C25-BDF0-B93E46FFF55C}" type="presParOf" srcId="{515FA575-8E46-4852-9414-D801DFD0425A}" destId="{940C56FA-DC4D-49B8-873B-23C0A22BC23E}" srcOrd="0" destOrd="0" presId="urn:microsoft.com/office/officeart/2005/8/layout/hierarchy2"/>
     <dgm:cxn modelId="{1AD6ED92-0994-46A3-9BB7-589897C90A96}" type="presParOf" srcId="{940C56FA-DC4D-49B8-873B-23C0A22BC23E}" destId="{0E011C3C-5E30-49BD-A5EE-888ED5846A80}" srcOrd="0" destOrd="0" presId="urn:microsoft.com/office/officeart/2005/8/layout/hierarchy2"/>
     <dgm:cxn modelId="{8691B7CC-326E-48C7-91D8-64CD5EE10ED1}" type="presParOf" srcId="{940C56FA-DC4D-49B8-873B-23C0A22BC23E}" destId="{5E71AAD2-7F5F-4EF7-8BE9-01C366D5BFE7}" srcOrd="1" destOrd="0" presId="urn:microsoft.com/office/officeart/2005/8/layout/hierarchy2"/>
@@ -6786,10 +6888,1102 @@
   <p:clrMapOvr>
     <a:masterClrMapping/>
   </p:clrMapOvr>
+  <p:timing>
+    <p:tnLst>
+      <p:par>
+        <p:cTn id="1" dur="indefinite" restart="never" nodeType="tmRoot"/>
+      </p:par>
+    </p:tnLst>
+  </p:timing>
 </p:sld>
 </file>
 
 <file path=ppt/slides/slide10.xml><?xml version="1.0" encoding="utf-8"?>
+<p:sld xmlns:a="http://schemas.openxmlformats.org/drawingml/2006/main" xmlns:r="http://schemas.openxmlformats.org/officeDocument/2006/relationships" xmlns:p="http://schemas.openxmlformats.org/presentationml/2006/main">
+  <p:cSld>
+    <p:spTree>
+      <p:nvGrpSpPr>
+        <p:cNvPr id="1" name=""/>
+        <p:cNvGrpSpPr/>
+        <p:nvPr/>
+      </p:nvGrpSpPr>
+      <p:grpSpPr>
+        <a:xfrm>
+          <a:off x="0" y="0"/>
+          <a:ext cx="0" cy="0"/>
+          <a:chOff x="0" y="0"/>
+          <a:chExt cx="0" cy="0"/>
+        </a:xfrm>
+      </p:grpSpPr>
+      <p:sp>
+        <p:nvSpPr>
+          <p:cNvPr id="2" name="标题 1"/>
+          <p:cNvSpPr>
+            <a:spLocks noGrp="1"/>
+          </p:cNvSpPr>
+          <p:nvPr>
+            <p:ph type="title"/>
+          </p:nvPr>
+        </p:nvSpPr>
+        <p:spPr/>
+        <p:txBody>
+          <a:bodyPr/>
+          <a:lstStyle/>
+          <a:p>
+            <a:r>
+              <a:rPr lang="en-US" altLang="zh-CN" dirty="0">
+                <a:hlinkClick r:id="rId3" action="ppaction://hlinkfile"/>
+              </a:rPr>
+              <a:t>From  optimization </a:t>
+            </a:r>
+            <a:r>
+              <a:rPr lang="en-US" altLang="zh-CN" dirty="0" smtClean="0">
+                <a:hlinkClick r:id="rId3" action="ppaction://hlinkfile"/>
+              </a:rPr>
+              <a:t>algorithm view</a:t>
+            </a:r>
+            <a:endParaRPr lang="zh-CN" altLang="en-US" dirty="0"/>
+          </a:p>
+        </p:txBody>
+      </p:sp>
+      <p:sp>
+        <p:nvSpPr>
+          <p:cNvPr id="3" name="内容占位符 2"/>
+          <p:cNvSpPr>
+            <a:spLocks noGrp="1"/>
+          </p:cNvSpPr>
+          <p:nvPr>
+            <p:ph idx="1"/>
+          </p:nvPr>
+        </p:nvSpPr>
+        <p:spPr/>
+        <p:txBody>
+          <a:bodyPr/>
+          <a:lstStyle/>
+          <a:p>
+            <a:endParaRPr lang="zh-CN" altLang="en-US" dirty="0"/>
+          </a:p>
+        </p:txBody>
+      </p:sp>
+    </p:spTree>
+    <p:extLst>
+      <p:ext uri="{BB962C8B-B14F-4D97-AF65-F5344CB8AC3E}">
+        <p14:creationId xmlns:p14="http://schemas.microsoft.com/office/powerpoint/2010/main" val="2882946019"/>
+      </p:ext>
+    </p:extLst>
+  </p:cSld>
+  <p:clrMapOvr>
+    <a:masterClrMapping/>
+  </p:clrMapOvr>
+  <mc:AlternateContent xmlns:mc="http://schemas.openxmlformats.org/markup-compatibility/2006">
+    <mc:Choice xmlns:p14="http://schemas.microsoft.com/office/powerpoint/2010/main" Requires="p14">
+      <p:transition spd="slow" p14:dur="2000"/>
+    </mc:Choice>
+    <mc:Fallback>
+      <p:transition spd="slow"/>
+    </mc:Fallback>
+  </mc:AlternateContent>
+  <p:timing>
+    <p:tnLst>
+      <p:par>
+        <p:cTn id="1" dur="indefinite" restart="never" nodeType="tmRoot"/>
+      </p:par>
+    </p:tnLst>
+  </p:timing>
+</p:sld>
+</file>
+
+<file path=ppt/slides/slide11.xml><?xml version="1.0" encoding="utf-8"?>
+<p:sld xmlns:a="http://schemas.openxmlformats.org/drawingml/2006/main" xmlns:r="http://schemas.openxmlformats.org/officeDocument/2006/relationships" xmlns:p="http://schemas.openxmlformats.org/presentationml/2006/main" show="0">
+  <p:cSld>
+    <p:spTree>
+      <p:nvGrpSpPr>
+        <p:cNvPr id="1" name=""/>
+        <p:cNvGrpSpPr/>
+        <p:nvPr/>
+      </p:nvGrpSpPr>
+      <p:grpSpPr>
+        <a:xfrm>
+          <a:off x="0" y="0"/>
+          <a:ext cx="0" cy="0"/>
+          <a:chOff x="0" y="0"/>
+          <a:chExt cx="0" cy="0"/>
+        </a:xfrm>
+      </p:grpSpPr>
+      <p:sp>
+        <p:nvSpPr>
+          <p:cNvPr id="4" name="TextBox 2"/>
+          <p:cNvSpPr txBox="1"/>
+          <p:nvPr/>
+        </p:nvSpPr>
+        <p:spPr>
+          <a:xfrm>
+            <a:off x="223162" y="508531"/>
+            <a:ext cx="11968838" cy="2031325"/>
+          </a:xfrm>
+          <a:prstGeom prst="rect">
+            <a:avLst/>
+          </a:prstGeom>
+          <a:noFill/>
+        </p:spPr>
+        <p:txBody>
+          <a:bodyPr wrap="square" rtlCol="0">
+            <a:spAutoFit/>
+          </a:bodyPr>
+          <a:lstStyle/>
+          <a:p>
+            <a:r>
+              <a:rPr lang="en-US" altLang="zh-CN" dirty="0" smtClean="0"/>
+              <a:t>Assume</a:t>
+            </a:r>
+          </a:p>
+          <a:p>
+            <a:pPr marL="342900" indent="-342900">
+              <a:buAutoNum type="arabicParenR"/>
+            </a:pPr>
+            <a:r>
+              <a:rPr lang="en-US" dirty="0" smtClean="0"/>
+              <a:t>only </a:t>
+            </a:r>
+            <a:r>
+              <a:rPr lang="en-US" dirty="0"/>
+              <a:t>a single coordinate per sampled </a:t>
+            </a:r>
+            <a:r>
+              <a:rPr lang="en-US" dirty="0" err="1"/>
+              <a:t>hyperedge</a:t>
+            </a:r>
+            <a:r>
+              <a:rPr lang="en-US" dirty="0"/>
+              <a:t> is updated (</a:t>
+            </a:r>
+            <a:r>
+              <a:rPr lang="en-US" i="1" dirty="0" err="1"/>
+              <a:t>i.e</a:t>
+            </a:r>
+            <a:r>
+              <a:rPr lang="en-US" i="1" dirty="0" err="1" smtClean="0"/>
+              <a:t>.</a:t>
+            </a:r>
+            <a:r>
+              <a:rPr lang="en-US" dirty="0" err="1" smtClean="0"/>
+              <a:t>,the</a:t>
+            </a:r>
+            <a:r>
+              <a:rPr lang="en-US" dirty="0" smtClean="0"/>
+              <a:t> </a:t>
+            </a:r>
+            <a:r>
+              <a:rPr lang="en-US" dirty="0"/>
+              <a:t>for loop in </a:t>
+            </a:r>
+            <a:r>
+              <a:rPr lang="en-US" dirty="0" err="1"/>
+              <a:t>Hogwild</a:t>
+            </a:r>
+            <a:r>
+              <a:rPr lang="en-US" dirty="0"/>
+              <a:t>! is replaced with a single coordinate update</a:t>
+            </a:r>
+            <a:r>
+              <a:rPr lang="en-US" dirty="0" smtClean="0"/>
+              <a:t>);</a:t>
+            </a:r>
+          </a:p>
+          <a:p>
+            <a:pPr marL="342900" indent="-342900">
+              <a:buAutoNum type="arabicParenR"/>
+            </a:pPr>
+            <a:r>
+              <a:rPr lang="en-US" i="1" dirty="0" smtClean="0"/>
+              <a:t> </a:t>
+            </a:r>
+            <a:r>
+              <a:rPr lang="en-US" dirty="0" smtClean="0"/>
+              <a:t>the authors assumed </a:t>
+            </a:r>
+            <a:r>
+              <a:rPr lang="en-US" i="1" dirty="0" smtClean="0"/>
+              <a:t>consistent reads</a:t>
+            </a:r>
+            <a:r>
+              <a:rPr lang="en-US" dirty="0" smtClean="0"/>
+              <a:t>, </a:t>
+            </a:r>
+            <a:r>
+              <a:rPr lang="en-US" i="1" dirty="0" smtClean="0"/>
+              <a:t>i.e.</a:t>
+            </a:r>
+            <a:r>
+              <a:rPr lang="en-US" dirty="0"/>
+              <a:t>, it was assumed that while a core is reading the shared variable, no writes from other cores occur; </a:t>
+            </a:r>
+            <a:endParaRPr lang="en-US" dirty="0" smtClean="0"/>
+          </a:p>
+          <a:p>
+            <a:pPr marL="342900" indent="-342900">
+              <a:buAutoNum type="arabicParenR"/>
+            </a:pPr>
+            <a:r>
+              <a:rPr lang="en-US" dirty="0" smtClean="0"/>
+              <a:t>the </a:t>
+            </a:r>
+            <a:r>
+              <a:rPr lang="en-US" dirty="0"/>
+              <a:t>authors make an implicit assumption on the uniformity of the </a:t>
+            </a:r>
+            <a:r>
+              <a:rPr lang="en-US" dirty="0" smtClean="0"/>
+              <a:t>processing times </a:t>
+            </a:r>
+            <a:r>
+              <a:rPr lang="en-US" dirty="0"/>
+              <a:t>of cores (explained in the following), that does not generically hold in practice</a:t>
+            </a:r>
+          </a:p>
+        </p:txBody>
+      </p:sp>
+    </p:spTree>
+    <p:extLst>
+      <p:ext uri="{BB962C8B-B14F-4D97-AF65-F5344CB8AC3E}">
+        <p14:creationId xmlns:p14="http://schemas.microsoft.com/office/powerpoint/2010/main" val="2389570795"/>
+      </p:ext>
+    </p:extLst>
+  </p:cSld>
+  <p:clrMapOvr>
+    <a:masterClrMapping/>
+  </p:clrMapOvr>
+  <mc:AlternateContent xmlns:mc="http://schemas.openxmlformats.org/markup-compatibility/2006">
+    <mc:Choice xmlns:p14="http://schemas.microsoft.com/office/powerpoint/2010/main" Requires="p14">
+      <p:transition spd="slow" p14:dur="2000"/>
+    </mc:Choice>
+    <mc:Fallback>
+      <p:transition spd="slow"/>
+    </mc:Fallback>
+  </mc:AlternateContent>
+  <p:timing>
+    <p:tnLst>
+      <p:par>
+        <p:cTn id="1" dur="indefinite" restart="never" nodeType="tmRoot"/>
+      </p:par>
+    </p:tnLst>
+  </p:timing>
+</p:sld>
+</file>
+
+<file path=ppt/slides/slide12.xml><?xml version="1.0" encoding="utf-8"?>
+<p:sld xmlns:a="http://schemas.openxmlformats.org/drawingml/2006/main" xmlns:r="http://schemas.openxmlformats.org/officeDocument/2006/relationships" xmlns:p="http://schemas.openxmlformats.org/presentationml/2006/main" show="0">
+  <p:cSld>
+    <p:spTree>
+      <p:nvGrpSpPr>
+        <p:cNvPr id="1" name=""/>
+        <p:cNvGrpSpPr/>
+        <p:nvPr/>
+      </p:nvGrpSpPr>
+      <p:grpSpPr>
+        <a:xfrm>
+          <a:off x="0" y="0"/>
+          <a:ext cx="0" cy="0"/>
+          <a:chOff x="0" y="0"/>
+          <a:chExt cx="0" cy="0"/>
+        </a:xfrm>
+      </p:grpSpPr>
+      <p:sp>
+        <p:nvSpPr>
+          <p:cNvPr id="2" name="标题 1"/>
+          <p:cNvSpPr>
+            <a:spLocks noGrp="1"/>
+          </p:cNvSpPr>
+          <p:nvPr>
+            <p:ph type="title"/>
+          </p:nvPr>
+        </p:nvSpPr>
+        <p:spPr>
+          <a:xfrm>
+            <a:off x="850689" y="232398"/>
+            <a:ext cx="10515600" cy="1325563"/>
+          </a:xfrm>
+        </p:spPr>
+        <p:txBody>
+          <a:bodyPr/>
+          <a:lstStyle/>
+          <a:p>
+            <a:r>
+              <a:rPr lang="en-US" altLang="zh-CN" dirty="0"/>
+              <a:t>Lock and </a:t>
+            </a:r>
+            <a:r>
+              <a:rPr lang="en-US" altLang="zh-CN" dirty="0" smtClean="0"/>
+              <a:t>lock-free</a:t>
+            </a:r>
+            <a:endParaRPr lang="zh-CN" altLang="en-US" dirty="0"/>
+          </a:p>
+        </p:txBody>
+      </p:sp>
+      <p:pic>
+        <p:nvPicPr>
+          <p:cNvPr id="4" name="Picture 2" descr="Algorithm 1 HOGWILD! update for individual processors &#10;2: &#10;g: &#10;4: &#10;5: &#10;loop &#10;sample e uniformly at random from E &#10;Read current state and evaluate Ge (x) &#10;for t' e CIO — &#10;end loop "/>
+          <p:cNvPicPr>
+            <a:picLocks noChangeAspect="1" noChangeArrowheads="1"/>
+          </p:cNvPicPr>
+          <p:nvPr/>
+        </p:nvPicPr>
+        <p:blipFill>
+          <a:blip r:embed="rId2">
+            <a:extLst>
+              <a:ext uri="{28A0092B-C50C-407E-A947-70E740481C1C}">
+                <a14:useLocalDpi xmlns:a14="http://schemas.microsoft.com/office/drawing/2010/main" val="0"/>
+              </a:ext>
+            </a:extLst>
+          </a:blip>
+          <a:srcRect/>
+          <a:stretch>
+            <a:fillRect/>
+          </a:stretch>
+        </p:blipFill>
+        <p:spPr bwMode="auto">
+          <a:xfrm>
+            <a:off x="938213" y="1414917"/>
+            <a:ext cx="10415587" cy="2135943"/>
+          </a:xfrm>
+          <a:prstGeom prst="rect">
+            <a:avLst/>
+          </a:prstGeom>
+          <a:noFill/>
+          <a:extLst>
+            <a:ext uri="{909E8E84-426E-40DD-AFC4-6F175D3DCCD1}">
+              <a14:hiddenFill xmlns:a14="http://schemas.microsoft.com/office/drawing/2010/main">
+                <a:solidFill>
+                  <a:srgbClr val="FFFFFF"/>
+                </a:solidFill>
+              </a14:hiddenFill>
+            </a:ext>
+          </a:extLst>
+        </p:spPr>
+      </p:pic>
+      <p:sp>
+        <p:nvSpPr>
+          <p:cNvPr id="5" name="TextBox 2"/>
+          <p:cNvSpPr txBox="1"/>
+          <p:nvPr/>
+        </p:nvSpPr>
+        <p:spPr>
+          <a:xfrm>
+            <a:off x="223162" y="4070597"/>
+            <a:ext cx="11968838" cy="2031325"/>
+          </a:xfrm>
+          <a:prstGeom prst="rect">
+            <a:avLst/>
+          </a:prstGeom>
+          <a:noFill/>
+        </p:spPr>
+        <p:txBody>
+          <a:bodyPr wrap="square" rtlCol="0">
+            <a:spAutoFit/>
+          </a:bodyPr>
+          <a:lstStyle/>
+          <a:p>
+            <a:r>
+              <a:rPr lang="en-US" altLang="zh-CN" dirty="0" smtClean="0"/>
+              <a:t>Assume</a:t>
+            </a:r>
+          </a:p>
+          <a:p>
+            <a:pPr marL="342900" indent="-342900">
+              <a:buAutoNum type="arabicParenR"/>
+            </a:pPr>
+            <a:r>
+              <a:rPr lang="en-US" dirty="0" smtClean="0"/>
+              <a:t>only </a:t>
+            </a:r>
+            <a:r>
+              <a:rPr lang="en-US" dirty="0"/>
+              <a:t>a single coordinate per sampled </a:t>
+            </a:r>
+            <a:r>
+              <a:rPr lang="en-US" dirty="0" err="1"/>
+              <a:t>hyperedge</a:t>
+            </a:r>
+            <a:r>
+              <a:rPr lang="en-US" dirty="0"/>
+              <a:t> is updated (</a:t>
+            </a:r>
+            <a:r>
+              <a:rPr lang="en-US" i="1" dirty="0" err="1"/>
+              <a:t>i.e</a:t>
+            </a:r>
+            <a:r>
+              <a:rPr lang="en-US" i="1" dirty="0" err="1" smtClean="0"/>
+              <a:t>.</a:t>
+            </a:r>
+            <a:r>
+              <a:rPr lang="en-US" dirty="0" err="1" smtClean="0"/>
+              <a:t>,the</a:t>
+            </a:r>
+            <a:r>
+              <a:rPr lang="en-US" dirty="0" smtClean="0"/>
+              <a:t> </a:t>
+            </a:r>
+            <a:r>
+              <a:rPr lang="en-US" dirty="0"/>
+              <a:t>for loop in </a:t>
+            </a:r>
+            <a:r>
+              <a:rPr lang="en-US" dirty="0" err="1"/>
+              <a:t>Hogwild</a:t>
+            </a:r>
+            <a:r>
+              <a:rPr lang="en-US" dirty="0"/>
+              <a:t>! is replaced with a single coordinate update</a:t>
+            </a:r>
+            <a:r>
+              <a:rPr lang="en-US" dirty="0" smtClean="0"/>
+              <a:t>);</a:t>
+            </a:r>
+          </a:p>
+          <a:p>
+            <a:pPr marL="342900" indent="-342900">
+              <a:buAutoNum type="arabicParenR"/>
+            </a:pPr>
+            <a:r>
+              <a:rPr lang="en-US" i="1" dirty="0" smtClean="0"/>
+              <a:t> </a:t>
+            </a:r>
+            <a:r>
+              <a:rPr lang="en-US" dirty="0" smtClean="0"/>
+              <a:t>the authors assumed </a:t>
+            </a:r>
+            <a:r>
+              <a:rPr lang="en-US" i="1" dirty="0" smtClean="0"/>
+              <a:t>consistent reads</a:t>
+            </a:r>
+            <a:r>
+              <a:rPr lang="en-US" dirty="0" smtClean="0"/>
+              <a:t>, </a:t>
+            </a:r>
+            <a:r>
+              <a:rPr lang="en-US" i="1" dirty="0" smtClean="0"/>
+              <a:t>i.e.</a:t>
+            </a:r>
+            <a:r>
+              <a:rPr lang="en-US" dirty="0"/>
+              <a:t>, it was assumed that while a core is reading the shared variable, no writes from other cores occur; </a:t>
+            </a:r>
+            <a:endParaRPr lang="en-US" dirty="0" smtClean="0"/>
+          </a:p>
+          <a:p>
+            <a:pPr marL="342900" indent="-342900">
+              <a:buAutoNum type="arabicParenR"/>
+            </a:pPr>
+            <a:r>
+              <a:rPr lang="en-US" dirty="0" smtClean="0"/>
+              <a:t>the </a:t>
+            </a:r>
+            <a:r>
+              <a:rPr lang="en-US" dirty="0"/>
+              <a:t>authors make an implicit assumption on the uniformity of the </a:t>
+            </a:r>
+            <a:r>
+              <a:rPr lang="en-US" dirty="0" smtClean="0"/>
+              <a:t>processing times </a:t>
+            </a:r>
+            <a:r>
+              <a:rPr lang="en-US" dirty="0"/>
+              <a:t>of cores (explained in the following), that does not generically hold in practice</a:t>
+            </a:r>
+          </a:p>
+        </p:txBody>
+      </p:sp>
+      <mc:AlternateContent xmlns:mc="http://schemas.openxmlformats.org/markup-compatibility/2006" xmlns:a14="http://schemas.microsoft.com/office/drawing/2010/main">
+        <mc:Choice Requires="a14">
+          <p:sp>
+            <p:nvSpPr>
+              <p:cNvPr id="7" name="矩形 6"/>
+              <p:cNvSpPr/>
+              <p:nvPr/>
+            </p:nvSpPr>
+            <p:spPr>
+              <a:xfrm>
+                <a:off x="5522638" y="3640677"/>
+                <a:ext cx="2234650" cy="369332"/>
+              </a:xfrm>
+              <a:prstGeom prst="rect">
+                <a:avLst/>
+              </a:prstGeom>
+            </p:spPr>
+            <p:txBody>
+              <a:bodyPr wrap="none">
+                <a:spAutoFit/>
+              </a:bodyPr>
+              <a:lstStyle/>
+              <a:p>
+                <a:pPr/>
+                <a14:m>
+                  <m:oMathPara xmlns:m="http://schemas.openxmlformats.org/officeDocument/2006/math">
+                    <m:oMathParaPr>
+                      <m:jc m:val="centerGroup"/>
+                    </m:oMathParaPr>
+                    <m:oMath xmlns:m="http://schemas.openxmlformats.org/officeDocument/2006/math">
+                      <m:d>
+                        <m:dPr>
+                          <m:begChr m:val=""/>
+                          <m:ctrlPr>
+                            <a:rPr lang="zh-CN" altLang="en-US" i="1">
+                              <a:latin typeface="Cambria Math" panose="02040503050406030204" pitchFamily="18" charset="0"/>
+                            </a:rPr>
+                          </m:ctrlPr>
+                        </m:dPr>
+                        <m:e>
+                          <m:sSub>
+                            <m:sSubPr>
+                              <m:ctrlPr>
+                                <a:rPr lang="zh-CN" altLang="en-US" i="1">
+                                  <a:latin typeface="Cambria Math" panose="02040503050406030204" pitchFamily="18" charset="0"/>
+                                </a:rPr>
+                              </m:ctrlPr>
+                            </m:sSubPr>
+                            <m:e>
+                              <m:r>
+                                <a:rPr lang="zh-CN" altLang="en-US" i="1">
+                                  <a:latin typeface="Cambria Math" panose="02040503050406030204" pitchFamily="18" charset="0"/>
+                                </a:rPr>
+                                <m:t>𝑥</m:t>
+                              </m:r>
+                            </m:e>
+                            <m:sub>
+                              <m:r>
+                                <a:rPr lang="zh-CN" altLang="en-US" i="1">
+                                  <a:latin typeface="Cambria Math" panose="02040503050406030204" pitchFamily="18" charset="0"/>
+                                </a:rPr>
+                                <m:t>𝑣</m:t>
+                              </m:r>
+                            </m:sub>
+                          </m:sSub>
+                          <m:r>
+                            <a:rPr lang="zh-CN" altLang="en-US" i="0">
+                              <a:latin typeface="Cambria Math" panose="02040503050406030204" pitchFamily="18" charset="0"/>
+                            </a:rPr>
+                            <m:t>←</m:t>
+                          </m:r>
+                          <m:sSub>
+                            <m:sSubPr>
+                              <m:ctrlPr>
+                                <a:rPr lang="zh-CN" altLang="en-US" i="1">
+                                  <a:latin typeface="Cambria Math" panose="02040503050406030204" pitchFamily="18" charset="0"/>
+                                </a:rPr>
+                              </m:ctrlPr>
+                            </m:sSubPr>
+                            <m:e>
+                              <m:r>
+                                <a:rPr lang="zh-CN" altLang="en-US" i="1">
+                                  <a:latin typeface="Cambria Math" panose="02040503050406030204" pitchFamily="18" charset="0"/>
+                                </a:rPr>
+                                <m:t>𝑥</m:t>
+                              </m:r>
+                            </m:e>
+                            <m:sub>
+                              <m:r>
+                                <a:rPr lang="zh-CN" altLang="en-US" i="1">
+                                  <a:latin typeface="Cambria Math" panose="02040503050406030204" pitchFamily="18" charset="0"/>
+                                </a:rPr>
+                                <m:t>𝑣</m:t>
+                              </m:r>
+                            </m:sub>
+                          </m:sSub>
+                          <m:r>
+                            <a:rPr lang="zh-CN" altLang="en-US" i="0">
+                              <a:latin typeface="Cambria Math" panose="02040503050406030204" pitchFamily="18" charset="0"/>
+                            </a:rPr>
+                            <m:t>−</m:t>
+                          </m:r>
+                          <m:r>
+                            <a:rPr lang="zh-CN" altLang="en-US" i="1">
+                              <a:latin typeface="Cambria Math" panose="02040503050406030204" pitchFamily="18" charset="0"/>
+                            </a:rPr>
+                            <m:t>𝛾</m:t>
+                          </m:r>
+                          <m:sSubSup>
+                            <m:sSubSupPr>
+                              <m:ctrlPr>
+                                <a:rPr lang="zh-CN" altLang="en-US" i="1">
+                                  <a:latin typeface="Cambria Math" panose="02040503050406030204" pitchFamily="18" charset="0"/>
+                                </a:rPr>
+                              </m:ctrlPr>
+                            </m:sSubSupPr>
+                            <m:e>
+                              <m:r>
+                                <a:rPr lang="zh-CN" altLang="en-US" i="1">
+                                  <a:latin typeface="Cambria Math" panose="02040503050406030204" pitchFamily="18" charset="0"/>
+                                </a:rPr>
+                                <m:t>𝑏</m:t>
+                              </m:r>
+                            </m:e>
+                            <m:sub>
+                              <m:r>
+                                <a:rPr lang="zh-CN" altLang="en-US" i="1">
+                                  <a:latin typeface="Cambria Math" panose="02040503050406030204" pitchFamily="18" charset="0"/>
+                                </a:rPr>
+                                <m:t>𝑣</m:t>
+                              </m:r>
+                            </m:sub>
+                            <m:sup>
+                              <m:r>
+                                <a:rPr lang="zh-CN" altLang="en-US" i="1">
+                                  <a:latin typeface="Cambria Math" panose="02040503050406030204" pitchFamily="18" charset="0"/>
+                                </a:rPr>
+                                <m:t>𝑇</m:t>
+                              </m:r>
+                            </m:sup>
+                          </m:sSubSup>
+                          <m:sSub>
+                            <m:sSubPr>
+                              <m:ctrlPr>
+                                <a:rPr lang="zh-CN" altLang="en-US" i="1">
+                                  <a:latin typeface="Cambria Math" panose="02040503050406030204" pitchFamily="18" charset="0"/>
+                                </a:rPr>
+                              </m:ctrlPr>
+                            </m:sSubPr>
+                            <m:e>
+                              <m:r>
+                                <a:rPr lang="zh-CN" altLang="en-US" i="1">
+                                  <a:latin typeface="Cambria Math" panose="02040503050406030204" pitchFamily="18" charset="0"/>
+                                </a:rPr>
+                                <m:t>𝐺</m:t>
+                              </m:r>
+                            </m:e>
+                            <m:sub>
+                              <m:r>
+                                <a:rPr lang="zh-CN" altLang="en-US" i="1">
+                                  <a:latin typeface="Cambria Math" panose="02040503050406030204" pitchFamily="18" charset="0"/>
+                                </a:rPr>
+                                <m:t>𝑒</m:t>
+                              </m:r>
+                            </m:sub>
+                          </m:sSub>
+                          <m:r>
+                            <a:rPr lang="zh-CN" altLang="en-US" i="0">
+                              <a:latin typeface="Cambria Math" panose="02040503050406030204" pitchFamily="18" charset="0"/>
+                            </a:rPr>
+                            <m:t>(</m:t>
+                          </m:r>
+                          <m:r>
+                            <a:rPr lang="zh-CN" altLang="en-US" i="1">
+                              <a:latin typeface="Cambria Math" panose="02040503050406030204" pitchFamily="18" charset="0"/>
+                            </a:rPr>
+                            <m:t>𝑥</m:t>
+                          </m:r>
+                        </m:e>
+                      </m:d>
+                    </m:oMath>
+                  </m:oMathPara>
+                </a14:m>
+                <a:endParaRPr lang="zh-CN" altLang="en-US" dirty="0"/>
+              </a:p>
+            </p:txBody>
+          </p:sp>
+        </mc:Choice>
+        <mc:Fallback xmlns="">
+          <p:sp>
+            <p:nvSpPr>
+              <p:cNvPr id="7" name="矩形 6"/>
+              <p:cNvSpPr>
+                <a:spLocks noRot="1" noChangeAspect="1" noMove="1" noResize="1" noEditPoints="1" noAdjustHandles="1" noChangeArrowheads="1" noChangeShapeType="1" noTextEdit="1"/>
+              </p:cNvSpPr>
+              <p:nvPr/>
+            </p:nvSpPr>
+            <p:spPr>
+              <a:xfrm>
+                <a:off x="5522638" y="3640677"/>
+                <a:ext cx="2234650" cy="369332"/>
+              </a:xfrm>
+              <a:prstGeom prst="rect">
+                <a:avLst/>
+              </a:prstGeom>
+              <a:blipFill>
+                <a:blip r:embed="rId3"/>
+                <a:stretch>
+                  <a:fillRect t="-119672" r="-22343" b="-183607"/>
+                </a:stretch>
+              </a:blipFill>
+            </p:spPr>
+            <p:txBody>
+              <a:bodyPr/>
+              <a:lstStyle/>
+              <a:p>
+                <a:r>
+                  <a:rPr lang="en-US">
+                    <a:noFill/>
+                  </a:rPr>
+                  <a:t> </a:t>
+                </a:r>
+              </a:p>
+            </p:txBody>
+          </p:sp>
+        </mc:Fallback>
+      </mc:AlternateContent>
+      <mc:AlternateContent xmlns:mc="http://schemas.openxmlformats.org/markup-compatibility/2006" xmlns:a14="http://schemas.microsoft.com/office/drawing/2010/main">
+        <mc:Choice Requires="a14">
+          <p:sp>
+            <p:nvSpPr>
+              <p:cNvPr id="8" name="矩形 7"/>
+              <p:cNvSpPr/>
+              <p:nvPr/>
+            </p:nvSpPr>
+            <p:spPr>
+              <a:xfrm>
+                <a:off x="3261306" y="3646780"/>
+                <a:ext cx="2045432" cy="369332"/>
+              </a:xfrm>
+              <a:prstGeom prst="rect">
+                <a:avLst/>
+              </a:prstGeom>
+            </p:spPr>
+            <p:txBody>
+              <a:bodyPr wrap="none">
+                <a:spAutoFit/>
+              </a:bodyPr>
+              <a:lstStyle/>
+              <a:p>
+                <a:pPr/>
+                <a14:m>
+                  <m:oMathPara xmlns:m="http://schemas.openxmlformats.org/officeDocument/2006/math">
+                    <m:oMathParaPr>
+                      <m:jc m:val="centerGroup"/>
+                    </m:oMathParaPr>
+                    <m:oMath xmlns:m="http://schemas.openxmlformats.org/officeDocument/2006/math">
+                      <m:d>
+                        <m:dPr>
+                          <m:begChr m:val=""/>
+                          <m:ctrlPr>
+                            <a:rPr lang="zh-CN" altLang="en-US" i="1">
+                              <a:latin typeface="Cambria Math" panose="02040503050406030204" pitchFamily="18" charset="0"/>
+                            </a:rPr>
+                          </m:ctrlPr>
+                        </m:dPr>
+                        <m:e>
+                          <m:sSub>
+                            <m:sSubPr>
+                              <m:ctrlPr>
+                                <a:rPr lang="zh-CN" altLang="en-US" i="1">
+                                  <a:latin typeface="Cambria Math" panose="02040503050406030204" pitchFamily="18" charset="0"/>
+                                </a:rPr>
+                              </m:ctrlPr>
+                            </m:sSubPr>
+                            <m:e>
+                              <m:r>
+                                <a:rPr lang="zh-CN" altLang="en-US" i="1">
+                                  <a:latin typeface="Cambria Math" panose="02040503050406030204" pitchFamily="18" charset="0"/>
+                                </a:rPr>
+                                <m:t>𝐺</m:t>
+                              </m:r>
+                            </m:e>
+                            <m:sub>
+                              <m:r>
+                                <a:rPr lang="zh-CN" altLang="en-US" i="1">
+                                  <a:latin typeface="Cambria Math" panose="02040503050406030204" pitchFamily="18" charset="0"/>
+                                </a:rPr>
+                                <m:t>𝑒</m:t>
+                              </m:r>
+                            </m:sub>
+                          </m:sSub>
+                          <m:r>
+                            <a:rPr lang="zh-CN" altLang="en-US" i="0">
+                              <a:latin typeface="Cambria Math" panose="02040503050406030204" pitchFamily="18" charset="0"/>
+                            </a:rPr>
+                            <m:t>(</m:t>
+                          </m:r>
+                          <m:r>
+                            <a:rPr lang="zh-CN" altLang="en-US" i="1">
+                              <a:latin typeface="Cambria Math" panose="02040503050406030204" pitchFamily="18" charset="0"/>
+                            </a:rPr>
+                            <m:t>𝑥</m:t>
+                          </m:r>
+                          <m:r>
+                            <a:rPr lang="zh-CN" altLang="en-US" i="0">
+                              <a:latin typeface="Cambria Math" panose="02040503050406030204" pitchFamily="18" charset="0"/>
+                            </a:rPr>
+                            <m:t>)∈|</m:t>
+                          </m:r>
+                          <m:r>
+                            <a:rPr lang="zh-CN" altLang="en-US" i="1">
+                              <a:latin typeface="Cambria Math" panose="02040503050406030204" pitchFamily="18" charset="0"/>
+                            </a:rPr>
+                            <m:t>𝐸</m:t>
+                          </m:r>
+                          <m:r>
+                            <a:rPr lang="zh-CN" altLang="en-US" i="0">
+                              <a:latin typeface="Cambria Math" panose="02040503050406030204" pitchFamily="18" charset="0"/>
+                            </a:rPr>
+                            <m:t>|</m:t>
+                          </m:r>
+                          <m:r>
+                            <a:rPr lang="zh-CN" altLang="en-US" i="0">
+                              <a:latin typeface="Cambria Math" panose="02040503050406030204" pitchFamily="18" charset="0"/>
+                            </a:rPr>
+                            <m:t>𝜕</m:t>
+                          </m:r>
+                          <m:sSub>
+                            <m:sSubPr>
+                              <m:ctrlPr>
+                                <a:rPr lang="zh-CN" altLang="en-US" i="1">
+                                  <a:latin typeface="Cambria Math" panose="02040503050406030204" pitchFamily="18" charset="0"/>
+                                </a:rPr>
+                              </m:ctrlPr>
+                            </m:sSubPr>
+                            <m:e>
+                              <m:r>
+                                <a:rPr lang="zh-CN" altLang="en-US" i="1">
+                                  <a:latin typeface="Cambria Math" panose="02040503050406030204" pitchFamily="18" charset="0"/>
+                                </a:rPr>
+                                <m:t>𝑓</m:t>
+                              </m:r>
+                            </m:e>
+                            <m:sub>
+                              <m:r>
+                                <a:rPr lang="zh-CN" altLang="en-US" i="1">
+                                  <a:latin typeface="Cambria Math" panose="02040503050406030204" pitchFamily="18" charset="0"/>
+                                </a:rPr>
+                                <m:t>𝑒</m:t>
+                              </m:r>
+                            </m:sub>
+                          </m:sSub>
+                          <m:r>
+                            <a:rPr lang="zh-CN" altLang="en-US" i="0">
+                              <a:latin typeface="Cambria Math" panose="02040503050406030204" pitchFamily="18" charset="0"/>
+                            </a:rPr>
+                            <m:t>(</m:t>
+                          </m:r>
+                          <m:r>
+                            <a:rPr lang="zh-CN" altLang="en-US" i="1">
+                              <a:latin typeface="Cambria Math" panose="02040503050406030204" pitchFamily="18" charset="0"/>
+                            </a:rPr>
+                            <m:t>𝑥</m:t>
+                          </m:r>
+                        </m:e>
+                      </m:d>
+                    </m:oMath>
+                  </m:oMathPara>
+                </a14:m>
+                <a:endParaRPr lang="zh-CN" altLang="en-US" dirty="0"/>
+              </a:p>
+            </p:txBody>
+          </p:sp>
+        </mc:Choice>
+        <mc:Fallback xmlns="">
+          <p:sp>
+            <p:nvSpPr>
+              <p:cNvPr id="8" name="矩形 7"/>
+              <p:cNvSpPr>
+                <a:spLocks noRot="1" noChangeAspect="1" noMove="1" noResize="1" noEditPoints="1" noAdjustHandles="1" noChangeArrowheads="1" noChangeShapeType="1" noTextEdit="1"/>
+              </p:cNvSpPr>
+              <p:nvPr/>
+            </p:nvSpPr>
+            <p:spPr>
+              <a:xfrm>
+                <a:off x="3261306" y="3646780"/>
+                <a:ext cx="2045432" cy="369332"/>
+              </a:xfrm>
+              <a:prstGeom prst="rect">
+                <a:avLst/>
+              </a:prstGeom>
+              <a:blipFill>
+                <a:blip r:embed="rId4"/>
+                <a:stretch>
+                  <a:fillRect t="-119672" r="-23512" b="-183607"/>
+                </a:stretch>
+              </a:blipFill>
+            </p:spPr>
+            <p:txBody>
+              <a:bodyPr/>
+              <a:lstStyle/>
+              <a:p>
+                <a:r>
+                  <a:rPr lang="en-US">
+                    <a:noFill/>
+                  </a:rPr>
+                  <a:t> </a:t>
+                </a:r>
+              </a:p>
+            </p:txBody>
+          </p:sp>
+        </mc:Fallback>
+      </mc:AlternateContent>
+    </p:spTree>
+    <p:extLst>
+      <p:ext uri="{BB962C8B-B14F-4D97-AF65-F5344CB8AC3E}">
+        <p14:creationId xmlns:p14="http://schemas.microsoft.com/office/powerpoint/2010/main" val="3221932847"/>
+      </p:ext>
+    </p:extLst>
+  </p:cSld>
+  <p:clrMapOvr>
+    <a:masterClrMapping/>
+  </p:clrMapOvr>
+  <mc:AlternateContent xmlns:mc="http://schemas.openxmlformats.org/markup-compatibility/2006" xmlns:p14="http://schemas.microsoft.com/office/powerpoint/2010/main">
+    <mc:Choice Requires="p14">
+      <p:transition spd="slow" p14:dur="2000"/>
+    </mc:Choice>
+    <mc:Fallback xmlns="">
+      <p:transition spd="slow"/>
+    </mc:Fallback>
+  </mc:AlternateContent>
+  <p:timing>
+    <p:tnLst>
+      <p:par>
+        <p:cTn id="1" dur="indefinite" restart="never" nodeType="tmRoot"/>
+      </p:par>
+    </p:tnLst>
+  </p:timing>
+</p:sld>
+</file>
+
+<file path=ppt/slides/slide13.xml><?xml version="1.0" encoding="utf-8"?>
+<p:sld xmlns:a="http://schemas.openxmlformats.org/drawingml/2006/main" xmlns:r="http://schemas.openxmlformats.org/officeDocument/2006/relationships" xmlns:p="http://schemas.openxmlformats.org/presentationml/2006/main" show="0">
+  <p:cSld>
+    <p:spTree>
+      <p:nvGrpSpPr>
+        <p:cNvPr id="1" name=""/>
+        <p:cNvGrpSpPr/>
+        <p:nvPr/>
+      </p:nvGrpSpPr>
+      <p:grpSpPr>
+        <a:xfrm>
+          <a:off x="0" y="0"/>
+          <a:ext cx="0" cy="0"/>
+          <a:chOff x="0" y="0"/>
+          <a:chExt cx="0" cy="0"/>
+        </a:xfrm>
+      </p:grpSpPr>
+      <p:sp>
+        <p:nvSpPr>
+          <p:cNvPr id="2" name="Title 1"/>
+          <p:cNvSpPr>
+            <a:spLocks noGrp="1"/>
+          </p:cNvSpPr>
+          <p:nvPr>
+            <p:ph type="title"/>
+          </p:nvPr>
+        </p:nvSpPr>
+        <p:spPr/>
+        <p:txBody>
+          <a:bodyPr/>
+          <a:lstStyle/>
+          <a:p>
+            <a:endParaRPr lang="en-US" dirty="0"/>
+          </a:p>
+        </p:txBody>
+      </p:sp>
+      <p:pic>
+        <p:nvPicPr>
+          <p:cNvPr id="4" name="Content Placeholder 3"/>
+          <p:cNvPicPr>
+            <a:picLocks noGrp="1" noChangeAspect="1"/>
+          </p:cNvPicPr>
+          <p:nvPr>
+            <p:ph idx="1"/>
+          </p:nvPr>
+        </p:nvPicPr>
+        <p:blipFill>
+          <a:blip r:embed="rId2"/>
+          <a:stretch>
+            <a:fillRect/>
+          </a:stretch>
+        </p:blipFill>
+        <p:spPr>
+          <a:xfrm>
+            <a:off x="838200" y="1690688"/>
+            <a:ext cx="7534275" cy="2105025"/>
+          </a:xfrm>
+          <a:prstGeom prst="rect">
+            <a:avLst/>
+          </a:prstGeom>
+        </p:spPr>
+      </p:pic>
+      <p:sp>
+        <p:nvSpPr>
+          <p:cNvPr id="5" name="TextBox 4"/>
+          <p:cNvSpPr txBox="1"/>
+          <p:nvPr/>
+        </p:nvSpPr>
+        <p:spPr>
+          <a:xfrm>
+            <a:off x="1080655" y="4073236"/>
+            <a:ext cx="3633849" cy="369332"/>
+          </a:xfrm>
+          <a:prstGeom prst="rect">
+            <a:avLst/>
+          </a:prstGeom>
+          <a:noFill/>
+        </p:spPr>
+        <p:txBody>
+          <a:bodyPr wrap="square" rtlCol="0">
+            <a:spAutoFit/>
+          </a:bodyPr>
+          <a:lstStyle/>
+          <a:p>
+            <a:r>
+              <a:rPr lang="en-US" dirty="0" err="1"/>
+              <a:t>MapReduce</a:t>
+            </a:r>
+            <a:r>
+              <a:rPr lang="en-US" dirty="0"/>
+              <a:t> framework</a:t>
+            </a:r>
+          </a:p>
+        </p:txBody>
+      </p:sp>
+      <p:pic>
+        <p:nvPicPr>
+          <p:cNvPr id="3" name="图片 2"/>
+          <p:cNvPicPr>
+            <a:picLocks noChangeAspect="1"/>
+          </p:cNvPicPr>
+          <p:nvPr/>
+        </p:nvPicPr>
+        <p:blipFill>
+          <a:blip r:embed="rId3"/>
+          <a:stretch>
+            <a:fillRect/>
+          </a:stretch>
+        </p:blipFill>
+        <p:spPr>
+          <a:xfrm>
+            <a:off x="1080655" y="4442568"/>
+            <a:ext cx="9538045" cy="1912618"/>
+          </a:xfrm>
+          <a:prstGeom prst="rect">
+            <a:avLst/>
+          </a:prstGeom>
+        </p:spPr>
+      </p:pic>
+    </p:spTree>
+    <p:extLst>
+      <p:ext uri="{BB962C8B-B14F-4D97-AF65-F5344CB8AC3E}">
+        <p14:creationId xmlns:p14="http://schemas.microsoft.com/office/powerpoint/2010/main" val="952623810"/>
+      </p:ext>
+    </p:extLst>
+  </p:cSld>
+  <p:clrMapOvr>
+    <a:masterClrMapping/>
+  </p:clrMapOvr>
+  <mc:AlternateContent xmlns:mc="http://schemas.openxmlformats.org/markup-compatibility/2006" xmlns:p14="http://schemas.microsoft.com/office/powerpoint/2010/main">
+    <mc:Choice Requires="p14">
+      <p:transition spd="slow" p14:dur="2000"/>
+    </mc:Choice>
+    <mc:Fallback xmlns="">
+      <p:transition spd="slow"/>
+    </mc:Fallback>
+  </mc:AlternateContent>
+  <p:timing>
+    <p:tnLst>
+      <p:par>
+        <p:cTn id="1" dur="indefinite" restart="never" nodeType="tmRoot"/>
+      </p:par>
+    </p:tnLst>
+  </p:timing>
+</p:sld>
+</file>
+
+<file path=ppt/slides/slide14.xml><?xml version="1.0" encoding="utf-8"?>
 <p:sld xmlns:a="http://schemas.openxmlformats.org/drawingml/2006/main" xmlns:r="http://schemas.openxmlformats.org/officeDocument/2006/relationships" xmlns:p="http://schemas.openxmlformats.org/presentationml/2006/main" show="0">
   <p:cSld>
     <p:spTree>
@@ -6961,18 +8155,18 @@
   <p:clrMapOvr>
     <a:masterClrMapping/>
   </p:clrMapOvr>
-  <mc:AlternateContent xmlns:mc="http://schemas.openxmlformats.org/markup-compatibility/2006">
-    <mc:Choice xmlns:p14="http://schemas.microsoft.com/office/powerpoint/2010/main" Requires="p14">
+  <mc:AlternateContent xmlns:mc="http://schemas.openxmlformats.org/markup-compatibility/2006" xmlns:p14="http://schemas.microsoft.com/office/powerpoint/2010/main">
+    <mc:Choice Requires="p14">
       <p:transition spd="slow" p14:dur="2000"/>
     </mc:Choice>
-    <mc:Fallback>
+    <mc:Fallback xmlns="">
       <p:transition spd="slow"/>
     </mc:Fallback>
   </mc:AlternateContent>
 </p:sld>
 </file>
 
-<file path=ppt/slides/slide11.xml><?xml version="1.0" encoding="utf-8"?>
+<file path=ppt/slides/slide15.xml><?xml version="1.0" encoding="utf-8"?>
 <p:sld xmlns:a="http://schemas.openxmlformats.org/drawingml/2006/main" xmlns:r="http://schemas.openxmlformats.org/officeDocument/2006/relationships" xmlns:p="http://schemas.openxmlformats.org/presentationml/2006/main" show="0">
   <p:cSld>
     <p:spTree>
@@ -7416,18 +8610,18 @@
   <p:clrMapOvr>
     <a:masterClrMapping/>
   </p:clrMapOvr>
-  <mc:AlternateContent xmlns:mc="http://schemas.openxmlformats.org/markup-compatibility/2006">
-    <mc:Choice xmlns:p14="http://schemas.microsoft.com/office/powerpoint/2010/main" Requires="p14">
+  <mc:AlternateContent xmlns:mc="http://schemas.openxmlformats.org/markup-compatibility/2006" xmlns:p14="http://schemas.microsoft.com/office/powerpoint/2010/main">
+    <mc:Choice Requires="p14">
       <p:transition spd="slow" p14:dur="2000"/>
     </mc:Choice>
-    <mc:Fallback>
+    <mc:Fallback xmlns="">
       <p:transition spd="slow"/>
     </mc:Fallback>
   </mc:AlternateContent>
 </p:sld>
 </file>
 
-<file path=ppt/slides/slide12.xml><?xml version="1.0" encoding="utf-8"?>
+<file path=ppt/slides/slide16.xml><?xml version="1.0" encoding="utf-8"?>
 <p:sld xmlns:a="http://schemas.openxmlformats.org/drawingml/2006/main" xmlns:r="http://schemas.openxmlformats.org/officeDocument/2006/relationships" xmlns:p="http://schemas.openxmlformats.org/presentationml/2006/main" show="0">
   <p:cSld>
     <p:spTree>
@@ -7518,18 +8712,25 @@
   <p:clrMapOvr>
     <a:masterClrMapping/>
   </p:clrMapOvr>
-  <mc:AlternateContent xmlns:mc="http://schemas.openxmlformats.org/markup-compatibility/2006">
-    <mc:Choice xmlns:p14="http://schemas.microsoft.com/office/powerpoint/2010/main" Requires="p14">
+  <mc:AlternateContent xmlns:mc="http://schemas.openxmlformats.org/markup-compatibility/2006" xmlns:p14="http://schemas.microsoft.com/office/powerpoint/2010/main">
+    <mc:Choice Requires="p14">
       <p:transition spd="slow" p14:dur="2000"/>
     </mc:Choice>
-    <mc:Fallback>
+    <mc:Fallback xmlns="">
       <p:transition spd="slow"/>
     </mc:Fallback>
   </mc:AlternateContent>
+  <p:timing>
+    <p:tnLst>
+      <p:par>
+        <p:cTn id="1" dur="indefinite" restart="never" nodeType="tmRoot"/>
+      </p:par>
+    </p:tnLst>
+  </p:timing>
 </p:sld>
 </file>
 
-<file path=ppt/slides/slide13.xml><?xml version="1.0" encoding="utf-8"?>
+<file path=ppt/slides/slide17.xml><?xml version="1.0" encoding="utf-8"?>
 <p:sld xmlns:a="http://schemas.openxmlformats.org/drawingml/2006/main" xmlns:r="http://schemas.openxmlformats.org/officeDocument/2006/relationships" xmlns:p="http://schemas.openxmlformats.org/presentationml/2006/main" show="0">
   <p:cSld>
     <p:spTree>
@@ -7598,18 +8799,18 @@
   <p:clrMapOvr>
     <a:masterClrMapping/>
   </p:clrMapOvr>
-  <mc:AlternateContent xmlns:mc="http://schemas.openxmlformats.org/markup-compatibility/2006">
-    <mc:Choice xmlns:p14="http://schemas.microsoft.com/office/powerpoint/2010/main" Requires="p14">
+  <mc:AlternateContent xmlns:mc="http://schemas.openxmlformats.org/markup-compatibility/2006" xmlns:p14="http://schemas.microsoft.com/office/powerpoint/2010/main">
+    <mc:Choice Requires="p14">
       <p:transition spd="slow" p14:dur="2000"/>
     </mc:Choice>
-    <mc:Fallback>
+    <mc:Fallback xmlns="">
       <p:transition spd="slow"/>
     </mc:Fallback>
   </mc:AlternateContent>
 </p:sld>
 </file>
 
-<file path=ppt/slides/slide14.xml><?xml version="1.0" encoding="utf-8"?>
+<file path=ppt/slides/slide18.xml><?xml version="1.0" encoding="utf-8"?>
 <p:sld xmlns:a="http://schemas.openxmlformats.org/drawingml/2006/main" xmlns:r="http://schemas.openxmlformats.org/officeDocument/2006/relationships" xmlns:p="http://schemas.openxmlformats.org/presentationml/2006/main" show="0">
   <p:cSld>
     <p:spTree>
@@ -7678,18 +8879,18 @@
   <p:clrMapOvr>
     <a:masterClrMapping/>
   </p:clrMapOvr>
-  <mc:AlternateContent xmlns:mc="http://schemas.openxmlformats.org/markup-compatibility/2006">
-    <mc:Choice xmlns:p14="http://schemas.microsoft.com/office/powerpoint/2010/main" Requires="p14">
+  <mc:AlternateContent xmlns:mc="http://schemas.openxmlformats.org/markup-compatibility/2006" xmlns:p14="http://schemas.microsoft.com/office/powerpoint/2010/main">
+    <mc:Choice Requires="p14">
       <p:transition spd="slow" p14:dur="2000"/>
     </mc:Choice>
-    <mc:Fallback>
+    <mc:Fallback xmlns="">
       <p:transition spd="slow"/>
     </mc:Fallback>
   </mc:AlternateContent>
 </p:sld>
 </file>
 
-<file path=ppt/slides/slide15.xml><?xml version="1.0" encoding="utf-8"?>
+<file path=ppt/slides/slide19.xml><?xml version="1.0" encoding="utf-8"?>
 <p:sld xmlns:a="http://schemas.openxmlformats.org/drawingml/2006/main" xmlns:r="http://schemas.openxmlformats.org/officeDocument/2006/relationships" xmlns:p="http://schemas.openxmlformats.org/presentationml/2006/main" show="0">
   <p:cSld>
     <p:spTree>
@@ -7802,111 +9003,11 @@
   <p:clrMapOvr>
     <a:masterClrMapping/>
   </p:clrMapOvr>
-  <mc:AlternateContent xmlns:mc="http://schemas.openxmlformats.org/markup-compatibility/2006">
-    <mc:Choice xmlns:p14="http://schemas.microsoft.com/office/powerpoint/2010/main" Requires="p14">
+  <mc:AlternateContent xmlns:mc="http://schemas.openxmlformats.org/markup-compatibility/2006" xmlns:p14="http://schemas.microsoft.com/office/powerpoint/2010/main">
+    <mc:Choice Requires="p14">
       <p:transition spd="slow" p14:dur="2000"/>
     </mc:Choice>
-    <mc:Fallback>
-      <p:transition spd="slow"/>
-    </mc:Fallback>
-  </mc:AlternateContent>
-</p:sld>
-</file>
-
-<file path=ppt/slides/slide16.xml><?xml version="1.0" encoding="utf-8"?>
-<p:sld xmlns:a="http://schemas.openxmlformats.org/drawingml/2006/main" xmlns:r="http://schemas.openxmlformats.org/officeDocument/2006/relationships" xmlns:p="http://schemas.openxmlformats.org/presentationml/2006/main" show="0">
-  <p:cSld>
-    <p:spTree>
-      <p:nvGrpSpPr>
-        <p:cNvPr id="1" name=""/>
-        <p:cNvGrpSpPr/>
-        <p:nvPr/>
-      </p:nvGrpSpPr>
-      <p:grpSpPr>
-        <a:xfrm>
-          <a:off x="0" y="0"/>
-          <a:ext cx="0" cy="0"/>
-          <a:chOff x="0" y="0"/>
-          <a:chExt cx="0" cy="0"/>
-        </a:xfrm>
-      </p:grpSpPr>
-      <p:sp>
-        <p:nvSpPr>
-          <p:cNvPr id="2" name="标题 1"/>
-          <p:cNvSpPr>
-            <a:spLocks noGrp="1"/>
-          </p:cNvSpPr>
-          <p:nvPr>
-            <p:ph type="title"/>
-          </p:nvPr>
-        </p:nvSpPr>
-        <p:spPr/>
-        <p:txBody>
-          <a:bodyPr/>
-          <a:lstStyle/>
-          <a:p>
-            <a:endParaRPr lang="zh-CN" altLang="en-US"/>
-          </a:p>
-        </p:txBody>
-      </p:sp>
-      <p:sp>
-        <p:nvSpPr>
-          <p:cNvPr id="3" name="内容占位符 2"/>
-          <p:cNvSpPr>
-            <a:spLocks noGrp="1"/>
-          </p:cNvSpPr>
-          <p:nvPr>
-            <p:ph idx="1"/>
-          </p:nvPr>
-        </p:nvSpPr>
-        <p:spPr/>
-        <p:txBody>
-          <a:bodyPr/>
-          <a:lstStyle/>
-          <a:p>
-            <a:endParaRPr lang="zh-CN" altLang="en-US"/>
-          </a:p>
-        </p:txBody>
-      </p:sp>
-      <p:pic>
-        <p:nvPicPr>
-          <p:cNvPr id="4" name="图片 3"/>
-          <p:cNvPicPr>
-            <a:picLocks noChangeAspect="1"/>
-          </p:cNvPicPr>
-          <p:nvPr/>
-        </p:nvPicPr>
-        <p:blipFill>
-          <a:blip r:embed="rId2"/>
-          <a:stretch>
-            <a:fillRect/>
-          </a:stretch>
-        </p:blipFill>
-        <p:spPr>
-          <a:xfrm>
-            <a:off x="1522971" y="674971"/>
-            <a:ext cx="8942857" cy="4542857"/>
-          </a:xfrm>
-          <a:prstGeom prst="rect">
-            <a:avLst/>
-          </a:prstGeom>
-        </p:spPr>
-      </p:pic>
-    </p:spTree>
-    <p:extLst>
-      <p:ext uri="{BB962C8B-B14F-4D97-AF65-F5344CB8AC3E}">
-        <p14:creationId xmlns:p14="http://schemas.microsoft.com/office/powerpoint/2010/main" val="3716760722"/>
-      </p:ext>
-    </p:extLst>
-  </p:cSld>
-  <p:clrMapOvr>
-    <a:masterClrMapping/>
-  </p:clrMapOvr>
-  <mc:AlternateContent xmlns:mc="http://schemas.openxmlformats.org/markup-compatibility/2006">
-    <mc:Choice xmlns:p14="http://schemas.microsoft.com/office/powerpoint/2010/main" Requires="p14">
-      <p:transition spd="slow" p14:dur="2000"/>
-    </mc:Choice>
-    <mc:Fallback>
+    <mc:Fallback xmlns="">
       <p:transition spd="slow"/>
     </mc:Fallback>
   </mc:AlternateContent>
@@ -8020,6 +9121,113 @@
   <p:clrMapOvr>
     <a:masterClrMapping/>
   </p:clrMapOvr>
+  <p:timing>
+    <p:tnLst>
+      <p:par>
+        <p:cTn id="1" dur="indefinite" restart="never" nodeType="tmRoot"/>
+      </p:par>
+    </p:tnLst>
+  </p:timing>
+</p:sld>
+</file>
+
+<file path=ppt/slides/slide20.xml><?xml version="1.0" encoding="utf-8"?>
+<p:sld xmlns:a="http://schemas.openxmlformats.org/drawingml/2006/main" xmlns:r="http://schemas.openxmlformats.org/officeDocument/2006/relationships" xmlns:p="http://schemas.openxmlformats.org/presentationml/2006/main" show="0">
+  <p:cSld>
+    <p:spTree>
+      <p:nvGrpSpPr>
+        <p:cNvPr id="1" name=""/>
+        <p:cNvGrpSpPr/>
+        <p:nvPr/>
+      </p:nvGrpSpPr>
+      <p:grpSpPr>
+        <a:xfrm>
+          <a:off x="0" y="0"/>
+          <a:ext cx="0" cy="0"/>
+          <a:chOff x="0" y="0"/>
+          <a:chExt cx="0" cy="0"/>
+        </a:xfrm>
+      </p:grpSpPr>
+      <p:sp>
+        <p:nvSpPr>
+          <p:cNvPr id="2" name="标题 1"/>
+          <p:cNvSpPr>
+            <a:spLocks noGrp="1"/>
+          </p:cNvSpPr>
+          <p:nvPr>
+            <p:ph type="title"/>
+          </p:nvPr>
+        </p:nvSpPr>
+        <p:spPr/>
+        <p:txBody>
+          <a:bodyPr/>
+          <a:lstStyle/>
+          <a:p>
+            <a:endParaRPr lang="zh-CN" altLang="en-US"/>
+          </a:p>
+        </p:txBody>
+      </p:sp>
+      <p:sp>
+        <p:nvSpPr>
+          <p:cNvPr id="3" name="内容占位符 2"/>
+          <p:cNvSpPr>
+            <a:spLocks noGrp="1"/>
+          </p:cNvSpPr>
+          <p:nvPr>
+            <p:ph idx="1"/>
+          </p:nvPr>
+        </p:nvSpPr>
+        <p:spPr/>
+        <p:txBody>
+          <a:bodyPr/>
+          <a:lstStyle/>
+          <a:p>
+            <a:endParaRPr lang="zh-CN" altLang="en-US"/>
+          </a:p>
+        </p:txBody>
+      </p:sp>
+      <p:pic>
+        <p:nvPicPr>
+          <p:cNvPr id="4" name="图片 3"/>
+          <p:cNvPicPr>
+            <a:picLocks noChangeAspect="1"/>
+          </p:cNvPicPr>
+          <p:nvPr/>
+        </p:nvPicPr>
+        <p:blipFill>
+          <a:blip r:embed="rId2"/>
+          <a:stretch>
+            <a:fillRect/>
+          </a:stretch>
+        </p:blipFill>
+        <p:spPr>
+          <a:xfrm>
+            <a:off x="1522971" y="674971"/>
+            <a:ext cx="8942857" cy="4542857"/>
+          </a:xfrm>
+          <a:prstGeom prst="rect">
+            <a:avLst/>
+          </a:prstGeom>
+        </p:spPr>
+      </p:pic>
+    </p:spTree>
+    <p:extLst>
+      <p:ext uri="{BB962C8B-B14F-4D97-AF65-F5344CB8AC3E}">
+        <p14:creationId xmlns:p14="http://schemas.microsoft.com/office/powerpoint/2010/main" val="3716760722"/>
+      </p:ext>
+    </p:extLst>
+  </p:cSld>
+  <p:clrMapOvr>
+    <a:masterClrMapping/>
+  </p:clrMapOvr>
+  <mc:AlternateContent xmlns:mc="http://schemas.openxmlformats.org/markup-compatibility/2006" xmlns:p14="http://schemas.microsoft.com/office/powerpoint/2010/main">
+    <mc:Choice Requires="p14">
+      <p:transition spd="slow" p14:dur="2000"/>
+    </mc:Choice>
+    <mc:Fallback xmlns="">
+      <p:transition spd="slow"/>
+    </mc:Fallback>
+  </mc:AlternateContent>
 </p:sld>
 </file>
 
@@ -8065,6 +9273,86 @@
           </a:graphicData>
         </a:graphic>
       </p:graphicFrame>
+      <p:sp>
+        <p:nvSpPr>
+          <p:cNvPr id="2" name="五角星 1"/>
+          <p:cNvSpPr/>
+          <p:nvPr/>
+        </p:nvSpPr>
+        <p:spPr>
+          <a:xfrm>
+            <a:off x="10997779" y="1227762"/>
+            <a:ext cx="548227" cy="548227"/>
+          </a:xfrm>
+          <a:prstGeom prst="star5">
+            <a:avLst/>
+          </a:prstGeom>
+        </p:spPr>
+        <p:style>
+          <a:lnRef idx="2">
+            <a:schemeClr val="accent1">
+              <a:shade val="50000"/>
+            </a:schemeClr>
+          </a:lnRef>
+          <a:fillRef idx="1">
+            <a:schemeClr val="accent1"/>
+          </a:fillRef>
+          <a:effectRef idx="0">
+            <a:schemeClr val="accent1"/>
+          </a:effectRef>
+          <a:fontRef idx="minor">
+            <a:schemeClr val="lt1"/>
+          </a:fontRef>
+        </p:style>
+        <p:txBody>
+          <a:bodyPr rtlCol="0" anchor="ctr"/>
+          <a:lstStyle/>
+          <a:p>
+            <a:pPr algn="ctr"/>
+            <a:endParaRPr lang="zh-CN" altLang="en-US"/>
+          </a:p>
+        </p:txBody>
+      </p:sp>
+      <p:sp>
+        <p:nvSpPr>
+          <p:cNvPr id="6" name="五角星 5"/>
+          <p:cNvSpPr/>
+          <p:nvPr/>
+        </p:nvSpPr>
+        <p:spPr>
+          <a:xfrm>
+            <a:off x="10997779" y="4150657"/>
+            <a:ext cx="548227" cy="548227"/>
+          </a:xfrm>
+          <a:prstGeom prst="star5">
+            <a:avLst/>
+          </a:prstGeom>
+        </p:spPr>
+        <p:style>
+          <a:lnRef idx="2">
+            <a:schemeClr val="accent1">
+              <a:shade val="50000"/>
+            </a:schemeClr>
+          </a:lnRef>
+          <a:fillRef idx="1">
+            <a:schemeClr val="accent1"/>
+          </a:fillRef>
+          <a:effectRef idx="0">
+            <a:schemeClr val="accent1"/>
+          </a:effectRef>
+          <a:fontRef idx="minor">
+            <a:schemeClr val="lt1"/>
+          </a:fontRef>
+        </p:style>
+        <p:txBody>
+          <a:bodyPr rtlCol="0" anchor="ctr"/>
+          <a:lstStyle/>
+          <a:p>
+            <a:pPr algn="ctr"/>
+            <a:endParaRPr lang="zh-CN" altLang="en-US"/>
+          </a:p>
+        </p:txBody>
+      </p:sp>
     </p:spTree>
     <p:extLst>
       <p:ext uri="{BB962C8B-B14F-4D97-AF65-F5344CB8AC3E}">
@@ -8075,6 +9363,238 @@
   <p:clrMapOvr>
     <a:masterClrMapping/>
   </p:clrMapOvr>
+  <p:timing>
+    <p:tnLst>
+      <p:par>
+        <p:cTn id="1" dur="indefinite" restart="never" nodeType="tmRoot">
+          <p:childTnLst>
+            <p:seq concurrent="1" nextAc="seek">
+              <p:cTn id="2" dur="indefinite" nodeType="mainSeq">
+                <p:childTnLst>
+                  <p:par>
+                    <p:cTn id="3" fill="hold">
+                      <p:stCondLst>
+                        <p:cond delay="indefinite"/>
+                      </p:stCondLst>
+                      <p:childTnLst>
+                        <p:par>
+                          <p:cTn id="4" fill="hold">
+                            <p:stCondLst>
+                              <p:cond delay="0"/>
+                            </p:stCondLst>
+                            <p:childTnLst>
+                              <p:par>
+                                <p:cTn id="5" presetID="42" presetClass="entr" presetSubtype="0" fill="hold" grpId="0" nodeType="clickEffect">
+                                  <p:stCondLst>
+                                    <p:cond delay="0"/>
+                                  </p:stCondLst>
+                                  <p:childTnLst>
+                                    <p:set>
+                                      <p:cBhvr>
+                                        <p:cTn id="6" dur="1" fill="hold">
+                                          <p:stCondLst>
+                                            <p:cond delay="0"/>
+                                          </p:stCondLst>
+                                        </p:cTn>
+                                        <p:tgtEl>
+                                          <p:spTgt spid="2"/>
+                                        </p:tgtEl>
+                                        <p:attrNameLst>
+                                          <p:attrName>style.visibility</p:attrName>
+                                        </p:attrNameLst>
+                                      </p:cBhvr>
+                                      <p:to>
+                                        <p:strVal val="visible"/>
+                                      </p:to>
+                                    </p:set>
+                                    <p:animEffect transition="in" filter="fade">
+                                      <p:cBhvr>
+                                        <p:cTn id="7" dur="1000"/>
+                                        <p:tgtEl>
+                                          <p:spTgt spid="2"/>
+                                        </p:tgtEl>
+                                      </p:cBhvr>
+                                    </p:animEffect>
+                                    <p:anim calcmode="lin" valueType="num">
+                                      <p:cBhvr>
+                                        <p:cTn id="8" dur="1000" fill="hold"/>
+                                        <p:tgtEl>
+                                          <p:spTgt spid="2"/>
+                                        </p:tgtEl>
+                                        <p:attrNameLst>
+                                          <p:attrName>ppt_x</p:attrName>
+                                        </p:attrNameLst>
+                                      </p:cBhvr>
+                                      <p:tavLst>
+                                        <p:tav tm="0">
+                                          <p:val>
+                                            <p:strVal val="#ppt_x"/>
+                                          </p:val>
+                                        </p:tav>
+                                        <p:tav tm="100000">
+                                          <p:val>
+                                            <p:strVal val="#ppt_x"/>
+                                          </p:val>
+                                        </p:tav>
+                                      </p:tavLst>
+                                    </p:anim>
+                                    <p:anim calcmode="lin" valueType="num">
+                                      <p:cBhvr>
+                                        <p:cTn id="9" dur="1000" fill="hold"/>
+                                        <p:tgtEl>
+                                          <p:spTgt spid="2"/>
+                                        </p:tgtEl>
+                                        <p:attrNameLst>
+                                          <p:attrName>ppt_y</p:attrName>
+                                        </p:attrNameLst>
+                                      </p:cBhvr>
+                                      <p:tavLst>
+                                        <p:tav tm="0">
+                                          <p:val>
+                                            <p:strVal val="#ppt_y+.1"/>
+                                          </p:val>
+                                        </p:tav>
+                                        <p:tav tm="100000">
+                                          <p:val>
+                                            <p:strVal val="#ppt_y"/>
+                                          </p:val>
+                                        </p:tav>
+                                      </p:tavLst>
+                                    </p:anim>
+                                  </p:childTnLst>
+                                </p:cTn>
+                              </p:par>
+                            </p:childTnLst>
+                          </p:cTn>
+                        </p:par>
+                      </p:childTnLst>
+                    </p:cTn>
+                  </p:par>
+                  <p:par>
+                    <p:cTn id="10" fill="hold">
+                      <p:stCondLst>
+                        <p:cond delay="indefinite"/>
+                      </p:stCondLst>
+                      <p:childTnLst>
+                        <p:par>
+                          <p:cTn id="11" fill="hold">
+                            <p:stCondLst>
+                              <p:cond delay="0"/>
+                            </p:stCondLst>
+                            <p:childTnLst>
+                              <p:par>
+                                <p:cTn id="12" presetID="42" presetClass="entr" presetSubtype="0" fill="hold" grpId="0" nodeType="clickEffect">
+                                  <p:stCondLst>
+                                    <p:cond delay="0"/>
+                                  </p:stCondLst>
+                                  <p:childTnLst>
+                                    <p:set>
+                                      <p:cBhvr>
+                                        <p:cTn id="13" dur="1" fill="hold">
+                                          <p:stCondLst>
+                                            <p:cond delay="0"/>
+                                          </p:stCondLst>
+                                        </p:cTn>
+                                        <p:tgtEl>
+                                          <p:spTgt spid="6"/>
+                                        </p:tgtEl>
+                                        <p:attrNameLst>
+                                          <p:attrName>style.visibility</p:attrName>
+                                        </p:attrNameLst>
+                                      </p:cBhvr>
+                                      <p:to>
+                                        <p:strVal val="visible"/>
+                                      </p:to>
+                                    </p:set>
+                                    <p:animEffect transition="in" filter="fade">
+                                      <p:cBhvr>
+                                        <p:cTn id="14" dur="1000"/>
+                                        <p:tgtEl>
+                                          <p:spTgt spid="6"/>
+                                        </p:tgtEl>
+                                      </p:cBhvr>
+                                    </p:animEffect>
+                                    <p:anim calcmode="lin" valueType="num">
+                                      <p:cBhvr>
+                                        <p:cTn id="15" dur="1000" fill="hold"/>
+                                        <p:tgtEl>
+                                          <p:spTgt spid="6"/>
+                                        </p:tgtEl>
+                                        <p:attrNameLst>
+                                          <p:attrName>ppt_x</p:attrName>
+                                        </p:attrNameLst>
+                                      </p:cBhvr>
+                                      <p:tavLst>
+                                        <p:tav tm="0">
+                                          <p:val>
+                                            <p:strVal val="#ppt_x"/>
+                                          </p:val>
+                                        </p:tav>
+                                        <p:tav tm="100000">
+                                          <p:val>
+                                            <p:strVal val="#ppt_x"/>
+                                          </p:val>
+                                        </p:tav>
+                                      </p:tavLst>
+                                    </p:anim>
+                                    <p:anim calcmode="lin" valueType="num">
+                                      <p:cBhvr>
+                                        <p:cTn id="16" dur="1000" fill="hold"/>
+                                        <p:tgtEl>
+                                          <p:spTgt spid="6"/>
+                                        </p:tgtEl>
+                                        <p:attrNameLst>
+                                          <p:attrName>ppt_y</p:attrName>
+                                        </p:attrNameLst>
+                                      </p:cBhvr>
+                                      <p:tavLst>
+                                        <p:tav tm="0">
+                                          <p:val>
+                                            <p:strVal val="#ppt_y+.1"/>
+                                          </p:val>
+                                        </p:tav>
+                                        <p:tav tm="100000">
+                                          <p:val>
+                                            <p:strVal val="#ppt_y"/>
+                                          </p:val>
+                                        </p:tav>
+                                      </p:tavLst>
+                                    </p:anim>
+                                  </p:childTnLst>
+                                </p:cTn>
+                              </p:par>
+                            </p:childTnLst>
+                          </p:cTn>
+                        </p:par>
+                      </p:childTnLst>
+                    </p:cTn>
+                  </p:par>
+                </p:childTnLst>
+              </p:cTn>
+              <p:prevCondLst>
+                <p:cond evt="onPrev" delay="0">
+                  <p:tgtEl>
+                    <p:sldTgt/>
+                  </p:tgtEl>
+                </p:cond>
+              </p:prevCondLst>
+              <p:nextCondLst>
+                <p:cond evt="onNext" delay="0">
+                  <p:tgtEl>
+                    <p:sldTgt/>
+                  </p:tgtEl>
+                </p:cond>
+              </p:nextCondLst>
+            </p:seq>
+          </p:childTnLst>
+        </p:cTn>
+      </p:par>
+    </p:tnLst>
+    <p:bldLst>
+      <p:bldP spid="2" grpId="0" animBg="1"/>
+      <p:bldP spid="6" grpId="0" animBg="1"/>
+    </p:bldLst>
+  </p:timing>
 </p:sld>
 </file>
 
@@ -8116,14 +9636,14 @@
           <a:lstStyle/>
           <a:p>
             <a:r>
-              <a:rPr lang="en-US" altLang="zh-CN" dirty="0"/>
+              <a:rPr lang="en-US" altLang="zh-CN" sz="4800" dirty="0"/>
               <a:t>Lock and </a:t>
             </a:r>
             <a:r>
-              <a:rPr lang="en-US" altLang="zh-CN" dirty="0" smtClean="0"/>
+              <a:rPr lang="en-US" altLang="zh-CN" sz="4800" dirty="0" smtClean="0"/>
               <a:t>lock-free</a:t>
             </a:r>
-            <a:endParaRPr lang="zh-CN" altLang="en-US" dirty="0"/>
+            <a:endParaRPr lang="zh-CN" altLang="en-US" sz="4800" dirty="0"/>
           </a:p>
         </p:txBody>
       </p:sp>
@@ -8136,7 +9656,7 @@
         <p:spPr>
           <a:xfrm>
             <a:off x="838200" y="1843313"/>
-            <a:ext cx="6854371" cy="923330"/>
+            <a:ext cx="6854371" cy="1015663"/>
           </a:xfrm>
           <a:prstGeom prst="rect">
             <a:avLst/>
@@ -8150,19 +9670,19 @@
           <a:lstStyle/>
           <a:p>
             <a:r>
-              <a:rPr lang="en-US" altLang="zh-CN" smtClean="0"/>
+              <a:rPr lang="en-US" altLang="zh-CN" sz="2000" dirty="0" smtClean="0"/>
               <a:t>Consistent read</a:t>
             </a:r>
           </a:p>
           <a:p>
-            <a:endParaRPr lang="en-US" altLang="zh-CN" smtClean="0"/>
-          </a:p>
-          <a:p>
-            <a:r>
-              <a:rPr lang="en-US" altLang="zh-CN" smtClean="0"/>
+            <a:endParaRPr lang="en-US" altLang="zh-CN" sz="2000" dirty="0" smtClean="0"/>
+          </a:p>
+          <a:p>
+            <a:r>
+              <a:rPr lang="en-US" altLang="zh-CN" sz="2000" dirty="0" smtClean="0"/>
               <a:t>Inconsistent read</a:t>
             </a:r>
-            <a:endParaRPr lang="zh-CN" altLang="en-US" dirty="0"/>
+            <a:endParaRPr lang="zh-CN" altLang="en-US" sz="2000" dirty="0"/>
           </a:p>
         </p:txBody>
       </p:sp>
@@ -8174,8 +9694,8 @@
         </p:nvSpPr>
         <p:spPr>
           <a:xfrm>
-            <a:off x="794821" y="3128353"/>
-            <a:ext cx="10525496" cy="1754326"/>
+            <a:off x="617400" y="4261117"/>
+            <a:ext cx="10525496" cy="2862322"/>
           </a:xfrm>
           <a:prstGeom prst="rect">
             <a:avLst/>
@@ -8188,57 +9708,91 @@
           <a:lstStyle/>
           <a:p>
             <a:r>
-              <a:rPr lang="en-US" dirty="0" err="1" smtClean="0"/>
+              <a:rPr lang="en-US" sz="2000" dirty="0" err="1" smtClean="0"/>
               <a:t>Recht</a:t>
             </a:r>
             <a:r>
-              <a:rPr lang="en-US" dirty="0"/>
+              <a:rPr lang="en-US" sz="2000" dirty="0"/>
               <a:t>, Benjamin, et al. "</a:t>
             </a:r>
             <a:r>
-              <a:rPr lang="en-US" dirty="0" err="1"/>
+              <a:rPr lang="en-US" sz="2000" dirty="0" err="1"/>
               <a:t>Hogwild</a:t>
             </a:r>
             <a:r>
-              <a:rPr lang="en-US" dirty="0"/>
+              <a:rPr lang="en-US" sz="2000" dirty="0"/>
               <a:t>: A lock-free approach to parallelizing stochastic gradient descent." </a:t>
             </a:r>
             <a:r>
-              <a:rPr lang="en-US" i="1" dirty="0"/>
+              <a:rPr lang="en-US" sz="2000" i="1" dirty="0"/>
               <a:t>Advances in Neural Information Processing Systems</a:t>
             </a:r>
             <a:r>
-              <a:rPr lang="en-US" dirty="0"/>
+              <a:rPr lang="en-US" sz="2000" dirty="0"/>
               <a:t>. 2011</a:t>
             </a:r>
             <a:r>
-              <a:rPr lang="en-US" dirty="0" smtClean="0"/>
+              <a:rPr lang="en-US" sz="2000" dirty="0" smtClean="0"/>
               <a:t>.</a:t>
             </a:r>
           </a:p>
           <a:p>
-            <a:endParaRPr lang="en-US" dirty="0"/>
-          </a:p>
-          <a:p>
-            <a:r>
-              <a:rPr lang="en-US" dirty="0"/>
-              <a:t>Liu, Ji, et al. "An asynchronous parallel stochastic coordinate descent algorithm." </a:t>
-            </a:r>
-            <a:r>
-              <a:rPr lang="en-US" i="1" dirty="0"/>
-              <a:t>Journal of Machine Learning Research</a:t>
-            </a:r>
-            <a:r>
-              <a:rPr lang="en-US" dirty="0"/>
-              <a:t> 16.285-322 (2015): 1-5</a:t>
-            </a:r>
-            <a:r>
-              <a:rPr lang="en-US" dirty="0" smtClean="0"/>
+            <a:endParaRPr lang="en-US" sz="2000" dirty="0"/>
+          </a:p>
+          <a:p>
+            <a:r>
+              <a:rPr lang="en-US" sz="2000" dirty="0" err="1"/>
+              <a:t>Lian</a:t>
+            </a:r>
+            <a:r>
+              <a:rPr lang="en-US" sz="2000" dirty="0"/>
+              <a:t>, </a:t>
+            </a:r>
+            <a:r>
+              <a:rPr lang="en-US" sz="2000" dirty="0" err="1"/>
+              <a:t>Xiangru</a:t>
+            </a:r>
+            <a:r>
+              <a:rPr lang="en-US" sz="2000" dirty="0"/>
+              <a:t>, et al. "Asynchronous parallel stochastic gradient for nonconvex optimization." Advances in Neural Information Processing Systems. 2015</a:t>
+            </a:r>
+            <a:r>
+              <a:rPr lang="en-US" sz="2000" dirty="0" smtClean="0"/>
               <a:t>.</a:t>
             </a:r>
           </a:p>
           <a:p>
-            <a:endParaRPr lang="en-US" dirty="0"/>
+            <a:endParaRPr lang="en-US" sz="2000" dirty="0"/>
+          </a:p>
+          <a:p>
+            <a:r>
+              <a:rPr lang="en-US" altLang="zh-CN" sz="2000" dirty="0"/>
+              <a:t>Mania</a:t>
+            </a:r>
+            <a:r>
+              <a:rPr lang="en-US" altLang="zh-CN" sz="2000" dirty="0"/>
+              <a:t>, </a:t>
+            </a:r>
+            <a:r>
+              <a:rPr lang="en-US" altLang="zh-CN" sz="2000" dirty="0" err="1"/>
+              <a:t>Horia</a:t>
+            </a:r>
+            <a:r>
+              <a:rPr lang="en-US" altLang="zh-CN" sz="2000" dirty="0"/>
+              <a:t>, et al. "Perturbed iterate analysis for asynchronous stochastic optimization." </a:t>
+            </a:r>
+            <a:r>
+              <a:rPr lang="en-US" altLang="zh-CN" sz="2000" dirty="0" err="1"/>
+              <a:t>arXiv</a:t>
+            </a:r>
+            <a:r>
+              <a:rPr lang="en-US" altLang="zh-CN" sz="2000" dirty="0"/>
+              <a:t> preprint arXiv:1507.06970 (2015).</a:t>
+            </a:r>
+            <a:endParaRPr lang="en-US" sz="2000" dirty="0"/>
+          </a:p>
+          <a:p>
+            <a:endParaRPr lang="en-US" sz="2000" dirty="0"/>
           </a:p>
         </p:txBody>
       </p:sp>
@@ -8253,7 +9807,7 @@
             <p:spPr>
               <a:xfrm>
                 <a:off x="4144153" y="1749815"/>
-                <a:ext cx="2287486" cy="391646"/>
+                <a:ext cx="2519857" cy="424796"/>
               </a:xfrm>
               <a:prstGeom prst="rect">
                 <a:avLst/>
@@ -8265,6 +9819,7 @@
               </a:bodyPr>
               <a:lstStyle/>
               <a:p>
+                <a:pPr/>
                 <a14:m>
                   <m:oMathPara xmlns:m="http://schemas.openxmlformats.org/officeDocument/2006/math">
                     <m:oMathParaPr>
@@ -8274,14 +9829,14 @@
                       <m:sSub>
                         <m:sSubPr>
                           <m:ctrlPr>
-                            <a:rPr lang="en-US" altLang="zh-CN" b="0" i="1" smtClean="0">
+                            <a:rPr lang="en-US" altLang="zh-CN" sz="2000" b="0" i="1" smtClean="0">
                               <a:latin typeface="Cambria Math" panose="02040503050406030204" pitchFamily="18" charset="0"/>
                             </a:rPr>
                           </m:ctrlPr>
                         </m:sSubPr>
                         <m:e>
                           <m:r>
-                            <a:rPr lang="en-US" altLang="zh-CN" b="0" i="1" smtClean="0">
+                            <a:rPr lang="en-US" altLang="zh-CN" sz="2000" b="0" i="1" smtClean="0">
                               <a:latin typeface="Cambria Math" panose="02040503050406030204" pitchFamily="18" charset="0"/>
                             </a:rPr>
                             <m:t>𝑥</m:t>
@@ -8289,13 +9844,13 @@
                         </m:e>
                         <m:sub>
                           <m:r>
-                            <a:rPr lang="en-US" altLang="zh-CN" b="0" i="1" smtClean="0">
+                            <a:rPr lang="en-US" altLang="zh-CN" sz="2000" b="0" i="1" smtClean="0">
                               <a:latin typeface="Cambria Math" panose="02040503050406030204" pitchFamily="18" charset="0"/>
                             </a:rPr>
                             <m:t>𝑗</m:t>
                           </m:r>
                           <m:r>
-                            <a:rPr lang="en-US" altLang="zh-CN" b="0" i="1" smtClean="0">
+                            <a:rPr lang="en-US" altLang="zh-CN" sz="2000" b="0" i="1" smtClean="0">
                               <a:latin typeface="Cambria Math" panose="02040503050406030204" pitchFamily="18" charset="0"/>
                             </a:rPr>
                             <m:t>+1</m:t>
@@ -8303,7 +9858,7 @@
                         </m:sub>
                       </m:sSub>
                       <m:r>
-                        <a:rPr lang="en-US" altLang="zh-CN" b="0" i="1" smtClean="0">
+                        <a:rPr lang="en-US" altLang="zh-CN" sz="2000" b="0" i="1" smtClean="0">
                           <a:latin typeface="Cambria Math" panose="02040503050406030204" pitchFamily="18" charset="0"/>
                         </a:rPr>
                         <m:t>=</m:t>
@@ -8311,14 +9866,14 @@
                       <m:sSub>
                         <m:sSubPr>
                           <m:ctrlPr>
-                            <a:rPr lang="en-US" altLang="zh-CN" b="0" i="1" smtClean="0">
+                            <a:rPr lang="en-US" altLang="zh-CN" sz="2000" b="0" i="1" smtClean="0">
                               <a:latin typeface="Cambria Math" panose="02040503050406030204" pitchFamily="18" charset="0"/>
                             </a:rPr>
                           </m:ctrlPr>
                         </m:sSubPr>
                         <m:e>
                           <m:r>
-                            <a:rPr lang="en-US" altLang="zh-CN" b="0" i="1" smtClean="0">
+                            <a:rPr lang="en-US" altLang="zh-CN" sz="2000" b="0" i="1" smtClean="0">
                               <a:latin typeface="Cambria Math" panose="02040503050406030204" pitchFamily="18" charset="0"/>
                             </a:rPr>
                             <m:t>𝑥</m:t>
@@ -8326,7 +9881,7 @@
                         </m:e>
                         <m:sub>
                           <m:r>
-                            <a:rPr lang="en-US" altLang="zh-CN" b="0" i="1" smtClean="0">
+                            <a:rPr lang="en-US" altLang="zh-CN" sz="2000" b="0" i="1" smtClean="0">
                               <a:latin typeface="Cambria Math" panose="02040503050406030204" pitchFamily="18" charset="0"/>
                             </a:rPr>
                             <m:t>𝑗</m:t>
@@ -8334,25 +9889,25 @@
                         </m:sub>
                       </m:sSub>
                       <m:r>
-                        <a:rPr lang="en-US" altLang="zh-CN" b="0" i="1" smtClean="0">
+                        <a:rPr lang="en-US" altLang="zh-CN" sz="2000" b="0" i="1" smtClean="0">
                           <a:latin typeface="Cambria Math" panose="02040503050406030204" pitchFamily="18" charset="0"/>
                         </a:rPr>
                         <m:t>−</m:t>
                       </m:r>
                       <m:r>
-                        <a:rPr lang="en-US" altLang="zh-CN" b="0" i="1" smtClean="0">
+                        <a:rPr lang="en-US" altLang="zh-CN" sz="2000" b="0" i="1" smtClean="0">
                           <a:latin typeface="Cambria Math" panose="02040503050406030204" pitchFamily="18" charset="0"/>
                         </a:rPr>
                         <m:t>𝜂</m:t>
                       </m:r>
                       <m:r>
-                        <a:rPr lang="en-US" altLang="zh-CN" b="0" i="1" smtClean="0">
+                        <a:rPr lang="en-US" altLang="zh-CN" sz="2000" b="0" i="1" smtClean="0">
                           <a:latin typeface="Cambria Math" panose="02040503050406030204" pitchFamily="18" charset="0"/>
                         </a:rPr>
                         <m:t>𝑔</m:t>
                       </m:r>
                       <m:r>
-                        <a:rPr lang="en-US" altLang="zh-CN" b="0" i="1" smtClean="0">
+                        <a:rPr lang="en-US" altLang="zh-CN" sz="2000" b="0" i="1" smtClean="0">
                           <a:latin typeface="Cambria Math" panose="02040503050406030204" pitchFamily="18" charset="0"/>
                         </a:rPr>
                         <m:t>(</m:t>
@@ -8360,14 +9915,14 @@
                       <m:sSub>
                         <m:sSubPr>
                           <m:ctrlPr>
-                            <a:rPr lang="en-US" altLang="zh-CN" b="0" i="1" smtClean="0">
+                            <a:rPr lang="en-US" altLang="zh-CN" sz="2000" b="0" i="1" smtClean="0">
                               <a:latin typeface="Cambria Math" panose="02040503050406030204" pitchFamily="18" charset="0"/>
                             </a:rPr>
                           </m:ctrlPr>
                         </m:sSubPr>
                         <m:e>
                           <m:r>
-                            <a:rPr lang="en-US" altLang="zh-CN" b="0" i="1" smtClean="0">
+                            <a:rPr lang="en-US" altLang="zh-CN" sz="2000" b="0" i="1" smtClean="0">
                               <a:latin typeface="Cambria Math" panose="02040503050406030204" pitchFamily="18" charset="0"/>
                             </a:rPr>
                             <m:t>𝑥</m:t>
@@ -8375,19 +9930,19 @@
                         </m:e>
                         <m:sub>
                           <m:r>
-                            <a:rPr lang="en-US" altLang="zh-CN" b="0" i="1" smtClean="0">
+                            <a:rPr lang="en-US" altLang="zh-CN" sz="2000" b="0" i="1" smtClean="0">
                               <a:latin typeface="Cambria Math" panose="02040503050406030204" pitchFamily="18" charset="0"/>
                             </a:rPr>
                             <m:t>𝑗</m:t>
                           </m:r>
                           <m:r>
-                            <a:rPr lang="en-US" altLang="zh-CN" b="0" i="1" smtClean="0">
+                            <a:rPr lang="en-US" altLang="zh-CN" sz="2000" b="0" i="1" smtClean="0">
                               <a:latin typeface="Cambria Math" panose="02040503050406030204" pitchFamily="18" charset="0"/>
                             </a:rPr>
                             <m:t>−</m:t>
                           </m:r>
                           <m:r>
-                            <a:rPr lang="en-US" altLang="zh-CN" b="0" i="1" smtClean="0">
+                            <a:rPr lang="en-US" altLang="zh-CN" sz="2000" b="0" i="1" smtClean="0">
                               <a:latin typeface="Cambria Math" panose="02040503050406030204" pitchFamily="18" charset="0"/>
                             </a:rPr>
                             <m:t>𝜏</m:t>
@@ -8395,7 +9950,7 @@
                         </m:sub>
                       </m:sSub>
                       <m:r>
-                        <a:rPr lang="en-US" altLang="zh-CN" b="0" i="1" smtClean="0">
+                        <a:rPr lang="en-US" altLang="zh-CN" sz="2000" b="0" i="1" smtClean="0">
                           <a:latin typeface="Cambria Math" panose="02040503050406030204" pitchFamily="18" charset="0"/>
                         </a:rPr>
                         <m:t>)</m:t>
@@ -8403,7 +9958,7 @@
                     </m:oMath>
                   </m:oMathPara>
                 </a14:m>
-                <a:endParaRPr lang="en-US" altLang="zh-CN" dirty="0" smtClean="0"/>
+                <a:endParaRPr lang="en-US" altLang="zh-CN" sz="2000" dirty="0" smtClean="0"/>
               </a:p>
             </p:txBody>
           </p:sp>
@@ -8420,7 +9975,7 @@
             <p:spPr>
               <a:xfrm>
                 <a:off x="4144153" y="1749815"/>
-                <a:ext cx="2287486" cy="391646"/>
+                <a:ext cx="2519857" cy="424796"/>
               </a:xfrm>
               <a:prstGeom prst="rect">
                 <a:avLst/>
@@ -8428,7 +9983,7 @@
               <a:blipFill>
                 <a:blip r:embed="rId2"/>
                 <a:stretch>
-                  <a:fillRect b="-9375"/>
+                  <a:fillRect b="-10000"/>
                 </a:stretch>
               </a:blipFill>
             </p:spPr>
@@ -8437,7 +9992,7 @@
               <a:lstStyle/>
               <a:p>
                 <a:r>
-                  <a:rPr lang="en-US">
+                  <a:rPr lang="zh-CN" altLang="en-US">
                     <a:noFill/>
                   </a:rPr>
                   <a:t> </a:t>
@@ -8458,7 +10013,7 @@
             <p:spPr>
               <a:xfrm>
                 <a:off x="4144153" y="2374997"/>
-                <a:ext cx="6437019" cy="406586"/>
+                <a:ext cx="7138877" cy="441403"/>
               </a:xfrm>
               <a:prstGeom prst="rect">
                 <a:avLst/>
@@ -8470,13 +10025,12 @@
               </a:bodyPr>
               <a:lstStyle/>
               <a:p>
-                <a:pPr/>
                 <a14:m>
                   <m:oMath xmlns:m="http://schemas.openxmlformats.org/officeDocument/2006/math">
                     <m:sSub>
                       <m:sSubPr>
                         <m:ctrlPr>
-                          <a:rPr lang="en-US" altLang="zh-CN" b="0" i="1" smtClean="0">
+                          <a:rPr lang="en-US" altLang="zh-CN" sz="2000" b="0" i="1" smtClean="0">
                             <a:latin typeface="Cambria Math" panose="02040503050406030204" pitchFamily="18" charset="0"/>
                           </a:rPr>
                         </m:ctrlPr>
@@ -8485,7 +10039,7 @@
                         <m:d>
                           <m:dPr>
                             <m:ctrlPr>
-                              <a:rPr lang="en-US" altLang="zh-CN" b="0" i="1" smtClean="0">
+                              <a:rPr lang="en-US" altLang="zh-CN" sz="2000" b="0" i="1" smtClean="0">
                                 <a:latin typeface="Cambria Math" panose="02040503050406030204" pitchFamily="18" charset="0"/>
                               </a:rPr>
                             </m:ctrlPr>
@@ -8494,14 +10048,14 @@
                             <m:sSub>
                               <m:sSubPr>
                                 <m:ctrlPr>
-                                  <a:rPr lang="en-US" altLang="zh-CN" b="0" i="1" smtClean="0">
+                                  <a:rPr lang="en-US" altLang="zh-CN" sz="2000" b="0" i="1" smtClean="0">
                                     <a:latin typeface="Cambria Math" panose="02040503050406030204" pitchFamily="18" charset="0"/>
                                   </a:rPr>
                                 </m:ctrlPr>
                               </m:sSubPr>
                               <m:e>
                                 <m:r>
-                                  <a:rPr lang="en-US" altLang="zh-CN" b="0" i="1" smtClean="0">
+                                  <a:rPr lang="en-US" altLang="zh-CN" sz="2000" b="0" i="1" smtClean="0">
                                     <a:latin typeface="Cambria Math" panose="02040503050406030204" pitchFamily="18" charset="0"/>
                                   </a:rPr>
                                   <m:t>𝑥</m:t>
@@ -8509,13 +10063,13 @@
                               </m:e>
                               <m:sub>
                                 <m:r>
-                                  <a:rPr lang="en-US" altLang="zh-CN" b="0" i="1" smtClean="0">
+                                  <a:rPr lang="en-US" altLang="zh-CN" sz="2000" b="0" i="1" smtClean="0">
                                     <a:latin typeface="Cambria Math" panose="02040503050406030204" pitchFamily="18" charset="0"/>
                                   </a:rPr>
                                   <m:t>𝑘</m:t>
                                 </m:r>
                                 <m:r>
-                                  <a:rPr lang="en-US" altLang="zh-CN" b="0" i="1" smtClean="0">
+                                  <a:rPr lang="en-US" altLang="zh-CN" sz="2000" b="0" i="1" smtClean="0">
                                     <a:latin typeface="Cambria Math" panose="02040503050406030204" pitchFamily="18" charset="0"/>
                                   </a:rPr>
                                   <m:t>+1</m:t>
@@ -8529,14 +10083,14 @@
                         <m:sSub>
                           <m:sSubPr>
                             <m:ctrlPr>
-                              <a:rPr lang="en-US" altLang="zh-CN" b="0" i="1" smtClean="0">
+                              <a:rPr lang="en-US" altLang="zh-CN" sz="2000" b="0" i="1" smtClean="0">
                                 <a:latin typeface="Cambria Math" panose="02040503050406030204" pitchFamily="18" charset="0"/>
                               </a:rPr>
                             </m:ctrlPr>
                           </m:sSubPr>
                           <m:e>
                             <m:r>
-                              <a:rPr lang="en-US" altLang="zh-CN" b="0" i="1" smtClean="0">
+                              <a:rPr lang="en-US" altLang="zh-CN" sz="2000" b="0" i="1" smtClean="0">
                                 <a:latin typeface="Cambria Math" panose="02040503050406030204" pitchFamily="18" charset="0"/>
                               </a:rPr>
                               <m:t>𝑖</m:t>
@@ -8544,7 +10098,7 @@
                           </m:e>
                           <m:sub>
                             <m:r>
-                              <a:rPr lang="en-US" altLang="zh-CN" b="0" i="1" smtClean="0">
+                              <a:rPr lang="en-US" altLang="zh-CN" sz="2000" b="0" i="1" smtClean="0">
                                 <a:latin typeface="Cambria Math" panose="02040503050406030204" pitchFamily="18" charset="0"/>
                               </a:rPr>
                               <m:t>𝑘</m:t>
@@ -8554,7 +10108,7 @@
                       </m:sub>
                     </m:sSub>
                     <m:r>
-                      <a:rPr lang="en-US" altLang="zh-CN" i="1">
+                      <a:rPr lang="en-US" altLang="zh-CN" sz="2000" i="1">
                         <a:latin typeface="Cambria Math" panose="02040503050406030204" pitchFamily="18" charset="0"/>
                       </a:rPr>
                       <m:t>=</m:t>
@@ -8562,7 +10116,7 @@
                     <m:sSub>
                       <m:sSubPr>
                         <m:ctrlPr>
-                          <a:rPr lang="en-US" altLang="zh-CN" b="0" i="1" smtClean="0">
+                          <a:rPr lang="en-US" altLang="zh-CN" sz="2000" b="0" i="1" smtClean="0">
                             <a:latin typeface="Cambria Math" panose="02040503050406030204" pitchFamily="18" charset="0"/>
                           </a:rPr>
                         </m:ctrlPr>
@@ -8571,7 +10125,7 @@
                         <m:d>
                           <m:dPr>
                             <m:ctrlPr>
-                              <a:rPr lang="en-US" altLang="zh-CN" b="0" i="1" smtClean="0">
+                              <a:rPr lang="en-US" altLang="zh-CN" sz="2000" b="0" i="1" smtClean="0">
                                 <a:latin typeface="Cambria Math" panose="02040503050406030204" pitchFamily="18" charset="0"/>
                               </a:rPr>
                             </m:ctrlPr>
@@ -8580,14 +10134,14 @@
                             <m:sSub>
                               <m:sSubPr>
                                 <m:ctrlPr>
-                                  <a:rPr lang="en-US" altLang="zh-CN" b="0" i="1" smtClean="0">
+                                  <a:rPr lang="en-US" altLang="zh-CN" sz="2000" b="0" i="1" smtClean="0">
                                     <a:latin typeface="Cambria Math" panose="02040503050406030204" pitchFamily="18" charset="0"/>
                                   </a:rPr>
                                 </m:ctrlPr>
                               </m:sSubPr>
                               <m:e>
                                 <m:r>
-                                  <a:rPr lang="en-US" altLang="zh-CN" b="0" i="1" smtClean="0">
+                                  <a:rPr lang="en-US" altLang="zh-CN" sz="2000" b="0" i="1" smtClean="0">
                                     <a:latin typeface="Cambria Math" panose="02040503050406030204" pitchFamily="18" charset="0"/>
                                   </a:rPr>
                                   <m:t>𝑥</m:t>
@@ -8595,7 +10149,7 @@
                               </m:e>
                               <m:sub>
                                 <m:r>
-                                  <a:rPr lang="en-US" altLang="zh-CN" b="0" i="1" smtClean="0">
+                                  <a:rPr lang="en-US" altLang="zh-CN" sz="2000" b="0" i="1" smtClean="0">
                                     <a:latin typeface="Cambria Math" panose="02040503050406030204" pitchFamily="18" charset="0"/>
                                   </a:rPr>
                                   <m:t>𝑘</m:t>
@@ -8609,14 +10163,14 @@
                         <m:sSub>
                           <m:sSubPr>
                             <m:ctrlPr>
-                              <a:rPr lang="en-US" altLang="zh-CN" b="0" i="1" smtClean="0">
+                              <a:rPr lang="en-US" altLang="zh-CN" sz="2000" b="0" i="1" smtClean="0">
                                 <a:latin typeface="Cambria Math" panose="02040503050406030204" pitchFamily="18" charset="0"/>
                               </a:rPr>
                             </m:ctrlPr>
                           </m:sSubPr>
                           <m:e>
                             <m:r>
-                              <a:rPr lang="en-US" altLang="zh-CN" b="0" i="1" smtClean="0">
+                              <a:rPr lang="en-US" altLang="zh-CN" sz="2000" b="0" i="1" smtClean="0">
                                 <a:latin typeface="Cambria Math" panose="02040503050406030204" pitchFamily="18" charset="0"/>
                               </a:rPr>
                               <m:t>𝑖</m:t>
@@ -8624,7 +10178,7 @@
                           </m:e>
                           <m:sub>
                             <m:r>
-                              <a:rPr lang="en-US" altLang="zh-CN" b="0" i="1" smtClean="0">
+                              <a:rPr lang="en-US" altLang="zh-CN" sz="2000" b="0" i="1" smtClean="0">
                                 <a:latin typeface="Cambria Math" panose="02040503050406030204" pitchFamily="18" charset="0"/>
                               </a:rPr>
                               <m:t>𝑘</m:t>
@@ -8634,25 +10188,25 @@
                       </m:sub>
                     </m:sSub>
                     <m:r>
-                      <a:rPr lang="en-US" altLang="zh-CN" i="1">
+                      <a:rPr lang="en-US" altLang="zh-CN" sz="2000" i="1">
                         <a:latin typeface="Cambria Math" panose="02040503050406030204" pitchFamily="18" charset="0"/>
                       </a:rPr>
                       <m:t>−</m:t>
                     </m:r>
                     <m:r>
-                      <a:rPr lang="en-US" altLang="zh-CN" i="1">
+                      <a:rPr lang="en-US" altLang="zh-CN" sz="2000" i="1">
                         <a:latin typeface="Cambria Math" panose="02040503050406030204" pitchFamily="18" charset="0"/>
                       </a:rPr>
                       <m:t>𝜂</m:t>
                     </m:r>
                     <m:r>
-                      <a:rPr lang="en-US" altLang="zh-CN" b="0" i="1" smtClean="0">
+                      <a:rPr lang="en-US" altLang="zh-CN" sz="2000" b="0" i="1" smtClean="0">
                         <a:latin typeface="Cambria Math" panose="02040503050406030204" pitchFamily="18" charset="0"/>
                       </a:rPr>
                       <m:t>(</m:t>
                     </m:r>
                     <m:r>
-                      <a:rPr lang="en-US" altLang="zh-CN" i="1">
+                      <a:rPr lang="en-US" altLang="zh-CN" sz="2000" i="1">
                         <a:latin typeface="Cambria Math" panose="02040503050406030204" pitchFamily="18" charset="0"/>
                       </a:rPr>
                       <m:t>𝑔</m:t>
@@ -8660,7 +10214,7 @@
                     <m:sSub>
                       <m:sSubPr>
                         <m:ctrlPr>
-                          <a:rPr lang="en-US" altLang="zh-CN" b="0" i="1" smtClean="0">
+                          <a:rPr lang="en-US" altLang="zh-CN" sz="2000" b="0" i="1" smtClean="0">
                             <a:latin typeface="Cambria Math" panose="02040503050406030204" pitchFamily="18" charset="0"/>
                           </a:rPr>
                         </m:ctrlPr>
@@ -8669,7 +10223,7 @@
                         <m:d>
                           <m:dPr>
                             <m:ctrlPr>
-                              <a:rPr lang="en-US" altLang="zh-CN" i="1">
+                              <a:rPr lang="en-US" altLang="zh-CN" sz="2000" i="1">
                                 <a:latin typeface="Cambria Math" panose="02040503050406030204" pitchFamily="18" charset="0"/>
                               </a:rPr>
                             </m:ctrlPr>
@@ -8678,7 +10232,7 @@
                             <m:sSub>
                               <m:sSubPr>
                                 <m:ctrlPr>
-                                  <a:rPr lang="en-US" altLang="zh-CN" i="1">
+                                  <a:rPr lang="en-US" altLang="zh-CN" sz="2000" i="1">
                                     <a:latin typeface="Cambria Math" panose="02040503050406030204" pitchFamily="18" charset="0"/>
                                   </a:rPr>
                                 </m:ctrlPr>
@@ -8688,14 +10242,14 @@
                                   <m:accPr>
                                     <m:chr m:val="̂"/>
                                     <m:ctrlPr>
-                                      <a:rPr lang="en-US" altLang="zh-CN" b="0" i="1" smtClean="0">
+                                      <a:rPr lang="en-US" altLang="zh-CN" sz="2000" b="0" i="1" smtClean="0">
                                         <a:latin typeface="Cambria Math" panose="02040503050406030204" pitchFamily="18" charset="0"/>
                                       </a:rPr>
                                     </m:ctrlPr>
                                   </m:accPr>
                                   <m:e>
                                     <m:r>
-                                      <a:rPr lang="en-US" altLang="zh-CN" b="0" i="1" smtClean="0">
+                                      <a:rPr lang="en-US" altLang="zh-CN" sz="2000" b="0" i="1" smtClean="0">
                                         <a:latin typeface="Cambria Math" panose="02040503050406030204" pitchFamily="18" charset="0"/>
                                       </a:rPr>
                                       <m:t>𝑥</m:t>
@@ -8705,7 +10259,7 @@
                               </m:e>
                               <m:sub>
                                 <m:r>
-                                  <a:rPr lang="en-US" altLang="zh-CN" b="0" i="1" smtClean="0">
+                                  <a:rPr lang="en-US" altLang="zh-CN" sz="2000" b="0" i="1" smtClean="0">
                                     <a:latin typeface="Cambria Math" panose="02040503050406030204" pitchFamily="18" charset="0"/>
                                   </a:rPr>
                                   <m:t>𝑘</m:t>
@@ -8715,7 +10269,7 @@
                           </m:e>
                         </m:d>
                         <m:r>
-                          <a:rPr lang="en-US" altLang="zh-CN" b="0" i="1" smtClean="0">
+                          <a:rPr lang="en-US" altLang="zh-CN" sz="2000" b="0" i="1" smtClean="0">
                             <a:latin typeface="Cambria Math" panose="02040503050406030204" pitchFamily="18" charset="0"/>
                           </a:rPr>
                           <m:t>)</m:t>
@@ -8725,14 +10279,14 @@
                         <m:sSub>
                           <m:sSubPr>
                             <m:ctrlPr>
-                              <a:rPr lang="en-US" altLang="zh-CN" b="0" i="1" smtClean="0">
+                              <a:rPr lang="en-US" altLang="zh-CN" sz="2000" b="0" i="1" smtClean="0">
                                 <a:latin typeface="Cambria Math" panose="02040503050406030204" pitchFamily="18" charset="0"/>
                               </a:rPr>
                             </m:ctrlPr>
                           </m:sSubPr>
                           <m:e>
                             <m:r>
-                              <a:rPr lang="en-US" altLang="zh-CN" b="0" i="1" smtClean="0">
+                              <a:rPr lang="en-US" altLang="zh-CN" sz="2000" b="0" i="1" smtClean="0">
                                 <a:latin typeface="Cambria Math" panose="02040503050406030204" pitchFamily="18" charset="0"/>
                               </a:rPr>
                               <m:t>𝑖</m:t>
@@ -8740,7 +10294,7 @@
                           </m:e>
                           <m:sub>
                             <m:r>
-                              <a:rPr lang="en-US" altLang="zh-CN" b="0" i="1" smtClean="0">
+                              <a:rPr lang="en-US" altLang="zh-CN" sz="2000" b="0" i="1" smtClean="0">
                                 <a:latin typeface="Cambria Math" panose="02040503050406030204" pitchFamily="18" charset="0"/>
                               </a:rPr>
                               <m:t>𝑘</m:t>
@@ -8752,7 +10306,7 @@
                   </m:oMath>
                 </a14:m>
                 <a:r>
-                  <a:rPr lang="en-US" altLang="zh-CN" dirty="0" smtClean="0"/>
+                  <a:rPr lang="en-US" altLang="zh-CN" sz="2000" dirty="0" smtClean="0"/>
                   <a:t>        </a:t>
                 </a:r>
                 <a14:m>
@@ -8760,7 +10314,7 @@
                     <m:sSub>
                       <m:sSubPr>
                         <m:ctrlPr>
-                          <a:rPr lang="en-US" altLang="zh-CN" b="0" i="1" dirty="0" smtClean="0">
+                          <a:rPr lang="en-US" altLang="zh-CN" sz="2000" b="0" i="1" dirty="0" smtClean="0">
                             <a:latin typeface="Cambria Math" panose="02040503050406030204" pitchFamily="18" charset="0"/>
                           </a:rPr>
                         </m:ctrlPr>
@@ -8770,14 +10324,14 @@
                           <m:accPr>
                             <m:chr m:val="̂"/>
                             <m:ctrlPr>
-                              <a:rPr lang="en-US" altLang="zh-CN" b="0" i="1" dirty="0" smtClean="0">
+                              <a:rPr lang="en-US" altLang="zh-CN" sz="2000" b="0" i="1" dirty="0" smtClean="0">
                                 <a:latin typeface="Cambria Math" panose="02040503050406030204" pitchFamily="18" charset="0"/>
                               </a:rPr>
                             </m:ctrlPr>
                           </m:accPr>
                           <m:e>
                             <m:r>
-                              <a:rPr lang="en-US" altLang="zh-CN" b="0" i="1" dirty="0" smtClean="0">
+                              <a:rPr lang="en-US" altLang="zh-CN" sz="2000" b="0" i="1" dirty="0" smtClean="0">
                                 <a:latin typeface="Cambria Math" panose="02040503050406030204" pitchFamily="18" charset="0"/>
                               </a:rPr>
                               <m:t>𝑥</m:t>
@@ -8787,7 +10341,7 @@
                       </m:e>
                       <m:sub>
                         <m:r>
-                          <a:rPr lang="en-US" altLang="zh-CN" b="0" i="1" smtClean="0">
+                          <a:rPr lang="en-US" altLang="zh-CN" sz="2000" b="0" i="1" smtClean="0">
                             <a:latin typeface="Cambria Math" panose="02040503050406030204" pitchFamily="18" charset="0"/>
                           </a:rPr>
                           <m:t>𝑘</m:t>
@@ -8795,7 +10349,7 @@
                       </m:sub>
                     </m:sSub>
                     <m:r>
-                      <a:rPr lang="en-US" altLang="zh-CN" b="0" i="0" smtClean="0">
+                      <a:rPr lang="en-US" altLang="zh-CN" sz="2000" b="0" i="0" smtClean="0">
                         <a:latin typeface="Cambria Math" panose="02040503050406030204" pitchFamily="18" charset="0"/>
                       </a:rPr>
                       <m:t>=</m:t>
@@ -8803,7 +10357,7 @@
                     <m:sSub>
                       <m:sSubPr>
                         <m:ctrlPr>
-                          <a:rPr lang="en-US" altLang="zh-CN" b="0" i="0" smtClean="0">
+                          <a:rPr lang="en-US" altLang="zh-CN" sz="2000" b="0" i="1" smtClean="0">
                             <a:latin typeface="Cambria Math" panose="02040503050406030204" pitchFamily="18" charset="0"/>
                           </a:rPr>
                         </m:ctrlPr>
@@ -8813,7 +10367,7 @@
                           <m:rPr>
                             <m:sty m:val="p"/>
                           </m:rPr>
-                          <a:rPr lang="en-US" altLang="zh-CN" b="0" i="0" smtClean="0">
+                          <a:rPr lang="en-US" altLang="zh-CN" sz="2000" b="0" i="0" smtClean="0">
                             <a:latin typeface="Cambria Math" panose="02040503050406030204" pitchFamily="18" charset="0"/>
                           </a:rPr>
                           <m:t>x</m:t>
@@ -8824,7 +10378,7 @@
                           <m:rPr>
                             <m:sty m:val="p"/>
                           </m:rPr>
-                          <a:rPr lang="en-US" altLang="zh-CN" b="0" i="0" smtClean="0">
+                          <a:rPr lang="en-US" altLang="zh-CN" sz="2000" b="0" i="0" smtClean="0">
                             <a:latin typeface="Cambria Math" panose="02040503050406030204" pitchFamily="18" charset="0"/>
                           </a:rPr>
                           <m:t>k</m:t>
@@ -8832,7 +10386,7 @@
                       </m:sub>
                     </m:sSub>
                     <m:r>
-                      <a:rPr lang="en-US" altLang="zh-CN" b="0" i="0" smtClean="0">
+                      <a:rPr lang="en-US" altLang="zh-CN" sz="2000" b="0" i="0" smtClean="0">
                         <a:latin typeface="Cambria Math" panose="02040503050406030204" pitchFamily="18" charset="0"/>
                       </a:rPr>
                       <m:t>−</m:t>
@@ -8842,44 +10396,44 @@
                         <m:chr m:val="∑"/>
                         <m:supHide m:val="on"/>
                         <m:ctrlPr>
-                          <a:rPr lang="en-US" altLang="zh-CN" b="0" i="1" smtClean="0">
+                          <a:rPr lang="en-US" altLang="zh-CN" sz="2000" b="0" i="1" smtClean="0">
                             <a:latin typeface="Cambria Math" panose="02040503050406030204" pitchFamily="18" charset="0"/>
                           </a:rPr>
                         </m:ctrlPr>
                       </m:naryPr>
                       <m:sub>
                         <m:r>
-                          <a:rPr lang="en-US" altLang="zh-CN" b="0" i="1" smtClean="0">
+                          <a:rPr lang="en-US" altLang="zh-CN" sz="2000" b="0" i="1" smtClean="0">
                             <a:latin typeface="Cambria Math" panose="02040503050406030204" pitchFamily="18" charset="0"/>
                           </a:rPr>
                           <m:t>𝑗</m:t>
                         </m:r>
                         <m:r>
-                          <a:rPr lang="en-US" altLang="zh-CN" b="0" i="1" smtClean="0">
+                          <a:rPr lang="en-US" altLang="zh-CN" sz="2000" b="0" i="1" smtClean="0">
                             <a:latin typeface="Cambria Math" panose="02040503050406030204" pitchFamily="18" charset="0"/>
                           </a:rPr>
                           <m:t>∈</m:t>
                         </m:r>
                         <m:r>
-                          <a:rPr lang="en-US" altLang="zh-CN" b="0" i="1" smtClean="0">
+                          <a:rPr lang="en-US" altLang="zh-CN" sz="2000" b="0" i="1" smtClean="0">
                             <a:latin typeface="Cambria Math" panose="02040503050406030204" pitchFamily="18" charset="0"/>
                           </a:rPr>
                           <m:t>𝐽</m:t>
                         </m:r>
                         <m:r>
-                          <a:rPr lang="en-US" altLang="zh-CN" b="0" i="1" smtClean="0">
+                          <a:rPr lang="en-US" altLang="zh-CN" sz="2000" b="0" i="1" smtClean="0">
                             <a:latin typeface="Cambria Math" panose="02040503050406030204" pitchFamily="18" charset="0"/>
                           </a:rPr>
                           <m:t>(</m:t>
                         </m:r>
                         <m:r>
-                          <a:rPr lang="en-US" altLang="zh-CN" b="0" i="1" smtClean="0">
+                          <a:rPr lang="en-US" altLang="zh-CN" sz="2000" b="0" i="1" smtClean="0">
                             <a:latin typeface="Cambria Math" panose="02040503050406030204" pitchFamily="18" charset="0"/>
                           </a:rPr>
                           <m:t>𝑘</m:t>
                         </m:r>
                         <m:r>
-                          <a:rPr lang="en-US" altLang="zh-CN" b="0" i="1" smtClean="0">
+                          <a:rPr lang="en-US" altLang="zh-CN" sz="2000" b="0" i="1" smtClean="0">
                             <a:latin typeface="Cambria Math" panose="02040503050406030204" pitchFamily="18" charset="0"/>
                           </a:rPr>
                           <m:t>)</m:t>
@@ -8888,7 +10442,7 @@
                       <m:sup/>
                       <m:e>
                         <m:r>
-                          <a:rPr lang="en-US" altLang="zh-CN" b="0" i="1" smtClean="0">
+                          <a:rPr lang="en-US" altLang="zh-CN" sz="2000" b="0" i="1" smtClean="0">
                             <a:latin typeface="Cambria Math" panose="02040503050406030204" pitchFamily="18" charset="0"/>
                           </a:rPr>
                           <m:t>(</m:t>
@@ -8896,14 +10450,14 @@
                         <m:sSub>
                           <m:sSubPr>
                             <m:ctrlPr>
-                              <a:rPr lang="en-US" altLang="zh-CN" b="0" i="1" smtClean="0">
+                              <a:rPr lang="en-US" altLang="zh-CN" sz="2000" b="0" i="1" smtClean="0">
                                 <a:latin typeface="Cambria Math" panose="02040503050406030204" pitchFamily="18" charset="0"/>
                               </a:rPr>
                             </m:ctrlPr>
                           </m:sSubPr>
                           <m:e>
                             <m:r>
-                              <a:rPr lang="en-US" altLang="zh-CN" b="0" i="1" smtClean="0">
+                              <a:rPr lang="en-US" altLang="zh-CN" sz="2000" b="0" i="1" smtClean="0">
                                 <a:latin typeface="Cambria Math" panose="02040503050406030204" pitchFamily="18" charset="0"/>
                               </a:rPr>
                               <m:t>𝑥</m:t>
@@ -8911,13 +10465,13 @@
                           </m:e>
                           <m:sub>
                             <m:r>
-                              <a:rPr lang="en-US" altLang="zh-CN" b="0" i="1" smtClean="0">
+                              <a:rPr lang="en-US" altLang="zh-CN" sz="2000" b="0" i="1" smtClean="0">
                                 <a:latin typeface="Cambria Math" panose="02040503050406030204" pitchFamily="18" charset="0"/>
                               </a:rPr>
                               <m:t>𝑗</m:t>
                             </m:r>
                             <m:r>
-                              <a:rPr lang="en-US" altLang="zh-CN" b="0" i="1" smtClean="0">
+                              <a:rPr lang="en-US" altLang="zh-CN" sz="2000" b="0" i="1" smtClean="0">
                                 <a:latin typeface="Cambria Math" panose="02040503050406030204" pitchFamily="18" charset="0"/>
                               </a:rPr>
                               <m:t>+1</m:t>
@@ -8925,7 +10479,7 @@
                           </m:sub>
                         </m:sSub>
                         <m:r>
-                          <a:rPr lang="en-US" altLang="zh-CN" b="0" i="1" smtClean="0">
+                          <a:rPr lang="en-US" altLang="zh-CN" sz="2000" b="0" i="1" smtClean="0">
                             <a:latin typeface="Cambria Math" panose="02040503050406030204" pitchFamily="18" charset="0"/>
                           </a:rPr>
                           <m:t>−</m:t>
@@ -8933,14 +10487,14 @@
                         <m:sSub>
                           <m:sSubPr>
                             <m:ctrlPr>
-                              <a:rPr lang="en-US" altLang="zh-CN" b="0" i="1" smtClean="0">
+                              <a:rPr lang="en-US" altLang="zh-CN" sz="2000" b="0" i="1" smtClean="0">
                                 <a:latin typeface="Cambria Math" panose="02040503050406030204" pitchFamily="18" charset="0"/>
                               </a:rPr>
                             </m:ctrlPr>
                           </m:sSubPr>
                           <m:e>
                             <m:r>
-                              <a:rPr lang="en-US" altLang="zh-CN" b="0" i="1" smtClean="0">
+                              <a:rPr lang="en-US" altLang="zh-CN" sz="2000" b="0" i="1" smtClean="0">
                                 <a:latin typeface="Cambria Math" panose="02040503050406030204" pitchFamily="18" charset="0"/>
                               </a:rPr>
                               <m:t>𝑥</m:t>
@@ -8948,7 +10502,7 @@
                           </m:e>
                           <m:sub>
                             <m:r>
-                              <a:rPr lang="en-US" altLang="zh-CN" b="0" i="1" smtClean="0">
+                              <a:rPr lang="en-US" altLang="zh-CN" sz="2000" b="0" i="1" smtClean="0">
                                 <a:latin typeface="Cambria Math" panose="02040503050406030204" pitchFamily="18" charset="0"/>
                               </a:rPr>
                               <m:t>𝑗</m:t>
@@ -8956,7 +10510,7 @@
                           </m:sub>
                         </m:sSub>
                         <m:r>
-                          <a:rPr lang="en-US" altLang="zh-CN" b="0" i="1" smtClean="0">
+                          <a:rPr lang="en-US" altLang="zh-CN" sz="2000" b="0" i="1" smtClean="0">
                             <a:latin typeface="Cambria Math" panose="02040503050406030204" pitchFamily="18" charset="0"/>
                           </a:rPr>
                           <m:t>)</m:t>
@@ -8965,7 +10519,7 @@
                     </m:nary>
                   </m:oMath>
                 </a14:m>
-                <a:endParaRPr lang="en-US" altLang="zh-CN" b="0" dirty="0" smtClean="0"/>
+                <a:endParaRPr lang="en-US" altLang="zh-CN" sz="2000" b="0" dirty="0" smtClean="0"/>
               </a:p>
             </p:txBody>
           </p:sp>
@@ -8982,7 +10536,7 @@
             <p:spPr>
               <a:xfrm>
                 <a:off x="4144153" y="2374997"/>
-                <a:ext cx="6437019" cy="406586"/>
+                <a:ext cx="7138877" cy="441403"/>
               </a:xfrm>
               <a:prstGeom prst="rect">
                 <a:avLst/>
@@ -8990,7 +10544,7 @@
               <a:blipFill>
                 <a:blip r:embed="rId3"/>
                 <a:stretch>
-                  <a:fillRect t="-109091" b="-163636"/>
+                  <a:fillRect t="-111111" b="-159722"/>
                 </a:stretch>
               </a:blipFill>
             </p:spPr>
@@ -8999,7 +10553,7 @@
               <a:lstStyle/>
               <a:p>
                 <a:r>
-                  <a:rPr lang="en-US">
+                  <a:rPr lang="zh-CN" altLang="en-US">
                     <a:noFill/>
                   </a:rPr>
                   <a:t> </a:t>
@@ -9009,60 +10563,75 @@
           </p:sp>
         </mc:Fallback>
       </mc:AlternateContent>
-      <p:pic>
-        <p:nvPicPr>
-          <p:cNvPr id="9" name="Picture 8"/>
-          <p:cNvPicPr>
-            <a:picLocks noChangeAspect="1"/>
-          </p:cNvPicPr>
+      <p:grpSp>
+        <p:nvGrpSpPr>
+          <p:cNvPr id="7" name="组合 6"/>
+          <p:cNvGrpSpPr/>
           <p:nvPr/>
-        </p:nvPicPr>
-        <p:blipFill>
-          <a:blip r:embed="rId4">
-            <a:extLst>
-              <a:ext uri="{28A0092B-C50C-407E-A947-70E740481C1C}">
-                <a14:useLocalDpi xmlns:a14="http://schemas.microsoft.com/office/drawing/2010/main" val="0"/>
-              </a:ext>
-            </a:extLst>
-          </a:blip>
-          <a:stretch>
-            <a:fillRect/>
-          </a:stretch>
-        </p:blipFill>
-        <p:spPr>
+        </p:nvGrpSpPr>
+        <p:grpSpPr>
           <a:xfrm>
-            <a:off x="1354795" y="4838550"/>
-            <a:ext cx="3933101" cy="929179"/>
+            <a:off x="838200" y="2883494"/>
+            <a:ext cx="7433219" cy="929179"/>
+            <a:chOff x="1056962" y="5733907"/>
+            <a:chExt cx="7433219" cy="929179"/>
           </a:xfrm>
-          <a:prstGeom prst="rect">
-            <a:avLst/>
-          </a:prstGeom>
-        </p:spPr>
-      </p:pic>
-      <p:pic>
-        <p:nvPicPr>
-          <p:cNvPr id="12" name="Picture 11"/>
-          <p:cNvPicPr>
-            <a:picLocks noChangeAspect="1"/>
-          </p:cNvPicPr>
-          <p:nvPr/>
-        </p:nvPicPr>
-        <p:blipFill>
-          <a:blip r:embed="rId5"/>
-          <a:stretch>
-            <a:fillRect/>
-          </a:stretch>
-        </p:blipFill>
-        <p:spPr>
-          <a:xfrm>
-            <a:off x="5628865" y="4917376"/>
-            <a:ext cx="3086100" cy="771525"/>
-          </a:xfrm>
-          <a:prstGeom prst="rect">
-            <a:avLst/>
-          </a:prstGeom>
-        </p:spPr>
-      </p:pic>
+        </p:grpSpPr>
+        <p:pic>
+          <p:nvPicPr>
+            <p:cNvPr id="9" name="Picture 8"/>
+            <p:cNvPicPr>
+              <a:picLocks noChangeAspect="1"/>
+            </p:cNvPicPr>
+            <p:nvPr/>
+          </p:nvPicPr>
+          <p:blipFill>
+            <a:blip r:embed="rId4">
+              <a:extLst>
+                <a:ext uri="{28A0092B-C50C-407E-A947-70E740481C1C}">
+                  <a14:useLocalDpi xmlns:a14="http://schemas.microsoft.com/office/drawing/2010/main" val="0"/>
+                </a:ext>
+              </a:extLst>
+            </a:blip>
+            <a:stretch>
+              <a:fillRect/>
+            </a:stretch>
+          </p:blipFill>
+          <p:spPr>
+            <a:xfrm>
+              <a:off x="1056962" y="5733907"/>
+              <a:ext cx="3933101" cy="929179"/>
+            </a:xfrm>
+            <a:prstGeom prst="rect">
+              <a:avLst/>
+            </a:prstGeom>
+          </p:spPr>
+        </p:pic>
+        <p:pic>
+          <p:nvPicPr>
+            <p:cNvPr id="12" name="Picture 11"/>
+            <p:cNvPicPr>
+              <a:picLocks noChangeAspect="1"/>
+            </p:cNvPicPr>
+            <p:nvPr/>
+          </p:nvPicPr>
+          <p:blipFill>
+            <a:blip r:embed="rId5"/>
+            <a:stretch>
+              <a:fillRect/>
+            </a:stretch>
+          </p:blipFill>
+          <p:spPr>
+            <a:xfrm>
+              <a:off x="5404081" y="5812733"/>
+              <a:ext cx="3086100" cy="771525"/>
+            </a:xfrm>
+            <a:prstGeom prst="rect">
+              <a:avLst/>
+            </a:prstGeom>
+          </p:spPr>
+        </p:pic>
+      </p:grpSp>
     </p:spTree>
     <p:extLst>
       <p:ext uri="{BB962C8B-B14F-4D97-AF65-F5344CB8AC3E}">
@@ -9073,668 +10642,17 @@
   <p:clrMapOvr>
     <a:masterClrMapping/>
   </p:clrMapOvr>
+  <p:timing>
+    <p:tnLst>
+      <p:par>
+        <p:cTn id="1" dur="indefinite" restart="never" nodeType="tmRoot"/>
+      </p:par>
+    </p:tnLst>
+  </p:timing>
 </p:sld>
 </file>
 
 <file path=ppt/slides/slide5.xml><?xml version="1.0" encoding="utf-8"?>
-<p:sld xmlns:a="http://schemas.openxmlformats.org/drawingml/2006/main" xmlns:r="http://schemas.openxmlformats.org/officeDocument/2006/relationships" xmlns:p="http://schemas.openxmlformats.org/presentationml/2006/main" show="0">
-  <p:cSld>
-    <p:spTree>
-      <p:nvGrpSpPr>
-        <p:cNvPr id="1" name=""/>
-        <p:cNvGrpSpPr/>
-        <p:nvPr/>
-      </p:nvGrpSpPr>
-      <p:grpSpPr>
-        <a:xfrm>
-          <a:off x="0" y="0"/>
-          <a:ext cx="0" cy="0"/>
-          <a:chOff x="0" y="0"/>
-          <a:chExt cx="0" cy="0"/>
-        </a:xfrm>
-      </p:grpSpPr>
-      <p:sp>
-        <p:nvSpPr>
-          <p:cNvPr id="2" name="标题 1"/>
-          <p:cNvSpPr>
-            <a:spLocks noGrp="1"/>
-          </p:cNvSpPr>
-          <p:nvPr>
-            <p:ph type="title"/>
-          </p:nvPr>
-        </p:nvSpPr>
-        <p:spPr>
-          <a:xfrm>
-            <a:off x="850689" y="232398"/>
-            <a:ext cx="10515600" cy="1325563"/>
-          </a:xfrm>
-        </p:spPr>
-        <p:txBody>
-          <a:bodyPr/>
-          <a:lstStyle/>
-          <a:p>
-            <a:r>
-              <a:rPr lang="en-US" altLang="zh-CN" dirty="0"/>
-              <a:t>Lock and </a:t>
-            </a:r>
-            <a:r>
-              <a:rPr lang="en-US" altLang="zh-CN" dirty="0" smtClean="0"/>
-              <a:t>lock-free</a:t>
-            </a:r>
-            <a:endParaRPr lang="zh-CN" altLang="en-US" dirty="0"/>
-          </a:p>
-        </p:txBody>
-      </p:sp>
-      <p:pic>
-        <p:nvPicPr>
-          <p:cNvPr id="4" name="Picture 2" descr="Algorithm 1 HOGWILD! update for individual processors &#10;2: &#10;g: &#10;4: &#10;5: &#10;loop &#10;sample e uniformly at random from E &#10;Read current state and evaluate Ge (x) &#10;for t' e CIO — &#10;end loop "/>
-          <p:cNvPicPr>
-            <a:picLocks noChangeAspect="1" noChangeArrowheads="1"/>
-          </p:cNvPicPr>
-          <p:nvPr/>
-        </p:nvPicPr>
-        <p:blipFill>
-          <a:blip r:embed="rId2">
-            <a:extLst>
-              <a:ext uri="{28A0092B-C50C-407E-A947-70E740481C1C}">
-                <a14:useLocalDpi xmlns:a14="http://schemas.microsoft.com/office/drawing/2010/main" val="0"/>
-              </a:ext>
-            </a:extLst>
-          </a:blip>
-          <a:srcRect/>
-          <a:stretch>
-            <a:fillRect/>
-          </a:stretch>
-        </p:blipFill>
-        <p:spPr bwMode="auto">
-          <a:xfrm>
-            <a:off x="938213" y="1414917"/>
-            <a:ext cx="10415587" cy="2135943"/>
-          </a:xfrm>
-          <a:prstGeom prst="rect">
-            <a:avLst/>
-          </a:prstGeom>
-          <a:noFill/>
-          <a:extLst>
-            <a:ext uri="{909E8E84-426E-40DD-AFC4-6F175D3DCCD1}">
-              <a14:hiddenFill xmlns:a14="http://schemas.microsoft.com/office/drawing/2010/main">
-                <a:solidFill>
-                  <a:srgbClr val="FFFFFF"/>
-                </a:solidFill>
-              </a14:hiddenFill>
-            </a:ext>
-          </a:extLst>
-        </p:spPr>
-      </p:pic>
-      <p:sp>
-        <p:nvSpPr>
-          <p:cNvPr id="5" name="TextBox 2"/>
-          <p:cNvSpPr txBox="1"/>
-          <p:nvPr/>
-        </p:nvSpPr>
-        <p:spPr>
-          <a:xfrm>
-            <a:off x="223162" y="4070597"/>
-            <a:ext cx="11968838" cy="2031325"/>
-          </a:xfrm>
-          <a:prstGeom prst="rect">
-            <a:avLst/>
-          </a:prstGeom>
-          <a:noFill/>
-        </p:spPr>
-        <p:txBody>
-          <a:bodyPr wrap="square" rtlCol="0">
-            <a:spAutoFit/>
-          </a:bodyPr>
-          <a:lstStyle/>
-          <a:p>
-            <a:r>
-              <a:rPr lang="en-US" altLang="zh-CN" dirty="0" smtClean="0"/>
-              <a:t>Assume</a:t>
-            </a:r>
-          </a:p>
-          <a:p>
-            <a:pPr marL="342900" indent="-342900">
-              <a:buAutoNum type="arabicParenR"/>
-            </a:pPr>
-            <a:r>
-              <a:rPr lang="en-US" dirty="0" smtClean="0"/>
-              <a:t>only </a:t>
-            </a:r>
-            <a:r>
-              <a:rPr lang="en-US" dirty="0"/>
-              <a:t>a single coordinate per sampled </a:t>
-            </a:r>
-            <a:r>
-              <a:rPr lang="en-US" dirty="0" err="1"/>
-              <a:t>hyperedge</a:t>
-            </a:r>
-            <a:r>
-              <a:rPr lang="en-US" dirty="0"/>
-              <a:t> is updated (</a:t>
-            </a:r>
-            <a:r>
-              <a:rPr lang="en-US" i="1" dirty="0" err="1"/>
-              <a:t>i.e</a:t>
-            </a:r>
-            <a:r>
-              <a:rPr lang="en-US" i="1" dirty="0" err="1" smtClean="0"/>
-              <a:t>.</a:t>
-            </a:r>
-            <a:r>
-              <a:rPr lang="en-US" dirty="0" err="1" smtClean="0"/>
-              <a:t>,the</a:t>
-            </a:r>
-            <a:r>
-              <a:rPr lang="en-US" dirty="0" smtClean="0"/>
-              <a:t> </a:t>
-            </a:r>
-            <a:r>
-              <a:rPr lang="en-US" dirty="0"/>
-              <a:t>for loop in </a:t>
-            </a:r>
-            <a:r>
-              <a:rPr lang="en-US" dirty="0" err="1"/>
-              <a:t>Hogwild</a:t>
-            </a:r>
-            <a:r>
-              <a:rPr lang="en-US" dirty="0"/>
-              <a:t>! is replaced with a single coordinate update</a:t>
-            </a:r>
-            <a:r>
-              <a:rPr lang="en-US" dirty="0" smtClean="0"/>
-              <a:t>);</a:t>
-            </a:r>
-          </a:p>
-          <a:p>
-            <a:pPr marL="342900" indent="-342900">
-              <a:buAutoNum type="arabicParenR"/>
-            </a:pPr>
-            <a:r>
-              <a:rPr lang="en-US" i="1" dirty="0" smtClean="0"/>
-              <a:t> </a:t>
-            </a:r>
-            <a:r>
-              <a:rPr lang="en-US" dirty="0" smtClean="0"/>
-              <a:t>the authors assumed </a:t>
-            </a:r>
-            <a:r>
-              <a:rPr lang="en-US" i="1" dirty="0" smtClean="0"/>
-              <a:t>consistent reads</a:t>
-            </a:r>
-            <a:r>
-              <a:rPr lang="en-US" dirty="0" smtClean="0"/>
-              <a:t>, </a:t>
-            </a:r>
-            <a:r>
-              <a:rPr lang="en-US" i="1" dirty="0" smtClean="0"/>
-              <a:t>i.e.</a:t>
-            </a:r>
-            <a:r>
-              <a:rPr lang="en-US" dirty="0"/>
-              <a:t>, it was assumed that while a core is reading the shared variable, no writes from other cores occur; </a:t>
-            </a:r>
-            <a:endParaRPr lang="en-US" dirty="0" smtClean="0"/>
-          </a:p>
-          <a:p>
-            <a:pPr marL="342900" indent="-342900">
-              <a:buAutoNum type="arabicParenR"/>
-            </a:pPr>
-            <a:r>
-              <a:rPr lang="en-US" dirty="0" smtClean="0"/>
-              <a:t>the </a:t>
-            </a:r>
-            <a:r>
-              <a:rPr lang="en-US" dirty="0"/>
-              <a:t>authors make an implicit assumption on the uniformity of the </a:t>
-            </a:r>
-            <a:r>
-              <a:rPr lang="en-US" dirty="0" smtClean="0"/>
-              <a:t>processing times </a:t>
-            </a:r>
-            <a:r>
-              <a:rPr lang="en-US" dirty="0"/>
-              <a:t>of cores (explained in the following), that does not generically hold in practice</a:t>
-            </a:r>
-          </a:p>
-        </p:txBody>
-      </p:sp>
-      <mc:AlternateContent xmlns:mc="http://schemas.openxmlformats.org/markup-compatibility/2006">
-        <mc:Choice xmlns:a14="http://schemas.microsoft.com/office/drawing/2010/main" Requires="a14">
-          <p:sp>
-            <p:nvSpPr>
-              <p:cNvPr id="7" name="矩形 6"/>
-              <p:cNvSpPr/>
-              <p:nvPr/>
-            </p:nvSpPr>
-            <p:spPr>
-              <a:xfrm>
-                <a:off x="5522638" y="3640677"/>
-                <a:ext cx="2234650" cy="369332"/>
-              </a:xfrm>
-              <a:prstGeom prst="rect">
-                <a:avLst/>
-              </a:prstGeom>
-            </p:spPr>
-            <p:txBody>
-              <a:bodyPr wrap="none">
-                <a:spAutoFit/>
-              </a:bodyPr>
-              <a:lstStyle/>
-              <a:p>
-                <a:pPr/>
-                <a14:m>
-                  <m:oMathPara xmlns:m="http://schemas.openxmlformats.org/officeDocument/2006/math">
-                    <m:oMathParaPr>
-                      <m:jc m:val="centerGroup"/>
-                    </m:oMathParaPr>
-                    <m:oMath xmlns:m="http://schemas.openxmlformats.org/officeDocument/2006/math">
-                      <m:d>
-                        <m:dPr>
-                          <m:begChr m:val=""/>
-                          <m:ctrlPr>
-                            <a:rPr lang="zh-CN" altLang="en-US" i="1">
-                              <a:latin typeface="Cambria Math" panose="02040503050406030204" pitchFamily="18" charset="0"/>
-                            </a:rPr>
-                          </m:ctrlPr>
-                        </m:dPr>
-                        <m:e>
-                          <m:sSub>
-                            <m:sSubPr>
-                              <m:ctrlPr>
-                                <a:rPr lang="zh-CN" altLang="en-US" i="1">
-                                  <a:latin typeface="Cambria Math" panose="02040503050406030204" pitchFamily="18" charset="0"/>
-                                </a:rPr>
-                              </m:ctrlPr>
-                            </m:sSubPr>
-                            <m:e>
-                              <m:r>
-                                <a:rPr lang="zh-CN" altLang="en-US" i="1">
-                                  <a:latin typeface="Cambria Math" panose="02040503050406030204" pitchFamily="18" charset="0"/>
-                                </a:rPr>
-                                <m:t>𝑥</m:t>
-                              </m:r>
-                            </m:e>
-                            <m:sub>
-                              <m:r>
-                                <a:rPr lang="zh-CN" altLang="en-US" i="1">
-                                  <a:latin typeface="Cambria Math" panose="02040503050406030204" pitchFamily="18" charset="0"/>
-                                </a:rPr>
-                                <m:t>𝑣</m:t>
-                              </m:r>
-                            </m:sub>
-                          </m:sSub>
-                          <m:r>
-                            <a:rPr lang="zh-CN" altLang="en-US" i="0">
-                              <a:latin typeface="Cambria Math" panose="02040503050406030204" pitchFamily="18" charset="0"/>
-                            </a:rPr>
-                            <m:t>←</m:t>
-                          </m:r>
-                          <m:sSub>
-                            <m:sSubPr>
-                              <m:ctrlPr>
-                                <a:rPr lang="zh-CN" altLang="en-US" i="1">
-                                  <a:latin typeface="Cambria Math" panose="02040503050406030204" pitchFamily="18" charset="0"/>
-                                </a:rPr>
-                              </m:ctrlPr>
-                            </m:sSubPr>
-                            <m:e>
-                              <m:r>
-                                <a:rPr lang="zh-CN" altLang="en-US" i="1">
-                                  <a:latin typeface="Cambria Math" panose="02040503050406030204" pitchFamily="18" charset="0"/>
-                                </a:rPr>
-                                <m:t>𝑥</m:t>
-                              </m:r>
-                            </m:e>
-                            <m:sub>
-                              <m:r>
-                                <a:rPr lang="zh-CN" altLang="en-US" i="1">
-                                  <a:latin typeface="Cambria Math" panose="02040503050406030204" pitchFamily="18" charset="0"/>
-                                </a:rPr>
-                                <m:t>𝑣</m:t>
-                              </m:r>
-                            </m:sub>
-                          </m:sSub>
-                          <m:r>
-                            <a:rPr lang="zh-CN" altLang="en-US" i="0">
-                              <a:latin typeface="Cambria Math" panose="02040503050406030204" pitchFamily="18" charset="0"/>
-                            </a:rPr>
-                            <m:t>−</m:t>
-                          </m:r>
-                          <m:r>
-                            <a:rPr lang="zh-CN" altLang="en-US" i="1">
-                              <a:latin typeface="Cambria Math" panose="02040503050406030204" pitchFamily="18" charset="0"/>
-                            </a:rPr>
-                            <m:t>𝛾</m:t>
-                          </m:r>
-                          <m:sSubSup>
-                            <m:sSubSupPr>
-                              <m:ctrlPr>
-                                <a:rPr lang="zh-CN" altLang="en-US" i="1">
-                                  <a:latin typeface="Cambria Math" panose="02040503050406030204" pitchFamily="18" charset="0"/>
-                                </a:rPr>
-                              </m:ctrlPr>
-                            </m:sSubSupPr>
-                            <m:e>
-                              <m:r>
-                                <a:rPr lang="zh-CN" altLang="en-US" i="1">
-                                  <a:latin typeface="Cambria Math" panose="02040503050406030204" pitchFamily="18" charset="0"/>
-                                </a:rPr>
-                                <m:t>𝑏</m:t>
-                              </m:r>
-                            </m:e>
-                            <m:sub>
-                              <m:r>
-                                <a:rPr lang="zh-CN" altLang="en-US" i="1">
-                                  <a:latin typeface="Cambria Math" panose="02040503050406030204" pitchFamily="18" charset="0"/>
-                                </a:rPr>
-                                <m:t>𝑣</m:t>
-                              </m:r>
-                            </m:sub>
-                            <m:sup>
-                              <m:r>
-                                <a:rPr lang="zh-CN" altLang="en-US" i="1">
-                                  <a:latin typeface="Cambria Math" panose="02040503050406030204" pitchFamily="18" charset="0"/>
-                                </a:rPr>
-                                <m:t>𝑇</m:t>
-                              </m:r>
-                            </m:sup>
-                          </m:sSubSup>
-                          <m:sSub>
-                            <m:sSubPr>
-                              <m:ctrlPr>
-                                <a:rPr lang="zh-CN" altLang="en-US" i="1">
-                                  <a:latin typeface="Cambria Math" panose="02040503050406030204" pitchFamily="18" charset="0"/>
-                                </a:rPr>
-                              </m:ctrlPr>
-                            </m:sSubPr>
-                            <m:e>
-                              <m:r>
-                                <a:rPr lang="zh-CN" altLang="en-US" i="1">
-                                  <a:latin typeface="Cambria Math" panose="02040503050406030204" pitchFamily="18" charset="0"/>
-                                </a:rPr>
-                                <m:t>𝐺</m:t>
-                              </m:r>
-                            </m:e>
-                            <m:sub>
-                              <m:r>
-                                <a:rPr lang="zh-CN" altLang="en-US" i="1">
-                                  <a:latin typeface="Cambria Math" panose="02040503050406030204" pitchFamily="18" charset="0"/>
-                                </a:rPr>
-                                <m:t>𝑒</m:t>
-                              </m:r>
-                            </m:sub>
-                          </m:sSub>
-                          <m:r>
-                            <a:rPr lang="zh-CN" altLang="en-US" i="0">
-                              <a:latin typeface="Cambria Math" panose="02040503050406030204" pitchFamily="18" charset="0"/>
-                            </a:rPr>
-                            <m:t>(</m:t>
-                          </m:r>
-                          <m:r>
-                            <a:rPr lang="zh-CN" altLang="en-US" i="1">
-                              <a:latin typeface="Cambria Math" panose="02040503050406030204" pitchFamily="18" charset="0"/>
-                            </a:rPr>
-                            <m:t>𝑥</m:t>
-                          </m:r>
-                        </m:e>
-                      </m:d>
-                    </m:oMath>
-                  </m:oMathPara>
-                </a14:m>
-                <a:endParaRPr lang="zh-CN" altLang="en-US" dirty="0"/>
-              </a:p>
-            </p:txBody>
-          </p:sp>
-        </mc:Choice>
-        <mc:Fallback>
-          <p:sp>
-            <p:nvSpPr>
-              <p:cNvPr id="7" name="矩形 6"/>
-              <p:cNvSpPr>
-                <a:spLocks noRot="1" noChangeAspect="1" noMove="1" noResize="1" noEditPoints="1" noAdjustHandles="1" noChangeArrowheads="1" noChangeShapeType="1" noTextEdit="1"/>
-              </p:cNvSpPr>
-              <p:nvPr/>
-            </p:nvSpPr>
-            <p:spPr>
-              <a:xfrm>
-                <a:off x="5522638" y="3640677"/>
-                <a:ext cx="2234650" cy="369332"/>
-              </a:xfrm>
-              <a:prstGeom prst="rect">
-                <a:avLst/>
-              </a:prstGeom>
-              <a:blipFill>
-                <a:blip r:embed="rId3"/>
-                <a:stretch>
-                  <a:fillRect t="-119672" r="-22343" b="-183607"/>
-                </a:stretch>
-              </a:blipFill>
-            </p:spPr>
-            <p:txBody>
-              <a:bodyPr/>
-              <a:lstStyle/>
-              <a:p>
-                <a:r>
-                  <a:rPr lang="en-US">
-                    <a:noFill/>
-                  </a:rPr>
-                  <a:t> </a:t>
-                </a:r>
-              </a:p>
-            </p:txBody>
-          </p:sp>
-        </mc:Fallback>
-      </mc:AlternateContent>
-      <mc:AlternateContent xmlns:mc="http://schemas.openxmlformats.org/markup-compatibility/2006">
-        <mc:Choice xmlns:a14="http://schemas.microsoft.com/office/drawing/2010/main" Requires="a14">
-          <p:sp>
-            <p:nvSpPr>
-              <p:cNvPr id="8" name="矩形 7"/>
-              <p:cNvSpPr/>
-              <p:nvPr/>
-            </p:nvSpPr>
-            <p:spPr>
-              <a:xfrm>
-                <a:off x="3261306" y="3646780"/>
-                <a:ext cx="2045432" cy="369332"/>
-              </a:xfrm>
-              <a:prstGeom prst="rect">
-                <a:avLst/>
-              </a:prstGeom>
-            </p:spPr>
-            <p:txBody>
-              <a:bodyPr wrap="none">
-                <a:spAutoFit/>
-              </a:bodyPr>
-              <a:lstStyle/>
-              <a:p>
-                <a:pPr/>
-                <a14:m>
-                  <m:oMathPara xmlns:m="http://schemas.openxmlformats.org/officeDocument/2006/math">
-                    <m:oMathParaPr>
-                      <m:jc m:val="centerGroup"/>
-                    </m:oMathParaPr>
-                    <m:oMath xmlns:m="http://schemas.openxmlformats.org/officeDocument/2006/math">
-                      <m:d>
-                        <m:dPr>
-                          <m:begChr m:val=""/>
-                          <m:ctrlPr>
-                            <a:rPr lang="zh-CN" altLang="en-US" i="1">
-                              <a:latin typeface="Cambria Math" panose="02040503050406030204" pitchFamily="18" charset="0"/>
-                            </a:rPr>
-                          </m:ctrlPr>
-                        </m:dPr>
-                        <m:e>
-                          <m:sSub>
-                            <m:sSubPr>
-                              <m:ctrlPr>
-                                <a:rPr lang="zh-CN" altLang="en-US" i="1">
-                                  <a:latin typeface="Cambria Math" panose="02040503050406030204" pitchFamily="18" charset="0"/>
-                                </a:rPr>
-                              </m:ctrlPr>
-                            </m:sSubPr>
-                            <m:e>
-                              <m:r>
-                                <a:rPr lang="zh-CN" altLang="en-US" i="1">
-                                  <a:latin typeface="Cambria Math" panose="02040503050406030204" pitchFamily="18" charset="0"/>
-                                </a:rPr>
-                                <m:t>𝐺</m:t>
-                              </m:r>
-                            </m:e>
-                            <m:sub>
-                              <m:r>
-                                <a:rPr lang="zh-CN" altLang="en-US" i="1">
-                                  <a:latin typeface="Cambria Math" panose="02040503050406030204" pitchFamily="18" charset="0"/>
-                                </a:rPr>
-                                <m:t>𝑒</m:t>
-                              </m:r>
-                            </m:sub>
-                          </m:sSub>
-                          <m:r>
-                            <a:rPr lang="zh-CN" altLang="en-US" i="0">
-                              <a:latin typeface="Cambria Math" panose="02040503050406030204" pitchFamily="18" charset="0"/>
-                            </a:rPr>
-                            <m:t>(</m:t>
-                          </m:r>
-                          <m:r>
-                            <a:rPr lang="zh-CN" altLang="en-US" i="1">
-                              <a:latin typeface="Cambria Math" panose="02040503050406030204" pitchFamily="18" charset="0"/>
-                            </a:rPr>
-                            <m:t>𝑥</m:t>
-                          </m:r>
-                          <m:r>
-                            <a:rPr lang="zh-CN" altLang="en-US" i="0">
-                              <a:latin typeface="Cambria Math" panose="02040503050406030204" pitchFamily="18" charset="0"/>
-                            </a:rPr>
-                            <m:t>)∈|</m:t>
-                          </m:r>
-                          <m:r>
-                            <a:rPr lang="zh-CN" altLang="en-US" i="1">
-                              <a:latin typeface="Cambria Math" panose="02040503050406030204" pitchFamily="18" charset="0"/>
-                            </a:rPr>
-                            <m:t>𝐸</m:t>
-                          </m:r>
-                          <m:r>
-                            <a:rPr lang="zh-CN" altLang="en-US" i="0">
-                              <a:latin typeface="Cambria Math" panose="02040503050406030204" pitchFamily="18" charset="0"/>
-                            </a:rPr>
-                            <m:t>|</m:t>
-                          </m:r>
-                          <m:r>
-                            <a:rPr lang="zh-CN" altLang="en-US" i="0">
-                              <a:latin typeface="Cambria Math" panose="02040503050406030204" pitchFamily="18" charset="0"/>
-                            </a:rPr>
-                            <m:t>𝜕</m:t>
-                          </m:r>
-                          <m:sSub>
-                            <m:sSubPr>
-                              <m:ctrlPr>
-                                <a:rPr lang="zh-CN" altLang="en-US" i="1">
-                                  <a:latin typeface="Cambria Math" panose="02040503050406030204" pitchFamily="18" charset="0"/>
-                                </a:rPr>
-                              </m:ctrlPr>
-                            </m:sSubPr>
-                            <m:e>
-                              <m:r>
-                                <a:rPr lang="zh-CN" altLang="en-US" i="1">
-                                  <a:latin typeface="Cambria Math" panose="02040503050406030204" pitchFamily="18" charset="0"/>
-                                </a:rPr>
-                                <m:t>𝑓</m:t>
-                              </m:r>
-                            </m:e>
-                            <m:sub>
-                              <m:r>
-                                <a:rPr lang="zh-CN" altLang="en-US" i="1">
-                                  <a:latin typeface="Cambria Math" panose="02040503050406030204" pitchFamily="18" charset="0"/>
-                                </a:rPr>
-                                <m:t>𝑒</m:t>
-                              </m:r>
-                            </m:sub>
-                          </m:sSub>
-                          <m:r>
-                            <a:rPr lang="zh-CN" altLang="en-US" i="0">
-                              <a:latin typeface="Cambria Math" panose="02040503050406030204" pitchFamily="18" charset="0"/>
-                            </a:rPr>
-                            <m:t>(</m:t>
-                          </m:r>
-                          <m:r>
-                            <a:rPr lang="zh-CN" altLang="en-US" i="1">
-                              <a:latin typeface="Cambria Math" panose="02040503050406030204" pitchFamily="18" charset="0"/>
-                            </a:rPr>
-                            <m:t>𝑥</m:t>
-                          </m:r>
-                        </m:e>
-                      </m:d>
-                    </m:oMath>
-                  </m:oMathPara>
-                </a14:m>
-                <a:endParaRPr lang="zh-CN" altLang="en-US" dirty="0"/>
-              </a:p>
-            </p:txBody>
-          </p:sp>
-        </mc:Choice>
-        <mc:Fallback>
-          <p:sp>
-            <p:nvSpPr>
-              <p:cNvPr id="8" name="矩形 7"/>
-              <p:cNvSpPr>
-                <a:spLocks noRot="1" noChangeAspect="1" noMove="1" noResize="1" noEditPoints="1" noAdjustHandles="1" noChangeArrowheads="1" noChangeShapeType="1" noTextEdit="1"/>
-              </p:cNvSpPr>
-              <p:nvPr/>
-            </p:nvSpPr>
-            <p:spPr>
-              <a:xfrm>
-                <a:off x="3261306" y="3646780"/>
-                <a:ext cx="2045432" cy="369332"/>
-              </a:xfrm>
-              <a:prstGeom prst="rect">
-                <a:avLst/>
-              </a:prstGeom>
-              <a:blipFill>
-                <a:blip r:embed="rId4"/>
-                <a:stretch>
-                  <a:fillRect t="-119672" r="-23512" b="-183607"/>
-                </a:stretch>
-              </a:blipFill>
-            </p:spPr>
-            <p:txBody>
-              <a:bodyPr/>
-              <a:lstStyle/>
-              <a:p>
-                <a:r>
-                  <a:rPr lang="en-US">
-                    <a:noFill/>
-                  </a:rPr>
-                  <a:t> </a:t>
-                </a:r>
-              </a:p>
-            </p:txBody>
-          </p:sp>
-        </mc:Fallback>
-      </mc:AlternateContent>
-    </p:spTree>
-    <p:extLst>
-      <p:ext uri="{BB962C8B-B14F-4D97-AF65-F5344CB8AC3E}">
-        <p14:creationId xmlns:p14="http://schemas.microsoft.com/office/powerpoint/2010/main" val="3221932847"/>
-      </p:ext>
-    </p:extLst>
-  </p:cSld>
-  <p:clrMapOvr>
-    <a:masterClrMapping/>
-  </p:clrMapOvr>
-  <mc:AlternateContent xmlns:mc="http://schemas.openxmlformats.org/markup-compatibility/2006">
-    <mc:Choice xmlns:p14="http://schemas.microsoft.com/office/powerpoint/2010/main" Requires="p14">
-      <p:transition spd="slow" p14:dur="2000"/>
-    </mc:Choice>
-    <mc:Fallback>
-      <p:transition spd="slow"/>
-    </mc:Fallback>
-  </mc:AlternateContent>
-</p:sld>
-</file>
-
-<file path=ppt/slides/slide6.xml><?xml version="1.0" encoding="utf-8"?>
 <p:sld xmlns:a="http://schemas.openxmlformats.org/drawingml/2006/main" xmlns:r="http://schemas.openxmlformats.org/officeDocument/2006/relationships" xmlns:p="http://schemas.openxmlformats.org/presentationml/2006/main">
   <p:cSld>
     <p:spTree>
@@ -9803,6 +10721,480 @@
   <p:clrMapOvr>
     <a:masterClrMapping/>
   </p:clrMapOvr>
+  <p:timing>
+    <p:tnLst>
+      <p:par>
+        <p:cTn id="1" dur="indefinite" restart="never" nodeType="tmRoot"/>
+      </p:par>
+    </p:tnLst>
+  </p:timing>
+</p:sld>
+</file>
+
+<file path=ppt/slides/slide6.xml><?xml version="1.0" encoding="utf-8"?>
+<p:sld xmlns:a="http://schemas.openxmlformats.org/drawingml/2006/main" xmlns:r="http://schemas.openxmlformats.org/officeDocument/2006/relationships" xmlns:p="http://schemas.openxmlformats.org/presentationml/2006/main">
+  <p:cSld>
+    <p:spTree>
+      <p:nvGrpSpPr>
+        <p:cNvPr id="1" name=""/>
+        <p:cNvGrpSpPr/>
+        <p:nvPr/>
+      </p:nvGrpSpPr>
+      <p:grpSpPr>
+        <a:xfrm>
+          <a:off x="0" y="0"/>
+          <a:ext cx="0" cy="0"/>
+          <a:chOff x="0" y="0"/>
+          <a:chExt cx="0" cy="0"/>
+        </a:xfrm>
+      </p:grpSpPr>
+      <p:sp>
+        <p:nvSpPr>
+          <p:cNvPr id="4" name="矩形 3"/>
+          <p:cNvSpPr/>
+          <p:nvPr/>
+        </p:nvSpPr>
+        <p:spPr>
+          <a:xfrm>
+            <a:off x="537948" y="5061771"/>
+            <a:ext cx="11241206" cy="923330"/>
+          </a:xfrm>
+          <a:prstGeom prst="rect">
+            <a:avLst/>
+          </a:prstGeom>
+        </p:spPr>
+        <p:txBody>
+          <a:bodyPr wrap="square">
+            <a:spAutoFit/>
+          </a:bodyPr>
+          <a:lstStyle/>
+          <a:p>
+            <a:r>
+              <a:rPr lang="en-US" altLang="zh-CN" dirty="0"/>
+              <a:t>Both push and pull operations are non-blocking. The caller (typically the computational thread) inserts its requests into queues, and then resumes computation. Separate I/O threads managed by the framework perform the actual network communication</a:t>
+            </a:r>
+            <a:endParaRPr lang="zh-CN" altLang="en-US" dirty="0"/>
+          </a:p>
+        </p:txBody>
+      </p:sp>
+      <p:pic>
+        <p:nvPicPr>
+          <p:cNvPr id="5" name="图片 4"/>
+          <p:cNvPicPr>
+            <a:picLocks noChangeAspect="1"/>
+          </p:cNvPicPr>
+          <p:nvPr/>
+        </p:nvPicPr>
+        <p:blipFill>
+          <a:blip r:embed="rId2"/>
+          <a:stretch>
+            <a:fillRect/>
+          </a:stretch>
+        </p:blipFill>
+        <p:spPr>
+          <a:xfrm>
+            <a:off x="1979990" y="847882"/>
+            <a:ext cx="7877175" cy="4295775"/>
+          </a:xfrm>
+          <a:prstGeom prst="rect">
+            <a:avLst/>
+          </a:prstGeom>
+        </p:spPr>
+      </p:pic>
+      <p:sp>
+        <p:nvSpPr>
+          <p:cNvPr id="6" name="标题 1"/>
+          <p:cNvSpPr>
+            <a:spLocks noGrp="1"/>
+          </p:cNvSpPr>
+          <p:nvPr>
+            <p:ph type="title"/>
+          </p:nvPr>
+        </p:nvSpPr>
+        <p:spPr>
+          <a:xfrm>
+            <a:off x="660778" y="37577"/>
+            <a:ext cx="10515600" cy="1325563"/>
+          </a:xfrm>
+        </p:spPr>
+        <p:txBody>
+          <a:bodyPr/>
+          <a:lstStyle/>
+          <a:p>
+            <a:r>
+              <a:rPr lang="en-US" altLang="zh-CN" dirty="0" smtClean="0"/>
+              <a:t>Parameter server</a:t>
+            </a:r>
+            <a:r>
+              <a:rPr lang="en-US" altLang="zh-CN" dirty="0"/>
+              <a:t>	</a:t>
+            </a:r>
+            <a:endParaRPr lang="zh-CN" altLang="en-US" dirty="0"/>
+          </a:p>
+        </p:txBody>
+      </p:sp>
+      <mc:AlternateContent xmlns:mc="http://schemas.openxmlformats.org/markup-compatibility/2006">
+        <mc:Choice xmlns:a14="http://schemas.microsoft.com/office/drawing/2010/main" Requires="a14">
+          <p:sp>
+            <p:nvSpPr>
+              <p:cNvPr id="7" name="文本框 6"/>
+              <p:cNvSpPr txBox="1"/>
+              <p:nvPr/>
+            </p:nvSpPr>
+            <p:spPr>
+              <a:xfrm>
+                <a:off x="3461980" y="6040889"/>
+                <a:ext cx="3711849" cy="325154"/>
+              </a:xfrm>
+              <a:prstGeom prst="rect">
+                <a:avLst/>
+              </a:prstGeom>
+              <a:noFill/>
+            </p:spPr>
+            <p:txBody>
+              <a:bodyPr wrap="none" lIns="0" tIns="0" rIns="0" bIns="0" rtlCol="0">
+                <a:spAutoFit/>
+              </a:bodyPr>
+              <a:lstStyle/>
+              <a:p>
+                <a:pPr/>
+                <a14:m>
+                  <m:oMathPara xmlns:m="http://schemas.openxmlformats.org/officeDocument/2006/math">
+                    <m:oMathParaPr>
+                      <m:jc m:val="centerGroup"/>
+                    </m:oMathParaPr>
+                    <m:oMath xmlns:m="http://schemas.openxmlformats.org/officeDocument/2006/math">
+                      <m:sSub>
+                        <m:sSubPr>
+                          <m:ctrlPr>
+                            <a:rPr lang="en-US" altLang="zh-CN" b="0" i="1" smtClean="0">
+                              <a:latin typeface="Cambria Math" panose="02040503050406030204" pitchFamily="18" charset="0"/>
+                            </a:rPr>
+                          </m:ctrlPr>
+                        </m:sSubPr>
+                        <m:e>
+                          <m:r>
+                            <a:rPr lang="en-US" altLang="zh-CN" b="0" i="1" smtClean="0">
+                              <a:latin typeface="Cambria Math" panose="02040503050406030204" pitchFamily="18" charset="0"/>
+                            </a:rPr>
+                            <m:t>𝐺</m:t>
+                          </m:r>
+                        </m:e>
+                        <m:sub>
+                          <m:r>
+                            <a:rPr lang="en-US" altLang="zh-CN" b="0" i="1" smtClean="0">
+                              <a:latin typeface="Cambria Math" panose="02040503050406030204" pitchFamily="18" charset="0"/>
+                            </a:rPr>
+                            <m:t>𝑖</m:t>
+                          </m:r>
+                        </m:sub>
+                      </m:sSub>
+                      <m:d>
+                        <m:dPr>
+                          <m:ctrlPr>
+                            <a:rPr lang="en-US" altLang="zh-CN" b="0" i="1" smtClean="0">
+                              <a:latin typeface="Cambria Math" panose="02040503050406030204" pitchFamily="18" charset="0"/>
+                            </a:rPr>
+                          </m:ctrlPr>
+                        </m:dPr>
+                        <m:e>
+                          <m:r>
+                            <a:rPr lang="en-US" altLang="zh-CN" b="0" i="1" smtClean="0">
+                              <a:latin typeface="Cambria Math" panose="02040503050406030204" pitchFamily="18" charset="0"/>
+                            </a:rPr>
+                            <m:t>𝑡</m:t>
+                          </m:r>
+                        </m:e>
+                      </m:d>
+                      <m:r>
+                        <a:rPr lang="en-US" altLang="zh-CN" b="0" i="1" smtClean="0">
+                          <a:latin typeface="Cambria Math" panose="02040503050406030204" pitchFamily="18" charset="0"/>
+                        </a:rPr>
+                        <m:t>=</m:t>
+                      </m:r>
+                      <m:r>
+                        <a:rPr lang="en-US" altLang="zh-CN" b="0" i="0" smtClean="0">
+                          <a:latin typeface="Cambria Math" panose="02040503050406030204" pitchFamily="18" charset="0"/>
+                        </a:rPr>
+                        <m:t>𝛻</m:t>
+                      </m:r>
+                      <m:sSub>
+                        <m:sSubPr>
+                          <m:ctrlPr>
+                            <a:rPr lang="en-US" altLang="zh-CN" b="0" i="1" smtClean="0">
+                              <a:latin typeface="Cambria Math" panose="02040503050406030204" pitchFamily="18" charset="0"/>
+                            </a:rPr>
+                          </m:ctrlPr>
+                        </m:sSubPr>
+                        <m:e>
+                          <m:r>
+                            <a:rPr lang="en-US" altLang="zh-CN" b="0" i="1" smtClean="0">
+                              <a:latin typeface="Cambria Math" panose="02040503050406030204" pitchFamily="18" charset="0"/>
+                            </a:rPr>
+                            <m:t>𝑓</m:t>
+                          </m:r>
+                        </m:e>
+                        <m:sub>
+                          <m:r>
+                            <a:rPr lang="en-US" altLang="zh-CN" b="0" i="1" smtClean="0">
+                              <a:latin typeface="Cambria Math" panose="02040503050406030204" pitchFamily="18" charset="0"/>
+                            </a:rPr>
+                            <m:t>𝑖</m:t>
+                          </m:r>
+                        </m:sub>
+                      </m:sSub>
+                      <m:d>
+                        <m:dPr>
+                          <m:ctrlPr>
+                            <a:rPr lang="en-US" altLang="zh-CN" b="0" i="1" smtClean="0">
+                              <a:latin typeface="Cambria Math" panose="02040503050406030204" pitchFamily="18" charset="0"/>
+                            </a:rPr>
+                          </m:ctrlPr>
+                        </m:dPr>
+                        <m:e>
+                          <m:r>
+                            <a:rPr lang="en-US" altLang="zh-CN" b="0" i="1" smtClean="0">
+                              <a:latin typeface="Cambria Math" panose="02040503050406030204" pitchFamily="18" charset="0"/>
+                            </a:rPr>
+                            <m:t>𝜔</m:t>
+                          </m:r>
+                          <m:d>
+                            <m:dPr>
+                              <m:ctrlPr>
+                                <a:rPr lang="en-US" altLang="zh-CN" b="0" i="1" smtClean="0">
+                                  <a:latin typeface="Cambria Math" panose="02040503050406030204" pitchFamily="18" charset="0"/>
+                                </a:rPr>
+                              </m:ctrlPr>
+                            </m:dPr>
+                            <m:e>
+                              <m:sSub>
+                                <m:sSubPr>
+                                  <m:ctrlPr>
+                                    <a:rPr lang="en-US" altLang="zh-CN" b="0" i="1" smtClean="0">
+                                      <a:latin typeface="Cambria Math" panose="02040503050406030204" pitchFamily="18" charset="0"/>
+                                    </a:rPr>
+                                  </m:ctrlPr>
+                                </m:sSubPr>
+                                <m:e>
+                                  <m:r>
+                                    <a:rPr lang="en-US" altLang="zh-CN" b="0" i="1" smtClean="0">
+                                      <a:latin typeface="Cambria Math" panose="02040503050406030204" pitchFamily="18" charset="0"/>
+                                    </a:rPr>
+                                    <m:t>𝑡</m:t>
+                                  </m:r>
+                                </m:e>
+                                <m:sub>
+                                  <m:r>
+                                    <a:rPr lang="en-US" altLang="zh-CN" b="0" i="1" smtClean="0">
+                                      <a:latin typeface="Cambria Math" panose="02040503050406030204" pitchFamily="18" charset="0"/>
+                                    </a:rPr>
+                                    <m:t>𝑖</m:t>
+                                  </m:r>
+                                </m:sub>
+                              </m:sSub>
+                            </m:e>
+                          </m:d>
+                          <m:r>
+                            <a:rPr lang="en-US" altLang="zh-CN" b="0" i="1" smtClean="0">
+                              <a:latin typeface="Cambria Math" panose="02040503050406030204" pitchFamily="18" charset="0"/>
+                            </a:rPr>
+                            <m:t>+</m:t>
+                          </m:r>
+                          <m:sSub>
+                            <m:sSubPr>
+                              <m:ctrlPr>
+                                <a:rPr lang="en-US" altLang="zh-CN" b="0" i="1" smtClean="0">
+                                  <a:latin typeface="Cambria Math" panose="02040503050406030204" pitchFamily="18" charset="0"/>
+                                </a:rPr>
+                              </m:ctrlPr>
+                            </m:sSubPr>
+                            <m:e>
+                              <m:r>
+                                <a:rPr lang="en-US" altLang="zh-CN" b="0" i="1" smtClean="0">
+                                  <a:latin typeface="Cambria Math" panose="02040503050406030204" pitchFamily="18" charset="0"/>
+                                </a:rPr>
+                                <m:t>𝜎</m:t>
+                              </m:r>
+                            </m:e>
+                            <m:sub>
+                              <m:r>
+                                <a:rPr lang="en-US" altLang="zh-CN" b="0" i="1" smtClean="0">
+                                  <a:latin typeface="Cambria Math" panose="02040503050406030204" pitchFamily="18" charset="0"/>
+                                </a:rPr>
+                                <m:t>𝜔</m:t>
+                              </m:r>
+                            </m:sub>
+                          </m:sSub>
+                          <m:d>
+                            <m:dPr>
+                              <m:ctrlPr>
+                                <a:rPr lang="en-US" altLang="zh-CN" b="0" i="1" smtClean="0">
+                                  <a:latin typeface="Cambria Math" panose="02040503050406030204" pitchFamily="18" charset="0"/>
+                                </a:rPr>
+                              </m:ctrlPr>
+                            </m:dPr>
+                            <m:e>
+                              <m:sSub>
+                                <m:sSubPr>
+                                  <m:ctrlPr>
+                                    <a:rPr lang="en-US" altLang="zh-CN" b="0" i="1" smtClean="0">
+                                      <a:latin typeface="Cambria Math" panose="02040503050406030204" pitchFamily="18" charset="0"/>
+                                    </a:rPr>
+                                  </m:ctrlPr>
+                                </m:sSubPr>
+                                <m:e>
+                                  <m:r>
+                                    <a:rPr lang="en-US" altLang="zh-CN" b="0" i="1" smtClean="0">
+                                      <a:latin typeface="Cambria Math" panose="02040503050406030204" pitchFamily="18" charset="0"/>
+                                    </a:rPr>
+                                    <m:t>𝑡</m:t>
+                                  </m:r>
+                                </m:e>
+                                <m:sub>
+                                  <m:r>
+                                    <a:rPr lang="en-US" altLang="zh-CN" b="0" i="1" smtClean="0">
+                                      <a:latin typeface="Cambria Math" panose="02040503050406030204" pitchFamily="18" charset="0"/>
+                                    </a:rPr>
+                                    <m:t>𝑖</m:t>
+                                  </m:r>
+                                </m:sub>
+                              </m:sSub>
+                            </m:e>
+                          </m:d>
+                        </m:e>
+                      </m:d>
+                      <m:r>
+                        <a:rPr lang="en-US" altLang="zh-CN" b="0" i="1" smtClean="0">
+                          <a:latin typeface="Cambria Math" panose="02040503050406030204" pitchFamily="18" charset="0"/>
+                        </a:rPr>
+                        <m:t>+</m:t>
+                      </m:r>
+                      <m:sSub>
+                        <m:sSubPr>
+                          <m:ctrlPr>
+                            <a:rPr lang="en-US" altLang="zh-CN" b="0" i="1" smtClean="0">
+                              <a:latin typeface="Cambria Math" panose="02040503050406030204" pitchFamily="18" charset="0"/>
+                            </a:rPr>
+                          </m:ctrlPr>
+                        </m:sSubPr>
+                        <m:e>
+                          <m:sSub>
+                            <m:sSubPr>
+                              <m:ctrlPr>
+                                <a:rPr lang="en-US" altLang="zh-CN" b="0" i="1" smtClean="0">
+                                  <a:latin typeface="Cambria Math" panose="02040503050406030204" pitchFamily="18" charset="0"/>
+                                </a:rPr>
+                              </m:ctrlPr>
+                            </m:sSubPr>
+                            <m:e>
+                              <m:r>
+                                <a:rPr lang="en-US" altLang="zh-CN" b="0" i="1" smtClean="0">
+                                  <a:latin typeface="Cambria Math" panose="02040503050406030204" pitchFamily="18" charset="0"/>
+                                </a:rPr>
+                                <m:t>𝜎</m:t>
+                              </m:r>
+                            </m:e>
+                            <m:sub>
+                              <m:r>
+                                <a:rPr lang="en-US" altLang="zh-CN" b="0" i="0" smtClean="0">
+                                  <a:latin typeface="Cambria Math" panose="02040503050406030204" pitchFamily="18" charset="0"/>
+                                </a:rPr>
+                                <m:t>𝛻</m:t>
+                              </m:r>
+                            </m:sub>
+                          </m:sSub>
+                        </m:e>
+                        <m:sub>
+                          <m:r>
+                            <a:rPr lang="en-US" altLang="zh-CN" b="0" i="1" smtClean="0">
+                              <a:latin typeface="Cambria Math" panose="02040503050406030204" pitchFamily="18" charset="0"/>
+                            </a:rPr>
+                            <m:t>𝑖</m:t>
+                          </m:r>
+                        </m:sub>
+                      </m:sSub>
+                      <m:r>
+                        <a:rPr lang="en-US" altLang="zh-CN" b="0" i="1" smtClean="0">
+                          <a:latin typeface="Cambria Math" panose="02040503050406030204" pitchFamily="18" charset="0"/>
+                        </a:rPr>
+                        <m:t> (</m:t>
+                      </m:r>
+                      <m:r>
+                        <a:rPr lang="en-US" altLang="zh-CN" b="0" i="1" smtClean="0">
+                          <a:latin typeface="Cambria Math" panose="02040503050406030204" pitchFamily="18" charset="0"/>
+                        </a:rPr>
+                        <m:t>𝑡</m:t>
+                      </m:r>
+                      <m:r>
+                        <a:rPr lang="en-US" altLang="zh-CN" b="0" i="1" smtClean="0">
+                          <a:latin typeface="Cambria Math" panose="02040503050406030204" pitchFamily="18" charset="0"/>
+                        </a:rPr>
+                        <m:t>)</m:t>
+                      </m:r>
+                    </m:oMath>
+                  </m:oMathPara>
+                </a14:m>
+                <a:endParaRPr lang="zh-CN" altLang="en-US" dirty="0"/>
+              </a:p>
+            </p:txBody>
+          </p:sp>
+        </mc:Choice>
+        <mc:Fallback>
+          <p:sp>
+            <p:nvSpPr>
+              <p:cNvPr id="7" name="文本框 6"/>
+              <p:cNvSpPr txBox="1">
+                <a:spLocks noRot="1" noChangeAspect="1" noMove="1" noResize="1" noEditPoints="1" noAdjustHandles="1" noChangeArrowheads="1" noChangeShapeType="1" noTextEdit="1"/>
+              </p:cNvSpPr>
+              <p:nvPr/>
+            </p:nvSpPr>
+            <p:spPr>
+              <a:xfrm>
+                <a:off x="3461980" y="6040889"/>
+                <a:ext cx="3711849" cy="325154"/>
+              </a:xfrm>
+              <a:prstGeom prst="rect">
+                <a:avLst/>
+              </a:prstGeom>
+              <a:blipFill>
+                <a:blip r:embed="rId3"/>
+                <a:stretch>
+                  <a:fillRect l="-1314" r="-2135" b="-22642"/>
+                </a:stretch>
+              </a:blipFill>
+            </p:spPr>
+            <p:txBody>
+              <a:bodyPr/>
+              <a:lstStyle/>
+              <a:p>
+                <a:r>
+                  <a:rPr lang="zh-CN" altLang="en-US">
+                    <a:noFill/>
+                  </a:rPr>
+                  <a:t> </a:t>
+                </a:r>
+              </a:p>
+            </p:txBody>
+          </p:sp>
+        </mc:Fallback>
+      </mc:AlternateContent>
+    </p:spTree>
+    <p:extLst>
+      <p:ext uri="{BB962C8B-B14F-4D97-AF65-F5344CB8AC3E}">
+        <p14:creationId xmlns:p14="http://schemas.microsoft.com/office/powerpoint/2010/main" val="732599452"/>
+      </p:ext>
+    </p:extLst>
+  </p:cSld>
+  <p:clrMapOvr>
+    <a:masterClrMapping/>
+  </p:clrMapOvr>
+  <p:timing>
+    <p:tnLst>
+      <p:par>
+        <p:cTn id="1" dur="indefinite" restart="never" nodeType="tmRoot"/>
+      </p:par>
+    </p:tnLst>
+  </p:timing>
 </p:sld>
 </file>
 
@@ -9833,11 +11225,17 @@
             <p:ph type="title"/>
           </p:nvPr>
         </p:nvSpPr>
-        <p:spPr/>
+        <p:spPr>
+          <a:xfrm>
+            <a:off x="838200" y="78517"/>
+            <a:ext cx="10515600" cy="1325563"/>
+          </a:xfrm>
+        </p:spPr>
         <p:txBody>
           <a:bodyPr/>
           <a:lstStyle/>
           <a:p>
+            <a:pPr algn="ctr"/>
             <a:r>
               <a:rPr lang="en-US" dirty="0"/>
               <a:t>Under parameter </a:t>
@@ -9864,18 +11262,18 @@
             </p:nvSpPr>
             <p:spPr>
               <a:xfrm>
-                <a:off x="470065" y="1409988"/>
+                <a:off x="1084214" y="1068794"/>
                 <a:ext cx="10515600" cy="5295611"/>
               </a:xfrm>
             </p:spPr>
             <p:txBody>
               <a:bodyPr>
-                <a:normAutofit fontScale="62500" lnSpcReduction="20000"/>
+                <a:noAutofit/>
               </a:bodyPr>
               <a:lstStyle/>
               <a:p>
                 <a:r>
-                  <a:rPr lang="en-US" dirty="0" smtClean="0"/>
+                  <a:rPr lang="en-US" sz="3200" dirty="0" smtClean="0"/>
                   <a:t>No synchronous</a:t>
                 </a:r>
               </a:p>
@@ -9921,7 +11319,7 @@
               </a:p>
               <a:p>
                 <a:r>
-                  <a:rPr lang="en-US" dirty="0" smtClean="0"/>
+                  <a:rPr lang="en-US" sz="3200" dirty="0" smtClean="0"/>
                   <a:t>Cyclic delay</a:t>
                 </a:r>
               </a:p>
@@ -10132,841 +11530,7 @@
                 <a:endParaRPr lang="en-US" dirty="0"/>
               </a:p>
               <a:p>
-                <a:r>
-                  <a:rPr lang="en-US" dirty="0" smtClean="0"/>
-                  <a:t>SSP</a:t>
-                </a:r>
-              </a:p>
-              <a:p>
-                <a:pPr lvl="1"/>
-                <a:r>
-                  <a:rPr lang="en-US" dirty="0" smtClean="0"/>
-                  <a:t>When a worker asks for </a:t>
-                </a:r>
-                <a14:m>
-                  <m:oMath xmlns:m="http://schemas.openxmlformats.org/officeDocument/2006/math">
-                    <m:r>
-                      <m:rPr>
-                        <m:sty m:val="p"/>
-                      </m:rPr>
-                      <a:rPr lang="en-US" b="0" i="1" smtClean="0">
-                        <a:latin typeface="Cambria Math" panose="02040503050406030204" pitchFamily="18" charset="0"/>
-                      </a:rPr>
-                      <m:t>θ</m:t>
-                    </m:r>
-                  </m:oMath>
-                </a14:m>
-                <a:r>
-                  <a:rPr lang="en-US" b="0" dirty="0" smtClean="0"/>
-                  <a:t> </a:t>
-                </a:r>
-                <a:r>
-                  <a:rPr lang="en-US" dirty="0" smtClean="0"/>
-                  <a:t>, the master give  it a stale version of </a:t>
-                </a:r>
-                <a14:m>
-                  <m:oMath xmlns:m="http://schemas.openxmlformats.org/officeDocument/2006/math">
-                    <m:r>
-                      <a:rPr lang="en-US" b="0" i="1" smtClean="0">
-                        <a:latin typeface="Cambria Math" panose="02040503050406030204" pitchFamily="18" charset="0"/>
-                      </a:rPr>
-                      <m:t>𝜃</m:t>
-                    </m:r>
-                  </m:oMath>
-                </a14:m>
-                <a:r>
-                  <a:rPr lang="en-US" b="0" dirty="0" smtClean="0"/>
-                  <a:t>(three part)</a:t>
-                </a:r>
-              </a:p>
-              <a:p>
-                <a:pPr lvl="1"/>
-                <a:r>
-                  <a:rPr lang="en-US" dirty="0" smtClean="0"/>
-                  <a:t>The worker computes the gradient</a:t>
-                </a:r>
-              </a:p>
-              <a:p>
-                <a:pPr lvl="1"/>
-                <a:r>
-                  <a:rPr lang="en-US" dirty="0" smtClean="0"/>
-                  <a:t>The worker saves and pushes the gradient and ask another version of </a:t>
-                </a:r>
-                <a14:m>
-                  <m:oMath xmlns:m="http://schemas.openxmlformats.org/officeDocument/2006/math">
-                    <m:r>
-                      <a:rPr lang="en-US" b="0" i="1" smtClean="0">
-                        <a:latin typeface="Cambria Math" panose="02040503050406030204" pitchFamily="18" charset="0"/>
-                      </a:rPr>
-                      <m:t>𝜃</m:t>
-                    </m:r>
-                  </m:oMath>
-                </a14:m>
-                <a:endParaRPr lang="en-US" b="0" dirty="0" smtClean="0"/>
-              </a:p>
-              <a:p>
-                <a:pPr lvl="1"/>
-                <a14:m>
-                  <m:oMath xmlns:m="http://schemas.openxmlformats.org/officeDocument/2006/math">
-                    <m:sSub>
-                      <m:sSubPr>
-                        <m:ctrlPr>
-                          <a:rPr lang="en-US" i="1" smtClean="0">
-                            <a:latin typeface="Cambria Math" panose="02040503050406030204" pitchFamily="18" charset="0"/>
-                          </a:rPr>
-                        </m:ctrlPr>
-                      </m:sSubPr>
-                      <m:e>
-                        <m:acc>
-                          <m:accPr>
-                            <m:chr m:val="̂"/>
-                            <m:ctrlPr>
-                              <a:rPr lang="en-US" i="1" smtClean="0">
-                                <a:latin typeface="Cambria Math" panose="02040503050406030204" pitchFamily="18" charset="0"/>
-                              </a:rPr>
-                            </m:ctrlPr>
-                          </m:accPr>
-                          <m:e>
-                            <m:r>
-                              <a:rPr lang="en-US" i="1" smtClean="0">
-                                <a:latin typeface="Cambria Math" panose="02040503050406030204" pitchFamily="18" charset="0"/>
-                              </a:rPr>
-                              <m:t>𝑥</m:t>
-                            </m:r>
-                          </m:e>
-                        </m:acc>
-                      </m:e>
-                      <m:sub>
-                        <m:r>
-                          <a:rPr lang="en-US" i="1">
-                            <a:latin typeface="Cambria Math" panose="02040503050406030204" pitchFamily="18" charset="0"/>
-                          </a:rPr>
-                          <m:t>𝑝</m:t>
-                        </m:r>
-                        <m:r>
-                          <a:rPr lang="en-US" i="1">
-                            <a:latin typeface="Cambria Math" panose="02040503050406030204" pitchFamily="18" charset="0"/>
-                          </a:rPr>
-                          <m:t>,</m:t>
-                        </m:r>
-                        <m:r>
-                          <a:rPr lang="en-US" i="1">
-                            <a:latin typeface="Cambria Math" panose="02040503050406030204" pitchFamily="18" charset="0"/>
-                          </a:rPr>
-                          <m:t>𝑐</m:t>
-                        </m:r>
-                      </m:sub>
-                    </m:sSub>
-                    <m:r>
-                      <a:rPr lang="en-US" i="1">
-                        <a:latin typeface="Cambria Math" panose="02040503050406030204" pitchFamily="18" charset="0"/>
-                      </a:rPr>
-                      <m:t>=</m:t>
-                    </m:r>
-                    <m:sSub>
-                      <m:sSubPr>
-                        <m:ctrlPr>
-                          <a:rPr lang="en-US" i="1">
-                            <a:latin typeface="Cambria Math" panose="02040503050406030204" pitchFamily="18" charset="0"/>
-                          </a:rPr>
-                        </m:ctrlPr>
-                      </m:sSubPr>
-                      <m:e>
-                        <m:r>
-                          <a:rPr lang="en-US" i="1">
-                            <a:latin typeface="Cambria Math" panose="02040503050406030204" pitchFamily="18" charset="0"/>
-                          </a:rPr>
-                          <m:t>𝑥</m:t>
-                        </m:r>
-                      </m:e>
-                      <m:sub>
-                        <m:r>
-                          <a:rPr lang="en-US" i="1">
-                            <a:latin typeface="Cambria Math" panose="02040503050406030204" pitchFamily="18" charset="0"/>
-                          </a:rPr>
-                          <m:t>0</m:t>
-                        </m:r>
-                      </m:sub>
-                    </m:sSub>
-                    <m:r>
-                      <a:rPr lang="en-US" i="1">
-                        <a:latin typeface="Cambria Math" panose="02040503050406030204" pitchFamily="18" charset="0"/>
-                      </a:rPr>
-                      <m:t>+</m:t>
-                    </m:r>
-                    <m:nary>
-                      <m:naryPr>
-                        <m:chr m:val="∑"/>
-                        <m:ctrlPr>
-                          <a:rPr lang="en-US" i="1">
-                            <a:latin typeface="Cambria Math" panose="02040503050406030204" pitchFamily="18" charset="0"/>
-                          </a:rPr>
-                        </m:ctrlPr>
-                      </m:naryPr>
-                      <m:sub>
-                        <m:sSup>
-                          <m:sSupPr>
-                            <m:ctrlPr>
-                              <a:rPr lang="en-US" i="1">
-                                <a:latin typeface="Cambria Math" panose="02040503050406030204" pitchFamily="18" charset="0"/>
-                              </a:rPr>
-                            </m:ctrlPr>
-                          </m:sSupPr>
-                          <m:e>
-                            <m:r>
-                              <a:rPr lang="en-US" i="1">
-                                <a:latin typeface="Cambria Math" panose="02040503050406030204" pitchFamily="18" charset="0"/>
-                              </a:rPr>
-                              <m:t>𝑝</m:t>
-                            </m:r>
-                          </m:e>
-                          <m:sup>
-                            <m:r>
-                              <a:rPr lang="en-US" i="1">
-                                <a:latin typeface="Cambria Math" panose="02040503050406030204" pitchFamily="18" charset="0"/>
-                              </a:rPr>
-                              <m:t>′</m:t>
-                            </m:r>
-                          </m:sup>
-                        </m:sSup>
-                        <m:r>
-                          <a:rPr lang="en-US" i="1">
-                            <a:latin typeface="Cambria Math" panose="02040503050406030204" pitchFamily="18" charset="0"/>
-                          </a:rPr>
-                          <m:t>=1</m:t>
-                        </m:r>
-                      </m:sub>
-                      <m:sup>
-                        <m:r>
-                          <a:rPr lang="en-US" i="1">
-                            <a:latin typeface="Cambria Math" panose="02040503050406030204" pitchFamily="18" charset="0"/>
-                          </a:rPr>
-                          <m:t>𝑃</m:t>
-                        </m:r>
-                      </m:sup>
-                      <m:e>
-                        <m:nary>
-                          <m:naryPr>
-                            <m:chr m:val="∑"/>
-                            <m:ctrlPr>
-                              <a:rPr lang="en-US" i="1">
-                                <a:latin typeface="Cambria Math" panose="02040503050406030204" pitchFamily="18" charset="0"/>
-                              </a:rPr>
-                            </m:ctrlPr>
-                          </m:naryPr>
-                          <m:sub>
-                            <m:sSup>
-                              <m:sSupPr>
-                                <m:ctrlPr>
-                                  <a:rPr lang="en-US" i="1">
-                                    <a:latin typeface="Cambria Math" panose="02040503050406030204" pitchFamily="18" charset="0"/>
-                                  </a:rPr>
-                                </m:ctrlPr>
-                              </m:sSupPr>
-                              <m:e>
-                                <m:r>
-                                  <a:rPr lang="en-US" i="1">
-                                    <a:latin typeface="Cambria Math" panose="02040503050406030204" pitchFamily="18" charset="0"/>
-                                  </a:rPr>
-                                  <m:t>𝑐</m:t>
-                                </m:r>
-                              </m:e>
-                              <m:sup>
-                                <m:r>
-                                  <a:rPr lang="en-US" i="1">
-                                    <a:latin typeface="Cambria Math" panose="02040503050406030204" pitchFamily="18" charset="0"/>
-                                  </a:rPr>
-                                  <m:t>′</m:t>
-                                </m:r>
-                              </m:sup>
-                            </m:sSup>
-                            <m:r>
-                              <a:rPr lang="en-US" i="1">
-                                <a:latin typeface="Cambria Math" panose="02040503050406030204" pitchFamily="18" charset="0"/>
-                              </a:rPr>
-                              <m:t>=1</m:t>
-                            </m:r>
-                          </m:sub>
-                          <m:sup>
-                            <m:r>
-                              <a:rPr lang="en-US" i="1">
-                                <a:latin typeface="Cambria Math" panose="02040503050406030204" pitchFamily="18" charset="0"/>
-                              </a:rPr>
-                              <m:t>𝑐</m:t>
-                            </m:r>
-                            <m:r>
-                              <a:rPr lang="en-US" i="1">
-                                <a:latin typeface="Cambria Math" panose="02040503050406030204" pitchFamily="18" charset="0"/>
-                              </a:rPr>
-                              <m:t>−</m:t>
-                            </m:r>
-                            <m:r>
-                              <a:rPr lang="en-US" i="1">
-                                <a:latin typeface="Cambria Math" panose="02040503050406030204" pitchFamily="18" charset="0"/>
-                              </a:rPr>
-                              <m:t>𝑠</m:t>
-                            </m:r>
-                            <m:r>
-                              <a:rPr lang="en-US" i="1">
-                                <a:latin typeface="Cambria Math" panose="02040503050406030204" pitchFamily="18" charset="0"/>
-                              </a:rPr>
-                              <m:t>−1</m:t>
-                            </m:r>
-                          </m:sup>
-                          <m:e>
-                            <m:sSub>
-                              <m:sSubPr>
-                                <m:ctrlPr>
-                                  <a:rPr lang="en-US" i="1">
-                                    <a:latin typeface="Cambria Math" panose="02040503050406030204" pitchFamily="18" charset="0"/>
-                                  </a:rPr>
-                                </m:ctrlPr>
-                              </m:sSubPr>
-                              <m:e>
-                                <m:r>
-                                  <a:rPr lang="en-US" i="1">
-                                    <a:latin typeface="Cambria Math" panose="02040503050406030204" pitchFamily="18" charset="0"/>
-                                  </a:rPr>
-                                  <m:t>𝑢</m:t>
-                                </m:r>
-                              </m:e>
-                              <m:sub>
-                                <m:sSup>
-                                  <m:sSupPr>
-                                    <m:ctrlPr>
-                                      <a:rPr lang="en-US" i="1">
-                                        <a:latin typeface="Cambria Math" panose="02040503050406030204" pitchFamily="18" charset="0"/>
-                                      </a:rPr>
-                                    </m:ctrlPr>
-                                  </m:sSupPr>
-                                  <m:e>
-                                    <m:r>
-                                      <a:rPr lang="en-US" i="1">
-                                        <a:latin typeface="Cambria Math" panose="02040503050406030204" pitchFamily="18" charset="0"/>
-                                      </a:rPr>
-                                      <m:t>𝑝</m:t>
-                                    </m:r>
-                                  </m:e>
-                                  <m:sup>
-                                    <m:r>
-                                      <a:rPr lang="en-US" i="1">
-                                        <a:latin typeface="Cambria Math" panose="02040503050406030204" pitchFamily="18" charset="0"/>
-                                      </a:rPr>
-                                      <m:t>′</m:t>
-                                    </m:r>
-                                  </m:sup>
-                                </m:sSup>
-                                <m:r>
-                                  <a:rPr lang="en-US" i="1">
-                                    <a:latin typeface="Cambria Math" panose="02040503050406030204" pitchFamily="18" charset="0"/>
-                                  </a:rPr>
-                                  <m:t>,</m:t>
-                                </m:r>
-                                <m:sSup>
-                                  <m:sSupPr>
-                                    <m:ctrlPr>
-                                      <a:rPr lang="en-US" i="1">
-                                        <a:latin typeface="Cambria Math" panose="02040503050406030204" pitchFamily="18" charset="0"/>
-                                      </a:rPr>
-                                    </m:ctrlPr>
-                                  </m:sSupPr>
-                                  <m:e>
-                                    <m:r>
-                                      <a:rPr lang="en-US" i="1">
-                                        <a:latin typeface="Cambria Math" panose="02040503050406030204" pitchFamily="18" charset="0"/>
-                                      </a:rPr>
-                                      <m:t>𝑐</m:t>
-                                    </m:r>
-                                  </m:e>
-                                  <m:sup>
-                                    <m:r>
-                                      <a:rPr lang="en-US" i="1">
-                                        <a:latin typeface="Cambria Math" panose="02040503050406030204" pitchFamily="18" charset="0"/>
-                                      </a:rPr>
-                                      <m:t>′</m:t>
-                                    </m:r>
-                                  </m:sup>
-                                </m:sSup>
-                              </m:sub>
-                            </m:sSub>
-                          </m:e>
-                        </m:nary>
-                      </m:e>
-                    </m:nary>
-                    <m:r>
-                      <a:rPr lang="en-US" i="1">
-                        <a:latin typeface="Cambria Math" panose="02040503050406030204" pitchFamily="18" charset="0"/>
-                      </a:rPr>
-                      <m:t>+</m:t>
-                    </m:r>
-                    <m:nary>
-                      <m:naryPr>
-                        <m:chr m:val="∑"/>
-                        <m:ctrlPr>
-                          <a:rPr lang="en-US" i="1">
-                            <a:latin typeface="Cambria Math" panose="02040503050406030204" pitchFamily="18" charset="0"/>
-                          </a:rPr>
-                        </m:ctrlPr>
-                      </m:naryPr>
-                      <m:sub>
-                        <m:sSup>
-                          <m:sSupPr>
-                            <m:ctrlPr>
-                              <a:rPr lang="en-US" i="1">
-                                <a:latin typeface="Cambria Math" panose="02040503050406030204" pitchFamily="18" charset="0"/>
-                              </a:rPr>
-                            </m:ctrlPr>
-                          </m:sSupPr>
-                          <m:e>
-                            <m:r>
-                              <a:rPr lang="en-US" i="1">
-                                <a:latin typeface="Cambria Math" panose="02040503050406030204" pitchFamily="18" charset="0"/>
-                              </a:rPr>
-                              <m:t>𝑐</m:t>
-                            </m:r>
-                          </m:e>
-                          <m:sup>
-                            <m:r>
-                              <a:rPr lang="en-US" i="1">
-                                <a:latin typeface="Cambria Math" panose="02040503050406030204" pitchFamily="18" charset="0"/>
-                              </a:rPr>
-                              <m:t>′</m:t>
-                            </m:r>
-                          </m:sup>
-                        </m:sSup>
-                        <m:r>
-                          <a:rPr lang="en-US" i="1">
-                            <a:latin typeface="Cambria Math" panose="02040503050406030204" pitchFamily="18" charset="0"/>
-                          </a:rPr>
-                          <m:t>=</m:t>
-                        </m:r>
-                        <m:r>
-                          <a:rPr lang="en-US" i="1">
-                            <a:latin typeface="Cambria Math" panose="02040503050406030204" pitchFamily="18" charset="0"/>
-                          </a:rPr>
-                          <m:t>𝑐</m:t>
-                        </m:r>
-                        <m:r>
-                          <a:rPr lang="en-US" i="1">
-                            <a:latin typeface="Cambria Math" panose="02040503050406030204" pitchFamily="18" charset="0"/>
-                          </a:rPr>
-                          <m:t>−</m:t>
-                        </m:r>
-                        <m:r>
-                          <a:rPr lang="en-US" i="1">
-                            <a:latin typeface="Cambria Math" panose="02040503050406030204" pitchFamily="18" charset="0"/>
-                          </a:rPr>
-                          <m:t>𝑠</m:t>
-                        </m:r>
-                      </m:sub>
-                      <m:sup>
-                        <m:r>
-                          <a:rPr lang="en-US" i="1">
-                            <a:latin typeface="Cambria Math" panose="02040503050406030204" pitchFamily="18" charset="0"/>
-                          </a:rPr>
-                          <m:t>𝑐</m:t>
-                        </m:r>
-                        <m:r>
-                          <a:rPr lang="en-US" i="1">
-                            <a:latin typeface="Cambria Math" panose="02040503050406030204" pitchFamily="18" charset="0"/>
-                          </a:rPr>
-                          <m:t>−1</m:t>
-                        </m:r>
-                      </m:sup>
-                      <m:e>
-                        <m:sSub>
-                          <m:sSubPr>
-                            <m:ctrlPr>
-                              <a:rPr lang="en-US" i="1">
-                                <a:latin typeface="Cambria Math" panose="02040503050406030204" pitchFamily="18" charset="0"/>
-                              </a:rPr>
-                            </m:ctrlPr>
-                          </m:sSubPr>
-                          <m:e>
-                            <m:r>
-                              <a:rPr lang="en-US" i="1">
-                                <a:latin typeface="Cambria Math" panose="02040503050406030204" pitchFamily="18" charset="0"/>
-                              </a:rPr>
-                              <m:t>𝑢</m:t>
-                            </m:r>
-                          </m:e>
-                          <m:sub>
-                            <m:r>
-                              <a:rPr lang="en-US" i="1">
-                                <a:latin typeface="Cambria Math" panose="02040503050406030204" pitchFamily="18" charset="0"/>
-                              </a:rPr>
-                              <m:t>𝑝</m:t>
-                            </m:r>
-                            <m:r>
-                              <a:rPr lang="en-US" i="1">
-                                <a:latin typeface="Cambria Math" panose="02040503050406030204" pitchFamily="18" charset="0"/>
-                              </a:rPr>
-                              <m:t>,</m:t>
-                            </m:r>
-                            <m:sSup>
-                              <m:sSupPr>
-                                <m:ctrlPr>
-                                  <a:rPr lang="en-US" i="1">
-                                    <a:latin typeface="Cambria Math" panose="02040503050406030204" pitchFamily="18" charset="0"/>
-                                  </a:rPr>
-                                </m:ctrlPr>
-                              </m:sSupPr>
-                              <m:e>
-                                <m:r>
-                                  <a:rPr lang="en-US" i="1">
-                                    <a:latin typeface="Cambria Math" panose="02040503050406030204" pitchFamily="18" charset="0"/>
-                                  </a:rPr>
-                                  <m:t>𝑐</m:t>
-                                </m:r>
-                              </m:e>
-                              <m:sup>
-                                <m:r>
-                                  <a:rPr lang="en-US" i="1">
-                                    <a:latin typeface="Cambria Math" panose="02040503050406030204" pitchFamily="18" charset="0"/>
-                                  </a:rPr>
-                                  <m:t>′</m:t>
-                                </m:r>
-                              </m:sup>
-                            </m:sSup>
-                          </m:sub>
-                        </m:sSub>
-                      </m:e>
-                    </m:nary>
-                    <m:r>
-                      <a:rPr lang="en-US" i="1">
-                        <a:latin typeface="Cambria Math" panose="02040503050406030204" pitchFamily="18" charset="0"/>
-                      </a:rPr>
-                      <m:t>+</m:t>
-                    </m:r>
-                    <m:nary>
-                      <m:naryPr>
-                        <m:chr m:val="∑"/>
-                        <m:supHide m:val="on"/>
-                        <m:ctrlPr>
-                          <a:rPr lang="en-US" i="1">
-                            <a:latin typeface="Cambria Math" panose="02040503050406030204" pitchFamily="18" charset="0"/>
-                          </a:rPr>
-                        </m:ctrlPr>
-                      </m:naryPr>
-                      <m:sub>
-                        <m:d>
-                          <m:dPr>
-                            <m:ctrlPr>
-                              <a:rPr lang="en-US" i="1">
-                                <a:latin typeface="Cambria Math" panose="02040503050406030204" pitchFamily="18" charset="0"/>
-                              </a:rPr>
-                            </m:ctrlPr>
-                          </m:dPr>
-                          <m:e>
-                            <m:sSup>
-                              <m:sSupPr>
-                                <m:ctrlPr>
-                                  <a:rPr lang="en-US" i="1">
-                                    <a:latin typeface="Cambria Math" panose="02040503050406030204" pitchFamily="18" charset="0"/>
-                                  </a:rPr>
-                                </m:ctrlPr>
-                              </m:sSupPr>
-                              <m:e>
-                                <m:r>
-                                  <a:rPr lang="en-US" i="1">
-                                    <a:latin typeface="Cambria Math" panose="02040503050406030204" pitchFamily="18" charset="0"/>
-                                  </a:rPr>
-                                  <m:t>𝑝</m:t>
-                                </m:r>
-                              </m:e>
-                              <m:sup>
-                                <m:r>
-                                  <a:rPr lang="en-US" i="1">
-                                    <a:latin typeface="Cambria Math" panose="02040503050406030204" pitchFamily="18" charset="0"/>
-                                  </a:rPr>
-                                  <m:t>′</m:t>
-                                </m:r>
-                              </m:sup>
-                            </m:sSup>
-                            <m:r>
-                              <a:rPr lang="en-US" i="1">
-                                <a:latin typeface="Cambria Math" panose="02040503050406030204" pitchFamily="18" charset="0"/>
-                              </a:rPr>
-                              <m:t>,</m:t>
-                            </m:r>
-                            <m:sSup>
-                              <m:sSupPr>
-                                <m:ctrlPr>
-                                  <a:rPr lang="en-US" i="1">
-                                    <a:latin typeface="Cambria Math" panose="02040503050406030204" pitchFamily="18" charset="0"/>
-                                  </a:rPr>
-                                </m:ctrlPr>
-                              </m:sSupPr>
-                              <m:e>
-                                <m:r>
-                                  <a:rPr lang="en-US" i="1">
-                                    <a:latin typeface="Cambria Math" panose="02040503050406030204" pitchFamily="18" charset="0"/>
-                                  </a:rPr>
-                                  <m:t>𝑐</m:t>
-                                </m:r>
-                              </m:e>
-                              <m:sup>
-                                <m:r>
-                                  <a:rPr lang="en-US" i="1">
-                                    <a:latin typeface="Cambria Math" panose="02040503050406030204" pitchFamily="18" charset="0"/>
-                                  </a:rPr>
-                                  <m:t>′</m:t>
-                                </m:r>
-                              </m:sup>
-                            </m:sSup>
-                          </m:e>
-                        </m:d>
-                        <m:r>
-                          <a:rPr lang="en-US" i="1">
-                            <a:latin typeface="Cambria Math" panose="02040503050406030204" pitchFamily="18" charset="0"/>
-                          </a:rPr>
-                          <m:t>∈</m:t>
-                        </m:r>
-                        <m:sSub>
-                          <m:sSubPr>
-                            <m:ctrlPr>
-                              <a:rPr lang="en-US" i="1">
-                                <a:latin typeface="Cambria Math" panose="02040503050406030204" pitchFamily="18" charset="0"/>
-                              </a:rPr>
-                            </m:ctrlPr>
-                          </m:sSubPr>
-                          <m:e>
-                            <m:r>
-                              <a:rPr lang="en-US" i="1">
-                                <a:latin typeface="Cambria Math" panose="02040503050406030204" pitchFamily="18" charset="0"/>
-                              </a:rPr>
-                              <m:t>𝑆</m:t>
-                            </m:r>
-                          </m:e>
-                          <m:sub>
-                            <m:r>
-                              <a:rPr lang="en-US" i="1">
-                                <a:latin typeface="Cambria Math" panose="02040503050406030204" pitchFamily="18" charset="0"/>
-                              </a:rPr>
-                              <m:t>𝑝</m:t>
-                            </m:r>
-                            <m:r>
-                              <a:rPr lang="en-US" i="1">
-                                <a:latin typeface="Cambria Math" panose="02040503050406030204" pitchFamily="18" charset="0"/>
-                              </a:rPr>
-                              <m:t>,</m:t>
-                            </m:r>
-                            <m:r>
-                              <a:rPr lang="en-US" i="1">
-                                <a:latin typeface="Cambria Math" panose="02040503050406030204" pitchFamily="18" charset="0"/>
-                              </a:rPr>
-                              <m:t>𝑐</m:t>
-                            </m:r>
-                          </m:sub>
-                        </m:sSub>
-                      </m:sub>
-                      <m:sup/>
-                      <m:e>
-                        <m:sSub>
-                          <m:sSubPr>
-                            <m:ctrlPr>
-                              <a:rPr lang="en-US" i="1">
-                                <a:latin typeface="Cambria Math" panose="02040503050406030204" pitchFamily="18" charset="0"/>
-                              </a:rPr>
-                            </m:ctrlPr>
-                          </m:sSubPr>
-                          <m:e>
-                            <m:r>
-                              <a:rPr lang="en-US" i="1">
-                                <a:latin typeface="Cambria Math" panose="02040503050406030204" pitchFamily="18" charset="0"/>
-                              </a:rPr>
-                              <m:t>𝑢</m:t>
-                            </m:r>
-                          </m:e>
-                          <m:sub>
-                            <m:sSup>
-                              <m:sSupPr>
-                                <m:ctrlPr>
-                                  <a:rPr lang="en-US" i="1">
-                                    <a:latin typeface="Cambria Math" panose="02040503050406030204" pitchFamily="18" charset="0"/>
-                                  </a:rPr>
-                                </m:ctrlPr>
-                              </m:sSupPr>
-                              <m:e>
-                                <m:r>
-                                  <a:rPr lang="en-US" i="1">
-                                    <a:latin typeface="Cambria Math" panose="02040503050406030204" pitchFamily="18" charset="0"/>
-                                  </a:rPr>
-                                  <m:t>𝑝</m:t>
-                                </m:r>
-                              </m:e>
-                              <m:sup>
-                                <m:r>
-                                  <a:rPr lang="en-US" i="1">
-                                    <a:latin typeface="Cambria Math" panose="02040503050406030204" pitchFamily="18" charset="0"/>
-                                  </a:rPr>
-                                  <m:t>′</m:t>
-                                </m:r>
-                              </m:sup>
-                            </m:sSup>
-                            <m:r>
-                              <a:rPr lang="en-US" i="1">
-                                <a:latin typeface="Cambria Math" panose="02040503050406030204" pitchFamily="18" charset="0"/>
-                              </a:rPr>
-                              <m:t>,</m:t>
-                            </m:r>
-                            <m:sSup>
-                              <m:sSupPr>
-                                <m:ctrlPr>
-                                  <a:rPr lang="en-US" i="1">
-                                    <a:latin typeface="Cambria Math" panose="02040503050406030204" pitchFamily="18" charset="0"/>
-                                  </a:rPr>
-                                </m:ctrlPr>
-                              </m:sSupPr>
-                              <m:e>
-                                <m:r>
-                                  <a:rPr lang="en-US" i="1">
-                                    <a:latin typeface="Cambria Math" panose="02040503050406030204" pitchFamily="18" charset="0"/>
-                                  </a:rPr>
-                                  <m:t>𝑐</m:t>
-                                </m:r>
-                              </m:e>
-                              <m:sup>
-                                <m:r>
-                                  <a:rPr lang="en-US" i="1">
-                                    <a:latin typeface="Cambria Math" panose="02040503050406030204" pitchFamily="18" charset="0"/>
-                                  </a:rPr>
-                                  <m:t>′</m:t>
-                                </m:r>
-                              </m:sup>
-                            </m:sSup>
-                          </m:sub>
-                        </m:sSub>
-                      </m:e>
-                    </m:nary>
-                  </m:oMath>
-                </a14:m>
-                <a:endParaRPr lang="en-US" dirty="0"/>
-              </a:p>
-              <a:p>
-                <a:r>
-                  <a:rPr lang="en-US" dirty="0" smtClean="0"/>
-                  <a:t>Downpour 	</a:t>
-                </a:r>
-              </a:p>
-              <a:p>
-                <a:pPr lvl="1"/>
-                <a:r>
-                  <a:rPr lang="en-US" dirty="0" smtClean="0"/>
-                  <a:t>When the step of a worker up to </a:t>
-                </a:r>
-                <a14:m>
-                  <m:oMath xmlns:m="http://schemas.openxmlformats.org/officeDocument/2006/math">
-                    <m:sSub>
-                      <m:sSubPr>
-                        <m:ctrlPr>
-                          <a:rPr lang="en-US" b="0" i="1" smtClean="0">
-                            <a:latin typeface="Cambria Math" panose="02040503050406030204" pitchFamily="18" charset="0"/>
-                          </a:rPr>
-                        </m:ctrlPr>
-                      </m:sSubPr>
-                      <m:e>
-                        <m:r>
-                          <a:rPr lang="en-US" b="0" i="1" smtClean="0">
-                            <a:latin typeface="Cambria Math" panose="02040503050406030204" pitchFamily="18" charset="0"/>
-                          </a:rPr>
-                          <m:t>𝑛</m:t>
-                        </m:r>
-                      </m:e>
-                      <m:sub>
-                        <m:r>
-                          <a:rPr lang="en-US" b="0" i="1" smtClean="0">
-                            <a:latin typeface="Cambria Math" panose="02040503050406030204" pitchFamily="18" charset="0"/>
-                          </a:rPr>
-                          <m:t>𝑓𝑒𝑡𝑐h</m:t>
-                        </m:r>
-                      </m:sub>
-                    </m:sSub>
-                  </m:oMath>
-                </a14:m>
-                <a:r>
-                  <a:rPr lang="en-US" dirty="0" smtClean="0"/>
-                  <a:t> </a:t>
-                </a:r>
-                <a:r>
-                  <a:rPr lang="zh-CN" altLang="en-US" dirty="0" smtClean="0"/>
-                  <a:t>，</a:t>
-                </a:r>
-                <a:r>
-                  <a:rPr lang="en-US" altLang="zh-CN" dirty="0" smtClean="0"/>
-                  <a:t>ask for </a:t>
-                </a:r>
-                <a14:m>
-                  <m:oMath xmlns:m="http://schemas.openxmlformats.org/officeDocument/2006/math">
-                    <m:r>
-                      <a:rPr lang="en-US" i="1">
-                        <a:latin typeface="Cambria Math" panose="02040503050406030204" pitchFamily="18" charset="0"/>
-                      </a:rPr>
-                      <m:t>𝜃</m:t>
-                    </m:r>
-                  </m:oMath>
-                </a14:m>
-                <a:endParaRPr lang="en-US" dirty="0"/>
-              </a:p>
-              <a:p>
-                <a:pPr lvl="1"/>
-                <a:r>
-                  <a:rPr lang="en-US" dirty="0" smtClean="0"/>
-                  <a:t>Worker do SGD , save parameters and gradient</a:t>
-                </a:r>
-              </a:p>
-              <a:p>
-                <a:pPr lvl="1"/>
-                <a:r>
-                  <a:rPr lang="en-US" dirty="0" smtClean="0"/>
-                  <a:t>When the step of a worker up to </a:t>
-                </a:r>
-                <a14:m>
-                  <m:oMath xmlns:m="http://schemas.openxmlformats.org/officeDocument/2006/math">
-                    <m:sSub>
-                      <m:sSubPr>
-                        <m:ctrlPr>
-                          <a:rPr lang="en-US" i="1">
-                            <a:latin typeface="Cambria Math" panose="02040503050406030204" pitchFamily="18" charset="0"/>
-                          </a:rPr>
-                        </m:ctrlPr>
-                      </m:sSubPr>
-                      <m:e>
-                        <m:r>
-                          <a:rPr lang="en-US" i="1">
-                            <a:latin typeface="Cambria Math" panose="02040503050406030204" pitchFamily="18" charset="0"/>
-                          </a:rPr>
-                          <m:t>𝑛</m:t>
-                        </m:r>
-                      </m:e>
-                      <m:sub>
-                        <m:r>
-                          <a:rPr lang="en-US" b="0" i="1" smtClean="0">
-                            <a:latin typeface="Cambria Math" panose="02040503050406030204" pitchFamily="18" charset="0"/>
-                          </a:rPr>
-                          <m:t>𝑝𝑢𝑠h</m:t>
-                        </m:r>
-                      </m:sub>
-                    </m:sSub>
-                    <m:r>
-                      <a:rPr lang="en-US" b="0" i="0" smtClean="0">
-                        <a:latin typeface="Cambria Math" panose="02040503050406030204" pitchFamily="18" charset="0"/>
-                      </a:rPr>
-                      <m:t> </m:t>
-                    </m:r>
-                  </m:oMath>
-                </a14:m>
-                <a:r>
-                  <a:rPr lang="en-US" dirty="0" smtClean="0"/>
-                  <a:t> , push all gradient to the master</a:t>
-                </a:r>
-              </a:p>
-              <a:p>
-                <a:pPr lvl="1"/>
-                <a:endParaRPr lang="en-US" dirty="0" smtClean="0"/>
-              </a:p>
-              <a:p>
-                <a:endParaRPr lang="en-US" dirty="0"/>
+                <a:endParaRPr lang="en-US" sz="3200" dirty="0"/>
               </a:p>
             </p:txBody>
           </p:sp>
@@ -10984,13 +11548,13 @@
             </p:nvSpPr>
             <p:spPr>
               <a:xfrm>
-                <a:off x="470065" y="1409988"/>
+                <a:off x="1084214" y="1068794"/>
                 <a:ext cx="10515600" cy="5295611"/>
               </a:xfrm>
               <a:blipFill>
                 <a:blip r:embed="rId2"/>
                 <a:stretch>
-                  <a:fillRect l="-348" t="-1841"/>
+                  <a:fillRect l="-1333" t="-2417"/>
                 </a:stretch>
               </a:blipFill>
             </p:spPr>
@@ -10999,7 +11563,7 @@
               <a:lstStyle/>
               <a:p>
                 <a:r>
-                  <a:rPr lang="en-US">
+                  <a:rPr lang="zh-CN" altLang="en-US">
                     <a:noFill/>
                   </a:rPr>
                   <a:t> </a:t>
@@ -11019,10 +11583,977 @@
   <p:clrMapOvr>
     <a:masterClrMapping/>
   </p:clrMapOvr>
+  <p:timing>
+    <p:tnLst>
+      <p:par>
+        <p:cTn id="1" dur="indefinite" restart="never" nodeType="tmRoot"/>
+      </p:par>
+    </p:tnLst>
+  </p:timing>
 </p:sld>
 </file>
 
 <file path=ppt/slides/slide8.xml><?xml version="1.0" encoding="utf-8"?>
+<p:sld xmlns:a="http://schemas.openxmlformats.org/drawingml/2006/main" xmlns:r="http://schemas.openxmlformats.org/officeDocument/2006/relationships" xmlns:p="http://schemas.openxmlformats.org/presentationml/2006/main">
+  <p:cSld>
+    <p:spTree>
+      <p:nvGrpSpPr>
+        <p:cNvPr id="1" name=""/>
+        <p:cNvGrpSpPr/>
+        <p:nvPr/>
+      </p:nvGrpSpPr>
+      <p:grpSpPr>
+        <a:xfrm>
+          <a:off x="0" y="0"/>
+          <a:ext cx="0" cy="0"/>
+          <a:chOff x="0" y="0"/>
+          <a:chExt cx="0" cy="0"/>
+        </a:xfrm>
+      </p:grpSpPr>
+      <p:sp>
+        <p:nvSpPr>
+          <p:cNvPr id="2" name="Title 1"/>
+          <p:cNvSpPr>
+            <a:spLocks noGrp="1"/>
+          </p:cNvSpPr>
+          <p:nvPr>
+            <p:ph type="title"/>
+          </p:nvPr>
+        </p:nvSpPr>
+        <p:spPr>
+          <a:xfrm>
+            <a:off x="838200" y="78517"/>
+            <a:ext cx="10515600" cy="1325563"/>
+          </a:xfrm>
+        </p:spPr>
+        <p:txBody>
+          <a:bodyPr/>
+          <a:lstStyle/>
+          <a:p>
+            <a:pPr algn="ctr"/>
+            <a:r>
+              <a:rPr lang="en-US" dirty="0"/>
+              <a:t>Under parameter </a:t>
+            </a:r>
+            <a:r>
+              <a:rPr lang="en-US" dirty="0" smtClean="0"/>
+              <a:t>server</a:t>
+            </a:r>
+            <a:endParaRPr lang="en-US" dirty="0"/>
+          </a:p>
+        </p:txBody>
+      </p:sp>
+      <mc:AlternateContent xmlns:mc="http://schemas.openxmlformats.org/markup-compatibility/2006">
+        <mc:Choice xmlns:a14="http://schemas.microsoft.com/office/drawing/2010/main" Requires="a14">
+          <p:sp>
+            <p:nvSpPr>
+              <p:cNvPr id="3" name="Content Placeholder 2"/>
+              <p:cNvSpPr>
+                <a:spLocks noGrp="1"/>
+              </p:cNvSpPr>
+              <p:nvPr>
+                <p:ph idx="1"/>
+              </p:nvPr>
+            </p:nvSpPr>
+            <p:spPr>
+              <a:xfrm>
+                <a:off x="893144" y="1218919"/>
+                <a:ext cx="10515600" cy="5295611"/>
+              </a:xfrm>
+            </p:spPr>
+            <p:txBody>
+              <a:bodyPr>
+                <a:noAutofit/>
+              </a:bodyPr>
+              <a:lstStyle/>
+              <a:p>
+                <a:r>
+                  <a:rPr lang="en-US" altLang="zh-CN" sz="3200" dirty="0"/>
+                  <a:t>SSP</a:t>
+                </a:r>
+              </a:p>
+              <a:p>
+                <a:pPr lvl="1"/>
+                <a:r>
+                  <a:rPr lang="en-US" altLang="zh-CN" dirty="0"/>
+                  <a:t>When a worker asks for </a:t>
+                </a:r>
+                <a14:m>
+                  <m:oMath xmlns:m="http://schemas.openxmlformats.org/officeDocument/2006/math">
+                    <m:r>
+                      <m:rPr>
+                        <m:sty m:val="p"/>
+                      </m:rPr>
+                      <a:rPr lang="en-US" altLang="zh-CN" i="1">
+                        <a:latin typeface="Cambria Math" panose="02040503050406030204" pitchFamily="18" charset="0"/>
+                      </a:rPr>
+                      <m:t>θ</m:t>
+                    </m:r>
+                  </m:oMath>
+                </a14:m>
+                <a:r>
+                  <a:rPr lang="en-US" altLang="zh-CN" dirty="0"/>
+                  <a:t> , the master give  it a stale version of </a:t>
+                </a:r>
+                <a14:m>
+                  <m:oMath xmlns:m="http://schemas.openxmlformats.org/officeDocument/2006/math">
+                    <m:r>
+                      <a:rPr lang="en-US" altLang="zh-CN" i="1">
+                        <a:latin typeface="Cambria Math" panose="02040503050406030204" pitchFamily="18" charset="0"/>
+                      </a:rPr>
+                      <m:t>𝜃</m:t>
+                    </m:r>
+                  </m:oMath>
+                </a14:m>
+                <a:r>
+                  <a:rPr lang="en-US" altLang="zh-CN" dirty="0"/>
+                  <a:t>(three part)</a:t>
+                </a:r>
+              </a:p>
+              <a:p>
+                <a:pPr lvl="1"/>
+                <a:r>
+                  <a:rPr lang="en-US" altLang="zh-CN" dirty="0"/>
+                  <a:t>The worker computes the gradient</a:t>
+                </a:r>
+              </a:p>
+              <a:p>
+                <a:pPr lvl="1"/>
+                <a:r>
+                  <a:rPr lang="en-US" altLang="zh-CN" dirty="0"/>
+                  <a:t>The worker saves and pushes the gradient and ask another version of </a:t>
+                </a:r>
+                <a14:m>
+                  <m:oMath xmlns:m="http://schemas.openxmlformats.org/officeDocument/2006/math">
+                    <m:r>
+                      <a:rPr lang="en-US" altLang="zh-CN" i="1">
+                        <a:latin typeface="Cambria Math" panose="02040503050406030204" pitchFamily="18" charset="0"/>
+                      </a:rPr>
+                      <m:t>𝜃</m:t>
+                    </m:r>
+                  </m:oMath>
+                </a14:m>
+                <a:endParaRPr lang="en-US" altLang="zh-CN" dirty="0"/>
+              </a:p>
+              <a:p>
+                <a:pPr lvl="1"/>
+                <a14:m>
+                  <m:oMath xmlns:m="http://schemas.openxmlformats.org/officeDocument/2006/math">
+                    <m:sSub>
+                      <m:sSubPr>
+                        <m:ctrlPr>
+                          <a:rPr lang="en-US" altLang="zh-CN" i="1">
+                            <a:latin typeface="Cambria Math" panose="02040503050406030204" pitchFamily="18" charset="0"/>
+                          </a:rPr>
+                        </m:ctrlPr>
+                      </m:sSubPr>
+                      <m:e>
+                        <m:acc>
+                          <m:accPr>
+                            <m:chr m:val="̂"/>
+                            <m:ctrlPr>
+                              <a:rPr lang="en-US" altLang="zh-CN" i="1">
+                                <a:latin typeface="Cambria Math" panose="02040503050406030204" pitchFamily="18" charset="0"/>
+                              </a:rPr>
+                            </m:ctrlPr>
+                          </m:accPr>
+                          <m:e>
+                            <m:r>
+                              <a:rPr lang="en-US" altLang="zh-CN" i="1">
+                                <a:latin typeface="Cambria Math" panose="02040503050406030204" pitchFamily="18" charset="0"/>
+                              </a:rPr>
+                              <m:t>𝑥</m:t>
+                            </m:r>
+                          </m:e>
+                        </m:acc>
+                      </m:e>
+                      <m:sub>
+                        <m:r>
+                          <a:rPr lang="en-US" altLang="zh-CN" i="1">
+                            <a:latin typeface="Cambria Math" panose="02040503050406030204" pitchFamily="18" charset="0"/>
+                          </a:rPr>
+                          <m:t>𝑝</m:t>
+                        </m:r>
+                        <m:r>
+                          <a:rPr lang="en-US" altLang="zh-CN" i="1">
+                            <a:latin typeface="Cambria Math" panose="02040503050406030204" pitchFamily="18" charset="0"/>
+                          </a:rPr>
+                          <m:t>,</m:t>
+                        </m:r>
+                        <m:r>
+                          <a:rPr lang="en-US" altLang="zh-CN" i="1">
+                            <a:latin typeface="Cambria Math" panose="02040503050406030204" pitchFamily="18" charset="0"/>
+                          </a:rPr>
+                          <m:t>𝑐</m:t>
+                        </m:r>
+                      </m:sub>
+                    </m:sSub>
+                    <m:r>
+                      <a:rPr lang="en-US" altLang="zh-CN" i="1">
+                        <a:latin typeface="Cambria Math" panose="02040503050406030204" pitchFamily="18" charset="0"/>
+                      </a:rPr>
+                      <m:t>=</m:t>
+                    </m:r>
+                    <m:sSub>
+                      <m:sSubPr>
+                        <m:ctrlPr>
+                          <a:rPr lang="en-US" altLang="zh-CN" i="1">
+                            <a:latin typeface="Cambria Math" panose="02040503050406030204" pitchFamily="18" charset="0"/>
+                          </a:rPr>
+                        </m:ctrlPr>
+                      </m:sSubPr>
+                      <m:e>
+                        <m:r>
+                          <a:rPr lang="en-US" altLang="zh-CN" i="1">
+                            <a:latin typeface="Cambria Math" panose="02040503050406030204" pitchFamily="18" charset="0"/>
+                          </a:rPr>
+                          <m:t>𝑥</m:t>
+                        </m:r>
+                      </m:e>
+                      <m:sub>
+                        <m:r>
+                          <a:rPr lang="en-US" altLang="zh-CN" i="1">
+                            <a:latin typeface="Cambria Math" panose="02040503050406030204" pitchFamily="18" charset="0"/>
+                          </a:rPr>
+                          <m:t>0</m:t>
+                        </m:r>
+                      </m:sub>
+                    </m:sSub>
+                    <m:r>
+                      <a:rPr lang="en-US" altLang="zh-CN" i="1">
+                        <a:latin typeface="Cambria Math" panose="02040503050406030204" pitchFamily="18" charset="0"/>
+                      </a:rPr>
+                      <m:t>+</m:t>
+                    </m:r>
+                    <m:nary>
+                      <m:naryPr>
+                        <m:chr m:val="∑"/>
+                        <m:ctrlPr>
+                          <a:rPr lang="en-US" altLang="zh-CN" i="1">
+                            <a:latin typeface="Cambria Math" panose="02040503050406030204" pitchFamily="18" charset="0"/>
+                          </a:rPr>
+                        </m:ctrlPr>
+                      </m:naryPr>
+                      <m:sub>
+                        <m:sSup>
+                          <m:sSupPr>
+                            <m:ctrlPr>
+                              <a:rPr lang="en-US" altLang="zh-CN" i="1">
+                                <a:latin typeface="Cambria Math" panose="02040503050406030204" pitchFamily="18" charset="0"/>
+                              </a:rPr>
+                            </m:ctrlPr>
+                          </m:sSupPr>
+                          <m:e>
+                            <m:r>
+                              <a:rPr lang="en-US" altLang="zh-CN" i="1">
+                                <a:latin typeface="Cambria Math" panose="02040503050406030204" pitchFamily="18" charset="0"/>
+                              </a:rPr>
+                              <m:t>𝑝</m:t>
+                            </m:r>
+                          </m:e>
+                          <m:sup>
+                            <m:r>
+                              <a:rPr lang="en-US" altLang="zh-CN" i="1">
+                                <a:latin typeface="Cambria Math" panose="02040503050406030204" pitchFamily="18" charset="0"/>
+                              </a:rPr>
+                              <m:t>′</m:t>
+                            </m:r>
+                          </m:sup>
+                        </m:sSup>
+                        <m:r>
+                          <a:rPr lang="en-US" altLang="zh-CN" i="1">
+                            <a:latin typeface="Cambria Math" panose="02040503050406030204" pitchFamily="18" charset="0"/>
+                          </a:rPr>
+                          <m:t>=1</m:t>
+                        </m:r>
+                      </m:sub>
+                      <m:sup>
+                        <m:r>
+                          <a:rPr lang="en-US" altLang="zh-CN" i="1">
+                            <a:latin typeface="Cambria Math" panose="02040503050406030204" pitchFamily="18" charset="0"/>
+                          </a:rPr>
+                          <m:t>𝑃</m:t>
+                        </m:r>
+                      </m:sup>
+                      <m:e>
+                        <m:nary>
+                          <m:naryPr>
+                            <m:chr m:val="∑"/>
+                            <m:ctrlPr>
+                              <a:rPr lang="en-US" altLang="zh-CN" i="1">
+                                <a:latin typeface="Cambria Math" panose="02040503050406030204" pitchFamily="18" charset="0"/>
+                              </a:rPr>
+                            </m:ctrlPr>
+                          </m:naryPr>
+                          <m:sub>
+                            <m:sSup>
+                              <m:sSupPr>
+                                <m:ctrlPr>
+                                  <a:rPr lang="en-US" altLang="zh-CN" i="1">
+                                    <a:latin typeface="Cambria Math" panose="02040503050406030204" pitchFamily="18" charset="0"/>
+                                  </a:rPr>
+                                </m:ctrlPr>
+                              </m:sSupPr>
+                              <m:e>
+                                <m:r>
+                                  <a:rPr lang="en-US" altLang="zh-CN" i="1">
+                                    <a:latin typeface="Cambria Math" panose="02040503050406030204" pitchFamily="18" charset="0"/>
+                                  </a:rPr>
+                                  <m:t>𝑐</m:t>
+                                </m:r>
+                              </m:e>
+                              <m:sup>
+                                <m:r>
+                                  <a:rPr lang="en-US" altLang="zh-CN" i="1">
+                                    <a:latin typeface="Cambria Math" panose="02040503050406030204" pitchFamily="18" charset="0"/>
+                                  </a:rPr>
+                                  <m:t>′</m:t>
+                                </m:r>
+                              </m:sup>
+                            </m:sSup>
+                            <m:r>
+                              <a:rPr lang="en-US" altLang="zh-CN" i="1">
+                                <a:latin typeface="Cambria Math" panose="02040503050406030204" pitchFamily="18" charset="0"/>
+                              </a:rPr>
+                              <m:t>=1</m:t>
+                            </m:r>
+                          </m:sub>
+                          <m:sup>
+                            <m:r>
+                              <a:rPr lang="en-US" altLang="zh-CN" i="1">
+                                <a:latin typeface="Cambria Math" panose="02040503050406030204" pitchFamily="18" charset="0"/>
+                              </a:rPr>
+                              <m:t>𝑐</m:t>
+                            </m:r>
+                            <m:r>
+                              <a:rPr lang="en-US" altLang="zh-CN" i="1">
+                                <a:latin typeface="Cambria Math" panose="02040503050406030204" pitchFamily="18" charset="0"/>
+                              </a:rPr>
+                              <m:t>−</m:t>
+                            </m:r>
+                            <m:r>
+                              <a:rPr lang="en-US" altLang="zh-CN" i="1">
+                                <a:latin typeface="Cambria Math" panose="02040503050406030204" pitchFamily="18" charset="0"/>
+                              </a:rPr>
+                              <m:t>𝑠</m:t>
+                            </m:r>
+                            <m:r>
+                              <a:rPr lang="en-US" altLang="zh-CN" i="1">
+                                <a:latin typeface="Cambria Math" panose="02040503050406030204" pitchFamily="18" charset="0"/>
+                              </a:rPr>
+                              <m:t>−1</m:t>
+                            </m:r>
+                          </m:sup>
+                          <m:e>
+                            <m:sSub>
+                              <m:sSubPr>
+                                <m:ctrlPr>
+                                  <a:rPr lang="en-US" altLang="zh-CN" i="1">
+                                    <a:latin typeface="Cambria Math" panose="02040503050406030204" pitchFamily="18" charset="0"/>
+                                  </a:rPr>
+                                </m:ctrlPr>
+                              </m:sSubPr>
+                              <m:e>
+                                <m:r>
+                                  <a:rPr lang="en-US" altLang="zh-CN" i="1">
+                                    <a:latin typeface="Cambria Math" panose="02040503050406030204" pitchFamily="18" charset="0"/>
+                                  </a:rPr>
+                                  <m:t>𝑢</m:t>
+                                </m:r>
+                              </m:e>
+                              <m:sub>
+                                <m:sSup>
+                                  <m:sSupPr>
+                                    <m:ctrlPr>
+                                      <a:rPr lang="en-US" altLang="zh-CN" i="1">
+                                        <a:latin typeface="Cambria Math" panose="02040503050406030204" pitchFamily="18" charset="0"/>
+                                      </a:rPr>
+                                    </m:ctrlPr>
+                                  </m:sSupPr>
+                                  <m:e>
+                                    <m:r>
+                                      <a:rPr lang="en-US" altLang="zh-CN" i="1">
+                                        <a:latin typeface="Cambria Math" panose="02040503050406030204" pitchFamily="18" charset="0"/>
+                                      </a:rPr>
+                                      <m:t>𝑝</m:t>
+                                    </m:r>
+                                  </m:e>
+                                  <m:sup>
+                                    <m:r>
+                                      <a:rPr lang="en-US" altLang="zh-CN" i="1">
+                                        <a:latin typeface="Cambria Math" panose="02040503050406030204" pitchFamily="18" charset="0"/>
+                                      </a:rPr>
+                                      <m:t>′</m:t>
+                                    </m:r>
+                                  </m:sup>
+                                </m:sSup>
+                                <m:r>
+                                  <a:rPr lang="en-US" altLang="zh-CN" i="1">
+                                    <a:latin typeface="Cambria Math" panose="02040503050406030204" pitchFamily="18" charset="0"/>
+                                  </a:rPr>
+                                  <m:t>,</m:t>
+                                </m:r>
+                                <m:sSup>
+                                  <m:sSupPr>
+                                    <m:ctrlPr>
+                                      <a:rPr lang="en-US" altLang="zh-CN" i="1">
+                                        <a:latin typeface="Cambria Math" panose="02040503050406030204" pitchFamily="18" charset="0"/>
+                                      </a:rPr>
+                                    </m:ctrlPr>
+                                  </m:sSupPr>
+                                  <m:e>
+                                    <m:r>
+                                      <a:rPr lang="en-US" altLang="zh-CN" i="1">
+                                        <a:latin typeface="Cambria Math" panose="02040503050406030204" pitchFamily="18" charset="0"/>
+                                      </a:rPr>
+                                      <m:t>𝑐</m:t>
+                                    </m:r>
+                                  </m:e>
+                                  <m:sup>
+                                    <m:r>
+                                      <a:rPr lang="en-US" altLang="zh-CN" i="1">
+                                        <a:latin typeface="Cambria Math" panose="02040503050406030204" pitchFamily="18" charset="0"/>
+                                      </a:rPr>
+                                      <m:t>′</m:t>
+                                    </m:r>
+                                  </m:sup>
+                                </m:sSup>
+                              </m:sub>
+                            </m:sSub>
+                          </m:e>
+                        </m:nary>
+                      </m:e>
+                    </m:nary>
+                    <m:r>
+                      <a:rPr lang="en-US" altLang="zh-CN" i="1">
+                        <a:latin typeface="Cambria Math" panose="02040503050406030204" pitchFamily="18" charset="0"/>
+                      </a:rPr>
+                      <m:t>+</m:t>
+                    </m:r>
+                    <m:nary>
+                      <m:naryPr>
+                        <m:chr m:val="∑"/>
+                        <m:ctrlPr>
+                          <a:rPr lang="en-US" altLang="zh-CN" i="1">
+                            <a:latin typeface="Cambria Math" panose="02040503050406030204" pitchFamily="18" charset="0"/>
+                          </a:rPr>
+                        </m:ctrlPr>
+                      </m:naryPr>
+                      <m:sub>
+                        <m:sSup>
+                          <m:sSupPr>
+                            <m:ctrlPr>
+                              <a:rPr lang="en-US" altLang="zh-CN" i="1">
+                                <a:latin typeface="Cambria Math" panose="02040503050406030204" pitchFamily="18" charset="0"/>
+                              </a:rPr>
+                            </m:ctrlPr>
+                          </m:sSupPr>
+                          <m:e>
+                            <m:r>
+                              <a:rPr lang="en-US" altLang="zh-CN" i="1">
+                                <a:latin typeface="Cambria Math" panose="02040503050406030204" pitchFamily="18" charset="0"/>
+                              </a:rPr>
+                              <m:t>𝑐</m:t>
+                            </m:r>
+                          </m:e>
+                          <m:sup>
+                            <m:r>
+                              <a:rPr lang="en-US" altLang="zh-CN" i="1">
+                                <a:latin typeface="Cambria Math" panose="02040503050406030204" pitchFamily="18" charset="0"/>
+                              </a:rPr>
+                              <m:t>′</m:t>
+                            </m:r>
+                          </m:sup>
+                        </m:sSup>
+                        <m:r>
+                          <a:rPr lang="en-US" altLang="zh-CN" i="1">
+                            <a:latin typeface="Cambria Math" panose="02040503050406030204" pitchFamily="18" charset="0"/>
+                          </a:rPr>
+                          <m:t>=</m:t>
+                        </m:r>
+                        <m:r>
+                          <a:rPr lang="en-US" altLang="zh-CN" i="1">
+                            <a:latin typeface="Cambria Math" panose="02040503050406030204" pitchFamily="18" charset="0"/>
+                          </a:rPr>
+                          <m:t>𝑐</m:t>
+                        </m:r>
+                        <m:r>
+                          <a:rPr lang="en-US" altLang="zh-CN" i="1">
+                            <a:latin typeface="Cambria Math" panose="02040503050406030204" pitchFamily="18" charset="0"/>
+                          </a:rPr>
+                          <m:t>−</m:t>
+                        </m:r>
+                        <m:r>
+                          <a:rPr lang="en-US" altLang="zh-CN" i="1">
+                            <a:latin typeface="Cambria Math" panose="02040503050406030204" pitchFamily="18" charset="0"/>
+                          </a:rPr>
+                          <m:t>𝑠</m:t>
+                        </m:r>
+                      </m:sub>
+                      <m:sup>
+                        <m:r>
+                          <a:rPr lang="en-US" altLang="zh-CN" i="1">
+                            <a:latin typeface="Cambria Math" panose="02040503050406030204" pitchFamily="18" charset="0"/>
+                          </a:rPr>
+                          <m:t>𝑐</m:t>
+                        </m:r>
+                        <m:r>
+                          <a:rPr lang="en-US" altLang="zh-CN" i="1">
+                            <a:latin typeface="Cambria Math" panose="02040503050406030204" pitchFamily="18" charset="0"/>
+                          </a:rPr>
+                          <m:t>−1</m:t>
+                        </m:r>
+                      </m:sup>
+                      <m:e>
+                        <m:sSub>
+                          <m:sSubPr>
+                            <m:ctrlPr>
+                              <a:rPr lang="en-US" altLang="zh-CN" i="1">
+                                <a:latin typeface="Cambria Math" panose="02040503050406030204" pitchFamily="18" charset="0"/>
+                              </a:rPr>
+                            </m:ctrlPr>
+                          </m:sSubPr>
+                          <m:e>
+                            <m:r>
+                              <a:rPr lang="en-US" altLang="zh-CN" i="1">
+                                <a:latin typeface="Cambria Math" panose="02040503050406030204" pitchFamily="18" charset="0"/>
+                              </a:rPr>
+                              <m:t>𝑢</m:t>
+                            </m:r>
+                          </m:e>
+                          <m:sub>
+                            <m:r>
+                              <a:rPr lang="en-US" altLang="zh-CN" i="1">
+                                <a:latin typeface="Cambria Math" panose="02040503050406030204" pitchFamily="18" charset="0"/>
+                              </a:rPr>
+                              <m:t>𝑝</m:t>
+                            </m:r>
+                            <m:r>
+                              <a:rPr lang="en-US" altLang="zh-CN" i="1">
+                                <a:latin typeface="Cambria Math" panose="02040503050406030204" pitchFamily="18" charset="0"/>
+                              </a:rPr>
+                              <m:t>,</m:t>
+                            </m:r>
+                            <m:sSup>
+                              <m:sSupPr>
+                                <m:ctrlPr>
+                                  <a:rPr lang="en-US" altLang="zh-CN" i="1">
+                                    <a:latin typeface="Cambria Math" panose="02040503050406030204" pitchFamily="18" charset="0"/>
+                                  </a:rPr>
+                                </m:ctrlPr>
+                              </m:sSupPr>
+                              <m:e>
+                                <m:r>
+                                  <a:rPr lang="en-US" altLang="zh-CN" i="1">
+                                    <a:latin typeface="Cambria Math" panose="02040503050406030204" pitchFamily="18" charset="0"/>
+                                  </a:rPr>
+                                  <m:t>𝑐</m:t>
+                                </m:r>
+                              </m:e>
+                              <m:sup>
+                                <m:r>
+                                  <a:rPr lang="en-US" altLang="zh-CN" i="1">
+                                    <a:latin typeface="Cambria Math" panose="02040503050406030204" pitchFamily="18" charset="0"/>
+                                  </a:rPr>
+                                  <m:t>′</m:t>
+                                </m:r>
+                              </m:sup>
+                            </m:sSup>
+                          </m:sub>
+                        </m:sSub>
+                      </m:e>
+                    </m:nary>
+                    <m:r>
+                      <a:rPr lang="en-US" altLang="zh-CN" i="1">
+                        <a:latin typeface="Cambria Math" panose="02040503050406030204" pitchFamily="18" charset="0"/>
+                      </a:rPr>
+                      <m:t>+</m:t>
+                    </m:r>
+                    <m:nary>
+                      <m:naryPr>
+                        <m:chr m:val="∑"/>
+                        <m:supHide m:val="on"/>
+                        <m:ctrlPr>
+                          <a:rPr lang="en-US" altLang="zh-CN" i="1">
+                            <a:latin typeface="Cambria Math" panose="02040503050406030204" pitchFamily="18" charset="0"/>
+                          </a:rPr>
+                        </m:ctrlPr>
+                      </m:naryPr>
+                      <m:sub>
+                        <m:d>
+                          <m:dPr>
+                            <m:ctrlPr>
+                              <a:rPr lang="en-US" altLang="zh-CN" i="1">
+                                <a:latin typeface="Cambria Math" panose="02040503050406030204" pitchFamily="18" charset="0"/>
+                              </a:rPr>
+                            </m:ctrlPr>
+                          </m:dPr>
+                          <m:e>
+                            <m:sSup>
+                              <m:sSupPr>
+                                <m:ctrlPr>
+                                  <a:rPr lang="en-US" altLang="zh-CN" i="1">
+                                    <a:latin typeface="Cambria Math" panose="02040503050406030204" pitchFamily="18" charset="0"/>
+                                  </a:rPr>
+                                </m:ctrlPr>
+                              </m:sSupPr>
+                              <m:e>
+                                <m:r>
+                                  <a:rPr lang="en-US" altLang="zh-CN" i="1">
+                                    <a:latin typeface="Cambria Math" panose="02040503050406030204" pitchFamily="18" charset="0"/>
+                                  </a:rPr>
+                                  <m:t>𝑝</m:t>
+                                </m:r>
+                              </m:e>
+                              <m:sup>
+                                <m:r>
+                                  <a:rPr lang="en-US" altLang="zh-CN" i="1">
+                                    <a:latin typeface="Cambria Math" panose="02040503050406030204" pitchFamily="18" charset="0"/>
+                                  </a:rPr>
+                                  <m:t>′</m:t>
+                                </m:r>
+                              </m:sup>
+                            </m:sSup>
+                            <m:r>
+                              <a:rPr lang="en-US" altLang="zh-CN" i="1">
+                                <a:latin typeface="Cambria Math" panose="02040503050406030204" pitchFamily="18" charset="0"/>
+                              </a:rPr>
+                              <m:t>,</m:t>
+                            </m:r>
+                            <m:sSup>
+                              <m:sSupPr>
+                                <m:ctrlPr>
+                                  <a:rPr lang="en-US" altLang="zh-CN" i="1">
+                                    <a:latin typeface="Cambria Math" panose="02040503050406030204" pitchFamily="18" charset="0"/>
+                                  </a:rPr>
+                                </m:ctrlPr>
+                              </m:sSupPr>
+                              <m:e>
+                                <m:r>
+                                  <a:rPr lang="en-US" altLang="zh-CN" i="1">
+                                    <a:latin typeface="Cambria Math" panose="02040503050406030204" pitchFamily="18" charset="0"/>
+                                  </a:rPr>
+                                  <m:t>𝑐</m:t>
+                                </m:r>
+                              </m:e>
+                              <m:sup>
+                                <m:r>
+                                  <a:rPr lang="en-US" altLang="zh-CN" i="1">
+                                    <a:latin typeface="Cambria Math" panose="02040503050406030204" pitchFamily="18" charset="0"/>
+                                  </a:rPr>
+                                  <m:t>′</m:t>
+                                </m:r>
+                              </m:sup>
+                            </m:sSup>
+                          </m:e>
+                        </m:d>
+                        <m:r>
+                          <a:rPr lang="en-US" altLang="zh-CN" i="1">
+                            <a:latin typeface="Cambria Math" panose="02040503050406030204" pitchFamily="18" charset="0"/>
+                          </a:rPr>
+                          <m:t>∈</m:t>
+                        </m:r>
+                        <m:sSub>
+                          <m:sSubPr>
+                            <m:ctrlPr>
+                              <a:rPr lang="en-US" altLang="zh-CN" i="1">
+                                <a:latin typeface="Cambria Math" panose="02040503050406030204" pitchFamily="18" charset="0"/>
+                              </a:rPr>
+                            </m:ctrlPr>
+                          </m:sSubPr>
+                          <m:e>
+                            <m:r>
+                              <a:rPr lang="en-US" altLang="zh-CN" i="1">
+                                <a:latin typeface="Cambria Math" panose="02040503050406030204" pitchFamily="18" charset="0"/>
+                              </a:rPr>
+                              <m:t>𝑆</m:t>
+                            </m:r>
+                          </m:e>
+                          <m:sub>
+                            <m:r>
+                              <a:rPr lang="en-US" altLang="zh-CN" i="1">
+                                <a:latin typeface="Cambria Math" panose="02040503050406030204" pitchFamily="18" charset="0"/>
+                              </a:rPr>
+                              <m:t>𝑝</m:t>
+                            </m:r>
+                            <m:r>
+                              <a:rPr lang="en-US" altLang="zh-CN" i="1">
+                                <a:latin typeface="Cambria Math" panose="02040503050406030204" pitchFamily="18" charset="0"/>
+                              </a:rPr>
+                              <m:t>,</m:t>
+                            </m:r>
+                            <m:r>
+                              <a:rPr lang="en-US" altLang="zh-CN" i="1">
+                                <a:latin typeface="Cambria Math" panose="02040503050406030204" pitchFamily="18" charset="0"/>
+                              </a:rPr>
+                              <m:t>𝑐</m:t>
+                            </m:r>
+                          </m:sub>
+                        </m:sSub>
+                      </m:sub>
+                      <m:sup/>
+                      <m:e>
+                        <m:sSub>
+                          <m:sSubPr>
+                            <m:ctrlPr>
+                              <a:rPr lang="en-US" altLang="zh-CN" i="1">
+                                <a:latin typeface="Cambria Math" panose="02040503050406030204" pitchFamily="18" charset="0"/>
+                              </a:rPr>
+                            </m:ctrlPr>
+                          </m:sSubPr>
+                          <m:e>
+                            <m:r>
+                              <a:rPr lang="en-US" altLang="zh-CN" i="1">
+                                <a:latin typeface="Cambria Math" panose="02040503050406030204" pitchFamily="18" charset="0"/>
+                              </a:rPr>
+                              <m:t>𝑢</m:t>
+                            </m:r>
+                          </m:e>
+                          <m:sub>
+                            <m:sSup>
+                              <m:sSupPr>
+                                <m:ctrlPr>
+                                  <a:rPr lang="en-US" altLang="zh-CN" i="1">
+                                    <a:latin typeface="Cambria Math" panose="02040503050406030204" pitchFamily="18" charset="0"/>
+                                  </a:rPr>
+                                </m:ctrlPr>
+                              </m:sSupPr>
+                              <m:e>
+                                <m:r>
+                                  <a:rPr lang="en-US" altLang="zh-CN" i="1">
+                                    <a:latin typeface="Cambria Math" panose="02040503050406030204" pitchFamily="18" charset="0"/>
+                                  </a:rPr>
+                                  <m:t>𝑝</m:t>
+                                </m:r>
+                              </m:e>
+                              <m:sup>
+                                <m:r>
+                                  <a:rPr lang="en-US" altLang="zh-CN" i="1">
+                                    <a:latin typeface="Cambria Math" panose="02040503050406030204" pitchFamily="18" charset="0"/>
+                                  </a:rPr>
+                                  <m:t>′</m:t>
+                                </m:r>
+                              </m:sup>
+                            </m:sSup>
+                            <m:r>
+                              <a:rPr lang="en-US" altLang="zh-CN" i="1">
+                                <a:latin typeface="Cambria Math" panose="02040503050406030204" pitchFamily="18" charset="0"/>
+                              </a:rPr>
+                              <m:t>,</m:t>
+                            </m:r>
+                            <m:sSup>
+                              <m:sSupPr>
+                                <m:ctrlPr>
+                                  <a:rPr lang="en-US" altLang="zh-CN" i="1">
+                                    <a:latin typeface="Cambria Math" panose="02040503050406030204" pitchFamily="18" charset="0"/>
+                                  </a:rPr>
+                                </m:ctrlPr>
+                              </m:sSupPr>
+                              <m:e>
+                                <m:r>
+                                  <a:rPr lang="en-US" altLang="zh-CN" i="1">
+                                    <a:latin typeface="Cambria Math" panose="02040503050406030204" pitchFamily="18" charset="0"/>
+                                  </a:rPr>
+                                  <m:t>𝑐</m:t>
+                                </m:r>
+                              </m:e>
+                              <m:sup>
+                                <m:r>
+                                  <a:rPr lang="en-US" altLang="zh-CN" i="1">
+                                    <a:latin typeface="Cambria Math" panose="02040503050406030204" pitchFamily="18" charset="0"/>
+                                  </a:rPr>
+                                  <m:t>′</m:t>
+                                </m:r>
+                              </m:sup>
+                            </m:sSup>
+                          </m:sub>
+                        </m:sSub>
+                      </m:e>
+                    </m:nary>
+                  </m:oMath>
+                </a14:m>
+                <a:endParaRPr lang="en-US" altLang="zh-CN" dirty="0"/>
+              </a:p>
+              <a:p>
+                <a:r>
+                  <a:rPr lang="en-US" altLang="zh-CN" sz="3200" dirty="0"/>
+                  <a:t>Downpour 	</a:t>
+                </a:r>
+              </a:p>
+              <a:p>
+                <a:pPr lvl="1"/>
+                <a:r>
+                  <a:rPr lang="en-US" altLang="zh-CN" dirty="0"/>
+                  <a:t>When the step of a worker up to </a:t>
+                </a:r>
+                <a14:m>
+                  <m:oMath xmlns:m="http://schemas.openxmlformats.org/officeDocument/2006/math">
+                    <m:sSub>
+                      <m:sSubPr>
+                        <m:ctrlPr>
+                          <a:rPr lang="en-US" altLang="zh-CN" i="1">
+                            <a:latin typeface="Cambria Math" panose="02040503050406030204" pitchFamily="18" charset="0"/>
+                          </a:rPr>
+                        </m:ctrlPr>
+                      </m:sSubPr>
+                      <m:e>
+                        <m:r>
+                          <a:rPr lang="en-US" altLang="zh-CN" i="1">
+                            <a:latin typeface="Cambria Math" panose="02040503050406030204" pitchFamily="18" charset="0"/>
+                          </a:rPr>
+                          <m:t>𝑛</m:t>
+                        </m:r>
+                      </m:e>
+                      <m:sub>
+                        <m:r>
+                          <a:rPr lang="en-US" altLang="zh-CN" i="1">
+                            <a:latin typeface="Cambria Math" panose="02040503050406030204" pitchFamily="18" charset="0"/>
+                          </a:rPr>
+                          <m:t>𝑓𝑒𝑡𝑐h</m:t>
+                        </m:r>
+                      </m:sub>
+                    </m:sSub>
+                  </m:oMath>
+                </a14:m>
+                <a:r>
+                  <a:rPr lang="en-US" altLang="zh-CN" dirty="0"/>
+                  <a:t> </a:t>
+                </a:r>
+                <a:r>
+                  <a:rPr lang="zh-CN" altLang="en-US" dirty="0"/>
+                  <a:t>，</a:t>
+                </a:r>
+                <a:r>
+                  <a:rPr lang="en-US" altLang="zh-CN" dirty="0"/>
+                  <a:t>ask for </a:t>
+                </a:r>
+                <a14:m>
+                  <m:oMath xmlns:m="http://schemas.openxmlformats.org/officeDocument/2006/math">
+                    <m:r>
+                      <a:rPr lang="en-US" altLang="zh-CN" i="1">
+                        <a:latin typeface="Cambria Math" panose="02040503050406030204" pitchFamily="18" charset="0"/>
+                      </a:rPr>
+                      <m:t>𝜃</m:t>
+                    </m:r>
+                  </m:oMath>
+                </a14:m>
+                <a:endParaRPr lang="en-US" altLang="zh-CN" dirty="0"/>
+              </a:p>
+              <a:p>
+                <a:pPr lvl="1"/>
+                <a:r>
+                  <a:rPr lang="en-US" altLang="zh-CN" dirty="0"/>
+                  <a:t>Worker do SGD , save parameters and gradient</a:t>
+                </a:r>
+              </a:p>
+              <a:p>
+                <a:pPr lvl="1"/>
+                <a:r>
+                  <a:rPr lang="en-US" altLang="zh-CN" dirty="0"/>
+                  <a:t>When the step of a worker up to </a:t>
+                </a:r>
+                <a14:m>
+                  <m:oMath xmlns:m="http://schemas.openxmlformats.org/officeDocument/2006/math">
+                    <m:sSub>
+                      <m:sSubPr>
+                        <m:ctrlPr>
+                          <a:rPr lang="en-US" altLang="zh-CN" i="1">
+                            <a:latin typeface="Cambria Math" panose="02040503050406030204" pitchFamily="18" charset="0"/>
+                          </a:rPr>
+                        </m:ctrlPr>
+                      </m:sSubPr>
+                      <m:e>
+                        <m:r>
+                          <a:rPr lang="en-US" altLang="zh-CN" i="1">
+                            <a:latin typeface="Cambria Math" panose="02040503050406030204" pitchFamily="18" charset="0"/>
+                          </a:rPr>
+                          <m:t>𝑛</m:t>
+                        </m:r>
+                      </m:e>
+                      <m:sub>
+                        <m:r>
+                          <a:rPr lang="en-US" altLang="zh-CN" i="1">
+                            <a:latin typeface="Cambria Math" panose="02040503050406030204" pitchFamily="18" charset="0"/>
+                          </a:rPr>
+                          <m:t>𝑝𝑢𝑠h</m:t>
+                        </m:r>
+                      </m:sub>
+                    </m:sSub>
+                    <m:r>
+                      <a:rPr lang="en-US" altLang="zh-CN">
+                        <a:latin typeface="Cambria Math" panose="02040503050406030204" pitchFamily="18" charset="0"/>
+                      </a:rPr>
+                      <m:t> </m:t>
+                    </m:r>
+                  </m:oMath>
+                </a14:m>
+                <a:r>
+                  <a:rPr lang="en-US" altLang="zh-CN" dirty="0"/>
+                  <a:t> , push all gradient to the master</a:t>
+                </a:r>
+              </a:p>
+            </p:txBody>
+          </p:sp>
+        </mc:Choice>
+        <mc:Fallback>
+          <p:sp>
+            <p:nvSpPr>
+              <p:cNvPr id="3" name="Content Placeholder 2"/>
+              <p:cNvSpPr>
+                <a:spLocks noGrp="1" noRot="1" noChangeAspect="1" noMove="1" noResize="1" noEditPoints="1" noAdjustHandles="1" noChangeArrowheads="1" noChangeShapeType="1" noTextEdit="1"/>
+              </p:cNvSpPr>
+              <p:nvPr>
+                <p:ph idx="1"/>
+              </p:nvPr>
+            </p:nvSpPr>
+            <p:spPr>
+              <a:xfrm>
+                <a:off x="893144" y="1218919"/>
+                <a:ext cx="10515600" cy="5295611"/>
+              </a:xfrm>
+              <a:blipFill>
+                <a:blip r:embed="rId2"/>
+                <a:stretch>
+                  <a:fillRect l="-1333" t="-2417"/>
+                </a:stretch>
+              </a:blipFill>
+            </p:spPr>
+            <p:txBody>
+              <a:bodyPr/>
+              <a:lstStyle/>
+              <a:p>
+                <a:r>
+                  <a:rPr lang="zh-CN" altLang="en-US">
+                    <a:noFill/>
+                  </a:rPr>
+                  <a:t> </a:t>
+                </a:r>
+              </a:p>
+            </p:txBody>
+          </p:sp>
+        </mc:Fallback>
+      </mc:AlternateContent>
+    </p:spTree>
+    <p:extLst>
+      <p:ext uri="{BB962C8B-B14F-4D97-AF65-F5344CB8AC3E}">
+        <p14:creationId xmlns:p14="http://schemas.microsoft.com/office/powerpoint/2010/main" val="2743040662"/>
+      </p:ext>
+    </p:extLst>
+  </p:cSld>
+  <p:clrMapOvr>
+    <a:masterClrMapping/>
+  </p:clrMapOvr>
+  <p:timing>
+    <p:tnLst>
+      <p:par>
+        <p:cTn id="1" dur="indefinite" restart="never" nodeType="tmRoot"/>
+      </p:par>
+    </p:tnLst>
+  </p:timing>
+</p:sld>
+</file>
+
+<file path=ppt/slides/slide9.xml><?xml version="1.0" encoding="utf-8"?>
 <p:sld xmlns:a="http://schemas.openxmlformats.org/drawingml/2006/main" xmlns:r="http://schemas.openxmlformats.org/officeDocument/2006/relationships" xmlns:p="http://schemas.openxmlformats.org/presentationml/2006/main">
   <p:cSld>
     <p:spTree>
@@ -11165,146 +12696,13 @@
   <p:clrMapOvr>
     <a:masterClrMapping/>
   </p:clrMapOvr>
-</p:sld>
-</file>
-
-<file path=ppt/slides/slide9.xml><?xml version="1.0" encoding="utf-8"?>
-<p:sld xmlns:a="http://schemas.openxmlformats.org/drawingml/2006/main" xmlns:r="http://schemas.openxmlformats.org/officeDocument/2006/relationships" xmlns:p="http://schemas.openxmlformats.org/presentationml/2006/main" show="0">
-  <p:cSld>
-    <p:spTree>
-      <p:nvGrpSpPr>
-        <p:cNvPr id="1" name=""/>
-        <p:cNvGrpSpPr/>
-        <p:nvPr/>
-      </p:nvGrpSpPr>
-      <p:grpSpPr>
-        <a:xfrm>
-          <a:off x="0" y="0"/>
-          <a:ext cx="0" cy="0"/>
-          <a:chOff x="0" y="0"/>
-          <a:chExt cx="0" cy="0"/>
-        </a:xfrm>
-      </p:grpSpPr>
-      <p:sp>
-        <p:nvSpPr>
-          <p:cNvPr id="2" name="Title 1"/>
-          <p:cNvSpPr>
-            <a:spLocks noGrp="1"/>
-          </p:cNvSpPr>
-          <p:nvPr>
-            <p:ph type="title"/>
-          </p:nvPr>
-        </p:nvSpPr>
-        <p:spPr/>
-        <p:txBody>
-          <a:bodyPr/>
-          <a:lstStyle/>
-          <a:p>
-            <a:endParaRPr lang="en-US" dirty="0"/>
-          </a:p>
-        </p:txBody>
-      </p:sp>
-      <p:pic>
-        <p:nvPicPr>
-          <p:cNvPr id="4" name="Content Placeholder 3"/>
-          <p:cNvPicPr>
-            <a:picLocks noGrp="1" noChangeAspect="1"/>
-          </p:cNvPicPr>
-          <p:nvPr>
-            <p:ph idx="1"/>
-          </p:nvPr>
-        </p:nvPicPr>
-        <p:blipFill>
-          <a:blip r:embed="rId2"/>
-          <a:stretch>
-            <a:fillRect/>
-          </a:stretch>
-        </p:blipFill>
-        <p:spPr>
-          <a:xfrm>
-            <a:off x="838200" y="1690688"/>
-            <a:ext cx="7534275" cy="2105025"/>
-          </a:xfrm>
-          <a:prstGeom prst="rect">
-            <a:avLst/>
-          </a:prstGeom>
-        </p:spPr>
-      </p:pic>
-      <p:sp>
-        <p:nvSpPr>
-          <p:cNvPr id="5" name="TextBox 4"/>
-          <p:cNvSpPr txBox="1"/>
-          <p:nvPr/>
-        </p:nvSpPr>
-        <p:spPr>
-          <a:xfrm>
-            <a:off x="1080655" y="4073236"/>
-            <a:ext cx="3633849" cy="369332"/>
-          </a:xfrm>
-          <a:prstGeom prst="rect">
-            <a:avLst/>
-          </a:prstGeom>
-          <a:noFill/>
-        </p:spPr>
-        <p:txBody>
-          <a:bodyPr wrap="square" rtlCol="0">
-            <a:spAutoFit/>
-          </a:bodyPr>
-          <a:lstStyle/>
-          <a:p>
-            <a:r>
-              <a:rPr lang="en-US" dirty="0" err="1"/>
-              <a:t>MapReduce</a:t>
-            </a:r>
-            <a:r>
-              <a:rPr lang="en-US" dirty="0"/>
-              <a:t> framework</a:t>
-            </a:r>
-          </a:p>
-        </p:txBody>
-      </p:sp>
-      <p:pic>
-        <p:nvPicPr>
-          <p:cNvPr id="3" name="图片 2"/>
-          <p:cNvPicPr>
-            <a:picLocks noChangeAspect="1"/>
-          </p:cNvPicPr>
-          <p:nvPr/>
-        </p:nvPicPr>
-        <p:blipFill>
-          <a:blip r:embed="rId3"/>
-          <a:stretch>
-            <a:fillRect/>
-          </a:stretch>
-        </p:blipFill>
-        <p:spPr>
-          <a:xfrm>
-            <a:off x="1080655" y="4442568"/>
-            <a:ext cx="9538045" cy="1912618"/>
-          </a:xfrm>
-          <a:prstGeom prst="rect">
-            <a:avLst/>
-          </a:prstGeom>
-        </p:spPr>
-      </p:pic>
-    </p:spTree>
-    <p:extLst>
-      <p:ext uri="{BB962C8B-B14F-4D97-AF65-F5344CB8AC3E}">
-        <p14:creationId xmlns:p14="http://schemas.microsoft.com/office/powerpoint/2010/main" val="952623810"/>
-      </p:ext>
-    </p:extLst>
-  </p:cSld>
-  <p:clrMapOvr>
-    <a:masterClrMapping/>
-  </p:clrMapOvr>
-  <mc:AlternateContent xmlns:mc="http://schemas.openxmlformats.org/markup-compatibility/2006">
-    <mc:Choice xmlns:p14="http://schemas.microsoft.com/office/powerpoint/2010/main" Requires="p14">
-      <p:transition spd="slow" p14:dur="2000"/>
-    </mc:Choice>
-    <mc:Fallback>
-      <p:transition spd="slow"/>
-    </mc:Fallback>
-  </mc:AlternateContent>
+  <p:timing>
+    <p:tnLst>
+      <p:par>
+        <p:cTn id="1" dur="indefinite" restart="never" nodeType="tmRoot"/>
+      </p:par>
+    </p:tnLst>
+  </p:timing>
 </p:sld>
 </file>
 
